--- a/slides/Week1_21.pptx
+++ b/slides/Week1_21.pptx
@@ -6,10 +6,10 @@
     <p:sldMasterId id="2147484255" r:id="rId2"/>
   </p:sldMasterIdLst>
   <p:notesMasterIdLst>
-    <p:notesMasterId r:id="rId63"/>
+    <p:notesMasterId r:id="rId61"/>
   </p:notesMasterIdLst>
   <p:handoutMasterIdLst>
-    <p:handoutMasterId r:id="rId64"/>
+    <p:handoutMasterId r:id="rId62"/>
   </p:handoutMasterIdLst>
   <p:sldIdLst>
     <p:sldId id="256" r:id="rId3"/>
@@ -46,32 +46,30 @@
     <p:sldId id="314" r:id="rId34"/>
     <p:sldId id="266" r:id="rId35"/>
     <p:sldId id="295" r:id="rId36"/>
-    <p:sldId id="296" r:id="rId37"/>
-    <p:sldId id="297" r:id="rId38"/>
-    <p:sldId id="298" r:id="rId39"/>
-    <p:sldId id="267" r:id="rId40"/>
-    <p:sldId id="299" r:id="rId41"/>
-    <p:sldId id="655" r:id="rId42"/>
-    <p:sldId id="262" r:id="rId43"/>
-    <p:sldId id="327" r:id="rId44"/>
-    <p:sldId id="986" r:id="rId45"/>
-    <p:sldId id="335" r:id="rId46"/>
-    <p:sldId id="334" r:id="rId47"/>
-    <p:sldId id="278" r:id="rId48"/>
-    <p:sldId id="317" r:id="rId49"/>
-    <p:sldId id="329" r:id="rId50"/>
-    <p:sldId id="268" r:id="rId51"/>
-    <p:sldId id="269" r:id="rId52"/>
-    <p:sldId id="312" r:id="rId53"/>
-    <p:sldId id="270" r:id="rId54"/>
-    <p:sldId id="271" r:id="rId55"/>
-    <p:sldId id="302" r:id="rId56"/>
-    <p:sldId id="272" r:id="rId57"/>
-    <p:sldId id="273" r:id="rId58"/>
-    <p:sldId id="274" r:id="rId59"/>
-    <p:sldId id="987" r:id="rId60"/>
-    <p:sldId id="330" r:id="rId61"/>
-    <p:sldId id="291" r:id="rId62"/>
+    <p:sldId id="298" r:id="rId37"/>
+    <p:sldId id="267" r:id="rId38"/>
+    <p:sldId id="299" r:id="rId39"/>
+    <p:sldId id="655" r:id="rId40"/>
+    <p:sldId id="262" r:id="rId41"/>
+    <p:sldId id="327" r:id="rId42"/>
+    <p:sldId id="986" r:id="rId43"/>
+    <p:sldId id="335" r:id="rId44"/>
+    <p:sldId id="334" r:id="rId45"/>
+    <p:sldId id="278" r:id="rId46"/>
+    <p:sldId id="317" r:id="rId47"/>
+    <p:sldId id="329" r:id="rId48"/>
+    <p:sldId id="268" r:id="rId49"/>
+    <p:sldId id="269" r:id="rId50"/>
+    <p:sldId id="312" r:id="rId51"/>
+    <p:sldId id="270" r:id="rId52"/>
+    <p:sldId id="271" r:id="rId53"/>
+    <p:sldId id="302" r:id="rId54"/>
+    <p:sldId id="272" r:id="rId55"/>
+    <p:sldId id="273" r:id="rId56"/>
+    <p:sldId id="274" r:id="rId57"/>
+    <p:sldId id="987" r:id="rId58"/>
+    <p:sldId id="330" r:id="rId59"/>
+    <p:sldId id="291" r:id="rId60"/>
   </p:sldIdLst>
   <p:sldSz cx="9144000" cy="6858000" type="screen4x3"/>
   <p:notesSz cx="6858000" cy="9144000"/>
@@ -676,10 +674,10 @@
           </a:ln>
           <a:extLst>
             <a:ext uri="{FAA26D3D-D897-4be2-8F04-BA451C77F1D7}">
-              <ma14:placeholderFlag xmlns:ma14="http://schemas.microsoft.com/office/mac/drawingml/2011/main" xmlns="" val="1"/>
+              <ma14:placeholderFlag xmlns="" xmlns:ma14="http://schemas.microsoft.com/office/mac/drawingml/2011/main" val="1"/>
             </a:ext>
             <a:ext uri="{909E8E84-426E-40dd-AFC4-6F175D3DCCD1}">
-              <a14:hiddenFill xmlns="" xmlns:a14="http://schemas.microsoft.com/office/drawing/2010/main">
+              <a14:hiddenFill xmlns:a14="http://schemas.microsoft.com/office/drawing/2010/main" xmlns="">
                 <a:solidFill>
                   <a:srgbClr val="FFFFFF"/>
                 </a:solidFill>
@@ -1212,14 +1210,14 @@
           <a:ln/>
           <a:extLst>
             <a:ext uri="{909E8E84-426E-40dd-AFC4-6F175D3DCCD1}">
-              <a14:hiddenFill xmlns="" xmlns:a14="http://schemas.microsoft.com/office/drawing/2010/main">
+              <a14:hiddenFill xmlns:a14="http://schemas.microsoft.com/office/drawing/2010/main" xmlns="">
                 <a:solidFill>
                   <a:srgbClr val="FFFFFF"/>
                 </a:solidFill>
               </a14:hiddenFill>
             </a:ext>
             <a:ext uri="{91240B29-F687-4f45-9708-019B960494DF}">
-              <a14:hiddenLine xmlns="" xmlns:a14="http://schemas.microsoft.com/office/drawing/2010/main" w="9525">
+              <a14:hiddenLine xmlns:a14="http://schemas.microsoft.com/office/drawing/2010/main" xmlns="" w="9525">
                 <a:solidFill>
                   <a:srgbClr val="000000"/>
                 </a:solidFill>
@@ -1379,17 +1377,17 @@
           <a:ln/>
           <a:extLst>
             <a:ext uri="{FAA26D3D-D897-4be2-8F04-BA451C77F1D7}">
-              <ma14:placeholderFlag xmlns:ma14="http://schemas.microsoft.com/office/mac/drawingml/2011/main" xmlns="" val="1"/>
+              <ma14:placeholderFlag xmlns="" xmlns:ma14="http://schemas.microsoft.com/office/mac/drawingml/2011/main" val="1"/>
             </a:ext>
             <a:ext uri="{909E8E84-426E-40dd-AFC4-6F175D3DCCD1}">
-              <a14:hiddenFill xmlns="" xmlns:a14="http://schemas.microsoft.com/office/drawing/2010/main">
+              <a14:hiddenFill xmlns:a14="http://schemas.microsoft.com/office/drawing/2010/main" xmlns="">
                 <a:solidFill>
                   <a:srgbClr val="FFFFFF"/>
                 </a:solidFill>
               </a14:hiddenFill>
             </a:ext>
             <a:ext uri="{91240B29-F687-4f45-9708-019B960494DF}">
-              <a14:hiddenLine xmlns="" xmlns:a14="http://schemas.microsoft.com/office/drawing/2010/main" w="9525">
+              <a14:hiddenLine xmlns:a14="http://schemas.microsoft.com/office/drawing/2010/main" xmlns="" w="9525">
                 <a:solidFill>
                   <a:srgbClr val="000000"/>
                 </a:solidFill>
@@ -1452,14 +1450,14 @@
           <a:ln/>
           <a:extLst>
             <a:ext uri="{909E8E84-426E-40dd-AFC4-6F175D3DCCD1}">
-              <a14:hiddenFill xmlns="" xmlns:a14="http://schemas.microsoft.com/office/drawing/2010/main">
+              <a14:hiddenFill xmlns:a14="http://schemas.microsoft.com/office/drawing/2010/main" xmlns="">
                 <a:solidFill>
                   <a:srgbClr val="FFFFFF"/>
                 </a:solidFill>
               </a14:hiddenFill>
             </a:ext>
             <a:ext uri="{91240B29-F687-4f45-9708-019B960494DF}">
-              <a14:hiddenLine xmlns="" xmlns:a14="http://schemas.microsoft.com/office/drawing/2010/main" w="9525">
+              <a14:hiddenLine xmlns:a14="http://schemas.microsoft.com/office/drawing/2010/main" xmlns="" w="9525">
                 <a:solidFill>
                   <a:srgbClr val="000000"/>
                 </a:solidFill>
@@ -1619,14 +1617,14 @@
           <a:ln/>
           <a:extLst>
             <a:ext uri="{909E8E84-426E-40dd-AFC4-6F175D3DCCD1}">
-              <a14:hiddenFill xmlns="" xmlns:a14="http://schemas.microsoft.com/office/drawing/2010/main">
+              <a14:hiddenFill xmlns:a14="http://schemas.microsoft.com/office/drawing/2010/main" xmlns="">
                 <a:solidFill>
                   <a:srgbClr val="FFFFFF"/>
                 </a:solidFill>
               </a14:hiddenFill>
             </a:ext>
             <a:ext uri="{91240B29-F687-4f45-9708-019B960494DF}">
-              <a14:hiddenLine xmlns="" xmlns:a14="http://schemas.microsoft.com/office/drawing/2010/main" w="9525">
+              <a14:hiddenLine xmlns:a14="http://schemas.microsoft.com/office/drawing/2010/main" xmlns="" w="9525">
                 <a:solidFill>
                   <a:srgbClr val="000000"/>
                 </a:solidFill>
@@ -1773,14 +1771,14 @@
           <a:ln/>
           <a:extLst>
             <a:ext uri="{909E8E84-426E-40dd-AFC4-6F175D3DCCD1}">
-              <a14:hiddenFill xmlns="" xmlns:a14="http://schemas.microsoft.com/office/drawing/2010/main">
+              <a14:hiddenFill xmlns:a14="http://schemas.microsoft.com/office/drawing/2010/main" xmlns="">
                 <a:solidFill>
                   <a:srgbClr val="FFFFFF"/>
                 </a:solidFill>
               </a14:hiddenFill>
             </a:ext>
             <a:ext uri="{91240B29-F687-4f45-9708-019B960494DF}">
-              <a14:hiddenLine xmlns="" xmlns:a14="http://schemas.microsoft.com/office/drawing/2010/main" w="9525">
+              <a14:hiddenLine xmlns:a14="http://schemas.microsoft.com/office/drawing/2010/main" xmlns="" w="9525">
                 <a:solidFill>
                   <a:srgbClr val="000000"/>
                 </a:solidFill>
@@ -1940,17 +1938,17 @@
           <a:ln/>
           <a:extLst>
             <a:ext uri="{FAA26D3D-D897-4be2-8F04-BA451C77F1D7}">
-              <ma14:placeholderFlag xmlns:ma14="http://schemas.microsoft.com/office/mac/drawingml/2011/main" xmlns="" val="1"/>
+              <ma14:placeholderFlag xmlns="" xmlns:ma14="http://schemas.microsoft.com/office/mac/drawingml/2011/main" val="1"/>
             </a:ext>
             <a:ext uri="{909E8E84-426E-40dd-AFC4-6F175D3DCCD1}">
-              <a14:hiddenFill xmlns="" xmlns:a14="http://schemas.microsoft.com/office/drawing/2010/main">
+              <a14:hiddenFill xmlns:a14="http://schemas.microsoft.com/office/drawing/2010/main" xmlns="">
                 <a:solidFill>
                   <a:srgbClr val="FFFFFF"/>
                 </a:solidFill>
               </a14:hiddenFill>
             </a:ext>
             <a:ext uri="{91240B29-F687-4f45-9708-019B960494DF}">
-              <a14:hiddenLine xmlns="" xmlns:a14="http://schemas.microsoft.com/office/drawing/2010/main" w="9525">
+              <a14:hiddenLine xmlns:a14="http://schemas.microsoft.com/office/drawing/2010/main" xmlns="" w="9525">
                 <a:solidFill>
                   <a:srgbClr val="000000"/>
                 </a:solidFill>
@@ -2013,14 +2011,14 @@
           <a:ln/>
           <a:extLst>
             <a:ext uri="{909E8E84-426E-40dd-AFC4-6F175D3DCCD1}">
-              <a14:hiddenFill xmlns="" xmlns:a14="http://schemas.microsoft.com/office/drawing/2010/main">
+              <a14:hiddenFill xmlns:a14="http://schemas.microsoft.com/office/drawing/2010/main" xmlns="">
                 <a:solidFill>
                   <a:srgbClr val="FFFFFF"/>
                 </a:solidFill>
               </a14:hiddenFill>
             </a:ext>
             <a:ext uri="{91240B29-F687-4f45-9708-019B960494DF}">
-              <a14:hiddenLine xmlns="" xmlns:a14="http://schemas.microsoft.com/office/drawing/2010/main" w="9525">
+              <a14:hiddenLine xmlns:a14="http://schemas.microsoft.com/office/drawing/2010/main" xmlns="" w="9525">
                 <a:solidFill>
                   <a:srgbClr val="000000"/>
                 </a:solidFill>
@@ -2180,17 +2178,17 @@
           <a:ln/>
           <a:extLst>
             <a:ext uri="{FAA26D3D-D897-4be2-8F04-BA451C77F1D7}">
-              <ma14:placeholderFlag xmlns:ma14="http://schemas.microsoft.com/office/mac/drawingml/2011/main" xmlns="" val="1"/>
+              <ma14:placeholderFlag xmlns="" xmlns:ma14="http://schemas.microsoft.com/office/mac/drawingml/2011/main" val="1"/>
             </a:ext>
             <a:ext uri="{909E8E84-426E-40dd-AFC4-6F175D3DCCD1}">
-              <a14:hiddenFill xmlns="" xmlns:a14="http://schemas.microsoft.com/office/drawing/2010/main">
+              <a14:hiddenFill xmlns:a14="http://schemas.microsoft.com/office/drawing/2010/main" xmlns="">
                 <a:solidFill>
                   <a:srgbClr val="FFFFFF"/>
                 </a:solidFill>
               </a14:hiddenFill>
             </a:ext>
             <a:ext uri="{91240B29-F687-4f45-9708-019B960494DF}">
-              <a14:hiddenLine xmlns="" xmlns:a14="http://schemas.microsoft.com/office/drawing/2010/main" w="9525">
+              <a14:hiddenLine xmlns:a14="http://schemas.microsoft.com/office/drawing/2010/main" xmlns="" w="9525">
                 <a:solidFill>
                   <a:srgbClr val="000000"/>
                 </a:solidFill>
@@ -2253,14 +2251,14 @@
           <a:ln/>
           <a:extLst>
             <a:ext uri="{909E8E84-426E-40dd-AFC4-6F175D3DCCD1}">
-              <a14:hiddenFill xmlns="" xmlns:a14="http://schemas.microsoft.com/office/drawing/2010/main">
+              <a14:hiddenFill xmlns:a14="http://schemas.microsoft.com/office/drawing/2010/main" xmlns="">
                 <a:solidFill>
                   <a:srgbClr val="FFFFFF"/>
                 </a:solidFill>
               </a14:hiddenFill>
             </a:ext>
             <a:ext uri="{91240B29-F687-4f45-9708-019B960494DF}">
-              <a14:hiddenLine xmlns="" xmlns:a14="http://schemas.microsoft.com/office/drawing/2010/main" w="9525">
+              <a14:hiddenLine xmlns:a14="http://schemas.microsoft.com/office/drawing/2010/main" xmlns="" w="9525">
                 <a:solidFill>
                   <a:srgbClr val="000000"/>
                 </a:solidFill>
@@ -2420,17 +2418,17 @@
           <a:ln/>
           <a:extLst>
             <a:ext uri="{FAA26D3D-D897-4be2-8F04-BA451C77F1D7}">
-              <ma14:placeholderFlag xmlns:ma14="http://schemas.microsoft.com/office/mac/drawingml/2011/main" xmlns="" val="1"/>
+              <ma14:placeholderFlag xmlns="" xmlns:ma14="http://schemas.microsoft.com/office/mac/drawingml/2011/main" val="1"/>
             </a:ext>
             <a:ext uri="{909E8E84-426E-40dd-AFC4-6F175D3DCCD1}">
-              <a14:hiddenFill xmlns="" xmlns:a14="http://schemas.microsoft.com/office/drawing/2010/main">
+              <a14:hiddenFill xmlns:a14="http://schemas.microsoft.com/office/drawing/2010/main" xmlns="">
                 <a:solidFill>
                   <a:srgbClr val="FFFFFF"/>
                 </a:solidFill>
               </a14:hiddenFill>
             </a:ext>
             <a:ext uri="{91240B29-F687-4f45-9708-019B960494DF}">
-              <a14:hiddenLine xmlns="" xmlns:a14="http://schemas.microsoft.com/office/drawing/2010/main" w="9525">
+              <a14:hiddenLine xmlns:a14="http://schemas.microsoft.com/office/drawing/2010/main" xmlns="" w="9525">
                 <a:solidFill>
                   <a:srgbClr val="000000"/>
                 </a:solidFill>
@@ -2493,14 +2491,14 @@
           <a:ln/>
           <a:extLst>
             <a:ext uri="{909E8E84-426E-40dd-AFC4-6F175D3DCCD1}">
-              <a14:hiddenFill xmlns="" xmlns:a14="http://schemas.microsoft.com/office/drawing/2010/main">
+              <a14:hiddenFill xmlns:a14="http://schemas.microsoft.com/office/drawing/2010/main" xmlns="">
                 <a:solidFill>
                   <a:srgbClr val="FFFFFF"/>
                 </a:solidFill>
               </a14:hiddenFill>
             </a:ext>
             <a:ext uri="{91240B29-F687-4f45-9708-019B960494DF}">
-              <a14:hiddenLine xmlns="" xmlns:a14="http://schemas.microsoft.com/office/drawing/2010/main" w="9525">
+              <a14:hiddenLine xmlns:a14="http://schemas.microsoft.com/office/drawing/2010/main" xmlns="" w="9525">
                 <a:solidFill>
                   <a:srgbClr val="000000"/>
                 </a:solidFill>
@@ -2660,17 +2658,17 @@
           <a:ln/>
           <a:extLst>
             <a:ext uri="{FAA26D3D-D897-4be2-8F04-BA451C77F1D7}">
-              <ma14:placeholderFlag xmlns:ma14="http://schemas.microsoft.com/office/mac/drawingml/2011/main" xmlns="" val="1"/>
+              <ma14:placeholderFlag xmlns="" xmlns:ma14="http://schemas.microsoft.com/office/mac/drawingml/2011/main" val="1"/>
             </a:ext>
             <a:ext uri="{909E8E84-426E-40dd-AFC4-6F175D3DCCD1}">
-              <a14:hiddenFill xmlns="" xmlns:a14="http://schemas.microsoft.com/office/drawing/2010/main">
+              <a14:hiddenFill xmlns:a14="http://schemas.microsoft.com/office/drawing/2010/main" xmlns="">
                 <a:solidFill>
                   <a:srgbClr val="FFFFFF"/>
                 </a:solidFill>
               </a14:hiddenFill>
             </a:ext>
             <a:ext uri="{91240B29-F687-4f45-9708-019B960494DF}">
-              <a14:hiddenLine xmlns="" xmlns:a14="http://schemas.microsoft.com/office/drawing/2010/main" w="9525">
+              <a14:hiddenLine xmlns:a14="http://schemas.microsoft.com/office/drawing/2010/main" xmlns="" w="9525">
                 <a:solidFill>
                   <a:srgbClr val="000000"/>
                 </a:solidFill>
@@ -2733,14 +2731,14 @@
           <a:ln/>
           <a:extLst>
             <a:ext uri="{909E8E84-426E-40dd-AFC4-6F175D3DCCD1}">
-              <a14:hiddenFill xmlns="" xmlns:a14="http://schemas.microsoft.com/office/drawing/2010/main">
+              <a14:hiddenFill xmlns:a14="http://schemas.microsoft.com/office/drawing/2010/main" xmlns="">
                 <a:solidFill>
                   <a:srgbClr val="FFFFFF"/>
                 </a:solidFill>
               </a14:hiddenFill>
             </a:ext>
             <a:ext uri="{91240B29-F687-4f45-9708-019B960494DF}">
-              <a14:hiddenLine xmlns="" xmlns:a14="http://schemas.microsoft.com/office/drawing/2010/main" w="9525">
+              <a14:hiddenLine xmlns:a14="http://schemas.microsoft.com/office/drawing/2010/main" xmlns="" w="9525">
                 <a:solidFill>
                   <a:srgbClr val="000000"/>
                 </a:solidFill>
@@ -2900,17 +2898,17 @@
           <a:ln/>
           <a:extLst>
             <a:ext uri="{FAA26D3D-D897-4be2-8F04-BA451C77F1D7}">
-              <ma14:placeholderFlag xmlns:ma14="http://schemas.microsoft.com/office/mac/drawingml/2011/main" xmlns="" val="1"/>
+              <ma14:placeholderFlag xmlns="" xmlns:ma14="http://schemas.microsoft.com/office/mac/drawingml/2011/main" val="1"/>
             </a:ext>
             <a:ext uri="{909E8E84-426E-40dd-AFC4-6F175D3DCCD1}">
-              <a14:hiddenFill xmlns="" xmlns:a14="http://schemas.microsoft.com/office/drawing/2010/main">
+              <a14:hiddenFill xmlns:a14="http://schemas.microsoft.com/office/drawing/2010/main" xmlns="">
                 <a:solidFill>
                   <a:srgbClr val="FFFFFF"/>
                 </a:solidFill>
               </a14:hiddenFill>
             </a:ext>
             <a:ext uri="{91240B29-F687-4f45-9708-019B960494DF}">
-              <a14:hiddenLine xmlns="" xmlns:a14="http://schemas.microsoft.com/office/drawing/2010/main" w="9525">
+              <a14:hiddenLine xmlns:a14="http://schemas.microsoft.com/office/drawing/2010/main" xmlns="" w="9525">
                 <a:solidFill>
                   <a:srgbClr val="000000"/>
                 </a:solidFill>
@@ -3315,14 +3313,14 @@
           <a:ln/>
           <a:extLst>
             <a:ext uri="{909E8E84-426E-40dd-AFC4-6F175D3DCCD1}">
-              <a14:hiddenFill xmlns="" xmlns:a14="http://schemas.microsoft.com/office/drawing/2010/main">
+              <a14:hiddenFill xmlns:a14="http://schemas.microsoft.com/office/drawing/2010/main" xmlns="">
                 <a:solidFill>
                   <a:srgbClr val="FFFFFF"/>
                 </a:solidFill>
               </a14:hiddenFill>
             </a:ext>
             <a:ext uri="{91240B29-F687-4f45-9708-019B960494DF}">
-              <a14:hiddenLine xmlns="" xmlns:a14="http://schemas.microsoft.com/office/drawing/2010/main" w="9525">
+              <a14:hiddenLine xmlns:a14="http://schemas.microsoft.com/office/drawing/2010/main" xmlns="" w="9525">
                 <a:solidFill>
                   <a:srgbClr val="000000"/>
                 </a:solidFill>
@@ -3482,14 +3480,14 @@
           <a:ln/>
           <a:extLst>
             <a:ext uri="{909E8E84-426E-40dd-AFC4-6F175D3DCCD1}">
-              <a14:hiddenFill xmlns="" xmlns:a14="http://schemas.microsoft.com/office/drawing/2010/main">
+              <a14:hiddenFill xmlns:a14="http://schemas.microsoft.com/office/drawing/2010/main" xmlns="">
                 <a:solidFill>
                   <a:srgbClr val="FFFFFF"/>
                 </a:solidFill>
               </a14:hiddenFill>
             </a:ext>
             <a:ext uri="{91240B29-F687-4f45-9708-019B960494DF}">
-              <a14:hiddenLine xmlns="" xmlns:a14="http://schemas.microsoft.com/office/drawing/2010/main" w="9525">
+              <a14:hiddenLine xmlns:a14="http://schemas.microsoft.com/office/drawing/2010/main" xmlns="" w="9525">
                 <a:solidFill>
                   <a:srgbClr val="000000"/>
                 </a:solidFill>
@@ -3727,14 +3725,14 @@
           <a:ln/>
           <a:extLst>
             <a:ext uri="{909E8E84-426E-40dd-AFC4-6F175D3DCCD1}">
-              <a14:hiddenFill xmlns="" xmlns:a14="http://schemas.microsoft.com/office/drawing/2010/main">
+              <a14:hiddenFill xmlns:a14="http://schemas.microsoft.com/office/drawing/2010/main" xmlns="">
                 <a:solidFill>
                   <a:srgbClr val="FFFFFF"/>
                 </a:solidFill>
               </a14:hiddenFill>
             </a:ext>
             <a:ext uri="{91240B29-F687-4f45-9708-019B960494DF}">
-              <a14:hiddenLine xmlns="" xmlns:a14="http://schemas.microsoft.com/office/drawing/2010/main" w="9525">
+              <a14:hiddenLine xmlns:a14="http://schemas.microsoft.com/office/drawing/2010/main" xmlns="" w="9525">
                 <a:solidFill>
                   <a:srgbClr val="000000"/>
                 </a:solidFill>
@@ -3894,14 +3892,14 @@
           <a:ln/>
           <a:extLst>
             <a:ext uri="{909E8E84-426E-40dd-AFC4-6F175D3DCCD1}">
-              <a14:hiddenFill xmlns="" xmlns:a14="http://schemas.microsoft.com/office/drawing/2010/main">
+              <a14:hiddenFill xmlns:a14="http://schemas.microsoft.com/office/drawing/2010/main" xmlns="">
                 <a:solidFill>
                   <a:srgbClr val="FFFFFF"/>
                 </a:solidFill>
               </a14:hiddenFill>
             </a:ext>
             <a:ext uri="{91240B29-F687-4f45-9708-019B960494DF}">
-              <a14:hiddenLine xmlns="" xmlns:a14="http://schemas.microsoft.com/office/drawing/2010/main" w="9525">
+              <a14:hiddenLine xmlns:a14="http://schemas.microsoft.com/office/drawing/2010/main" xmlns="" w="9525">
                 <a:solidFill>
                   <a:srgbClr val="000000"/>
                 </a:solidFill>
@@ -3964,14 +3962,14 @@
           <a:ln/>
           <a:extLst>
             <a:ext uri="{909E8E84-426E-40dd-AFC4-6F175D3DCCD1}">
-              <a14:hiddenFill xmlns="" xmlns:a14="http://schemas.microsoft.com/office/drawing/2010/main">
+              <a14:hiddenFill xmlns:a14="http://schemas.microsoft.com/office/drawing/2010/main" xmlns="">
                 <a:solidFill>
                   <a:srgbClr val="FFFFFF"/>
                 </a:solidFill>
               </a14:hiddenFill>
             </a:ext>
             <a:ext uri="{91240B29-F687-4f45-9708-019B960494DF}">
-              <a14:hiddenLine xmlns="" xmlns:a14="http://schemas.microsoft.com/office/drawing/2010/main" w="9525">
+              <a14:hiddenLine xmlns:a14="http://schemas.microsoft.com/office/drawing/2010/main" xmlns="" w="9525">
                 <a:solidFill>
                   <a:srgbClr val="000000"/>
                 </a:solidFill>
@@ -4096,7 +4094,7 @@
             <a:fld id="{A5855750-A17A-E94E-AEF1-EACED5612839}" type="slidenum">
               <a:rPr lang="en-US" sz="1200"/>
               <a:pPr/>
-              <a:t>38</a:t>
+              <a:t>36</a:t>
             </a:fld>
             <a:endParaRPr lang="en-US" sz="1200"/>
           </a:p>
@@ -4131,17 +4129,17 @@
           <a:ln/>
           <a:extLst>
             <a:ext uri="{FAA26D3D-D897-4be2-8F04-BA451C77F1D7}">
-              <ma14:placeholderFlag xmlns:ma14="http://schemas.microsoft.com/office/mac/drawingml/2011/main" xmlns="" val="1"/>
+              <ma14:placeholderFlag xmlns="" xmlns:ma14="http://schemas.microsoft.com/office/mac/drawingml/2011/main" val="1"/>
             </a:ext>
             <a:ext uri="{909E8E84-426E-40dd-AFC4-6F175D3DCCD1}">
-              <a14:hiddenFill xmlns="" xmlns:a14="http://schemas.microsoft.com/office/drawing/2010/main">
+              <a14:hiddenFill xmlns:a14="http://schemas.microsoft.com/office/drawing/2010/main" xmlns="">
                 <a:solidFill>
                   <a:srgbClr val="FFFFFF"/>
                 </a:solidFill>
               </a14:hiddenFill>
             </a:ext>
             <a:ext uri="{91240B29-F687-4f45-9708-019B960494DF}">
-              <a14:hiddenLine xmlns="" xmlns:a14="http://schemas.microsoft.com/office/drawing/2010/main" w="9525">
+              <a14:hiddenLine xmlns:a14="http://schemas.microsoft.com/office/drawing/2010/main" xmlns="" w="9525">
                 <a:solidFill>
                   <a:srgbClr val="000000"/>
                 </a:solidFill>
@@ -4237,7 +4235,7 @@
           <a:p>
             <a:fld id="{8641D13A-4A86-9F48-967B-A19337ADEEDC}" type="slidenum">
               <a:rPr lang="en-US" smtClean="0"/>
-              <a:t>40</a:t>
+              <a:t>38</a:t>
             </a:fld>
             <a:endParaRPr lang="en-US"/>
           </a:p>
@@ -4288,14 +4286,14 @@
           <a:ln/>
           <a:extLst>
             <a:ext uri="{909E8E84-426E-40dd-AFC4-6F175D3DCCD1}">
-              <a14:hiddenFill xmlns="" xmlns:a14="http://schemas.microsoft.com/office/drawing/2010/main">
+              <a14:hiddenFill xmlns:a14="http://schemas.microsoft.com/office/drawing/2010/main" xmlns="">
                 <a:solidFill>
                   <a:srgbClr val="FFFFFF"/>
                 </a:solidFill>
               </a14:hiddenFill>
             </a:ext>
             <a:ext uri="{91240B29-F687-4f45-9708-019B960494DF}">
-              <a14:hiddenLine xmlns="" xmlns:a14="http://schemas.microsoft.com/office/drawing/2010/main" w="9525">
+              <a14:hiddenLine xmlns:a14="http://schemas.microsoft.com/office/drawing/2010/main" xmlns="" w="9525">
                 <a:solidFill>
                   <a:srgbClr val="000000"/>
                 </a:solidFill>
@@ -4420,7 +4418,7 @@
             <a:fld id="{0E5F9029-71D2-D54D-9278-5D12C56428F8}" type="slidenum">
               <a:rPr lang="en-US" sz="1200"/>
               <a:pPr/>
-              <a:t>41</a:t>
+              <a:t>39</a:t>
             </a:fld>
             <a:endParaRPr lang="en-US" sz="1200"/>
           </a:p>
@@ -4455,14 +4453,14 @@
           <a:ln/>
           <a:extLst>
             <a:ext uri="{909E8E84-426E-40dd-AFC4-6F175D3DCCD1}">
-              <a14:hiddenFill xmlns="" xmlns:a14="http://schemas.microsoft.com/office/drawing/2010/main">
+              <a14:hiddenFill xmlns:a14="http://schemas.microsoft.com/office/drawing/2010/main" xmlns="">
                 <a:solidFill>
                   <a:srgbClr val="FFFFFF"/>
                 </a:solidFill>
               </a14:hiddenFill>
             </a:ext>
             <a:ext uri="{91240B29-F687-4f45-9708-019B960494DF}">
-              <a14:hiddenLine xmlns="" xmlns:a14="http://schemas.microsoft.com/office/drawing/2010/main" w="9525">
+              <a14:hiddenLine xmlns:a14="http://schemas.microsoft.com/office/drawing/2010/main" xmlns="" w="9525">
                 <a:solidFill>
                   <a:srgbClr val="000000"/>
                 </a:solidFill>
@@ -4558,7 +4556,7 @@
           <a:p>
             <a:fld id="{71295B12-301F-5043-8F46-0683F5BD73FC}" type="slidenum">
               <a:rPr lang="en-US" smtClean="0"/>
-              <a:t>42</a:t>
+              <a:t>40</a:t>
             </a:fld>
             <a:endParaRPr lang="en-US"/>
           </a:p>
@@ -4642,7 +4640,7 @@
           <a:p>
             <a:fld id="{8641D13A-4A86-9F48-967B-A19337ADEEDC}" type="slidenum">
               <a:rPr lang="en-US" smtClean="0"/>
-              <a:t>44</a:t>
+              <a:t>42</a:t>
             </a:fld>
             <a:endParaRPr lang="en-US"/>
           </a:p>
@@ -4826,7 +4824,7 @@
                 </a:solidFill>
               </a:rPr>
               <a:pPr/>
-              <a:t>45</a:t>
+              <a:t>43</a:t>
             </a:fld>
             <a:endParaRPr lang="en-US">
               <a:solidFill>
@@ -4881,14 +4879,14 @@
           <a:ln/>
           <a:extLst>
             <a:ext uri="{909E8E84-426E-40dd-AFC4-6F175D3DCCD1}">
-              <a14:hiddenFill xmlns="" xmlns:a14="http://schemas.microsoft.com/office/drawing/2010/main">
+              <a14:hiddenFill xmlns:a14="http://schemas.microsoft.com/office/drawing/2010/main" xmlns="">
                 <a:solidFill>
                   <a:srgbClr val="FFFFFF"/>
                 </a:solidFill>
               </a14:hiddenFill>
             </a:ext>
             <a:ext uri="{91240B29-F687-4f45-9708-019B960494DF}">
-              <a14:hiddenLine xmlns="" xmlns:a14="http://schemas.microsoft.com/office/drawing/2010/main" w="9525">
+              <a14:hiddenLine xmlns:a14="http://schemas.microsoft.com/office/drawing/2010/main" xmlns="" w="9525">
                 <a:solidFill>
                   <a:srgbClr val="000000"/>
                 </a:solidFill>
@@ -5013,7 +5011,7 @@
             <a:fld id="{14664885-D90F-CA46-9208-B4E0FFB8E486}" type="slidenum">
               <a:rPr lang="en-US" sz="1200"/>
               <a:pPr/>
-              <a:t>46</a:t>
+              <a:t>44</a:t>
             </a:fld>
             <a:endParaRPr lang="en-US" sz="1200"/>
           </a:p>
@@ -5048,14 +5046,14 @@
           <a:ln/>
           <a:extLst>
             <a:ext uri="{909E8E84-426E-40dd-AFC4-6F175D3DCCD1}">
-              <a14:hiddenFill xmlns="" xmlns:a14="http://schemas.microsoft.com/office/drawing/2010/main">
+              <a14:hiddenFill xmlns:a14="http://schemas.microsoft.com/office/drawing/2010/main" xmlns="">
                 <a:solidFill>
                   <a:srgbClr val="FFFFFF"/>
                 </a:solidFill>
               </a14:hiddenFill>
             </a:ext>
             <a:ext uri="{91240B29-F687-4f45-9708-019B960494DF}">
-              <a14:hiddenLine xmlns="" xmlns:a14="http://schemas.microsoft.com/office/drawing/2010/main" w="9525">
+              <a14:hiddenLine xmlns:a14="http://schemas.microsoft.com/office/drawing/2010/main" xmlns="" w="9525">
                 <a:solidFill>
                   <a:srgbClr val="000000"/>
                 </a:solidFill>
@@ -5118,14 +5116,14 @@
           <a:ln/>
           <a:extLst>
             <a:ext uri="{909E8E84-426E-40dd-AFC4-6F175D3DCCD1}">
-              <a14:hiddenFill xmlns="" xmlns:a14="http://schemas.microsoft.com/office/drawing/2010/main">
+              <a14:hiddenFill xmlns:a14="http://schemas.microsoft.com/office/drawing/2010/main" xmlns="">
                 <a:solidFill>
                   <a:srgbClr val="FFFFFF"/>
                 </a:solidFill>
               </a14:hiddenFill>
             </a:ext>
             <a:ext uri="{91240B29-F687-4f45-9708-019B960494DF}">
-              <a14:hiddenLine xmlns="" xmlns:a14="http://schemas.microsoft.com/office/drawing/2010/main" w="9525">
+              <a14:hiddenLine xmlns:a14="http://schemas.microsoft.com/office/drawing/2010/main" xmlns="" w="9525">
                 <a:solidFill>
                   <a:srgbClr val="000000"/>
                 </a:solidFill>
@@ -5250,7 +5248,7 @@
             <a:fld id="{758C720E-3690-A048-BD60-395647C57C88}" type="slidenum">
               <a:rPr lang="en-US" sz="1200"/>
               <a:pPr/>
-              <a:t>47</a:t>
+              <a:t>45</a:t>
             </a:fld>
             <a:endParaRPr lang="en-US" sz="1200"/>
           </a:p>
@@ -5285,17 +5283,17 @@
           <a:ln/>
           <a:extLst>
             <a:ext uri="{FAA26D3D-D897-4be2-8F04-BA451C77F1D7}">
-              <ma14:placeholderFlag xmlns:ma14="http://schemas.microsoft.com/office/mac/drawingml/2011/main" xmlns="" val="1"/>
+              <ma14:placeholderFlag xmlns="" xmlns:ma14="http://schemas.microsoft.com/office/mac/drawingml/2011/main" val="1"/>
             </a:ext>
             <a:ext uri="{909E8E84-426E-40dd-AFC4-6F175D3DCCD1}">
-              <a14:hiddenFill xmlns="" xmlns:a14="http://schemas.microsoft.com/office/drawing/2010/main">
+              <a14:hiddenFill xmlns:a14="http://schemas.microsoft.com/office/drawing/2010/main" xmlns="">
                 <a:solidFill>
                   <a:srgbClr val="FFFFFF"/>
                 </a:solidFill>
               </a14:hiddenFill>
             </a:ext>
             <a:ext uri="{91240B29-F687-4f45-9708-019B960494DF}">
-              <a14:hiddenLine xmlns="" xmlns:a14="http://schemas.microsoft.com/office/drawing/2010/main" w="9525">
+              <a14:hiddenLine xmlns:a14="http://schemas.microsoft.com/office/drawing/2010/main" xmlns="" w="9525">
                 <a:solidFill>
                   <a:srgbClr val="000000"/>
                 </a:solidFill>
@@ -5358,14 +5356,14 @@
           <a:ln/>
           <a:extLst>
             <a:ext uri="{909E8E84-426E-40dd-AFC4-6F175D3DCCD1}">
-              <a14:hiddenFill xmlns="" xmlns:a14="http://schemas.microsoft.com/office/drawing/2010/main">
+              <a14:hiddenFill xmlns:a14="http://schemas.microsoft.com/office/drawing/2010/main" xmlns="">
                 <a:solidFill>
                   <a:srgbClr val="FFFFFF"/>
                 </a:solidFill>
               </a14:hiddenFill>
             </a:ext>
             <a:ext uri="{91240B29-F687-4f45-9708-019B960494DF}">
-              <a14:hiddenLine xmlns="" xmlns:a14="http://schemas.microsoft.com/office/drawing/2010/main" w="9525">
+              <a14:hiddenLine xmlns:a14="http://schemas.microsoft.com/office/drawing/2010/main" xmlns="" w="9525">
                 <a:solidFill>
                   <a:srgbClr val="000000"/>
                 </a:solidFill>
@@ -5490,7 +5488,7 @@
             <a:fld id="{DBA8BDA6-FC82-3544-AA54-1D15CE602E6E}" type="slidenum">
               <a:rPr lang="en-US" sz="1200"/>
               <a:pPr/>
-              <a:t>49</a:t>
+              <a:t>47</a:t>
             </a:fld>
             <a:endParaRPr lang="en-US" sz="1200"/>
           </a:p>
@@ -5525,17 +5523,17 @@
           <a:ln/>
           <a:extLst>
             <a:ext uri="{FAA26D3D-D897-4be2-8F04-BA451C77F1D7}">
-              <ma14:placeholderFlag xmlns:ma14="http://schemas.microsoft.com/office/mac/drawingml/2011/main" xmlns="" val="1"/>
+              <ma14:placeholderFlag xmlns="" xmlns:ma14="http://schemas.microsoft.com/office/mac/drawingml/2011/main" val="1"/>
             </a:ext>
             <a:ext uri="{909E8E84-426E-40dd-AFC4-6F175D3DCCD1}">
-              <a14:hiddenFill xmlns="" xmlns:a14="http://schemas.microsoft.com/office/drawing/2010/main">
+              <a14:hiddenFill xmlns:a14="http://schemas.microsoft.com/office/drawing/2010/main" xmlns="">
                 <a:solidFill>
                   <a:srgbClr val="FFFFFF"/>
                 </a:solidFill>
               </a14:hiddenFill>
             </a:ext>
             <a:ext uri="{91240B29-F687-4f45-9708-019B960494DF}">
-              <a14:hiddenLine xmlns="" xmlns:a14="http://schemas.microsoft.com/office/drawing/2010/main" w="9525">
+              <a14:hiddenLine xmlns:a14="http://schemas.microsoft.com/office/drawing/2010/main" xmlns="" w="9525">
                 <a:solidFill>
                   <a:srgbClr val="000000"/>
                 </a:solidFill>
@@ -5598,14 +5596,14 @@
           <a:ln/>
           <a:extLst>
             <a:ext uri="{909E8E84-426E-40dd-AFC4-6F175D3DCCD1}">
-              <a14:hiddenFill xmlns="" xmlns:a14="http://schemas.microsoft.com/office/drawing/2010/main">
+              <a14:hiddenFill xmlns:a14="http://schemas.microsoft.com/office/drawing/2010/main" xmlns="">
                 <a:solidFill>
                   <a:srgbClr val="FFFFFF"/>
                 </a:solidFill>
               </a14:hiddenFill>
             </a:ext>
             <a:ext uri="{91240B29-F687-4f45-9708-019B960494DF}">
-              <a14:hiddenLine xmlns="" xmlns:a14="http://schemas.microsoft.com/office/drawing/2010/main" w="9525">
+              <a14:hiddenLine xmlns:a14="http://schemas.microsoft.com/office/drawing/2010/main" xmlns="" w="9525">
                 <a:solidFill>
                   <a:srgbClr val="000000"/>
                 </a:solidFill>
@@ -5730,7 +5728,7 @@
             <a:fld id="{BA9AF084-D4EF-364A-B708-44D33AAD71A1}" type="slidenum">
               <a:rPr lang="en-US" sz="1200"/>
               <a:pPr/>
-              <a:t>50</a:t>
+              <a:t>48</a:t>
             </a:fld>
             <a:endParaRPr lang="en-US" sz="1200"/>
           </a:p>
@@ -5765,17 +5763,17 @@
           <a:ln/>
           <a:extLst>
             <a:ext uri="{FAA26D3D-D897-4be2-8F04-BA451C77F1D7}">
-              <ma14:placeholderFlag xmlns:ma14="http://schemas.microsoft.com/office/mac/drawingml/2011/main" xmlns="" val="1"/>
+              <ma14:placeholderFlag xmlns="" xmlns:ma14="http://schemas.microsoft.com/office/mac/drawingml/2011/main" val="1"/>
             </a:ext>
             <a:ext uri="{909E8E84-426E-40dd-AFC4-6F175D3DCCD1}">
-              <a14:hiddenFill xmlns="" xmlns:a14="http://schemas.microsoft.com/office/drawing/2010/main">
+              <a14:hiddenFill xmlns:a14="http://schemas.microsoft.com/office/drawing/2010/main" xmlns="">
                 <a:solidFill>
                   <a:srgbClr val="FFFFFF"/>
                 </a:solidFill>
               </a14:hiddenFill>
             </a:ext>
             <a:ext uri="{91240B29-F687-4f45-9708-019B960494DF}">
-              <a14:hiddenLine xmlns="" xmlns:a14="http://schemas.microsoft.com/office/drawing/2010/main" w="9525">
+              <a14:hiddenLine xmlns:a14="http://schemas.microsoft.com/office/drawing/2010/main" xmlns="" w="9525">
                 <a:solidFill>
                   <a:srgbClr val="000000"/>
                 </a:solidFill>
@@ -5877,7 +5875,7 @@
               <a:pPr>
                 <a:defRPr/>
               </a:pPr>
-              <a:t>51</a:t>
+              <a:t>49</a:t>
             </a:fld>
             <a:endParaRPr lang="en-US"/>
           </a:p>
@@ -5928,14 +5926,14 @@
           <a:ln/>
           <a:extLst>
             <a:ext uri="{909E8E84-426E-40dd-AFC4-6F175D3DCCD1}">
-              <a14:hiddenFill xmlns="" xmlns:a14="http://schemas.microsoft.com/office/drawing/2010/main">
+              <a14:hiddenFill xmlns:a14="http://schemas.microsoft.com/office/drawing/2010/main" xmlns="">
                 <a:solidFill>
                   <a:srgbClr val="FFFFFF"/>
                 </a:solidFill>
               </a14:hiddenFill>
             </a:ext>
             <a:ext uri="{91240B29-F687-4f45-9708-019B960494DF}">
-              <a14:hiddenLine xmlns="" xmlns:a14="http://schemas.microsoft.com/office/drawing/2010/main" w="9525">
+              <a14:hiddenLine xmlns:a14="http://schemas.microsoft.com/office/drawing/2010/main" xmlns="" w="9525">
                 <a:solidFill>
                   <a:srgbClr val="000000"/>
                 </a:solidFill>
@@ -6060,7 +6058,7 @@
             <a:fld id="{FE2718F5-4B5E-0549-AF18-28A6270DF471}" type="slidenum">
               <a:rPr lang="en-US" sz="1200"/>
               <a:pPr/>
-              <a:t>52</a:t>
+              <a:t>50</a:t>
             </a:fld>
             <a:endParaRPr lang="en-US" sz="1200"/>
           </a:p>
@@ -6095,17 +6093,17 @@
           <a:ln/>
           <a:extLst>
             <a:ext uri="{FAA26D3D-D897-4be2-8F04-BA451C77F1D7}">
-              <ma14:placeholderFlag xmlns:ma14="http://schemas.microsoft.com/office/mac/drawingml/2011/main" xmlns="" val="1"/>
+              <ma14:placeholderFlag xmlns="" xmlns:ma14="http://schemas.microsoft.com/office/mac/drawingml/2011/main" val="1"/>
             </a:ext>
             <a:ext uri="{909E8E84-426E-40dd-AFC4-6F175D3DCCD1}">
-              <a14:hiddenFill xmlns="" xmlns:a14="http://schemas.microsoft.com/office/drawing/2010/main">
+              <a14:hiddenFill xmlns:a14="http://schemas.microsoft.com/office/drawing/2010/main" xmlns="">
                 <a:solidFill>
                   <a:srgbClr val="FFFFFF"/>
                 </a:solidFill>
               </a14:hiddenFill>
             </a:ext>
             <a:ext uri="{91240B29-F687-4f45-9708-019B960494DF}">
-              <a14:hiddenLine xmlns="" xmlns:a14="http://schemas.microsoft.com/office/drawing/2010/main" w="9525">
+              <a14:hiddenLine xmlns:a14="http://schemas.microsoft.com/office/drawing/2010/main" xmlns="" w="9525">
                 <a:solidFill>
                   <a:srgbClr val="000000"/>
                 </a:solidFill>
@@ -6168,14 +6166,14 @@
           <a:ln/>
           <a:extLst>
             <a:ext uri="{909E8E84-426E-40dd-AFC4-6F175D3DCCD1}">
-              <a14:hiddenFill xmlns="" xmlns:a14="http://schemas.microsoft.com/office/drawing/2010/main">
+              <a14:hiddenFill xmlns:a14="http://schemas.microsoft.com/office/drawing/2010/main" xmlns="">
                 <a:solidFill>
                   <a:srgbClr val="FFFFFF"/>
                 </a:solidFill>
               </a14:hiddenFill>
             </a:ext>
             <a:ext uri="{91240B29-F687-4f45-9708-019B960494DF}">
-              <a14:hiddenLine xmlns="" xmlns:a14="http://schemas.microsoft.com/office/drawing/2010/main" w="9525">
+              <a14:hiddenLine xmlns:a14="http://schemas.microsoft.com/office/drawing/2010/main" xmlns="" w="9525">
                 <a:solidFill>
                   <a:srgbClr val="000000"/>
                 </a:solidFill>
@@ -6300,7 +6298,7 @@
             <a:fld id="{14C47685-B193-644D-97B9-D1025A34ED28}" type="slidenum">
               <a:rPr lang="en-US" sz="1200"/>
               <a:pPr/>
-              <a:t>53</a:t>
+              <a:t>51</a:t>
             </a:fld>
             <a:endParaRPr lang="en-US" sz="1200"/>
           </a:p>
@@ -6335,14 +6333,14 @@
           <a:ln/>
           <a:extLst>
             <a:ext uri="{909E8E84-426E-40dd-AFC4-6F175D3DCCD1}">
-              <a14:hiddenFill xmlns="" xmlns:a14="http://schemas.microsoft.com/office/drawing/2010/main">
+              <a14:hiddenFill xmlns:a14="http://schemas.microsoft.com/office/drawing/2010/main" xmlns="">
                 <a:solidFill>
                   <a:srgbClr val="FFFFFF"/>
                 </a:solidFill>
               </a14:hiddenFill>
             </a:ext>
             <a:ext uri="{91240B29-F687-4f45-9708-019B960494DF}">
-              <a14:hiddenLine xmlns="" xmlns:a14="http://schemas.microsoft.com/office/drawing/2010/main" w="9525">
+              <a14:hiddenLine xmlns:a14="http://schemas.microsoft.com/office/drawing/2010/main" xmlns="" w="9525">
                 <a:solidFill>
                   <a:srgbClr val="000000"/>
                 </a:solidFill>
@@ -6405,14 +6403,14 @@
           <a:ln/>
           <a:extLst>
             <a:ext uri="{909E8E84-426E-40dd-AFC4-6F175D3DCCD1}">
-              <a14:hiddenFill xmlns="" xmlns:a14="http://schemas.microsoft.com/office/drawing/2010/main">
+              <a14:hiddenFill xmlns:a14="http://schemas.microsoft.com/office/drawing/2010/main" xmlns="">
                 <a:solidFill>
                   <a:srgbClr val="FFFFFF"/>
                 </a:solidFill>
               </a14:hiddenFill>
             </a:ext>
             <a:ext uri="{91240B29-F687-4f45-9708-019B960494DF}">
-              <a14:hiddenLine xmlns="" xmlns:a14="http://schemas.microsoft.com/office/drawing/2010/main" w="9525">
+              <a14:hiddenLine xmlns:a14="http://schemas.microsoft.com/office/drawing/2010/main" xmlns="" w="9525">
                 <a:solidFill>
                   <a:srgbClr val="000000"/>
                 </a:solidFill>
@@ -6537,7 +6535,7 @@
             <a:fld id="{F25321FF-7BA9-D545-BD02-70243C8BA686}" type="slidenum">
               <a:rPr lang="en-US" sz="1200"/>
               <a:pPr/>
-              <a:t>55</a:t>
+              <a:t>53</a:t>
             </a:fld>
             <a:endParaRPr lang="en-US" sz="1200"/>
           </a:p>
@@ -6572,17 +6570,17 @@
           <a:ln/>
           <a:extLst>
             <a:ext uri="{FAA26D3D-D897-4be2-8F04-BA451C77F1D7}">
-              <ma14:placeholderFlag xmlns:ma14="http://schemas.microsoft.com/office/mac/drawingml/2011/main" xmlns="" val="1"/>
+              <ma14:placeholderFlag xmlns="" xmlns:ma14="http://schemas.microsoft.com/office/mac/drawingml/2011/main" val="1"/>
             </a:ext>
             <a:ext uri="{909E8E84-426E-40dd-AFC4-6F175D3DCCD1}">
-              <a14:hiddenFill xmlns="" xmlns:a14="http://schemas.microsoft.com/office/drawing/2010/main">
+              <a14:hiddenFill xmlns:a14="http://schemas.microsoft.com/office/drawing/2010/main" xmlns="">
                 <a:solidFill>
                   <a:srgbClr val="FFFFFF"/>
                 </a:solidFill>
               </a14:hiddenFill>
             </a:ext>
             <a:ext uri="{91240B29-F687-4f45-9708-019B960494DF}">
-              <a14:hiddenLine xmlns="" xmlns:a14="http://schemas.microsoft.com/office/drawing/2010/main" w="9525">
+              <a14:hiddenLine xmlns:a14="http://schemas.microsoft.com/office/drawing/2010/main" xmlns="" w="9525">
                 <a:solidFill>
                   <a:srgbClr val="000000"/>
                 </a:solidFill>
@@ -6645,14 +6643,14 @@
           <a:ln/>
           <a:extLst>
             <a:ext uri="{909E8E84-426E-40dd-AFC4-6F175D3DCCD1}">
-              <a14:hiddenFill xmlns="" xmlns:a14="http://schemas.microsoft.com/office/drawing/2010/main">
+              <a14:hiddenFill xmlns:a14="http://schemas.microsoft.com/office/drawing/2010/main" xmlns="">
                 <a:solidFill>
                   <a:srgbClr val="FFFFFF"/>
                 </a:solidFill>
               </a14:hiddenFill>
             </a:ext>
             <a:ext uri="{91240B29-F687-4f45-9708-019B960494DF}">
-              <a14:hiddenLine xmlns="" xmlns:a14="http://schemas.microsoft.com/office/drawing/2010/main" w="9525">
+              <a14:hiddenLine xmlns:a14="http://schemas.microsoft.com/office/drawing/2010/main" xmlns="" w="9525">
                 <a:solidFill>
                   <a:srgbClr val="000000"/>
                 </a:solidFill>
@@ -6777,7 +6775,7 @@
             <a:fld id="{9F1825AC-5242-3C4B-8F19-3FD3B12CB070}" type="slidenum">
               <a:rPr lang="en-US" sz="1200"/>
               <a:pPr/>
-              <a:t>56</a:t>
+              <a:t>54</a:t>
             </a:fld>
             <a:endParaRPr lang="en-US" sz="1200"/>
           </a:p>
@@ -6812,17 +6810,17 @@
           <a:ln/>
           <a:extLst>
             <a:ext uri="{FAA26D3D-D897-4be2-8F04-BA451C77F1D7}">
-              <ma14:placeholderFlag xmlns:ma14="http://schemas.microsoft.com/office/mac/drawingml/2011/main" xmlns="" val="1"/>
+              <ma14:placeholderFlag xmlns="" xmlns:ma14="http://schemas.microsoft.com/office/mac/drawingml/2011/main" val="1"/>
             </a:ext>
             <a:ext uri="{909E8E84-426E-40dd-AFC4-6F175D3DCCD1}">
-              <a14:hiddenFill xmlns="" xmlns:a14="http://schemas.microsoft.com/office/drawing/2010/main">
+              <a14:hiddenFill xmlns:a14="http://schemas.microsoft.com/office/drawing/2010/main" xmlns="">
                 <a:solidFill>
                   <a:srgbClr val="FFFFFF"/>
                 </a:solidFill>
               </a14:hiddenFill>
             </a:ext>
             <a:ext uri="{91240B29-F687-4f45-9708-019B960494DF}">
-              <a14:hiddenLine xmlns="" xmlns:a14="http://schemas.microsoft.com/office/drawing/2010/main" w="9525">
+              <a14:hiddenLine xmlns:a14="http://schemas.microsoft.com/office/drawing/2010/main" xmlns="" w="9525">
                 <a:solidFill>
                   <a:srgbClr val="000000"/>
                 </a:solidFill>
@@ -6975,14 +6973,14 @@
           <a:ln/>
           <a:extLst>
             <a:ext uri="{909E8E84-426E-40dd-AFC4-6F175D3DCCD1}">
-              <a14:hiddenFill xmlns="" xmlns:a14="http://schemas.microsoft.com/office/drawing/2010/main">
+              <a14:hiddenFill xmlns:a14="http://schemas.microsoft.com/office/drawing/2010/main" xmlns="">
                 <a:solidFill>
                   <a:srgbClr val="FFFFFF"/>
                 </a:solidFill>
               </a14:hiddenFill>
             </a:ext>
             <a:ext uri="{91240B29-F687-4f45-9708-019B960494DF}">
-              <a14:hiddenLine xmlns="" xmlns:a14="http://schemas.microsoft.com/office/drawing/2010/main" w="9525">
+              <a14:hiddenLine xmlns:a14="http://schemas.microsoft.com/office/drawing/2010/main" xmlns="" w="9525">
                 <a:solidFill>
                   <a:srgbClr val="000000"/>
                 </a:solidFill>
@@ -7107,7 +7105,7 @@
             <a:fld id="{5DC56267-5EC9-D844-8AB4-2897C6D5DC8E}" type="slidenum">
               <a:rPr lang="en-US" sz="1200"/>
               <a:pPr/>
-              <a:t>57</a:t>
+              <a:t>55</a:t>
             </a:fld>
             <a:endParaRPr lang="en-US" sz="1200"/>
           </a:p>
@@ -7142,14 +7140,14 @@
           <a:ln/>
           <a:extLst>
             <a:ext uri="{909E8E84-426E-40dd-AFC4-6F175D3DCCD1}">
-              <a14:hiddenFill xmlns="" xmlns:a14="http://schemas.microsoft.com/office/drawing/2010/main">
+              <a14:hiddenFill xmlns:a14="http://schemas.microsoft.com/office/drawing/2010/main" xmlns="">
                 <a:solidFill>
                   <a:srgbClr val="FFFFFF"/>
                 </a:solidFill>
               </a14:hiddenFill>
             </a:ext>
             <a:ext uri="{91240B29-F687-4f45-9708-019B960494DF}">
-              <a14:hiddenLine xmlns="" xmlns:a14="http://schemas.microsoft.com/office/drawing/2010/main" w="9525">
+              <a14:hiddenLine xmlns:a14="http://schemas.microsoft.com/office/drawing/2010/main" xmlns="" w="9525">
                 <a:solidFill>
                   <a:srgbClr val="000000"/>
                 </a:solidFill>
@@ -7251,7 +7249,7 @@
               <a:pPr>
                 <a:defRPr/>
               </a:pPr>
-              <a:t>59</a:t>
+              <a:t>57</a:t>
             </a:fld>
             <a:endParaRPr lang="en-US"/>
           </a:p>
@@ -7671,14 +7669,14 @@
           <a:ln/>
           <a:extLst>
             <a:ext uri="{909E8E84-426E-40dd-AFC4-6F175D3DCCD1}">
-              <a14:hiddenFill xmlns="" xmlns:a14="http://schemas.microsoft.com/office/drawing/2010/main">
+              <a14:hiddenFill xmlns:a14="http://schemas.microsoft.com/office/drawing/2010/main" xmlns="">
                 <a:solidFill>
                   <a:srgbClr val="FFFFFF"/>
                 </a:solidFill>
               </a14:hiddenFill>
             </a:ext>
             <a:ext uri="{91240B29-F687-4f45-9708-019B960494DF}">
-              <a14:hiddenLine xmlns="" xmlns:a14="http://schemas.microsoft.com/office/drawing/2010/main" w="9525">
+              <a14:hiddenLine xmlns:a14="http://schemas.microsoft.com/office/drawing/2010/main" xmlns="" w="9525">
                 <a:solidFill>
                   <a:srgbClr val="000000"/>
                 </a:solidFill>
@@ -7838,14 +7836,14 @@
           <a:ln/>
           <a:extLst>
             <a:ext uri="{909E8E84-426E-40dd-AFC4-6F175D3DCCD1}">
-              <a14:hiddenFill xmlns="" xmlns:a14="http://schemas.microsoft.com/office/drawing/2010/main">
+              <a14:hiddenFill xmlns:a14="http://schemas.microsoft.com/office/drawing/2010/main" xmlns="">
                 <a:solidFill>
                   <a:srgbClr val="FFFFFF"/>
                 </a:solidFill>
               </a14:hiddenFill>
             </a:ext>
             <a:ext uri="{91240B29-F687-4f45-9708-019B960494DF}">
-              <a14:hiddenLine xmlns="" xmlns:a14="http://schemas.microsoft.com/office/drawing/2010/main" w="9525">
+              <a14:hiddenLine xmlns:a14="http://schemas.microsoft.com/office/drawing/2010/main" xmlns="" w="9525">
                 <a:solidFill>
                   <a:srgbClr val="000000"/>
                 </a:solidFill>
@@ -9697,7 +9695,7 @@
               </a14:hiddenLine>
             </a:ext>
             <a:ext uri="{FAA26D3D-D897-4be2-8F04-BA451C77F1D7}">
-              <ma14:placeholderFlag xmlns:ma14="http://schemas.microsoft.com/office/mac/drawingml/2011/main" xmlns="" val="1"/>
+              <ma14:placeholderFlag xmlns="" xmlns:ma14="http://schemas.microsoft.com/office/mac/drawingml/2011/main" val="1"/>
             </a:ext>
           </a:extLst>
         </p:spPr>
@@ -9758,7 +9756,7 @@
               </a14:hiddenLine>
             </a:ext>
             <a:ext uri="{FAA26D3D-D897-4be2-8F04-BA451C77F1D7}">
-              <ma14:placeholderFlag xmlns:ma14="http://schemas.microsoft.com/office/mac/drawingml/2011/main" xmlns="" val="1"/>
+              <ma14:placeholderFlag xmlns="" xmlns:ma14="http://schemas.microsoft.com/office/mac/drawingml/2011/main" val="1"/>
             </a:ext>
           </a:extLst>
         </p:spPr>
@@ -14811,7 +14809,7 @@
                 <a:latin typeface="Arial" charset="0"/>
                 <a:ea typeface="ＭＳ Ｐゴシック" charset="0"/>
               </a:rPr>
-              <a:t>Episodic semantic, procedural memory</a:t>
+              <a:t>Episodic, semantic, procedural memory</a:t>
             </a:r>
           </a:p>
           <a:p>
@@ -14823,7 +14821,7 @@
                 <a:latin typeface="Arial" charset="0"/>
                 <a:ea typeface="ＭＳ Ｐゴシック" charset="0"/>
               </a:rPr>
-              <a:t>Post traumatic amnesia</a:t>
+              <a:t>Post traumatic amnesia (PTA)</a:t>
             </a:r>
           </a:p>
           <a:p>
@@ -15157,18 +15155,11 @@
               <a:buNone/>
             </a:pPr>
             <a:r>
-              <a:rPr lang="en-US" sz="2000" dirty="0" err="1">
-                <a:latin typeface="Arial" panose="020B0604020202020204" pitchFamily="34" charset="0"/>
-                <a:cs typeface="Arial" panose="020B0604020202020204" pitchFamily="34" charset="0"/>
-              </a:rPr>
-              <a:t>Resquirements</a:t>
-            </a:r>
-            <a:r>
               <a:rPr lang="en-US" sz="2000" dirty="0">
                 <a:latin typeface="Arial" panose="020B0604020202020204" pitchFamily="34" charset="0"/>
                 <a:cs typeface="Arial" panose="020B0604020202020204" pitchFamily="34" charset="0"/>
               </a:rPr>
-              <a:t>:</a:t>
+              <a:t>Requirements:</a:t>
             </a:r>
           </a:p>
           <a:p>
@@ -15607,7 +15598,7 @@
             <a:pPr lvl="1"/>
             <a:r>
               <a:rPr lang="en-US" dirty="0"/>
-              <a:t>General term for a class of disorders that has progressive decline it cognitive ability</a:t>
+              <a:t>General term for a class of disorders that has progressive decline in cognitive ability</a:t>
             </a:r>
           </a:p>
           <a:p>
@@ -15631,16 +15622,8 @@
           </a:p>
           <a:p>
             <a:r>
-              <a:rPr lang="en-US"/>
-              <a:t>Many causes, types </a:t>
-            </a:r>
-            <a:r>
               <a:rPr lang="en-US" dirty="0"/>
-              <a:t>and </a:t>
-            </a:r>
-            <a:r>
-              <a:rPr lang="en-US"/>
-              <a:t>variable courses</a:t>
+              <a:t>Many causes, types and variable courses</a:t>
             </a:r>
           </a:p>
           <a:p>
@@ -16154,12 +16137,12 @@
         <p:spPr>
           <a:xfrm>
             <a:off x="455613" y="1828800"/>
-            <a:ext cx="8226425" cy="4267200"/>
+            <a:ext cx="7850187" cy="4267200"/>
           </a:xfrm>
         </p:spPr>
         <p:txBody>
           <a:bodyPr>
-            <a:normAutofit lnSpcReduction="10000"/>
+            <a:normAutofit fontScale="92500" lnSpcReduction="10000"/>
           </a:bodyPr>
           <a:lstStyle/>
           <a:p>
@@ -16191,7 +16174,7 @@
                 <a:ea typeface="ＭＳ Ｐゴシック" charset="0"/>
                 <a:cs typeface="ＭＳ Ｐゴシック" charset="0"/>
               </a:rPr>
-              <a:t>Stroke (PCA, MCA,ACA involvement)</a:t>
+              <a:t>Stroke (PCA, MCA, ACA involvement)</a:t>
             </a:r>
           </a:p>
           <a:p>
@@ -16287,7 +16270,7 @@
                 <a:ea typeface="ＭＳ Ｐゴシック" charset="0"/>
                 <a:cs typeface="ＭＳ Ｐゴシック" charset="0"/>
               </a:rPr>
-              <a:t>Some overlap w/certain developmental conditions: Asperger</a:t>
+              <a:t>Some overlap w/certain developmental/psychological conditions: Asperger</a:t>
             </a:r>
             <a:r>
               <a:rPr lang="ja-JP" altLang="en-US" sz="2800" dirty="0">
@@ -16757,7 +16740,7 @@
                 <a:ea typeface="Arial" charset="0"/>
                 <a:cs typeface="Arial" charset="0"/>
               </a:rPr>
-              <a:t>Terms and Acronyms: BI, TBI, CHI, open head injury—these are all types of ABI</a:t>
+              <a:t>Terms and Acronyms: BI, CHI, open head injury—these are all types of ABI</a:t>
             </a:r>
           </a:p>
           <a:p>
@@ -25891,12 +25874,12 @@
               <a:defRPr/>
             </a:pPr>
             <a:r>
-              <a:rPr lang="en-US" sz="2400">
+              <a:rPr lang="en-US" sz="2400" dirty="0">
                 <a:latin typeface="Arial" charset="0"/>
                 <a:ea typeface="ＭＳ Ｐゴシック" charset="0"/>
                 <a:cs typeface="ＭＳ Ｐゴシック" charset="0"/>
               </a:rPr>
-              <a:t>Brain injury is growing rapidly w/wounded veterans returning from Iraq  &amp; Afghanistan</a:t>
+              <a:t>Brain injury is growing rapidly w/wounded veterans returning from Iraq &amp; Afghanistan</a:t>
             </a:r>
           </a:p>
           <a:p>
@@ -25904,7 +25887,7 @@
               <a:defRPr/>
             </a:pPr>
             <a:r>
-              <a:rPr lang="en-US" sz="2400">
+              <a:rPr lang="en-US" sz="2400" dirty="0">
                 <a:latin typeface="Arial" charset="0"/>
                 <a:ea typeface="ＭＳ Ｐゴシック" charset="0"/>
               </a:rPr>
@@ -25916,7 +25899,7 @@
               <a:defRPr/>
             </a:pPr>
             <a:r>
-              <a:rPr lang="en-US" sz="2400">
+              <a:rPr lang="en-US" sz="2400" dirty="0">
                 <a:latin typeface="Arial" charset="0"/>
                 <a:ea typeface="ＭＳ Ｐゴシック" charset="0"/>
               </a:rPr>
@@ -25928,7 +25911,7 @@
               <a:defRPr/>
             </a:pPr>
             <a:r>
-              <a:rPr lang="en-US" sz="2400">
+              <a:rPr lang="en-US" sz="2400" dirty="0">
                 <a:latin typeface="Arial" charset="0"/>
                 <a:ea typeface="ＭＳ Ｐゴシック" charset="0"/>
               </a:rPr>
@@ -25940,7 +25923,7 @@
               <a:defRPr/>
             </a:pPr>
             <a:r>
-              <a:rPr lang="en-US" sz="2400">
+              <a:rPr lang="en-US" sz="2400" dirty="0">
                 <a:latin typeface="Arial" charset="0"/>
                 <a:ea typeface="ＭＳ Ｐゴシック" charset="0"/>
                 <a:cs typeface="ＭＳ Ｐゴシック" charset="0"/>
@@ -26039,7 +26022,7 @@
                 <a:ea typeface="Arial" charset="0"/>
                 <a:cs typeface="Arial" charset="0"/>
               </a:rPr>
-              <a:t>Between 5-15% of  concussion result in persistent cognitive and somatic effects</a:t>
+              <a:t>Between 5-15% of concussion result in persistent cognitive and somatic effects</a:t>
             </a:r>
           </a:p>
           <a:p>
@@ -26153,23 +26136,7 @@
                 <a:ea typeface="ＭＳ Ｐゴシック" charset="0"/>
                 <a:cs typeface="ＭＳ Ｐゴシック" charset="0"/>
               </a:rPr>
-              <a:t>Ex of focal-coup/</a:t>
-            </a:r>
-            <a:r>
-              <a:rPr lang="en-US" dirty="0" err="1">
-                <a:latin typeface="Arial" charset="0"/>
-                <a:ea typeface="ＭＳ Ｐゴシック" charset="0"/>
-                <a:cs typeface="ＭＳ Ｐゴシック" charset="0"/>
-              </a:rPr>
-              <a:t>contracoup</a:t>
-            </a:r>
-            <a:r>
-              <a:rPr lang="en-US" dirty="0">
-                <a:latin typeface="Arial" charset="0"/>
-                <a:ea typeface="ＭＳ Ｐゴシック" charset="0"/>
-                <a:cs typeface="ＭＳ Ｐゴシック" charset="0"/>
-              </a:rPr>
-              <a:t>; bleeding (extradural and subdural hematomas)</a:t>
+              <a:t>Ex of focal-coup/contrecoup; bleeding (extradural and subdural hematomas)</a:t>
             </a:r>
           </a:p>
           <a:p>
@@ -26182,23 +26149,7 @@
                 <a:ea typeface="ＭＳ Ｐゴシック" charset="0"/>
                 <a:cs typeface="ＭＳ Ｐゴシック" charset="0"/>
               </a:rPr>
-              <a:t>Ex of </a:t>
-            </a:r>
-            <a:r>
-              <a:rPr lang="en-US" dirty="0" err="1">
-                <a:latin typeface="Arial" charset="0"/>
-                <a:ea typeface="ＭＳ Ｐゴシック" charset="0"/>
-                <a:cs typeface="ＭＳ Ｐゴシック" charset="0"/>
-              </a:rPr>
-              <a:t>diffiuse</a:t>
-            </a:r>
-            <a:r>
-              <a:rPr lang="en-US" dirty="0">
-                <a:latin typeface="Arial" charset="0"/>
-                <a:ea typeface="ＭＳ Ｐゴシック" charset="0"/>
-                <a:cs typeface="ＭＳ Ｐゴシック" charset="0"/>
-              </a:rPr>
-              <a:t>-Diffuse Axonal Injury: stretching and tearing of axons results in widespread patchy damage</a:t>
+              <a:t>Ex of diffuse-Diffuse Axonal Injury: stretching and tearing of axons results in widespread patchy damage</a:t>
             </a:r>
           </a:p>
           <a:p>
@@ -26506,14 +26457,14 @@
           </a:ln>
           <a:extLst>
             <a:ext uri="{909E8E84-426E-40dd-AFC4-6F175D3DCCD1}">
-              <a14:hiddenFill xmlns="" xmlns:a14="http://schemas.microsoft.com/office/drawing/2010/main">
+              <a14:hiddenFill xmlns:a14="http://schemas.microsoft.com/office/drawing/2010/main" xmlns="">
                 <a:solidFill>
                   <a:srgbClr val="FFFFFF"/>
                 </a:solidFill>
               </a14:hiddenFill>
             </a:ext>
             <a:ext uri="{91240B29-F687-4f45-9708-019B960494DF}">
-              <a14:hiddenLine xmlns="" xmlns:a14="http://schemas.microsoft.com/office/drawing/2010/main" w="9525">
+              <a14:hiddenLine xmlns:a14="http://schemas.microsoft.com/office/drawing/2010/main" xmlns="" w="9525">
                 <a:solidFill>
                   <a:srgbClr val="000000"/>
                 </a:solidFill>
@@ -26552,7 +26503,7 @@
       </p:grpSpPr>
       <p:sp>
         <p:nvSpPr>
-          <p:cNvPr id="76804" name="Rectangle 4" descr="Large confetti"/>
+          <p:cNvPr id="78852" name="Rectangle 4" descr="Large confetti"/>
           <p:cNvSpPr>
             <a:spLocks noChangeArrowheads="1"/>
           </p:cNvSpPr>
@@ -26560,8 +26511,8 @@
         </p:nvSpPr>
         <p:spPr bwMode="auto">
           <a:xfrm>
-            <a:off x="990600" y="228600"/>
-            <a:ext cx="7772400" cy="1066800"/>
+            <a:off x="1600200" y="304800"/>
+            <a:ext cx="6096000" cy="1143000"/>
           </a:xfrm>
           <a:prstGeom prst="rect">
             <a:avLst/>
@@ -26583,7 +26534,7 @@
               <a:defRPr/>
             </a:pPr>
             <a:r>
-              <a:rPr lang="en-US" sz="4400">
+              <a:rPr lang="en-US" sz="3200">
                 <a:solidFill>
                   <a:schemeClr val="tx2"/>
                 </a:solidFill>
@@ -26593,15 +26544,29 @@
                   </a:outerShdw>
                 </a:effectLst>
                 <a:latin typeface="Arial" charset="0"/>
+                <a:cs typeface="Times New Roman" charset="0"/>
               </a:rPr>
-              <a:t>Focal Brain Damage</a:t>
-            </a:r>
+              <a:t>Reminder: Other Acquired Neurological Injuries</a:t>
+            </a:r>
+            <a:endParaRPr lang="en-US" sz="3200">
+              <a:solidFill>
+                <a:schemeClr val="tx2"/>
+              </a:solidFill>
+              <a:effectLst>
+                <a:outerShdw blurRad="38100" dist="38100" dir="2700000" algn="tl">
+                  <a:srgbClr val="000000"/>
+                </a:outerShdw>
+              </a:effectLst>
+              <a:latin typeface="Arial" charset="0"/>
+              <a:ea typeface="Times New Roman" charset="0"/>
+              <a:cs typeface="Times New Roman" charset="0"/>
+            </a:endParaRPr>
           </a:p>
         </p:txBody>
       </p:sp>
       <p:sp>
         <p:nvSpPr>
-          <p:cNvPr id="76805" name="Rectangle 5"/>
+          <p:cNvPr id="78853" name="Rectangle 5"/>
           <p:cNvSpPr>
             <a:spLocks noChangeArrowheads="1"/>
           </p:cNvSpPr>
@@ -26609,8 +26574,8 @@
         </p:nvSpPr>
         <p:spPr bwMode="auto">
           <a:xfrm>
-            <a:off x="582613" y="1849438"/>
-            <a:ext cx="7772400" cy="4398962"/>
+            <a:off x="1752600" y="1752600"/>
+            <a:ext cx="6096000" cy="4114800"/>
           </a:xfrm>
           <a:prstGeom prst="rect">
             <a:avLst/>
@@ -26629,6 +26594,9 @@
           <a:lstStyle/>
           <a:p>
             <a:pPr marL="342900" indent="-342900" eaLnBrk="1" hangingPunct="1">
+              <a:lnSpc>
+                <a:spcPct val="90000"/>
+              </a:lnSpc>
               <a:spcBef>
                 <a:spcPct val="20000"/>
               </a:spcBef>
@@ -26650,11 +26618,38 @@
                 <a:latin typeface="Arial" charset="0"/>
                 <a:cs typeface="Times New Roman" charset="0"/>
               </a:rPr>
-              <a:t>Particular damage to the temporal lobes and the frontal lobes, especially orbitofrontal area just behind the eyes. </a:t>
+              <a:t>CVA (hemorrhage vs. thrombosis/rt vs. </a:t>
+            </a:r>
+            <a:r>
+              <a:rPr lang="en-US" sz="2800" dirty="0" err="1">
+                <a:effectLst>
+                  <a:outerShdw blurRad="38100" dist="38100" dir="2700000" algn="tl">
+                    <a:srgbClr val="000000"/>
+                  </a:outerShdw>
+                </a:effectLst>
+                <a:latin typeface="Arial" charset="0"/>
+                <a:cs typeface="Times New Roman" charset="0"/>
+              </a:rPr>
+              <a:t>lft</a:t>
+            </a:r>
+            <a:r>
+              <a:rPr lang="en-US" sz="2800" dirty="0">
+                <a:effectLst>
+                  <a:outerShdw blurRad="38100" dist="38100" dir="2700000" algn="tl">
+                    <a:srgbClr val="000000"/>
+                  </a:outerShdw>
+                </a:effectLst>
+                <a:latin typeface="Arial" charset="0"/>
+                <a:cs typeface="Times New Roman" charset="0"/>
+              </a:rPr>
+              <a:t>/PCA, MCS, ACA</a:t>
             </a:r>
           </a:p>
           <a:p>
             <a:pPr marL="342900" indent="-342900" eaLnBrk="1" hangingPunct="1">
+              <a:lnSpc>
+                <a:spcPct val="90000"/>
+              </a:lnSpc>
               <a:spcBef>
                 <a:spcPct val="20000"/>
               </a:spcBef>
@@ -26667,18 +26662,6 @@
               <a:defRPr/>
             </a:pPr>
             <a:r>
-              <a:rPr lang="en-US" sz="2800" dirty="0" err="1">
-                <a:effectLst>
-                  <a:outerShdw blurRad="38100" dist="38100" dir="2700000" algn="tl">
-                    <a:srgbClr val="000000"/>
-                  </a:outerShdw>
-                </a:effectLst>
-                <a:latin typeface="Arial" charset="0"/>
-                <a:cs typeface="Times New Roman" charset="0"/>
-              </a:rPr>
-              <a:t>Contre</a:t>
-            </a:r>
-            <a:r>
               <a:rPr lang="en-US" sz="2800" dirty="0">
                 <a:effectLst>
                   <a:outerShdw blurRad="38100" dist="38100" dir="2700000" algn="tl">
@@ -26688,21 +26671,14 @@
                 <a:latin typeface="Arial" charset="0"/>
                 <a:cs typeface="Times New Roman" charset="0"/>
               </a:rPr>
-              <a:t>-coup injuries occur on the side of the head opposite the point of impact.</a:t>
-            </a:r>
-            <a:endParaRPr lang="en-US" sz="2800" dirty="0">
-              <a:effectLst>
-                <a:outerShdw blurRad="38100" dist="38100" dir="2700000" algn="tl">
-                  <a:srgbClr val="000000"/>
-                </a:outerShdw>
-              </a:effectLst>
-              <a:latin typeface="Arial" charset="0"/>
-              <a:ea typeface="Times New Roman" charset="0"/>
-              <a:cs typeface="Times New Roman" charset="0"/>
-            </a:endParaRPr>
+              <a:t>Anoxia (severe deprivation of oxygen as in drowning or carbon monoxide poisoning).</a:t>
+            </a:r>
           </a:p>
           <a:p>
             <a:pPr marL="342900" indent="-342900" eaLnBrk="1" hangingPunct="1">
+              <a:lnSpc>
+                <a:spcPct val="90000"/>
+              </a:lnSpc>
               <a:spcBef>
                 <a:spcPct val="20000"/>
               </a:spcBef>
@@ -26724,7 +26700,36 @@
                 <a:latin typeface="Arial" charset="0"/>
                 <a:cs typeface="Times New Roman" charset="0"/>
               </a:rPr>
-              <a:t>Open head injury involves penetration of the skull and protective layers, or meninges, covering the brain.</a:t>
+              <a:t>Brain infection (encephalitis)</a:t>
+            </a:r>
+          </a:p>
+          <a:p>
+            <a:pPr marL="342900" indent="-342900" eaLnBrk="1" hangingPunct="1">
+              <a:lnSpc>
+                <a:spcPct val="90000"/>
+              </a:lnSpc>
+              <a:spcBef>
+                <a:spcPct val="20000"/>
+              </a:spcBef>
+              <a:buClr>
+                <a:schemeClr val="tx2"/>
+              </a:buClr>
+              <a:buSzPct val="115000"/>
+              <a:buFont typeface="Wingdings" charset="0"/>
+              <a:buChar char="§"/>
+              <a:defRPr/>
+            </a:pPr>
+            <a:r>
+              <a:rPr lang="en-US" sz="2800" dirty="0">
+                <a:effectLst>
+                  <a:outerShdw blurRad="38100" dist="38100" dir="2700000" algn="tl">
+                    <a:srgbClr val="000000"/>
+                  </a:outerShdw>
+                </a:effectLst>
+                <a:latin typeface="Arial" charset="0"/>
+                <a:cs typeface="Times New Roman" charset="0"/>
+              </a:rPr>
+              <a:t>Tumor (glioma, meningioma, astrocytoma)</a:t>
             </a:r>
           </a:p>
         </p:txBody>
@@ -26754,1019 +26759,133 @@
           <a:chExt cx="0" cy="0"/>
         </a:xfrm>
       </p:grpSpPr>
-      <p:grpSp>
-        <p:nvGrpSpPr>
-          <p:cNvPr id="53249" name="Group 4"/>
-          <p:cNvGrpSpPr>
-            <a:grpSpLocks/>
-          </p:cNvGrpSpPr>
-          <p:nvPr/>
-        </p:nvGrpSpPr>
-        <p:grpSpPr bwMode="auto">
-          <a:xfrm>
-            <a:off x="2209800" y="1641475"/>
-            <a:ext cx="5121275" cy="5216525"/>
-            <a:chOff x="1427" y="120"/>
-            <a:chExt cx="3629" cy="3456"/>
-          </a:xfrm>
-        </p:grpSpPr>
-        <p:sp>
-          <p:nvSpPr>
-            <p:cNvPr id="53251" name="Rectangle 5"/>
-            <p:cNvSpPr>
-              <a:spLocks noChangeArrowheads="1"/>
-            </p:cNvSpPr>
-            <p:nvPr/>
-          </p:nvSpPr>
-          <p:spPr bwMode="auto">
-            <a:xfrm>
-              <a:off x="1427" y="120"/>
-              <a:ext cx="3629" cy="3456"/>
-            </a:xfrm>
-            <a:prstGeom prst="rect">
-              <a:avLst/>
-            </a:prstGeom>
-            <a:solidFill>
-              <a:schemeClr val="tx1"/>
-            </a:solidFill>
-            <a:ln w="12700">
-              <a:solidFill>
-                <a:schemeClr val="tx1"/>
-              </a:solidFill>
-              <a:miter lim="800000"/>
-              <a:headEnd/>
-              <a:tailEnd/>
-            </a:ln>
-          </p:spPr>
-          <p:txBody>
-            <a:bodyPr wrap="none" anchor="ctr"/>
-            <a:lstStyle/>
-            <a:p>
-              <a:endParaRPr lang="en-US"/>
-            </a:p>
-          </p:txBody>
-        </p:sp>
-        <p:pic>
-          <p:nvPicPr>
-            <p:cNvPr id="53252" name="Picture 6"/>
-            <p:cNvPicPr>
-              <a:picLocks noChangeArrowheads="1"/>
-            </p:cNvPicPr>
-            <p:nvPr/>
-          </p:nvPicPr>
-          <p:blipFill>
-            <a:blip r:embed="rId2">
-              <a:extLst>
-                <a:ext uri="{28A0092B-C50C-407E-A947-70E740481C1C}">
-                  <a14:useLocalDpi xmlns:a14="http://schemas.microsoft.com/office/drawing/2010/main" val="0"/>
-                </a:ext>
-              </a:extLst>
-            </a:blip>
-            <a:srcRect/>
-            <a:stretch>
-              <a:fillRect/>
-            </a:stretch>
-          </p:blipFill>
-          <p:spPr bwMode="auto">
-            <a:xfrm>
-              <a:off x="1800" y="120"/>
-              <a:ext cx="2856" cy="3416"/>
-            </a:xfrm>
-            <a:prstGeom prst="rect">
-              <a:avLst/>
-            </a:prstGeom>
-            <a:noFill/>
-            <a:ln>
-              <a:noFill/>
-            </a:ln>
-            <a:extLst>
-              <a:ext uri="{909E8E84-426E-40dd-AFC4-6F175D3DCCD1}">
-                <a14:hiddenFill xmlns="" xmlns:a14="http://schemas.microsoft.com/office/drawing/2010/main">
-                  <a:solidFill>
-                    <a:srgbClr val="FFFFFF"/>
-                  </a:solidFill>
-                </a14:hiddenFill>
-              </a:ext>
-              <a:ext uri="{91240B29-F687-4f45-9708-019B960494DF}">
-                <a14:hiddenLine xmlns="" xmlns:a14="http://schemas.microsoft.com/office/drawing/2010/main" w="12700">
-                  <a:solidFill>
-                    <a:srgbClr val="000000"/>
-                  </a:solidFill>
-                  <a:miter lim="800000"/>
-                  <a:headEnd/>
-                  <a:tailEnd/>
-                </a14:hiddenLine>
-              </a:ext>
-            </a:extLst>
-          </p:spPr>
-        </p:pic>
-        <p:sp>
-          <p:nvSpPr>
-            <p:cNvPr id="53253" name="Rectangle 7"/>
-            <p:cNvSpPr>
-              <a:spLocks noChangeArrowheads="1"/>
-            </p:cNvSpPr>
-            <p:nvPr/>
-          </p:nvSpPr>
-          <p:spPr bwMode="auto">
-            <a:xfrm>
-              <a:off x="3910" y="2734"/>
-              <a:ext cx="128" cy="199"/>
-            </a:xfrm>
-            <a:prstGeom prst="rect">
-              <a:avLst/>
-            </a:prstGeom>
-            <a:noFill/>
-            <a:ln>
-              <a:noFill/>
-            </a:ln>
-            <a:extLst>
-              <a:ext uri="{909E8E84-426E-40dd-AFC4-6F175D3DCCD1}">
-                <a14:hiddenFill xmlns="" xmlns:a14="http://schemas.microsoft.com/office/drawing/2010/main">
-                  <a:solidFill>
-                    <a:srgbClr val="FFFFFF"/>
-                  </a:solidFill>
-                </a14:hiddenFill>
-              </a:ext>
-              <a:ext uri="{91240B29-F687-4f45-9708-019B960494DF}">
-                <a14:hiddenLine xmlns="" xmlns:a14="http://schemas.microsoft.com/office/drawing/2010/main" w="12700">
-                  <a:solidFill>
-                    <a:srgbClr val="000000"/>
-                  </a:solidFill>
-                  <a:miter lim="800000"/>
-                  <a:headEnd/>
-                  <a:tailEnd/>
-                </a14:hiddenLine>
-              </a:ext>
-            </a:extLst>
-          </p:spPr>
-          <p:txBody>
-            <a:bodyPr wrap="none" lIns="90487" tIns="44450" rIns="90487" bIns="44450">
-              <a:spAutoFit/>
-            </a:bodyPr>
-            <a:lstStyle/>
-            <a:p>
-              <a:endParaRPr lang="en-US" sz="1400" b="1">
-                <a:solidFill>
-                  <a:schemeClr val="bg2"/>
-                </a:solidFill>
-                <a:latin typeface="Arial" charset="0"/>
-              </a:endParaRPr>
-            </a:p>
-          </p:txBody>
-        </p:sp>
-        <p:sp>
-          <p:nvSpPr>
-            <p:cNvPr id="53254" name="Rectangle 8"/>
-            <p:cNvSpPr>
-              <a:spLocks noChangeArrowheads="1"/>
-            </p:cNvSpPr>
-            <p:nvPr/>
-          </p:nvSpPr>
-          <p:spPr bwMode="auto">
-            <a:xfrm>
-              <a:off x="3670" y="504"/>
-              <a:ext cx="1043" cy="482"/>
-            </a:xfrm>
-            <a:prstGeom prst="rect">
-              <a:avLst/>
-            </a:prstGeom>
-            <a:noFill/>
-            <a:ln>
-              <a:noFill/>
-            </a:ln>
-            <a:extLst>
-              <a:ext uri="{909E8E84-426E-40dd-AFC4-6F175D3DCCD1}">
-                <a14:hiddenFill xmlns="" xmlns:a14="http://schemas.microsoft.com/office/drawing/2010/main">
-                  <a:solidFill>
-                    <a:srgbClr val="FFFFFF"/>
-                  </a:solidFill>
-                </a14:hiddenFill>
-              </a:ext>
-              <a:ext uri="{91240B29-F687-4f45-9708-019B960494DF}">
-                <a14:hiddenLine xmlns="" xmlns:a14="http://schemas.microsoft.com/office/drawing/2010/main" w="12700">
-                  <a:solidFill>
-                    <a:srgbClr val="000000"/>
-                  </a:solidFill>
-                  <a:miter lim="800000"/>
-                  <a:headEnd/>
-                  <a:tailEnd/>
-                </a14:hiddenLine>
-              </a:ext>
-            </a:extLst>
-          </p:spPr>
-          <p:txBody>
-            <a:bodyPr wrap="none" lIns="90487" tIns="44450" rIns="90487" bIns="44450">
-              <a:spAutoFit/>
-            </a:bodyPr>
-            <a:lstStyle/>
-            <a:p>
-              <a:r>
-                <a:rPr lang="en-US" sz="1400" b="1">
-                  <a:solidFill>
-                    <a:schemeClr val="bg2"/>
-                  </a:solidFill>
-                  <a:latin typeface="Arial" charset="0"/>
-                </a:rPr>
-                <a:t>Subdural veins</a:t>
-              </a:r>
-            </a:p>
-            <a:p>
-              <a:r>
-                <a:rPr lang="en-US" sz="1400" b="1">
-                  <a:solidFill>
-                    <a:schemeClr val="bg2"/>
-                  </a:solidFill>
-                  <a:latin typeface="Arial" charset="0"/>
-                </a:rPr>
-                <a:t>torn as brain</a:t>
-              </a:r>
-            </a:p>
-            <a:p>
-              <a:r>
-                <a:rPr lang="en-US" sz="1400" b="1">
-                  <a:solidFill>
-                    <a:schemeClr val="bg2"/>
-                  </a:solidFill>
-                  <a:latin typeface="Arial" charset="0"/>
-                </a:rPr>
-                <a:t>rotates forward</a:t>
-              </a:r>
-            </a:p>
-          </p:txBody>
-        </p:sp>
-        <p:sp>
-          <p:nvSpPr>
-            <p:cNvPr id="53255" name="Line 9"/>
-            <p:cNvSpPr>
-              <a:spLocks noChangeShapeType="1"/>
-            </p:cNvSpPr>
-            <p:nvPr/>
-          </p:nvSpPr>
-          <p:spPr bwMode="auto">
-            <a:xfrm flipH="1">
-              <a:off x="3527" y="984"/>
-              <a:ext cx="1055" cy="0"/>
-            </a:xfrm>
-            <a:prstGeom prst="line">
-              <a:avLst/>
-            </a:prstGeom>
-            <a:noFill/>
-            <a:ln w="25400">
-              <a:solidFill>
-                <a:schemeClr val="bg2"/>
-              </a:solidFill>
-              <a:round/>
-              <a:headEnd/>
-              <a:tailEnd type="triangle" w="med" len="med"/>
-            </a:ln>
-            <a:extLst>
-              <a:ext uri="{909E8E84-426E-40dd-AFC4-6F175D3DCCD1}">
-                <a14:hiddenFill xmlns="" xmlns:a14="http://schemas.microsoft.com/office/drawing/2010/main">
-                  <a:noFill/>
-                </a14:hiddenFill>
-              </a:ext>
-            </a:extLst>
-          </p:spPr>
-          <p:txBody>
-            <a:bodyPr wrap="none" anchor="ctr"/>
-            <a:lstStyle/>
-            <a:p>
-              <a:endParaRPr lang="en-US"/>
-            </a:p>
-          </p:txBody>
-        </p:sp>
-        <p:sp>
-          <p:nvSpPr>
-            <p:cNvPr id="53256" name="Line 10"/>
-            <p:cNvSpPr>
-              <a:spLocks noChangeShapeType="1"/>
-            </p:cNvSpPr>
-            <p:nvPr/>
-          </p:nvSpPr>
-          <p:spPr bwMode="auto">
-            <a:xfrm>
-              <a:off x="4582" y="705"/>
-              <a:ext cx="0" cy="271"/>
-            </a:xfrm>
-            <a:prstGeom prst="line">
-              <a:avLst/>
-            </a:prstGeom>
-            <a:noFill/>
-            <a:ln w="25400">
-              <a:solidFill>
-                <a:schemeClr val="bg2"/>
-              </a:solidFill>
-              <a:round/>
-              <a:headEnd/>
-              <a:tailEnd/>
-            </a:ln>
-            <a:extLst>
-              <a:ext uri="{909E8E84-426E-40dd-AFC4-6F175D3DCCD1}">
-                <a14:hiddenFill xmlns="" xmlns:a14="http://schemas.microsoft.com/office/drawing/2010/main">
-                  <a:noFill/>
-                </a14:hiddenFill>
-              </a:ext>
-            </a:extLst>
-          </p:spPr>
-          <p:txBody>
-            <a:bodyPr wrap="none" anchor="ctr"/>
-            <a:lstStyle/>
-            <a:p>
-              <a:endParaRPr lang="en-US"/>
-            </a:p>
-          </p:txBody>
-        </p:sp>
-        <p:sp>
-          <p:nvSpPr>
-            <p:cNvPr id="53257" name="Line 11"/>
-            <p:cNvSpPr>
-              <a:spLocks noChangeShapeType="1"/>
-            </p:cNvSpPr>
-            <p:nvPr/>
-          </p:nvSpPr>
-          <p:spPr bwMode="auto">
-            <a:xfrm flipH="1">
-              <a:off x="4439" y="696"/>
-              <a:ext cx="143" cy="0"/>
-            </a:xfrm>
-            <a:prstGeom prst="line">
-              <a:avLst/>
-            </a:prstGeom>
-            <a:noFill/>
-            <a:ln w="25400">
-              <a:solidFill>
-                <a:schemeClr val="bg2"/>
-              </a:solidFill>
-              <a:round/>
-              <a:headEnd/>
-              <a:tailEnd/>
-            </a:ln>
-            <a:extLst>
-              <a:ext uri="{909E8E84-426E-40dd-AFC4-6F175D3DCCD1}">
-                <a14:hiddenFill xmlns="" xmlns:a14="http://schemas.microsoft.com/office/drawing/2010/main">
-                  <a:noFill/>
-                </a14:hiddenFill>
-              </a:ext>
-            </a:extLst>
-          </p:spPr>
-          <p:txBody>
-            <a:bodyPr wrap="none" anchor="ctr"/>
-            <a:lstStyle/>
-            <a:p>
-              <a:endParaRPr lang="en-US"/>
-            </a:p>
-          </p:txBody>
-        </p:sp>
-        <p:sp>
-          <p:nvSpPr>
-            <p:cNvPr id="53258" name="Line 12"/>
-            <p:cNvSpPr>
-              <a:spLocks noChangeShapeType="1"/>
-            </p:cNvSpPr>
-            <p:nvPr/>
-          </p:nvSpPr>
-          <p:spPr bwMode="auto">
-            <a:xfrm flipH="1">
-              <a:off x="3815" y="1560"/>
-              <a:ext cx="1055" cy="0"/>
-            </a:xfrm>
-            <a:prstGeom prst="line">
-              <a:avLst/>
-            </a:prstGeom>
-            <a:noFill/>
-            <a:ln w="25400">
-              <a:solidFill>
-                <a:schemeClr val="bg2"/>
-              </a:solidFill>
-              <a:round/>
-              <a:headEnd/>
-              <a:tailEnd type="triangle" w="med" len="med"/>
-            </a:ln>
-            <a:extLst>
-              <a:ext uri="{909E8E84-426E-40dd-AFC4-6F175D3DCCD1}">
-                <a14:hiddenFill xmlns="" xmlns:a14="http://schemas.microsoft.com/office/drawing/2010/main">
-                  <a:noFill/>
-                </a14:hiddenFill>
-              </a:ext>
-            </a:extLst>
-          </p:spPr>
-          <p:txBody>
-            <a:bodyPr wrap="none" anchor="ctr"/>
-            <a:lstStyle/>
-            <a:p>
-              <a:endParaRPr lang="en-US"/>
-            </a:p>
-          </p:txBody>
-        </p:sp>
-        <p:sp>
-          <p:nvSpPr>
-            <p:cNvPr id="53259" name="Line 13"/>
-            <p:cNvSpPr>
-              <a:spLocks noChangeShapeType="1"/>
-            </p:cNvSpPr>
-            <p:nvPr/>
-          </p:nvSpPr>
-          <p:spPr bwMode="auto">
-            <a:xfrm>
-              <a:off x="4870" y="1569"/>
-              <a:ext cx="0" cy="1279"/>
-            </a:xfrm>
-            <a:prstGeom prst="line">
-              <a:avLst/>
-            </a:prstGeom>
-            <a:noFill/>
-            <a:ln w="25400">
-              <a:solidFill>
-                <a:schemeClr val="bg2"/>
-              </a:solidFill>
-              <a:round/>
-              <a:headEnd/>
-              <a:tailEnd/>
-            </a:ln>
-            <a:extLst>
-              <a:ext uri="{909E8E84-426E-40dd-AFC4-6F175D3DCCD1}">
-                <a14:hiddenFill xmlns="" xmlns:a14="http://schemas.microsoft.com/office/drawing/2010/main">
-                  <a:noFill/>
-                </a14:hiddenFill>
-              </a:ext>
-            </a:extLst>
-          </p:spPr>
-          <p:txBody>
-            <a:bodyPr wrap="none" anchor="ctr"/>
-            <a:lstStyle/>
-            <a:p>
-              <a:endParaRPr lang="en-US"/>
-            </a:p>
-          </p:txBody>
-        </p:sp>
-        <p:sp>
-          <p:nvSpPr>
-            <p:cNvPr id="53260" name="Line 14"/>
-            <p:cNvSpPr>
-              <a:spLocks noChangeShapeType="1"/>
-            </p:cNvSpPr>
-            <p:nvPr/>
-          </p:nvSpPr>
-          <p:spPr bwMode="auto">
-            <a:xfrm flipH="1">
-              <a:off x="4775" y="2858"/>
-              <a:ext cx="95" cy="38"/>
-            </a:xfrm>
-            <a:prstGeom prst="line">
-              <a:avLst/>
-            </a:prstGeom>
-            <a:noFill/>
-            <a:ln w="25400">
-              <a:solidFill>
-                <a:schemeClr val="bg2"/>
-              </a:solidFill>
-              <a:round/>
-              <a:headEnd/>
-              <a:tailEnd/>
-            </a:ln>
-            <a:extLst>
-              <a:ext uri="{909E8E84-426E-40dd-AFC4-6F175D3DCCD1}">
-                <a14:hiddenFill xmlns="" xmlns:a14="http://schemas.microsoft.com/office/drawing/2010/main">
-                  <a:noFill/>
-                </a14:hiddenFill>
-              </a:ext>
-            </a:extLst>
-          </p:spPr>
-          <p:txBody>
-            <a:bodyPr wrap="none" anchor="ctr"/>
-            <a:lstStyle/>
-            <a:p>
-              <a:endParaRPr lang="en-US"/>
-            </a:p>
-          </p:txBody>
-        </p:sp>
-        <p:sp>
-          <p:nvSpPr>
-            <p:cNvPr id="53261" name="Rectangle 15"/>
-            <p:cNvSpPr>
-              <a:spLocks noChangeArrowheads="1"/>
-            </p:cNvSpPr>
-            <p:nvPr/>
-          </p:nvSpPr>
-          <p:spPr bwMode="auto">
-            <a:xfrm>
-              <a:off x="2936" y="2280"/>
-              <a:ext cx="790" cy="341"/>
-            </a:xfrm>
-            <a:prstGeom prst="rect">
-              <a:avLst/>
-            </a:prstGeom>
-            <a:noFill/>
-            <a:ln>
-              <a:noFill/>
-            </a:ln>
-            <a:extLst>
-              <a:ext uri="{909E8E84-426E-40dd-AFC4-6F175D3DCCD1}">
-                <a14:hiddenFill xmlns="" xmlns:a14="http://schemas.microsoft.com/office/drawing/2010/main">
-                  <a:solidFill>
-                    <a:srgbClr val="FFFFFF"/>
-                  </a:solidFill>
-                </a14:hiddenFill>
-              </a:ext>
-              <a:ext uri="{91240B29-F687-4f45-9708-019B960494DF}">
-                <a14:hiddenLine xmlns="" xmlns:a14="http://schemas.microsoft.com/office/drawing/2010/main" w="12700">
-                  <a:solidFill>
-                    <a:srgbClr val="000000"/>
-                  </a:solidFill>
-                  <a:miter lim="800000"/>
-                  <a:headEnd/>
-                  <a:tailEnd/>
-                </a14:hiddenLine>
-              </a:ext>
-            </a:extLst>
-          </p:spPr>
-          <p:txBody>
-            <a:bodyPr wrap="none" lIns="90487" tIns="44450" rIns="90487" bIns="44450">
-              <a:spAutoFit/>
-            </a:bodyPr>
-            <a:lstStyle/>
-            <a:p>
-              <a:r>
-                <a:rPr lang="en-US" sz="1400" b="1">
-                  <a:solidFill>
-                    <a:schemeClr val="bg2"/>
-                  </a:solidFill>
-                  <a:latin typeface="Arial" charset="0"/>
-                </a:rPr>
-                <a:t>Swelling of</a:t>
-              </a:r>
-            </a:p>
-            <a:p>
-              <a:r>
-                <a:rPr lang="en-US" sz="1400" b="1">
-                  <a:solidFill>
-                    <a:schemeClr val="bg2"/>
-                  </a:solidFill>
-                  <a:latin typeface="Arial" charset="0"/>
-                </a:rPr>
-                <a:t>brain stem</a:t>
-              </a:r>
-            </a:p>
-          </p:txBody>
-        </p:sp>
-        <p:sp>
-          <p:nvSpPr>
-            <p:cNvPr id="53262" name="Line 16"/>
-            <p:cNvSpPr>
-              <a:spLocks noChangeShapeType="1"/>
-            </p:cNvSpPr>
-            <p:nvPr/>
-          </p:nvSpPr>
-          <p:spPr bwMode="auto">
-            <a:xfrm flipV="1">
-              <a:off x="3039" y="2089"/>
-              <a:ext cx="143" cy="203"/>
-            </a:xfrm>
-            <a:prstGeom prst="line">
-              <a:avLst/>
-            </a:prstGeom>
-            <a:noFill/>
-            <a:ln w="25400">
-              <a:solidFill>
-                <a:schemeClr val="bg2"/>
-              </a:solidFill>
-              <a:round/>
-              <a:headEnd/>
-              <a:tailEnd type="triangle" w="med" len="med"/>
-            </a:ln>
-            <a:extLst>
-              <a:ext uri="{909E8E84-426E-40dd-AFC4-6F175D3DCCD1}">
-                <a14:hiddenFill xmlns="" xmlns:a14="http://schemas.microsoft.com/office/drawing/2010/main">
-                  <a:noFill/>
-                </a14:hiddenFill>
-              </a:ext>
-            </a:extLst>
-          </p:spPr>
-          <p:txBody>
-            <a:bodyPr wrap="none" anchor="ctr"/>
-            <a:lstStyle/>
-            <a:p>
-              <a:endParaRPr lang="en-US"/>
-            </a:p>
-          </p:txBody>
-        </p:sp>
-        <p:sp>
-          <p:nvSpPr>
-            <p:cNvPr id="53263" name="Rectangle 17"/>
-            <p:cNvSpPr>
-              <a:spLocks noChangeArrowheads="1"/>
-            </p:cNvSpPr>
-            <p:nvPr/>
-          </p:nvSpPr>
-          <p:spPr bwMode="auto">
-            <a:xfrm>
-              <a:off x="2087" y="3032"/>
-              <a:ext cx="129" cy="200"/>
-            </a:xfrm>
-            <a:prstGeom prst="rect">
-              <a:avLst/>
-            </a:prstGeom>
-            <a:noFill/>
-            <a:ln>
-              <a:noFill/>
-            </a:ln>
-            <a:extLst>
-              <a:ext uri="{909E8E84-426E-40dd-AFC4-6F175D3DCCD1}">
-                <a14:hiddenFill xmlns="" xmlns:a14="http://schemas.microsoft.com/office/drawing/2010/main">
-                  <a:solidFill>
-                    <a:srgbClr val="FFFFFF"/>
-                  </a:solidFill>
-                </a14:hiddenFill>
-              </a:ext>
-              <a:ext uri="{91240B29-F687-4f45-9708-019B960494DF}">
-                <a14:hiddenLine xmlns="" xmlns:a14="http://schemas.microsoft.com/office/drawing/2010/main" w="12700">
-                  <a:solidFill>
-                    <a:srgbClr val="000000"/>
-                  </a:solidFill>
-                  <a:miter lim="800000"/>
-                  <a:headEnd/>
-                  <a:tailEnd/>
-                </a14:hiddenLine>
-              </a:ext>
-            </a:extLst>
-          </p:spPr>
-          <p:txBody>
-            <a:bodyPr wrap="none" lIns="90487" tIns="44450" rIns="90487" bIns="44450">
-              <a:spAutoFit/>
-            </a:bodyPr>
-            <a:lstStyle/>
-            <a:p>
-              <a:endParaRPr lang="en-US" sz="1400" b="1">
-                <a:solidFill>
-                  <a:schemeClr val="bg2"/>
-                </a:solidFill>
-              </a:endParaRPr>
-            </a:p>
-          </p:txBody>
-        </p:sp>
-        <p:sp>
-          <p:nvSpPr>
-            <p:cNvPr id="53264" name="Line 18"/>
-            <p:cNvSpPr>
-              <a:spLocks noChangeShapeType="1"/>
-            </p:cNvSpPr>
-            <p:nvPr/>
-          </p:nvSpPr>
-          <p:spPr bwMode="auto">
-            <a:xfrm flipH="1" flipV="1">
-              <a:off x="1991" y="3205"/>
-              <a:ext cx="127" cy="127"/>
-            </a:xfrm>
-            <a:prstGeom prst="line">
-              <a:avLst/>
-            </a:prstGeom>
-            <a:noFill/>
-            <a:ln w="25400">
-              <a:solidFill>
-                <a:schemeClr val="bg2"/>
-              </a:solidFill>
-              <a:round/>
-              <a:headEnd/>
-              <a:tailEnd/>
-            </a:ln>
-            <a:extLst>
-              <a:ext uri="{909E8E84-426E-40dd-AFC4-6F175D3DCCD1}">
-                <a14:hiddenFill xmlns="" xmlns:a14="http://schemas.microsoft.com/office/drawing/2010/main">
-                  <a:noFill/>
-                </a14:hiddenFill>
-              </a:ext>
-            </a:extLst>
-          </p:spPr>
-          <p:txBody>
-            <a:bodyPr wrap="none" anchor="ctr"/>
-            <a:lstStyle/>
-            <a:p>
-              <a:endParaRPr lang="en-US"/>
-            </a:p>
-          </p:txBody>
-        </p:sp>
-        <p:sp>
-          <p:nvSpPr>
-            <p:cNvPr id="53265" name="Line 19"/>
-            <p:cNvSpPr>
-              <a:spLocks noChangeShapeType="1"/>
-            </p:cNvSpPr>
-            <p:nvPr/>
-          </p:nvSpPr>
-          <p:spPr bwMode="auto">
-            <a:xfrm flipV="1">
-              <a:off x="1990" y="2905"/>
-              <a:ext cx="0" cy="299"/>
-            </a:xfrm>
-            <a:prstGeom prst="line">
-              <a:avLst/>
-            </a:prstGeom>
-            <a:noFill/>
-            <a:ln w="25400">
-              <a:solidFill>
-                <a:schemeClr val="bg2"/>
-              </a:solidFill>
-              <a:round/>
-              <a:headEnd/>
-              <a:tailEnd/>
-            </a:ln>
-            <a:extLst>
-              <a:ext uri="{909E8E84-426E-40dd-AFC4-6F175D3DCCD1}">
-                <a14:hiddenFill xmlns="" xmlns:a14="http://schemas.microsoft.com/office/drawing/2010/main">
-                  <a:noFill/>
-                </a14:hiddenFill>
-              </a:ext>
-            </a:extLst>
-          </p:spPr>
-          <p:txBody>
-            <a:bodyPr wrap="none" anchor="ctr"/>
-            <a:lstStyle/>
-            <a:p>
-              <a:endParaRPr lang="en-US"/>
-            </a:p>
-          </p:txBody>
-        </p:sp>
-        <p:sp>
-          <p:nvSpPr>
-            <p:cNvPr id="53266" name="Line 20"/>
-            <p:cNvSpPr>
-              <a:spLocks noChangeShapeType="1"/>
-            </p:cNvSpPr>
-            <p:nvPr/>
-          </p:nvSpPr>
-          <p:spPr bwMode="auto">
-            <a:xfrm flipV="1">
-              <a:off x="1999" y="1881"/>
-              <a:ext cx="783" cy="1022"/>
-            </a:xfrm>
-            <a:prstGeom prst="line">
-              <a:avLst/>
-            </a:prstGeom>
-            <a:noFill/>
-            <a:ln w="25400">
-              <a:solidFill>
-                <a:schemeClr val="bg2"/>
-              </a:solidFill>
-              <a:round/>
-              <a:headEnd/>
-              <a:tailEnd type="triangle" w="med" len="med"/>
-            </a:ln>
-            <a:extLst>
-              <a:ext uri="{909E8E84-426E-40dd-AFC4-6F175D3DCCD1}">
-                <a14:hiddenFill xmlns="" xmlns:a14="http://schemas.microsoft.com/office/drawing/2010/main">
-                  <a:noFill/>
-                </a14:hiddenFill>
-              </a:ext>
-            </a:extLst>
-          </p:spPr>
-          <p:txBody>
-            <a:bodyPr wrap="none" anchor="ctr"/>
-            <a:lstStyle/>
-            <a:p>
-              <a:endParaRPr lang="en-US"/>
-            </a:p>
-          </p:txBody>
-        </p:sp>
-        <p:sp>
-          <p:nvSpPr>
-            <p:cNvPr id="53267" name="Rectangle 21"/>
-            <p:cNvSpPr>
-              <a:spLocks noChangeArrowheads="1"/>
-            </p:cNvSpPr>
-            <p:nvPr/>
-          </p:nvSpPr>
-          <p:spPr bwMode="auto">
-            <a:xfrm>
-              <a:off x="2351" y="420"/>
-              <a:ext cx="931" cy="341"/>
-            </a:xfrm>
-            <a:prstGeom prst="rect">
-              <a:avLst/>
-            </a:prstGeom>
-            <a:noFill/>
-            <a:ln>
-              <a:noFill/>
-            </a:ln>
-            <a:extLst>
-              <a:ext uri="{909E8E84-426E-40dd-AFC4-6F175D3DCCD1}">
-                <a14:hiddenFill xmlns="" xmlns:a14="http://schemas.microsoft.com/office/drawing/2010/main">
-                  <a:solidFill>
-                    <a:srgbClr val="FFFFFF"/>
-                  </a:solidFill>
-                </a14:hiddenFill>
-              </a:ext>
-              <a:ext uri="{91240B29-F687-4f45-9708-019B960494DF}">
-                <a14:hiddenLine xmlns="" xmlns:a14="http://schemas.microsoft.com/office/drawing/2010/main" w="12700">
-                  <a:solidFill>
-                    <a:srgbClr val="000000"/>
-                  </a:solidFill>
-                  <a:miter lim="800000"/>
-                  <a:headEnd/>
-                  <a:tailEnd/>
-                </a14:hiddenLine>
-              </a:ext>
-            </a:extLst>
-          </p:spPr>
-          <p:txBody>
-            <a:bodyPr wrap="none" lIns="90487" tIns="44450" rIns="90487" bIns="44450">
-              <a:spAutoFit/>
-            </a:bodyPr>
-            <a:lstStyle/>
-            <a:p>
-              <a:r>
-                <a:rPr lang="en-US" sz="1400" b="1">
-                  <a:solidFill>
-                    <a:schemeClr val="bg2"/>
-                  </a:solidFill>
-                  <a:latin typeface="Arial" charset="0"/>
-                </a:rPr>
-                <a:t>Compression</a:t>
-              </a:r>
-            </a:p>
-            <a:p>
-              <a:r>
-                <a:rPr lang="en-US" sz="1400" b="1">
-                  <a:solidFill>
-                    <a:schemeClr val="bg2"/>
-                  </a:solidFill>
-                  <a:latin typeface="Arial" charset="0"/>
-                </a:rPr>
-                <a:t>fracture</a:t>
-              </a:r>
-            </a:p>
-          </p:txBody>
-        </p:sp>
-        <p:sp>
-          <p:nvSpPr>
-            <p:cNvPr id="53268" name="Line 22"/>
-            <p:cNvSpPr>
-              <a:spLocks noChangeShapeType="1"/>
-            </p:cNvSpPr>
-            <p:nvPr/>
-          </p:nvSpPr>
-          <p:spPr bwMode="auto">
-            <a:xfrm flipH="1">
-              <a:off x="1760" y="512"/>
-              <a:ext cx="591" cy="0"/>
-            </a:xfrm>
-            <a:prstGeom prst="line">
-              <a:avLst/>
-            </a:prstGeom>
-            <a:noFill/>
-            <a:ln w="25400">
-              <a:solidFill>
-                <a:schemeClr val="bg2"/>
-              </a:solidFill>
-              <a:round/>
-              <a:headEnd/>
-              <a:tailEnd/>
-            </a:ln>
-            <a:extLst>
-              <a:ext uri="{909E8E84-426E-40dd-AFC4-6F175D3DCCD1}">
-                <a14:hiddenFill xmlns="" xmlns:a14="http://schemas.microsoft.com/office/drawing/2010/main">
-                  <a:noFill/>
-                </a14:hiddenFill>
-              </a:ext>
-            </a:extLst>
-          </p:spPr>
-          <p:txBody>
-            <a:bodyPr wrap="none" anchor="ctr"/>
-            <a:lstStyle/>
-            <a:p>
-              <a:endParaRPr lang="en-US"/>
-            </a:p>
-          </p:txBody>
-        </p:sp>
-        <p:sp>
-          <p:nvSpPr>
-            <p:cNvPr id="53269" name="Line 23"/>
-            <p:cNvSpPr>
-              <a:spLocks noChangeShapeType="1"/>
-            </p:cNvSpPr>
-            <p:nvPr/>
-          </p:nvSpPr>
-          <p:spPr bwMode="auto">
-            <a:xfrm>
-              <a:off x="1743" y="521"/>
-              <a:ext cx="0" cy="455"/>
-            </a:xfrm>
-            <a:prstGeom prst="line">
-              <a:avLst/>
-            </a:prstGeom>
-            <a:noFill/>
-            <a:ln w="25400">
-              <a:solidFill>
-                <a:schemeClr val="bg2"/>
-              </a:solidFill>
-              <a:round/>
-              <a:headEnd/>
-              <a:tailEnd/>
-            </a:ln>
-            <a:extLst>
-              <a:ext uri="{909E8E84-426E-40dd-AFC4-6F175D3DCCD1}">
-                <a14:hiddenFill xmlns="" xmlns:a14="http://schemas.microsoft.com/office/drawing/2010/main">
-                  <a:noFill/>
-                </a14:hiddenFill>
-              </a:ext>
-            </a:extLst>
-          </p:spPr>
-          <p:txBody>
-            <a:bodyPr wrap="none" anchor="ctr"/>
-            <a:lstStyle/>
-            <a:p>
-              <a:endParaRPr lang="en-US"/>
-            </a:p>
-          </p:txBody>
-        </p:sp>
-        <p:sp>
-          <p:nvSpPr>
-            <p:cNvPr id="53270" name="Line 24"/>
-            <p:cNvSpPr>
-              <a:spLocks noChangeShapeType="1"/>
-            </p:cNvSpPr>
-            <p:nvPr/>
-          </p:nvSpPr>
-          <p:spPr bwMode="auto">
-            <a:xfrm>
-              <a:off x="1752" y="993"/>
-              <a:ext cx="431" cy="207"/>
-            </a:xfrm>
-            <a:prstGeom prst="line">
-              <a:avLst/>
-            </a:prstGeom>
-            <a:noFill/>
-            <a:ln w="25400">
-              <a:solidFill>
-                <a:schemeClr val="bg2"/>
-              </a:solidFill>
-              <a:round/>
-              <a:headEnd/>
-              <a:tailEnd type="triangle" w="med" len="med"/>
-            </a:ln>
-            <a:extLst>
-              <a:ext uri="{909E8E84-426E-40dd-AFC4-6F175D3DCCD1}">
-                <a14:hiddenFill xmlns="" xmlns:a14="http://schemas.microsoft.com/office/drawing/2010/main">
-                  <a:noFill/>
-                </a14:hiddenFill>
-              </a:ext>
-            </a:extLst>
-          </p:spPr>
-          <p:txBody>
-            <a:bodyPr wrap="none" anchor="ctr"/>
-            <a:lstStyle/>
-            <a:p>
-              <a:endParaRPr lang="en-US"/>
-            </a:p>
-          </p:txBody>
-        </p:sp>
-      </p:grpSp>
-      <p:sp>
-        <p:nvSpPr>
-          <p:cNvPr id="77849" name="Rectangle 25" descr="Large confetti"/>
+      <p:sp>
+        <p:nvSpPr>
+          <p:cNvPr id="19458" name="Rectangle 2"/>
           <p:cNvSpPr>
-            <a:spLocks noChangeArrowheads="1"/>
+            <a:spLocks noGrp="1" noChangeArrowheads="1"/>
           </p:cNvSpPr>
-          <p:nvPr/>
-        </p:nvSpPr>
-        <p:spPr bwMode="auto">
-          <a:xfrm>
-            <a:off x="1828800" y="457200"/>
-            <a:ext cx="6096000" cy="1143000"/>
-          </a:xfrm>
-          <a:prstGeom prst="rect">
-            <a:avLst/>
-          </a:prstGeom>
-          <a:noFill/>
-          <a:ln w="9525">
-            <a:noFill/>
-            <a:miter lim="800000"/>
-            <a:headEnd/>
-            <a:tailEnd/>
-          </a:ln>
-          <a:effectLst/>
-        </p:spPr>
+          <p:nvPr>
+            <p:ph type="title"/>
+          </p:nvPr>
+        </p:nvSpPr>
+        <p:spPr/>
         <p:txBody>
-          <a:bodyPr anchor="b"/>
+          <a:bodyPr/>
           <a:lstStyle/>
           <a:p>
-            <a:pPr algn="ctr" eaLnBrk="1" hangingPunct="1">
+            <a:pPr eaLnBrk="1" hangingPunct="1">
               <a:defRPr/>
             </a:pPr>
             <a:r>
-              <a:rPr lang="en-US" sz="4400">
-                <a:solidFill>
-                  <a:schemeClr val="tx2"/>
-                </a:solidFill>
-                <a:effectLst>
-                  <a:outerShdw blurRad="38100" dist="38100" dir="2700000" algn="tl">
-                    <a:srgbClr val="000000"/>
-                  </a:outerShdw>
-                </a:effectLst>
+              <a:rPr lang="en-US">
                 <a:latin typeface="Arial" charset="0"/>
+                <a:ea typeface="ＭＳ Ｐゴシック" charset="0"/>
+                <a:cs typeface="ＭＳ Ｐゴシック" charset="0"/>
               </a:rPr>
-              <a:t>Types of Damage in a Closed Head Injury</a:t>
-            </a:r>
+              <a:t>Measuring Severity</a:t>
+            </a:r>
+          </a:p>
+        </p:txBody>
+      </p:sp>
+      <p:sp>
+        <p:nvSpPr>
+          <p:cNvPr id="19459" name="Rectangle 3"/>
+          <p:cNvSpPr>
+            <a:spLocks noGrp="1" noChangeArrowheads="1"/>
+          </p:cNvSpPr>
+          <p:nvPr>
+            <p:ph idx="1"/>
+          </p:nvPr>
+        </p:nvSpPr>
+        <p:spPr/>
+        <p:txBody>
+          <a:bodyPr>
+            <a:normAutofit fontScale="92500" lnSpcReduction="10000"/>
+          </a:bodyPr>
+          <a:lstStyle/>
+          <a:p>
+            <a:pPr eaLnBrk="1" hangingPunct="1">
+              <a:lnSpc>
+                <a:spcPct val="90000"/>
+              </a:lnSpc>
+              <a:defRPr/>
+            </a:pPr>
+            <a:r>
+              <a:rPr lang="en-US" sz="2800" dirty="0">
+                <a:latin typeface="Arial" charset="0"/>
+                <a:ea typeface="ＭＳ Ｐゴシック" charset="0"/>
+                <a:cs typeface="ＭＳ Ｐゴシック" charset="0"/>
+              </a:rPr>
+              <a:t>COMA: different instruments used to measure (</a:t>
+            </a:r>
+            <a:r>
+              <a:rPr lang="en-US" sz="2800" dirty="0" err="1">
+                <a:latin typeface="Arial" charset="0"/>
+                <a:ea typeface="ＭＳ Ｐゴシック" charset="0"/>
+                <a:cs typeface="ＭＳ Ｐゴシック" charset="0"/>
+              </a:rPr>
+              <a:t>Glascow</a:t>
+            </a:r>
+            <a:r>
+              <a:rPr lang="en-US" sz="2800" dirty="0">
+                <a:latin typeface="Arial" charset="0"/>
+                <a:ea typeface="ＭＳ Ｐゴシック" charset="0"/>
+                <a:cs typeface="ＭＳ Ｐゴシック" charset="0"/>
+              </a:rPr>
+              <a:t> Coma Scale awards points for eye opening, best motor response, best verbal response)</a:t>
+            </a:r>
+          </a:p>
+          <a:p>
+            <a:pPr eaLnBrk="1" hangingPunct="1">
+              <a:lnSpc>
+                <a:spcPct val="90000"/>
+              </a:lnSpc>
+              <a:defRPr/>
+            </a:pPr>
+            <a:r>
+              <a:rPr lang="en-US" sz="2800" dirty="0">
+                <a:latin typeface="Arial" charset="0"/>
+                <a:ea typeface="ＭＳ Ｐゴシック" charset="0"/>
+                <a:cs typeface="ＭＳ Ｐゴシック" charset="0"/>
+              </a:rPr>
+              <a:t>PTA (GOAT is an example of instrument and looks at orientation to person, place, time  &amp; circumstance)</a:t>
+            </a:r>
+          </a:p>
+          <a:p>
+            <a:pPr eaLnBrk="1" hangingPunct="1">
+              <a:lnSpc>
+                <a:spcPct val="90000"/>
+              </a:lnSpc>
+              <a:defRPr/>
+            </a:pPr>
+            <a:r>
+              <a:rPr lang="en-US" sz="2800" dirty="0">
+                <a:latin typeface="Arial" charset="0"/>
+                <a:ea typeface="ＭＳ Ｐゴシック" charset="0"/>
+                <a:cs typeface="ＭＳ Ｐゴシック" charset="0"/>
+              </a:rPr>
+              <a:t>Scales to track progress: most widely used is the Rancho Los Amigos Levels of Cognitive Functioning</a:t>
+            </a:r>
+          </a:p>
+          <a:p>
+            <a:pPr lvl="1">
+              <a:defRPr/>
+            </a:pPr>
+            <a:r>
+              <a:rPr lang="en-US" sz="2600">
+                <a:latin typeface="Arial" charset="0"/>
+                <a:ea typeface="ＭＳ Ｐゴシック" charset="0"/>
+                <a:cs typeface="ＭＳ Ｐゴシック" charset="0"/>
+                <a:hlinkClick r:id="rId3"/>
+              </a:rPr>
+              <a:t>Weird video describing RLA levels</a:t>
+            </a:r>
+            <a:endParaRPr lang="en-US" sz="2600">
+              <a:latin typeface="Arial" charset="0"/>
+              <a:ea typeface="ＭＳ Ｐゴシック" charset="0"/>
+              <a:cs typeface="ＭＳ Ｐゴシック" charset="0"/>
+            </a:endParaRPr>
           </a:p>
         </p:txBody>
       </p:sp>
@@ -27797,209 +26916,125 @@
       </p:grpSpPr>
       <p:sp>
         <p:nvSpPr>
-          <p:cNvPr id="78852" name="Rectangle 4" descr="Large confetti"/>
+          <p:cNvPr id="79874" name="Rectangle 2"/>
           <p:cNvSpPr>
-            <a:spLocks noChangeArrowheads="1"/>
+            <a:spLocks noGrp="1" noChangeArrowheads="1"/>
           </p:cNvSpPr>
-          <p:nvPr/>
-        </p:nvSpPr>
-        <p:spPr bwMode="auto">
-          <a:xfrm>
-            <a:off x="1600200" y="304800"/>
-            <a:ext cx="6096000" cy="1143000"/>
-          </a:xfrm>
-          <a:prstGeom prst="rect">
-            <a:avLst/>
-          </a:prstGeom>
-          <a:noFill/>
-          <a:ln w="9525">
-            <a:noFill/>
-            <a:miter lim="800000"/>
-            <a:headEnd/>
-            <a:tailEnd/>
-          </a:ln>
-          <a:effectLst/>
-        </p:spPr>
-        <p:txBody>
-          <a:bodyPr anchor="b"/>
-          <a:lstStyle/>
-          <a:p>
-            <a:pPr algn="ctr" eaLnBrk="1" hangingPunct="1">
-              <a:defRPr/>
-            </a:pPr>
-            <a:r>
-              <a:rPr lang="en-US" sz="3200">
-                <a:solidFill>
-                  <a:schemeClr val="tx2"/>
-                </a:solidFill>
-                <a:effectLst>
-                  <a:outerShdw blurRad="38100" dist="38100" dir="2700000" algn="tl">
-                    <a:srgbClr val="000000"/>
-                  </a:outerShdw>
-                </a:effectLst>
-                <a:latin typeface="Arial" charset="0"/>
-                <a:cs typeface="Times New Roman" charset="0"/>
-              </a:rPr>
-              <a:t>Reminder: Other Acquired Neurological Injuries</a:t>
-            </a:r>
-            <a:endParaRPr lang="en-US" sz="3200">
-              <a:solidFill>
-                <a:schemeClr val="tx2"/>
-              </a:solidFill>
-              <a:effectLst>
-                <a:outerShdw blurRad="38100" dist="38100" dir="2700000" algn="tl">
-                  <a:srgbClr val="000000"/>
-                </a:outerShdw>
-              </a:effectLst>
-              <a:latin typeface="Arial" charset="0"/>
-              <a:ea typeface="Times New Roman" charset="0"/>
-              <a:cs typeface="Times New Roman" charset="0"/>
-            </a:endParaRPr>
-          </a:p>
-        </p:txBody>
-      </p:sp>
-      <p:sp>
-        <p:nvSpPr>
-          <p:cNvPr id="78853" name="Rectangle 5"/>
-          <p:cNvSpPr>
-            <a:spLocks noChangeArrowheads="1"/>
-          </p:cNvSpPr>
-          <p:nvPr/>
-        </p:nvSpPr>
-        <p:spPr bwMode="auto">
-          <a:xfrm>
-            <a:off x="1752600" y="1752600"/>
-            <a:ext cx="6096000" cy="4114800"/>
-          </a:xfrm>
-          <a:prstGeom prst="rect">
-            <a:avLst/>
-          </a:prstGeom>
-          <a:noFill/>
-          <a:ln w="9525">
-            <a:noFill/>
-            <a:miter lim="800000"/>
-            <a:headEnd/>
-            <a:tailEnd/>
-          </a:ln>
-          <a:effectLst/>
-        </p:spPr>
+          <p:nvPr>
+            <p:ph type="title"/>
+          </p:nvPr>
+        </p:nvSpPr>
+        <p:spPr/>
         <p:txBody>
           <a:bodyPr/>
           <a:lstStyle/>
           <a:p>
-            <a:pPr marL="342900" indent="-342900" eaLnBrk="1" hangingPunct="1">
-              <a:lnSpc>
-                <a:spcPct val="90000"/>
-              </a:lnSpc>
-              <a:spcBef>
-                <a:spcPct val="20000"/>
-              </a:spcBef>
-              <a:buClr>
-                <a:schemeClr val="tx2"/>
-              </a:buClr>
-              <a:buSzPct val="115000"/>
-              <a:buFont typeface="Wingdings" charset="0"/>
-              <a:buChar char="§"/>
+            <a:pPr eaLnBrk="1" hangingPunct="1">
               <a:defRPr/>
             </a:pPr>
             <a:r>
-              <a:rPr lang="en-US" sz="2800">
-                <a:effectLst>
-                  <a:outerShdw blurRad="38100" dist="38100" dir="2700000" algn="tl">
-                    <a:srgbClr val="000000"/>
-                  </a:outerShdw>
-                </a:effectLst>
+              <a:rPr lang="en-US">
                 <a:latin typeface="Arial" charset="0"/>
-                <a:cs typeface="Times New Roman" charset="0"/>
+                <a:ea typeface="ＭＳ Ｐゴシック" charset="0"/>
+                <a:cs typeface="ＭＳ Ｐゴシック" charset="0"/>
               </a:rPr>
-              <a:t>CVA (hemorrhage vs. thrombosis/rt vs. lft/PCA,MCS,ACA</a:t>
-            </a:r>
-          </a:p>
-          <a:p>
-            <a:pPr marL="342900" indent="-342900" eaLnBrk="1" hangingPunct="1">
-              <a:lnSpc>
-                <a:spcPct val="90000"/>
-              </a:lnSpc>
-              <a:spcBef>
-                <a:spcPct val="20000"/>
-              </a:spcBef>
-              <a:buClr>
-                <a:schemeClr val="tx2"/>
-              </a:buClr>
-              <a:buSzPct val="115000"/>
-              <a:buFont typeface="Wingdings" charset="0"/>
-              <a:buChar char="§"/>
+              <a:t>Prevention</a:t>
+            </a:r>
+          </a:p>
+        </p:txBody>
+      </p:sp>
+      <p:sp>
+        <p:nvSpPr>
+          <p:cNvPr id="79875" name="Rectangle 3"/>
+          <p:cNvSpPr>
+            <a:spLocks noGrp="1" noChangeArrowheads="1"/>
+          </p:cNvSpPr>
+          <p:nvPr>
+            <p:ph idx="1"/>
+          </p:nvPr>
+        </p:nvSpPr>
+        <p:spPr/>
+        <p:txBody>
+          <a:bodyPr>
+            <a:normAutofit/>
+          </a:bodyPr>
+          <a:lstStyle/>
+          <a:p>
+            <a:pPr eaLnBrk="1" hangingPunct="1">
               <a:defRPr/>
             </a:pPr>
             <a:r>
-              <a:rPr lang="en-US" sz="2800">
-                <a:effectLst>
-                  <a:outerShdw blurRad="38100" dist="38100" dir="2700000" algn="tl">
-                    <a:srgbClr val="000000"/>
-                  </a:outerShdw>
-                </a:effectLst>
+              <a:rPr lang="en-US" sz="2400" dirty="0">
                 <a:latin typeface="Arial" charset="0"/>
-                <a:cs typeface="Times New Roman" charset="0"/>
+                <a:ea typeface="ＭＳ Ｐゴシック" charset="0"/>
+                <a:cs typeface="ＭＳ Ｐゴシック" charset="0"/>
               </a:rPr>
-              <a:t>Anoxia (severe deprivation of oxygen as in drowning or carbon monoxide poisoning).</a:t>
-            </a:r>
-          </a:p>
-          <a:p>
-            <a:pPr marL="342900" indent="-342900" eaLnBrk="1" hangingPunct="1">
-              <a:lnSpc>
-                <a:spcPct val="90000"/>
-              </a:lnSpc>
-              <a:spcBef>
-                <a:spcPct val="20000"/>
-              </a:spcBef>
-              <a:buClr>
-                <a:schemeClr val="tx2"/>
-              </a:buClr>
-              <a:buSzPct val="115000"/>
-              <a:buFont typeface="Wingdings" charset="0"/>
-              <a:buChar char="§"/>
+              <a:t>Safety measures: Seatbelts! Helmets! Baby restraints! Water Rules! </a:t>
+            </a:r>
+          </a:p>
+          <a:p>
+            <a:pPr eaLnBrk="1" hangingPunct="1">
               <a:defRPr/>
             </a:pPr>
             <a:r>
-              <a:rPr lang="en-US" sz="2800">
-                <a:effectLst>
-                  <a:outerShdw blurRad="38100" dist="38100" dir="2700000" algn="tl">
-                    <a:srgbClr val="000000"/>
-                  </a:outerShdw>
-                </a:effectLst>
+              <a:rPr lang="en-US" sz="2400" dirty="0">
                 <a:latin typeface="Arial" charset="0"/>
-                <a:cs typeface="Times New Roman" charset="0"/>
+                <a:ea typeface="ＭＳ Ｐゴシック" charset="0"/>
+                <a:cs typeface="ＭＳ Ｐゴシック" charset="0"/>
               </a:rPr>
-              <a:t>Brain infection (encephalitis)</a:t>
-            </a:r>
-          </a:p>
-          <a:p>
-            <a:pPr marL="342900" indent="-342900" eaLnBrk="1" hangingPunct="1">
-              <a:lnSpc>
-                <a:spcPct val="90000"/>
-              </a:lnSpc>
-              <a:spcBef>
-                <a:spcPct val="20000"/>
-              </a:spcBef>
-              <a:buClr>
-                <a:schemeClr val="tx2"/>
-              </a:buClr>
-              <a:buSzPct val="115000"/>
-              <a:buFont typeface="Wingdings" charset="0"/>
-              <a:buChar char="§"/>
+              <a:t>Avoid substances</a:t>
+            </a:r>
+          </a:p>
+          <a:p>
+            <a:pPr eaLnBrk="1" hangingPunct="1">
               <a:defRPr/>
             </a:pPr>
             <a:r>
-              <a:rPr lang="en-US" sz="2800">
-                <a:effectLst>
-                  <a:outerShdw blurRad="38100" dist="38100" dir="2700000" algn="tl">
-                    <a:srgbClr val="000000"/>
-                  </a:outerShdw>
-                </a:effectLst>
+              <a:rPr lang="en-US" sz="2400" dirty="0">
                 <a:latin typeface="Arial" charset="0"/>
-                <a:cs typeface="Times New Roman" charset="0"/>
+                <a:ea typeface="ＭＳ Ｐゴシック" charset="0"/>
+                <a:cs typeface="ＭＳ Ｐゴシック" charset="0"/>
               </a:rPr>
-              <a:t>Tumor (glioma, meningioma, astrocytoma)</a:t>
+              <a:t>Good perinatal care</a:t>
+            </a:r>
+          </a:p>
+          <a:p>
+            <a:pPr eaLnBrk="1" hangingPunct="1">
+              <a:defRPr/>
+            </a:pPr>
+            <a:r>
+              <a:rPr lang="en-US" sz="2400" dirty="0">
+                <a:latin typeface="Arial" charset="0"/>
+                <a:ea typeface="ＭＳ Ｐゴシック" charset="0"/>
+                <a:cs typeface="ＭＳ Ｐゴシック" charset="0"/>
+              </a:rPr>
+              <a:t>Healthy parenting (anger management/physical abuse risks/safe house)</a:t>
+            </a:r>
+          </a:p>
+          <a:p>
+            <a:pPr eaLnBrk="1" hangingPunct="1">
+              <a:defRPr/>
+            </a:pPr>
+            <a:r>
+              <a:rPr lang="en-US" sz="2400" dirty="0">
+                <a:latin typeface="Arial" charset="0"/>
+                <a:ea typeface="ＭＳ Ｐゴシック" charset="0"/>
+                <a:cs typeface="ＭＳ Ｐゴシック" charset="0"/>
+              </a:rPr>
+              <a:t>Cardiovascular health</a:t>
+            </a:r>
+          </a:p>
+          <a:p>
+            <a:pPr eaLnBrk="1" hangingPunct="1">
+              <a:defRPr/>
+            </a:pPr>
+            <a:r>
+              <a:rPr lang="en-US" sz="2400" dirty="0">
+                <a:latin typeface="Arial" charset="0"/>
+                <a:ea typeface="ＭＳ Ｐゴシック" charset="0"/>
+                <a:cs typeface="ＭＳ Ｐゴシック" charset="0"/>
+              </a:rPr>
+              <a:t>How can you contribute to prevention?</a:t>
             </a:r>
           </a:p>
         </p:txBody>
@@ -28013,1898 +27048,6 @@
 </file>
 
 <file path=ppt/slides/slide38.xml><?xml version="1.0" encoding="utf-8"?>
-<p:sld xmlns:a="http://schemas.openxmlformats.org/drawingml/2006/main" xmlns:r="http://schemas.openxmlformats.org/officeDocument/2006/relationships" xmlns:p="http://schemas.openxmlformats.org/presentationml/2006/main">
-  <p:cSld>
-    <p:spTree>
-      <p:nvGrpSpPr>
-        <p:cNvPr id="1" name=""/>
-        <p:cNvGrpSpPr/>
-        <p:nvPr/>
-      </p:nvGrpSpPr>
-      <p:grpSpPr>
-        <a:xfrm>
-          <a:off x="0" y="0"/>
-          <a:ext cx="0" cy="0"/>
-          <a:chOff x="0" y="0"/>
-          <a:chExt cx="0" cy="0"/>
-        </a:xfrm>
-      </p:grpSpPr>
-      <p:sp>
-        <p:nvSpPr>
-          <p:cNvPr id="19458" name="Rectangle 2"/>
-          <p:cNvSpPr>
-            <a:spLocks noGrp="1" noChangeArrowheads="1"/>
-          </p:cNvSpPr>
-          <p:nvPr>
-            <p:ph type="title"/>
-          </p:nvPr>
-        </p:nvSpPr>
-        <p:spPr/>
-        <p:txBody>
-          <a:bodyPr/>
-          <a:lstStyle/>
-          <a:p>
-            <a:pPr eaLnBrk="1" hangingPunct="1">
-              <a:defRPr/>
-            </a:pPr>
-            <a:r>
-              <a:rPr lang="en-US">
-                <a:latin typeface="Arial" charset="0"/>
-                <a:ea typeface="ＭＳ Ｐゴシック" charset="0"/>
-                <a:cs typeface="ＭＳ Ｐゴシック" charset="0"/>
-              </a:rPr>
-              <a:t>Measuring Severity</a:t>
-            </a:r>
-          </a:p>
-        </p:txBody>
-      </p:sp>
-      <p:sp>
-        <p:nvSpPr>
-          <p:cNvPr id="19459" name="Rectangle 3"/>
-          <p:cNvSpPr>
-            <a:spLocks noGrp="1" noChangeArrowheads="1"/>
-          </p:cNvSpPr>
-          <p:nvPr>
-            <p:ph idx="1"/>
-          </p:nvPr>
-        </p:nvSpPr>
-        <p:spPr/>
-        <p:txBody>
-          <a:bodyPr>
-            <a:normAutofit lnSpcReduction="10000"/>
-          </a:bodyPr>
-          <a:lstStyle/>
-          <a:p>
-            <a:pPr eaLnBrk="1" hangingPunct="1">
-              <a:lnSpc>
-                <a:spcPct val="90000"/>
-              </a:lnSpc>
-              <a:defRPr/>
-            </a:pPr>
-            <a:r>
-              <a:rPr lang="en-US" sz="2800">
-                <a:latin typeface="Arial" charset="0"/>
-                <a:ea typeface="ＭＳ Ｐゴシック" charset="0"/>
-                <a:cs typeface="ＭＳ Ｐゴシック" charset="0"/>
-              </a:rPr>
-              <a:t>COMA: different instruments used to measure (Glascow Coma Scale awards points for eye opening, best motor response, best verbal response)</a:t>
-            </a:r>
-          </a:p>
-          <a:p>
-            <a:pPr eaLnBrk="1" hangingPunct="1">
-              <a:lnSpc>
-                <a:spcPct val="90000"/>
-              </a:lnSpc>
-              <a:defRPr/>
-            </a:pPr>
-            <a:r>
-              <a:rPr lang="en-US" sz="2800">
-                <a:latin typeface="Arial" charset="0"/>
-                <a:ea typeface="ＭＳ Ｐゴシック" charset="0"/>
-                <a:cs typeface="ＭＳ Ｐゴシック" charset="0"/>
-              </a:rPr>
-              <a:t>PTA (GOAT is an example of instrument and looks at orientation to person, place, time  &amp; circumstance)</a:t>
-            </a:r>
-          </a:p>
-          <a:p>
-            <a:pPr eaLnBrk="1" hangingPunct="1">
-              <a:lnSpc>
-                <a:spcPct val="90000"/>
-              </a:lnSpc>
-              <a:defRPr/>
-            </a:pPr>
-            <a:r>
-              <a:rPr lang="en-US" sz="2800">
-                <a:latin typeface="Arial" charset="0"/>
-                <a:ea typeface="ＭＳ Ｐゴシック" charset="0"/>
-                <a:cs typeface="ＭＳ Ｐゴシック" charset="0"/>
-              </a:rPr>
-              <a:t>Scales to track progress: most widely used is the Rancho Los Amigos Levels of Cognitive Functioning</a:t>
-            </a:r>
-          </a:p>
-        </p:txBody>
-      </p:sp>
-    </p:spTree>
-  </p:cSld>
-  <p:clrMapOvr>
-    <a:masterClrMapping/>
-  </p:clrMapOvr>
-</p:sld>
-</file>
-
-<file path=ppt/slides/slide39.xml><?xml version="1.0" encoding="utf-8"?>
-<p:sld xmlns:a="http://schemas.openxmlformats.org/drawingml/2006/main" xmlns:r="http://schemas.openxmlformats.org/officeDocument/2006/relationships" xmlns:p="http://schemas.openxmlformats.org/presentationml/2006/main">
-  <p:cSld>
-    <p:spTree>
-      <p:nvGrpSpPr>
-        <p:cNvPr id="1" name=""/>
-        <p:cNvGrpSpPr/>
-        <p:nvPr/>
-      </p:nvGrpSpPr>
-      <p:grpSpPr>
-        <a:xfrm>
-          <a:off x="0" y="0"/>
-          <a:ext cx="0" cy="0"/>
-          <a:chOff x="0" y="0"/>
-          <a:chExt cx="0" cy="0"/>
-        </a:xfrm>
-      </p:grpSpPr>
-      <p:sp>
-        <p:nvSpPr>
-          <p:cNvPr id="79874" name="Rectangle 2"/>
-          <p:cNvSpPr>
-            <a:spLocks noGrp="1" noChangeArrowheads="1"/>
-          </p:cNvSpPr>
-          <p:nvPr>
-            <p:ph type="title"/>
-          </p:nvPr>
-        </p:nvSpPr>
-        <p:spPr/>
-        <p:txBody>
-          <a:bodyPr/>
-          <a:lstStyle/>
-          <a:p>
-            <a:pPr eaLnBrk="1" hangingPunct="1">
-              <a:defRPr/>
-            </a:pPr>
-            <a:r>
-              <a:rPr lang="en-US">
-                <a:latin typeface="Arial" charset="0"/>
-                <a:ea typeface="ＭＳ Ｐゴシック" charset="0"/>
-                <a:cs typeface="ＭＳ Ｐゴシック" charset="0"/>
-              </a:rPr>
-              <a:t>Prevention</a:t>
-            </a:r>
-          </a:p>
-        </p:txBody>
-      </p:sp>
-      <p:sp>
-        <p:nvSpPr>
-          <p:cNvPr id="79875" name="Rectangle 3"/>
-          <p:cNvSpPr>
-            <a:spLocks noGrp="1" noChangeArrowheads="1"/>
-          </p:cNvSpPr>
-          <p:nvPr>
-            <p:ph idx="1"/>
-          </p:nvPr>
-        </p:nvSpPr>
-        <p:spPr/>
-        <p:txBody>
-          <a:bodyPr>
-            <a:normAutofit/>
-          </a:bodyPr>
-          <a:lstStyle/>
-          <a:p>
-            <a:pPr eaLnBrk="1" hangingPunct="1">
-              <a:defRPr/>
-            </a:pPr>
-            <a:r>
-              <a:rPr lang="en-US" sz="2400" dirty="0">
-                <a:latin typeface="Arial" charset="0"/>
-                <a:ea typeface="ＭＳ Ｐゴシック" charset="0"/>
-                <a:cs typeface="ＭＳ Ｐゴシック" charset="0"/>
-              </a:rPr>
-              <a:t>Safety measures: Seatbelts! Helmets! Baby restraints! Water Rules! </a:t>
-            </a:r>
-          </a:p>
-          <a:p>
-            <a:pPr eaLnBrk="1" hangingPunct="1">
-              <a:defRPr/>
-            </a:pPr>
-            <a:r>
-              <a:rPr lang="en-US" sz="2400" dirty="0">
-                <a:latin typeface="Arial" charset="0"/>
-                <a:ea typeface="ＭＳ Ｐゴシック" charset="0"/>
-                <a:cs typeface="ＭＳ Ｐゴシック" charset="0"/>
-              </a:rPr>
-              <a:t>Avoid substances</a:t>
-            </a:r>
-          </a:p>
-          <a:p>
-            <a:pPr eaLnBrk="1" hangingPunct="1">
-              <a:defRPr/>
-            </a:pPr>
-            <a:r>
-              <a:rPr lang="en-US" sz="2400" dirty="0">
-                <a:latin typeface="Arial" charset="0"/>
-                <a:ea typeface="ＭＳ Ｐゴシック" charset="0"/>
-                <a:cs typeface="ＭＳ Ｐゴシック" charset="0"/>
-              </a:rPr>
-              <a:t>Good perinatal care</a:t>
-            </a:r>
-          </a:p>
-          <a:p>
-            <a:pPr eaLnBrk="1" hangingPunct="1">
-              <a:defRPr/>
-            </a:pPr>
-            <a:r>
-              <a:rPr lang="en-US" sz="2400" dirty="0">
-                <a:latin typeface="Arial" charset="0"/>
-                <a:ea typeface="ＭＳ Ｐゴシック" charset="0"/>
-                <a:cs typeface="ＭＳ Ｐゴシック" charset="0"/>
-              </a:rPr>
-              <a:t>Healthy parenting (anger management/physical abuse risks/safe house)</a:t>
-            </a:r>
-          </a:p>
-          <a:p>
-            <a:pPr eaLnBrk="1" hangingPunct="1">
-              <a:defRPr/>
-            </a:pPr>
-            <a:r>
-              <a:rPr lang="en-US" sz="2400" dirty="0">
-                <a:latin typeface="Arial" charset="0"/>
-                <a:ea typeface="ＭＳ Ｐゴシック" charset="0"/>
-                <a:cs typeface="ＭＳ Ｐゴシック" charset="0"/>
-              </a:rPr>
-              <a:t>Cardiovascular health</a:t>
-            </a:r>
-          </a:p>
-          <a:p>
-            <a:pPr eaLnBrk="1" hangingPunct="1">
-              <a:defRPr/>
-            </a:pPr>
-            <a:r>
-              <a:rPr lang="en-US" sz="2400" dirty="0">
-                <a:latin typeface="Arial" charset="0"/>
-                <a:ea typeface="ＭＳ Ｐゴシック" charset="0"/>
-                <a:cs typeface="ＭＳ Ｐゴシック" charset="0"/>
-              </a:rPr>
-              <a:t>How can you contribute to prevention?</a:t>
-            </a:r>
-          </a:p>
-        </p:txBody>
-      </p:sp>
-    </p:spTree>
-  </p:cSld>
-  <p:clrMapOvr>
-    <a:masterClrMapping/>
-  </p:clrMapOvr>
-</p:sld>
-</file>
-
-<file path=ppt/slides/slide4.xml><?xml version="1.0" encoding="utf-8"?>
-<p:sld xmlns:a="http://schemas.openxmlformats.org/drawingml/2006/main" xmlns:r="http://schemas.openxmlformats.org/officeDocument/2006/relationships" xmlns:p="http://schemas.openxmlformats.org/presentationml/2006/main">
-  <p:cSld>
-    <p:spTree>
-      <p:nvGrpSpPr>
-        <p:cNvPr id="1" name=""/>
-        <p:cNvGrpSpPr/>
-        <p:nvPr/>
-      </p:nvGrpSpPr>
-      <p:grpSpPr>
-        <a:xfrm>
-          <a:off x="0" y="0"/>
-          <a:ext cx="0" cy="0"/>
-          <a:chOff x="0" y="0"/>
-          <a:chExt cx="0" cy="0"/>
-        </a:xfrm>
-      </p:grpSpPr>
-      <p:sp>
-        <p:nvSpPr>
-          <p:cNvPr id="2" name="Date Placeholder 1"/>
-          <p:cNvSpPr>
-            <a:spLocks noGrp="1"/>
-          </p:cNvSpPr>
-          <p:nvPr>
-            <p:ph type="dt" sz="half" idx="10"/>
-          </p:nvPr>
-        </p:nvSpPr>
-        <p:spPr/>
-        <p:txBody>
-          <a:bodyPr/>
-          <a:lstStyle/>
-          <a:p>
-            <a:pPr>
-              <a:defRPr/>
-            </a:pPr>
-            <a:r>
-              <a:rPr lang="en-US"/>
-              <a:t>McKay Moore Sohlberg, PhD, CCC-SLP</a:t>
-            </a:r>
-            <a:endParaRPr lang="en-US" dirty="0"/>
-          </a:p>
-        </p:txBody>
-      </p:sp>
-      <p:sp>
-        <p:nvSpPr>
-          <p:cNvPr id="3" name="Title 2"/>
-          <p:cNvSpPr>
-            <a:spLocks noGrp="1"/>
-          </p:cNvSpPr>
-          <p:nvPr>
-            <p:ph type="title"/>
-          </p:nvPr>
-        </p:nvSpPr>
-        <p:spPr/>
-        <p:txBody>
-          <a:bodyPr/>
-          <a:lstStyle/>
-          <a:p>
-            <a:r>
-              <a:rPr lang="en-US" dirty="0">
-                <a:solidFill>
-                  <a:schemeClr val="tx1"/>
-                </a:solidFill>
-              </a:rPr>
-              <a:t>Factors Affecting Outcome</a:t>
-            </a:r>
-          </a:p>
-        </p:txBody>
-      </p:sp>
-      <p:sp>
-        <p:nvSpPr>
-          <p:cNvPr id="5" name="Rectangle 4"/>
-          <p:cNvSpPr/>
-          <p:nvPr/>
-        </p:nvSpPr>
-        <p:spPr>
-          <a:xfrm>
-            <a:off x="0" y="6187843"/>
-            <a:ext cx="9144000" cy="670157"/>
-          </a:xfrm>
-          <a:prstGeom prst="rect">
-            <a:avLst/>
-          </a:prstGeom>
-          <a:solidFill>
-            <a:schemeClr val="accent4">
-              <a:lumMod val="20000"/>
-              <a:lumOff val="80000"/>
-            </a:schemeClr>
-          </a:solidFill>
-          <a:ln>
-            <a:noFill/>
-          </a:ln>
-        </p:spPr>
-        <p:style>
-          <a:lnRef idx="2">
-            <a:schemeClr val="accent1">
-              <a:shade val="50000"/>
-            </a:schemeClr>
-          </a:lnRef>
-          <a:fillRef idx="1">
-            <a:schemeClr val="accent1"/>
-          </a:fillRef>
-          <a:effectRef idx="0">
-            <a:schemeClr val="accent1"/>
-          </a:effectRef>
-          <a:fontRef idx="minor">
-            <a:schemeClr val="lt1"/>
-          </a:fontRef>
-        </p:style>
-        <p:txBody>
-          <a:bodyPr rtlCol="0" anchor="ctr"/>
-          <a:lstStyle/>
-          <a:p>
-            <a:pPr algn="ctr"/>
-            <a:endParaRPr lang="en-US"/>
-          </a:p>
-        </p:txBody>
-      </p:sp>
-      <p:sp>
-        <p:nvSpPr>
-          <p:cNvPr id="6" name="Rectangle 5"/>
-          <p:cNvSpPr/>
-          <p:nvPr/>
-        </p:nvSpPr>
-        <p:spPr>
-          <a:xfrm>
-            <a:off x="1229710" y="3421061"/>
-            <a:ext cx="6716112" cy="2499133"/>
-          </a:xfrm>
-          <a:prstGeom prst="rect">
-            <a:avLst/>
-          </a:prstGeom>
-          <a:solidFill>
-            <a:schemeClr val="accent4">
-              <a:lumMod val="60000"/>
-              <a:lumOff val="40000"/>
-            </a:schemeClr>
-          </a:solidFill>
-          <a:ln/>
-        </p:spPr>
-        <p:style>
-          <a:lnRef idx="2">
-            <a:schemeClr val="accent4">
-              <a:shade val="50000"/>
-            </a:schemeClr>
-          </a:lnRef>
-          <a:fillRef idx="1">
-            <a:schemeClr val="accent4"/>
-          </a:fillRef>
-          <a:effectRef idx="0">
-            <a:schemeClr val="accent4"/>
-          </a:effectRef>
-          <a:fontRef idx="minor">
-            <a:schemeClr val="lt1"/>
-          </a:fontRef>
-        </p:style>
-        <p:txBody>
-          <a:bodyPr rtlCol="0" anchor="ctr"/>
-          <a:lstStyle/>
-          <a:p>
-            <a:pPr algn="ctr"/>
-            <a:endParaRPr lang="en-US"/>
-          </a:p>
-        </p:txBody>
-      </p:sp>
-      <p:sp>
-        <p:nvSpPr>
-          <p:cNvPr id="7" name="Rounded Rectangle 6"/>
-          <p:cNvSpPr/>
-          <p:nvPr/>
-        </p:nvSpPr>
-        <p:spPr>
-          <a:xfrm>
-            <a:off x="1560776" y="3666058"/>
-            <a:ext cx="2885090" cy="817050"/>
-          </a:xfrm>
-          <a:prstGeom prst="roundRect">
-            <a:avLst/>
-          </a:prstGeom>
-          <a:solidFill>
-            <a:schemeClr val="accent4">
-              <a:lumMod val="75000"/>
-            </a:schemeClr>
-          </a:solidFill>
-        </p:spPr>
-        <p:style>
-          <a:lnRef idx="2">
-            <a:schemeClr val="accent4">
-              <a:shade val="50000"/>
-            </a:schemeClr>
-          </a:lnRef>
-          <a:fillRef idx="1">
-            <a:schemeClr val="accent4"/>
-          </a:fillRef>
-          <a:effectRef idx="0">
-            <a:schemeClr val="accent4"/>
-          </a:effectRef>
-          <a:fontRef idx="minor">
-            <a:schemeClr val="lt1"/>
-          </a:fontRef>
-        </p:style>
-        <p:txBody>
-          <a:bodyPr rtlCol="0" anchor="ctr"/>
-          <a:lstStyle/>
-          <a:p>
-            <a:pPr algn="ctr"/>
-            <a:endParaRPr lang="en-US"/>
-          </a:p>
-        </p:txBody>
-      </p:sp>
-      <p:sp>
-        <p:nvSpPr>
-          <p:cNvPr id="8" name="Rounded Rectangle 7"/>
-          <p:cNvSpPr/>
-          <p:nvPr/>
-        </p:nvSpPr>
-        <p:spPr>
-          <a:xfrm>
-            <a:off x="4776952" y="3666058"/>
-            <a:ext cx="2885090" cy="817050"/>
-          </a:xfrm>
-          <a:prstGeom prst="roundRect">
-            <a:avLst/>
-          </a:prstGeom>
-          <a:solidFill>
-            <a:schemeClr val="accent4">
-              <a:lumMod val="75000"/>
-            </a:schemeClr>
-          </a:solidFill>
-        </p:spPr>
-        <p:style>
-          <a:lnRef idx="2">
-            <a:schemeClr val="accent4">
-              <a:shade val="50000"/>
-            </a:schemeClr>
-          </a:lnRef>
-          <a:fillRef idx="1">
-            <a:schemeClr val="accent4"/>
-          </a:fillRef>
-          <a:effectRef idx="0">
-            <a:schemeClr val="accent4"/>
-          </a:effectRef>
-          <a:fontRef idx="minor">
-            <a:schemeClr val="lt1"/>
-          </a:fontRef>
-        </p:style>
-        <p:txBody>
-          <a:bodyPr rtlCol="0" anchor="ctr"/>
-          <a:lstStyle/>
-          <a:p>
-            <a:pPr algn="ctr"/>
-            <a:endParaRPr lang="en-US" dirty="0"/>
-          </a:p>
-        </p:txBody>
-      </p:sp>
-      <p:sp>
-        <p:nvSpPr>
-          <p:cNvPr id="9" name="TextBox 8"/>
-          <p:cNvSpPr txBox="1"/>
-          <p:nvPr/>
-        </p:nvSpPr>
-        <p:spPr>
-          <a:xfrm>
-            <a:off x="1820913" y="3864395"/>
-            <a:ext cx="2309645" cy="400110"/>
-          </a:xfrm>
-          <a:prstGeom prst="rect">
-            <a:avLst/>
-          </a:prstGeom>
-          <a:noFill/>
-        </p:spPr>
-        <p:txBody>
-          <a:bodyPr wrap="square" rtlCol="0">
-            <a:spAutoFit/>
-          </a:bodyPr>
-          <a:lstStyle/>
-          <a:p>
-            <a:pPr algn="ctr"/>
-            <a:r>
-              <a:rPr lang="en-US" sz="2000" b="1" dirty="0">
-                <a:solidFill>
-                  <a:schemeClr val="bg1"/>
-                </a:solidFill>
-                <a:latin typeface="+mj-lt"/>
-              </a:rPr>
-              <a:t>Cognition</a:t>
-            </a:r>
-          </a:p>
-        </p:txBody>
-      </p:sp>
-      <p:sp>
-        <p:nvSpPr>
-          <p:cNvPr id="10" name="TextBox 9"/>
-          <p:cNvSpPr txBox="1"/>
-          <p:nvPr/>
-        </p:nvSpPr>
-        <p:spPr>
-          <a:xfrm>
-            <a:off x="4936579" y="3716821"/>
-            <a:ext cx="2597368" cy="400110"/>
-          </a:xfrm>
-          <a:prstGeom prst="rect">
-            <a:avLst/>
-          </a:prstGeom>
-          <a:noFill/>
-        </p:spPr>
-        <p:txBody>
-          <a:bodyPr wrap="square" rtlCol="0">
-            <a:spAutoFit/>
-          </a:bodyPr>
-          <a:lstStyle/>
-          <a:p>
-            <a:pPr algn="ctr"/>
-            <a:r>
-              <a:rPr lang="en-US" sz="2000" b="1" dirty="0">
-                <a:solidFill>
-                  <a:schemeClr val="bg1"/>
-                </a:solidFill>
-                <a:latin typeface="+mj-lt"/>
-              </a:rPr>
-              <a:t>Communication</a:t>
-            </a:r>
-          </a:p>
-        </p:txBody>
-      </p:sp>
-      <p:sp>
-        <p:nvSpPr>
-          <p:cNvPr id="11" name="Rounded Rectangle 10"/>
-          <p:cNvSpPr/>
-          <p:nvPr/>
-        </p:nvSpPr>
-        <p:spPr>
-          <a:xfrm>
-            <a:off x="1560776" y="4755244"/>
-            <a:ext cx="2885090" cy="929757"/>
-          </a:xfrm>
-          <a:prstGeom prst="roundRect">
-            <a:avLst/>
-          </a:prstGeom>
-          <a:solidFill>
-            <a:schemeClr val="accent4">
-              <a:lumMod val="75000"/>
-            </a:schemeClr>
-          </a:solidFill>
-        </p:spPr>
-        <p:style>
-          <a:lnRef idx="2">
-            <a:schemeClr val="accent4">
-              <a:shade val="50000"/>
-            </a:schemeClr>
-          </a:lnRef>
-          <a:fillRef idx="1">
-            <a:schemeClr val="accent4"/>
-          </a:fillRef>
-          <a:effectRef idx="0">
-            <a:schemeClr val="accent4"/>
-          </a:effectRef>
-          <a:fontRef idx="minor">
-            <a:schemeClr val="lt1"/>
-          </a:fontRef>
-        </p:style>
-        <p:txBody>
-          <a:bodyPr rtlCol="0" anchor="ctr"/>
-          <a:lstStyle/>
-          <a:p>
-            <a:pPr algn="ctr"/>
-            <a:endParaRPr lang="en-US"/>
-          </a:p>
-        </p:txBody>
-      </p:sp>
-      <p:sp>
-        <p:nvSpPr>
-          <p:cNvPr id="12" name="Rounded Rectangle 11"/>
-          <p:cNvSpPr/>
-          <p:nvPr/>
-        </p:nvSpPr>
-        <p:spPr>
-          <a:xfrm>
-            <a:off x="4776952" y="4755244"/>
-            <a:ext cx="2885090" cy="929758"/>
-          </a:xfrm>
-          <a:prstGeom prst="roundRect">
-            <a:avLst/>
-          </a:prstGeom>
-          <a:solidFill>
-            <a:schemeClr val="accent4">
-              <a:lumMod val="75000"/>
-            </a:schemeClr>
-          </a:solidFill>
-        </p:spPr>
-        <p:style>
-          <a:lnRef idx="2">
-            <a:schemeClr val="accent4">
-              <a:shade val="50000"/>
-            </a:schemeClr>
-          </a:lnRef>
-          <a:fillRef idx="1">
-            <a:schemeClr val="accent4"/>
-          </a:fillRef>
-          <a:effectRef idx="0">
-            <a:schemeClr val="accent4"/>
-          </a:effectRef>
-          <a:fontRef idx="minor">
-            <a:schemeClr val="lt1"/>
-          </a:fontRef>
-        </p:style>
-        <p:txBody>
-          <a:bodyPr rtlCol="0" anchor="ctr"/>
-          <a:lstStyle/>
-          <a:p>
-            <a:pPr algn="ctr"/>
-            <a:endParaRPr lang="en-US" dirty="0"/>
-          </a:p>
-        </p:txBody>
-      </p:sp>
-      <p:sp>
-        <p:nvSpPr>
-          <p:cNvPr id="13" name="TextBox 12"/>
-          <p:cNvSpPr txBox="1"/>
-          <p:nvPr/>
-        </p:nvSpPr>
-        <p:spPr>
-          <a:xfrm>
-            <a:off x="1580488" y="4876949"/>
-            <a:ext cx="2885090" cy="707886"/>
-          </a:xfrm>
-          <a:prstGeom prst="rect">
-            <a:avLst/>
-          </a:prstGeom>
-          <a:noFill/>
-        </p:spPr>
-        <p:txBody>
-          <a:bodyPr wrap="square" rtlCol="0">
-            <a:spAutoFit/>
-          </a:bodyPr>
-          <a:lstStyle/>
-          <a:p>
-            <a:pPr algn="ctr"/>
-            <a:r>
-              <a:rPr lang="en-US" sz="2000" b="1" dirty="0" err="1">
-                <a:solidFill>
-                  <a:schemeClr val="bg1"/>
-                </a:solidFill>
-                <a:latin typeface="+mj-lt"/>
-              </a:rPr>
-              <a:t>Psychoemotional</a:t>
-            </a:r>
-            <a:r>
-              <a:rPr lang="en-US" sz="2000" b="1" dirty="0">
-                <a:solidFill>
-                  <a:schemeClr val="bg1"/>
-                </a:solidFill>
-                <a:latin typeface="+mj-lt"/>
-              </a:rPr>
-              <a:t> Functioning</a:t>
-            </a:r>
-          </a:p>
-        </p:txBody>
-      </p:sp>
-      <p:sp>
-        <p:nvSpPr>
-          <p:cNvPr id="14" name="TextBox 13"/>
-          <p:cNvSpPr txBox="1"/>
-          <p:nvPr/>
-        </p:nvSpPr>
-        <p:spPr>
-          <a:xfrm>
-            <a:off x="4808484" y="4892716"/>
-            <a:ext cx="2885089" cy="707886"/>
-          </a:xfrm>
-          <a:prstGeom prst="rect">
-            <a:avLst/>
-          </a:prstGeom>
-          <a:noFill/>
-        </p:spPr>
-        <p:txBody>
-          <a:bodyPr wrap="square" rtlCol="0">
-            <a:spAutoFit/>
-          </a:bodyPr>
-          <a:lstStyle/>
-          <a:p>
-            <a:pPr algn="ctr"/>
-            <a:r>
-              <a:rPr lang="en-US" sz="2000" b="1" dirty="0">
-                <a:solidFill>
-                  <a:schemeClr val="bg1"/>
-                </a:solidFill>
-                <a:latin typeface="+mj-lt"/>
-              </a:rPr>
-              <a:t>Physical &amp; Sensory Abilities</a:t>
-            </a:r>
-          </a:p>
-        </p:txBody>
-      </p:sp>
-      <p:sp>
-        <p:nvSpPr>
-          <p:cNvPr id="15" name="Right Arrow 14"/>
-          <p:cNvSpPr/>
-          <p:nvPr/>
-        </p:nvSpPr>
-        <p:spPr>
-          <a:xfrm>
-            <a:off x="1060731" y="4366032"/>
-            <a:ext cx="617139" cy="483064"/>
-          </a:xfrm>
-          <a:prstGeom prst="rightArrow">
-            <a:avLst/>
-          </a:prstGeom>
-          <a:ln/>
-        </p:spPr>
-        <p:style>
-          <a:lnRef idx="2">
-            <a:schemeClr val="accent5">
-              <a:shade val="50000"/>
-            </a:schemeClr>
-          </a:lnRef>
-          <a:fillRef idx="1">
-            <a:schemeClr val="accent5"/>
-          </a:fillRef>
-          <a:effectRef idx="0">
-            <a:schemeClr val="accent5"/>
-          </a:effectRef>
-          <a:fontRef idx="minor">
-            <a:schemeClr val="lt1"/>
-          </a:fontRef>
-        </p:style>
-        <p:txBody>
-          <a:bodyPr rtlCol="0" anchor="ctr"/>
-          <a:lstStyle/>
-          <a:p>
-            <a:pPr algn="ctr"/>
-            <a:endParaRPr lang="en-US"/>
-          </a:p>
-        </p:txBody>
-      </p:sp>
-      <p:sp>
-        <p:nvSpPr>
-          <p:cNvPr id="16" name="Quad Arrow Callout 15"/>
-          <p:cNvSpPr/>
-          <p:nvPr/>
-        </p:nvSpPr>
-        <p:spPr>
-          <a:xfrm rot="18879193">
-            <a:off x="4160074" y="4154303"/>
-            <a:ext cx="903525" cy="903525"/>
-          </a:xfrm>
-          <a:prstGeom prst="quadArrowCallout">
-            <a:avLst/>
-          </a:prstGeom>
-          <a:ln/>
-        </p:spPr>
-        <p:style>
-          <a:lnRef idx="2">
-            <a:schemeClr val="accent5">
-              <a:shade val="50000"/>
-            </a:schemeClr>
-          </a:lnRef>
-          <a:fillRef idx="1">
-            <a:schemeClr val="accent5"/>
-          </a:fillRef>
-          <a:effectRef idx="0">
-            <a:schemeClr val="accent5"/>
-          </a:effectRef>
-          <a:fontRef idx="minor">
-            <a:schemeClr val="lt1"/>
-          </a:fontRef>
-        </p:style>
-        <p:txBody>
-          <a:bodyPr rtlCol="0" anchor="ctr"/>
-          <a:lstStyle/>
-          <a:p>
-            <a:pPr algn="ctr"/>
-            <a:endParaRPr lang="en-US"/>
-          </a:p>
-        </p:txBody>
-      </p:sp>
-      <p:sp>
-        <p:nvSpPr>
-          <p:cNvPr id="17" name="Rectangle 16"/>
-          <p:cNvSpPr/>
-          <p:nvPr/>
-        </p:nvSpPr>
-        <p:spPr>
-          <a:xfrm>
-            <a:off x="126121" y="3421062"/>
-            <a:ext cx="993228" cy="2499133"/>
-          </a:xfrm>
-          <a:prstGeom prst="rect">
-            <a:avLst/>
-          </a:prstGeom>
-        </p:spPr>
-        <p:style>
-          <a:lnRef idx="2">
-            <a:schemeClr val="accent2">
-              <a:shade val="50000"/>
-            </a:schemeClr>
-          </a:lnRef>
-          <a:fillRef idx="1">
-            <a:schemeClr val="accent2"/>
-          </a:fillRef>
-          <a:effectRef idx="0">
-            <a:schemeClr val="accent2"/>
-          </a:effectRef>
-          <a:fontRef idx="minor">
-            <a:schemeClr val="lt1"/>
-          </a:fontRef>
-        </p:style>
-        <p:txBody>
-          <a:bodyPr rtlCol="0" anchor="ctr"/>
-          <a:lstStyle/>
-          <a:p>
-            <a:pPr algn="ctr"/>
-            <a:endParaRPr lang="en-US"/>
-          </a:p>
-        </p:txBody>
-      </p:sp>
-      <p:sp>
-        <p:nvSpPr>
-          <p:cNvPr id="18" name="Right Arrow 17"/>
-          <p:cNvSpPr/>
-          <p:nvPr/>
-        </p:nvSpPr>
-        <p:spPr>
-          <a:xfrm rot="16200000">
-            <a:off x="4302841" y="5599635"/>
-            <a:ext cx="617139" cy="483064"/>
-          </a:xfrm>
-          <a:prstGeom prst="rightArrow">
-            <a:avLst/>
-          </a:prstGeom>
-          <a:ln/>
-        </p:spPr>
-        <p:style>
-          <a:lnRef idx="2">
-            <a:schemeClr val="accent5">
-              <a:shade val="50000"/>
-            </a:schemeClr>
-          </a:lnRef>
-          <a:fillRef idx="1">
-            <a:schemeClr val="accent5"/>
-          </a:fillRef>
-          <a:effectRef idx="0">
-            <a:schemeClr val="accent5"/>
-          </a:effectRef>
-          <a:fontRef idx="minor">
-            <a:schemeClr val="lt1"/>
-          </a:fontRef>
-        </p:style>
-        <p:txBody>
-          <a:bodyPr rtlCol="0" anchor="ctr"/>
-          <a:lstStyle/>
-          <a:p>
-            <a:pPr algn="ctr"/>
-            <a:endParaRPr lang="en-US"/>
-          </a:p>
-        </p:txBody>
-      </p:sp>
-      <p:sp>
-        <p:nvSpPr>
-          <p:cNvPr id="19" name="TextBox 18"/>
-          <p:cNvSpPr txBox="1"/>
-          <p:nvPr/>
-        </p:nvSpPr>
-        <p:spPr>
-          <a:xfrm rot="16200000">
-            <a:off x="-735434" y="4081492"/>
-            <a:ext cx="2499132" cy="707886"/>
-          </a:xfrm>
-          <a:prstGeom prst="rect">
-            <a:avLst/>
-          </a:prstGeom>
-          <a:noFill/>
-        </p:spPr>
-        <p:txBody>
-          <a:bodyPr wrap="square" rtlCol="0">
-            <a:spAutoFit/>
-          </a:bodyPr>
-          <a:lstStyle/>
-          <a:p>
-            <a:pPr algn="ctr"/>
-            <a:r>
-              <a:rPr lang="en-US" sz="2000" b="1" dirty="0">
-                <a:solidFill>
-                  <a:schemeClr val="bg1"/>
-                </a:solidFill>
-                <a:latin typeface="+mj-lt"/>
-              </a:rPr>
-              <a:t>Premorbid Individual Factors</a:t>
-            </a:r>
-          </a:p>
-        </p:txBody>
-      </p:sp>
-      <p:sp>
-        <p:nvSpPr>
-          <p:cNvPr id="20" name="Rectangle 19"/>
-          <p:cNvSpPr/>
-          <p:nvPr/>
-        </p:nvSpPr>
-        <p:spPr>
-          <a:xfrm>
-            <a:off x="1560777" y="6038207"/>
-            <a:ext cx="6101266" cy="671913"/>
-          </a:xfrm>
-          <a:prstGeom prst="rect">
-            <a:avLst/>
-          </a:prstGeom>
-        </p:spPr>
-        <p:style>
-          <a:lnRef idx="2">
-            <a:schemeClr val="accent2">
-              <a:shade val="50000"/>
-            </a:schemeClr>
-          </a:lnRef>
-          <a:fillRef idx="1">
-            <a:schemeClr val="accent2"/>
-          </a:fillRef>
-          <a:effectRef idx="0">
-            <a:schemeClr val="accent2"/>
-          </a:effectRef>
-          <a:fontRef idx="minor">
-            <a:schemeClr val="lt1"/>
-          </a:fontRef>
-        </p:style>
-        <p:txBody>
-          <a:bodyPr rtlCol="0" anchor="ctr"/>
-          <a:lstStyle/>
-          <a:p>
-            <a:pPr algn="ctr"/>
-            <a:endParaRPr lang="en-US"/>
-          </a:p>
-        </p:txBody>
-      </p:sp>
-      <p:sp>
-        <p:nvSpPr>
-          <p:cNvPr id="21" name="TextBox 20"/>
-          <p:cNvSpPr txBox="1"/>
-          <p:nvPr/>
-        </p:nvSpPr>
-        <p:spPr>
-          <a:xfrm>
-            <a:off x="2591454" y="6183392"/>
-            <a:ext cx="4039912" cy="400110"/>
-          </a:xfrm>
-          <a:prstGeom prst="rect">
-            <a:avLst/>
-          </a:prstGeom>
-          <a:noFill/>
-        </p:spPr>
-        <p:txBody>
-          <a:bodyPr wrap="square" rtlCol="0">
-            <a:spAutoFit/>
-          </a:bodyPr>
-          <a:lstStyle/>
-          <a:p>
-            <a:pPr algn="ctr"/>
-            <a:r>
-              <a:rPr lang="en-US" sz="2000" b="1" dirty="0">
-                <a:solidFill>
-                  <a:schemeClr val="bg1"/>
-                </a:solidFill>
-                <a:latin typeface="+mj-lt"/>
-              </a:rPr>
-              <a:t>Injury-Related Factors</a:t>
-            </a:r>
-          </a:p>
-        </p:txBody>
-      </p:sp>
-      <p:sp>
-        <p:nvSpPr>
-          <p:cNvPr id="22" name="Rectangle 21"/>
-          <p:cNvSpPr/>
-          <p:nvPr/>
-        </p:nvSpPr>
-        <p:spPr>
-          <a:xfrm>
-            <a:off x="8040418" y="3421059"/>
-            <a:ext cx="993228" cy="2499135"/>
-          </a:xfrm>
-          <a:prstGeom prst="rect">
-            <a:avLst/>
-          </a:prstGeom>
-        </p:spPr>
-        <p:style>
-          <a:lnRef idx="2">
-            <a:schemeClr val="accent2">
-              <a:shade val="50000"/>
-            </a:schemeClr>
-          </a:lnRef>
-          <a:fillRef idx="1">
-            <a:schemeClr val="accent2"/>
-          </a:fillRef>
-          <a:effectRef idx="0">
-            <a:schemeClr val="accent2"/>
-          </a:effectRef>
-          <a:fontRef idx="minor">
-            <a:schemeClr val="lt1"/>
-          </a:fontRef>
-        </p:style>
-        <p:txBody>
-          <a:bodyPr rtlCol="0" anchor="ctr"/>
-          <a:lstStyle/>
-          <a:p>
-            <a:pPr algn="ctr"/>
-            <a:endParaRPr lang="en-US"/>
-          </a:p>
-        </p:txBody>
-      </p:sp>
-      <p:sp>
-        <p:nvSpPr>
-          <p:cNvPr id="23" name="TextBox 22"/>
-          <p:cNvSpPr txBox="1"/>
-          <p:nvPr/>
-        </p:nvSpPr>
-        <p:spPr>
-          <a:xfrm rot="16200000">
-            <a:off x="7405217" y="4432404"/>
-            <a:ext cx="2484353" cy="461665"/>
-          </a:xfrm>
-          <a:prstGeom prst="rect">
-            <a:avLst/>
-          </a:prstGeom>
-          <a:noFill/>
-        </p:spPr>
-        <p:txBody>
-          <a:bodyPr wrap="square" rtlCol="0">
-            <a:spAutoFit/>
-          </a:bodyPr>
-          <a:lstStyle/>
-          <a:p>
-            <a:pPr algn="ctr"/>
-            <a:r>
-              <a:rPr lang="en-US" sz="2400" b="1" dirty="0">
-                <a:solidFill>
-                  <a:schemeClr val="bg1"/>
-                </a:solidFill>
-                <a:latin typeface="+mj-lt"/>
-              </a:rPr>
-              <a:t>OUTCOME</a:t>
-            </a:r>
-          </a:p>
-        </p:txBody>
-      </p:sp>
-      <p:sp>
-        <p:nvSpPr>
-          <p:cNvPr id="24" name="Right Arrow 23"/>
-          <p:cNvSpPr/>
-          <p:nvPr/>
-        </p:nvSpPr>
-        <p:spPr>
-          <a:xfrm>
-            <a:off x="7770147" y="4389620"/>
-            <a:ext cx="617139" cy="483064"/>
-          </a:xfrm>
-          <a:prstGeom prst="rightArrow">
-            <a:avLst/>
-          </a:prstGeom>
-          <a:ln/>
-        </p:spPr>
-        <p:style>
-          <a:lnRef idx="2">
-            <a:schemeClr val="accent5">
-              <a:shade val="50000"/>
-            </a:schemeClr>
-          </a:lnRef>
-          <a:fillRef idx="1">
-            <a:schemeClr val="accent5"/>
-          </a:fillRef>
-          <a:effectRef idx="0">
-            <a:schemeClr val="accent5"/>
-          </a:effectRef>
-          <a:fontRef idx="minor">
-            <a:schemeClr val="lt1"/>
-          </a:fontRef>
-        </p:style>
-        <p:txBody>
-          <a:bodyPr rtlCol="0" anchor="ctr"/>
-          <a:lstStyle/>
-          <a:p>
-            <a:pPr algn="ctr"/>
-            <a:endParaRPr lang="en-US"/>
-          </a:p>
-        </p:txBody>
-      </p:sp>
-      <p:sp>
-        <p:nvSpPr>
-          <p:cNvPr id="25" name="Right Arrow 24"/>
-          <p:cNvSpPr/>
-          <p:nvPr/>
-        </p:nvSpPr>
-        <p:spPr>
-          <a:xfrm>
-            <a:off x="7770147" y="3799446"/>
-            <a:ext cx="617139" cy="483064"/>
-          </a:xfrm>
-          <a:prstGeom prst="rightArrow">
-            <a:avLst/>
-          </a:prstGeom>
-          <a:ln/>
-        </p:spPr>
-        <p:style>
-          <a:lnRef idx="2">
-            <a:schemeClr val="accent5">
-              <a:shade val="50000"/>
-            </a:schemeClr>
-          </a:lnRef>
-          <a:fillRef idx="1">
-            <a:schemeClr val="accent5"/>
-          </a:fillRef>
-          <a:effectRef idx="0">
-            <a:schemeClr val="accent5"/>
-          </a:effectRef>
-          <a:fontRef idx="minor">
-            <a:schemeClr val="lt1"/>
-          </a:fontRef>
-        </p:style>
-        <p:txBody>
-          <a:bodyPr rtlCol="0" anchor="ctr"/>
-          <a:lstStyle/>
-          <a:p>
-            <a:pPr algn="ctr"/>
-            <a:endParaRPr lang="en-US"/>
-          </a:p>
-        </p:txBody>
-      </p:sp>
-      <p:sp>
-        <p:nvSpPr>
-          <p:cNvPr id="26" name="Right Arrow 25"/>
-          <p:cNvSpPr/>
-          <p:nvPr/>
-        </p:nvSpPr>
-        <p:spPr>
-          <a:xfrm>
-            <a:off x="7770147" y="4944437"/>
-            <a:ext cx="617139" cy="483064"/>
-          </a:xfrm>
-          <a:prstGeom prst="rightArrow">
-            <a:avLst/>
-          </a:prstGeom>
-          <a:ln/>
-        </p:spPr>
-        <p:style>
-          <a:lnRef idx="2">
-            <a:schemeClr val="accent5">
-              <a:shade val="50000"/>
-            </a:schemeClr>
-          </a:lnRef>
-          <a:fillRef idx="1">
-            <a:schemeClr val="accent5"/>
-          </a:fillRef>
-          <a:effectRef idx="0">
-            <a:schemeClr val="accent5"/>
-          </a:effectRef>
-          <a:fontRef idx="minor">
-            <a:schemeClr val="lt1"/>
-          </a:fontRef>
-        </p:style>
-        <p:txBody>
-          <a:bodyPr rtlCol="0" anchor="ctr"/>
-          <a:lstStyle/>
-          <a:p>
-            <a:pPr algn="ctr"/>
-            <a:endParaRPr lang="en-US"/>
-          </a:p>
-        </p:txBody>
-      </p:sp>
-      <p:sp>
-        <p:nvSpPr>
-          <p:cNvPr id="27" name="Rectangle 26"/>
-          <p:cNvSpPr/>
-          <p:nvPr/>
-        </p:nvSpPr>
-        <p:spPr>
-          <a:xfrm>
-            <a:off x="2254500" y="2342988"/>
-            <a:ext cx="6716112" cy="671913"/>
-          </a:xfrm>
-          <a:prstGeom prst="rect">
-            <a:avLst/>
-          </a:prstGeom>
-        </p:spPr>
-        <p:style>
-          <a:lnRef idx="2">
-            <a:schemeClr val="accent5">
-              <a:shade val="50000"/>
-            </a:schemeClr>
-          </a:lnRef>
-          <a:fillRef idx="1">
-            <a:schemeClr val="accent5"/>
-          </a:fillRef>
-          <a:effectRef idx="0">
-            <a:schemeClr val="accent5"/>
-          </a:effectRef>
-          <a:fontRef idx="minor">
-            <a:schemeClr val="lt1"/>
-          </a:fontRef>
-        </p:style>
-        <p:txBody>
-          <a:bodyPr rtlCol="0" anchor="ctr"/>
-          <a:lstStyle/>
-          <a:p>
-            <a:pPr algn="ctr"/>
-            <a:endParaRPr lang="en-US"/>
-          </a:p>
-        </p:txBody>
-      </p:sp>
-      <p:sp>
-        <p:nvSpPr>
-          <p:cNvPr id="28" name="TextBox 27"/>
-          <p:cNvSpPr txBox="1"/>
-          <p:nvPr/>
-        </p:nvSpPr>
-        <p:spPr>
-          <a:xfrm>
-            <a:off x="2254500" y="2488173"/>
-            <a:ext cx="6716112" cy="369332"/>
-          </a:xfrm>
-          <a:prstGeom prst="rect">
-            <a:avLst/>
-          </a:prstGeom>
-          <a:noFill/>
-        </p:spPr>
-        <p:txBody>
-          <a:bodyPr wrap="square" rtlCol="0">
-            <a:spAutoFit/>
-          </a:bodyPr>
-          <a:lstStyle/>
-          <a:p>
-            <a:pPr algn="ctr"/>
-            <a:r>
-              <a:rPr lang="en-US" sz="1800" b="1" dirty="0">
-                <a:solidFill>
-                  <a:schemeClr val="bg1"/>
-                </a:solidFill>
-                <a:latin typeface="+mj-lt"/>
-              </a:rPr>
-              <a:t>Therapeutic Services for Injury-Related Impairments</a:t>
-            </a:r>
-          </a:p>
-        </p:txBody>
-      </p:sp>
-      <p:sp>
-        <p:nvSpPr>
-          <p:cNvPr id="29" name="Rectangle 28"/>
-          <p:cNvSpPr/>
-          <p:nvPr/>
-        </p:nvSpPr>
-        <p:spPr>
-          <a:xfrm>
-            <a:off x="2254500" y="1171075"/>
-            <a:ext cx="6716112" cy="853071"/>
-          </a:xfrm>
-          <a:prstGeom prst="rect">
-            <a:avLst/>
-          </a:prstGeom>
-        </p:spPr>
-        <p:style>
-          <a:lnRef idx="2">
-            <a:schemeClr val="accent5">
-              <a:shade val="50000"/>
-            </a:schemeClr>
-          </a:lnRef>
-          <a:fillRef idx="1">
-            <a:schemeClr val="accent5"/>
-          </a:fillRef>
-          <a:effectRef idx="0">
-            <a:schemeClr val="accent5"/>
-          </a:effectRef>
-          <a:fontRef idx="minor">
-            <a:schemeClr val="lt1"/>
-          </a:fontRef>
-        </p:style>
-        <p:txBody>
-          <a:bodyPr rtlCol="0" anchor="ctr"/>
-          <a:lstStyle/>
-          <a:p>
-            <a:pPr algn="ctr"/>
-            <a:endParaRPr lang="en-US" dirty="0"/>
-          </a:p>
-        </p:txBody>
-      </p:sp>
-      <p:sp>
-        <p:nvSpPr>
-          <p:cNvPr id="30" name="TextBox 29"/>
-          <p:cNvSpPr txBox="1"/>
-          <p:nvPr/>
-        </p:nvSpPr>
-        <p:spPr>
-          <a:xfrm>
-            <a:off x="2735349" y="1253196"/>
-            <a:ext cx="5754415" cy="707886"/>
-          </a:xfrm>
-          <a:prstGeom prst="rect">
-            <a:avLst/>
-          </a:prstGeom>
-          <a:noFill/>
-        </p:spPr>
-        <p:txBody>
-          <a:bodyPr wrap="square" rtlCol="0">
-            <a:spAutoFit/>
-          </a:bodyPr>
-          <a:lstStyle/>
-          <a:p>
-            <a:pPr algn="ctr"/>
-            <a:r>
-              <a:rPr lang="en-US" sz="2000" b="1" dirty="0" err="1">
-                <a:solidFill>
-                  <a:schemeClr val="bg1"/>
-                </a:solidFill>
-                <a:latin typeface="+mj-lt"/>
-              </a:rPr>
-              <a:t>Postinjury</a:t>
-            </a:r>
-            <a:r>
-              <a:rPr lang="en-US" sz="2000" b="1" dirty="0">
-                <a:solidFill>
-                  <a:schemeClr val="bg1"/>
-                </a:solidFill>
-                <a:latin typeface="+mj-lt"/>
-              </a:rPr>
-              <a:t> Contextual Factors:</a:t>
-            </a:r>
-          </a:p>
-          <a:p>
-            <a:pPr algn="ctr"/>
-            <a:r>
-              <a:rPr lang="en-US" sz="2000" i="1" dirty="0">
-                <a:solidFill>
-                  <a:schemeClr val="bg1"/>
-                </a:solidFill>
-                <a:latin typeface="+mj-lt"/>
-              </a:rPr>
-              <a:t>Life Roles; Types of Supports for Roles</a:t>
-            </a:r>
-          </a:p>
-        </p:txBody>
-      </p:sp>
-      <p:sp>
-        <p:nvSpPr>
-          <p:cNvPr id="31" name="Up-Down Arrow 30"/>
-          <p:cNvSpPr/>
-          <p:nvPr/>
-        </p:nvSpPr>
-        <p:spPr>
-          <a:xfrm>
-            <a:off x="3549225" y="3074277"/>
-            <a:ext cx="366555" cy="555429"/>
-          </a:xfrm>
-          <a:prstGeom prst="upDownArrow">
-            <a:avLst/>
-          </a:prstGeom>
-          <a:ln/>
-        </p:spPr>
-        <p:style>
-          <a:lnRef idx="2">
-            <a:schemeClr val="accent5">
-              <a:shade val="50000"/>
-            </a:schemeClr>
-          </a:lnRef>
-          <a:fillRef idx="1">
-            <a:schemeClr val="accent5"/>
-          </a:fillRef>
-          <a:effectRef idx="0">
-            <a:schemeClr val="accent5"/>
-          </a:effectRef>
-          <a:fontRef idx="minor">
-            <a:schemeClr val="lt1"/>
-          </a:fontRef>
-        </p:style>
-        <p:txBody>
-          <a:bodyPr rtlCol="0" anchor="ctr"/>
-          <a:lstStyle/>
-          <a:p>
-            <a:pPr algn="ctr"/>
-            <a:endParaRPr lang="en-US"/>
-          </a:p>
-        </p:txBody>
-      </p:sp>
-      <p:sp>
-        <p:nvSpPr>
-          <p:cNvPr id="32" name="Up-Down Arrow 31"/>
-          <p:cNvSpPr/>
-          <p:nvPr/>
-        </p:nvSpPr>
-        <p:spPr>
-          <a:xfrm>
-            <a:off x="6036219" y="3074277"/>
-            <a:ext cx="366555" cy="555429"/>
-          </a:xfrm>
-          <a:prstGeom prst="upDownArrow">
-            <a:avLst/>
-          </a:prstGeom>
-          <a:ln/>
-        </p:spPr>
-        <p:style>
-          <a:lnRef idx="2">
-            <a:schemeClr val="accent5">
-              <a:shade val="50000"/>
-            </a:schemeClr>
-          </a:lnRef>
-          <a:fillRef idx="1">
-            <a:schemeClr val="accent5"/>
-          </a:fillRef>
-          <a:effectRef idx="0">
-            <a:schemeClr val="accent5"/>
-          </a:effectRef>
-          <a:fontRef idx="minor">
-            <a:schemeClr val="lt1"/>
-          </a:fontRef>
-        </p:style>
-        <p:txBody>
-          <a:bodyPr rtlCol="0" anchor="ctr"/>
-          <a:lstStyle/>
-          <a:p>
-            <a:pPr algn="ctr"/>
-            <a:endParaRPr lang="en-US"/>
-          </a:p>
-        </p:txBody>
-      </p:sp>
-      <p:sp>
-        <p:nvSpPr>
-          <p:cNvPr id="33" name="Up-Down Arrow 32"/>
-          <p:cNvSpPr/>
-          <p:nvPr/>
-        </p:nvSpPr>
-        <p:spPr>
-          <a:xfrm>
-            <a:off x="5429279" y="1901212"/>
-            <a:ext cx="366555" cy="555429"/>
-          </a:xfrm>
-          <a:prstGeom prst="upDownArrow">
-            <a:avLst/>
-          </a:prstGeom>
-          <a:ln/>
-        </p:spPr>
-        <p:style>
-          <a:lnRef idx="2">
-            <a:schemeClr val="accent2">
-              <a:shade val="50000"/>
-            </a:schemeClr>
-          </a:lnRef>
-          <a:fillRef idx="1">
-            <a:schemeClr val="accent2"/>
-          </a:fillRef>
-          <a:effectRef idx="0">
-            <a:schemeClr val="accent2"/>
-          </a:effectRef>
-          <a:fontRef idx="minor">
-            <a:schemeClr val="lt1"/>
-          </a:fontRef>
-        </p:style>
-        <p:txBody>
-          <a:bodyPr rtlCol="0" anchor="ctr"/>
-          <a:lstStyle/>
-          <a:p>
-            <a:pPr algn="ctr"/>
-            <a:endParaRPr lang="en-US"/>
-          </a:p>
-        </p:txBody>
-      </p:sp>
-      <p:grpSp>
-        <p:nvGrpSpPr>
-          <p:cNvPr id="34" name="Group 33"/>
-          <p:cNvGrpSpPr/>
-          <p:nvPr/>
-        </p:nvGrpSpPr>
-        <p:grpSpPr>
-          <a:xfrm>
-            <a:off x="126121" y="2087210"/>
-            <a:ext cx="2285998" cy="1192020"/>
-            <a:chOff x="126121" y="2087210"/>
-            <a:chExt cx="2285998" cy="1192020"/>
-          </a:xfrm>
-        </p:grpSpPr>
-        <p:sp>
-          <p:nvSpPr>
-            <p:cNvPr id="35" name="Rectangle 34"/>
-            <p:cNvSpPr/>
-            <p:nvPr/>
-          </p:nvSpPr>
-          <p:spPr>
-            <a:xfrm>
-              <a:off x="134780" y="2087210"/>
-              <a:ext cx="1867437" cy="1192020"/>
-            </a:xfrm>
-            <a:prstGeom prst="rect">
-              <a:avLst/>
-            </a:prstGeom>
-            <a:solidFill>
-              <a:srgbClr val="FF5050"/>
-            </a:solidFill>
-            <a:ln w="57150">
-              <a:solidFill>
-                <a:srgbClr val="C00000"/>
-              </a:solidFill>
-            </a:ln>
-          </p:spPr>
-          <p:style>
-            <a:lnRef idx="2">
-              <a:schemeClr val="accent1">
-                <a:shade val="50000"/>
-              </a:schemeClr>
-            </a:lnRef>
-            <a:fillRef idx="1">
-              <a:schemeClr val="accent1"/>
-            </a:fillRef>
-            <a:effectRef idx="0">
-              <a:schemeClr val="accent1"/>
-            </a:effectRef>
-            <a:fontRef idx="minor">
-              <a:schemeClr val="lt1"/>
-            </a:fontRef>
-          </p:style>
-          <p:txBody>
-            <a:bodyPr rtlCol="0" anchor="ctr"/>
-            <a:lstStyle/>
-            <a:p>
-              <a:pPr algn="ctr"/>
-              <a:endParaRPr lang="en-US"/>
-            </a:p>
-          </p:txBody>
-        </p:sp>
-        <p:sp>
-          <p:nvSpPr>
-            <p:cNvPr id="36" name="TextBox 35"/>
-            <p:cNvSpPr txBox="1"/>
-            <p:nvPr/>
-          </p:nvSpPr>
-          <p:spPr>
-            <a:xfrm>
-              <a:off x="126121" y="2254242"/>
-              <a:ext cx="1749194" cy="707886"/>
-            </a:xfrm>
-            <a:prstGeom prst="rect">
-              <a:avLst/>
-            </a:prstGeom>
-            <a:noFill/>
-          </p:spPr>
-          <p:txBody>
-            <a:bodyPr wrap="square" rtlCol="0">
-              <a:spAutoFit/>
-            </a:bodyPr>
-            <a:lstStyle/>
-            <a:p>
-              <a:pPr algn="ctr"/>
-              <a:r>
-                <a:rPr lang="en-US" sz="2000" b="1" dirty="0">
-                  <a:solidFill>
-                    <a:schemeClr val="bg1"/>
-                  </a:solidFill>
-                  <a:latin typeface="+mj-lt"/>
-                </a:rPr>
-                <a:t>HOW DO WE OPTIMIZE?</a:t>
-              </a:r>
-            </a:p>
-          </p:txBody>
-        </p:sp>
-        <p:sp>
-          <p:nvSpPr>
-            <p:cNvPr id="37" name="Isosceles Triangle 36"/>
-            <p:cNvSpPr/>
-            <p:nvPr/>
-          </p:nvSpPr>
-          <p:spPr>
-            <a:xfrm rot="5400000">
-              <a:off x="1856572" y="2478269"/>
-              <a:ext cx="701192" cy="409903"/>
-            </a:xfrm>
-            <a:prstGeom prst="triangle">
-              <a:avLst/>
-            </a:prstGeom>
-            <a:solidFill>
-              <a:srgbClr val="C00000"/>
-            </a:solidFill>
-            <a:ln>
-              <a:noFill/>
-            </a:ln>
-          </p:spPr>
-          <p:style>
-            <a:lnRef idx="2">
-              <a:schemeClr val="accent1">
-                <a:shade val="50000"/>
-              </a:schemeClr>
-            </a:lnRef>
-            <a:fillRef idx="1">
-              <a:schemeClr val="accent1"/>
-            </a:fillRef>
-            <a:effectRef idx="0">
-              <a:schemeClr val="accent1"/>
-            </a:effectRef>
-            <a:fontRef idx="minor">
-              <a:schemeClr val="lt1"/>
-            </a:fontRef>
-          </p:style>
-          <p:txBody>
-            <a:bodyPr rtlCol="0" anchor="ctr"/>
-            <a:lstStyle/>
-            <a:p>
-              <a:pPr algn="ctr"/>
-              <a:endParaRPr lang="en-US"/>
-            </a:p>
-          </p:txBody>
-        </p:sp>
-      </p:grpSp>
-    </p:spTree>
-    <p:extLst>
-      <p:ext uri="{BB962C8B-B14F-4D97-AF65-F5344CB8AC3E}">
-        <p14:creationId xmlns:p14="http://schemas.microsoft.com/office/powerpoint/2010/main" val="1409427741"/>
-      </p:ext>
-    </p:extLst>
-  </p:cSld>
-  <p:clrMapOvr>
-    <a:masterClrMapping/>
-  </p:clrMapOvr>
-  <p:timing>
-    <p:tnLst>
-      <p:par>
-        <p:cTn id="1" dur="indefinite" restart="never" nodeType="tmRoot">
-          <p:childTnLst>
-            <p:seq concurrent="1" nextAc="seek">
-              <p:cTn id="2" dur="indefinite" nodeType="mainSeq">
-                <p:childTnLst>
-                  <p:par>
-                    <p:cTn id="3" fill="hold">
-                      <p:stCondLst>
-                        <p:cond delay="indefinite"/>
-                      </p:stCondLst>
-                      <p:childTnLst>
-                        <p:par>
-                          <p:cTn id="4" fill="hold">
-                            <p:stCondLst>
-                              <p:cond delay="0"/>
-                            </p:stCondLst>
-                            <p:childTnLst>
-                              <p:par>
-                                <p:cTn id="5" presetID="42" presetClass="entr" presetSubtype="0" fill="hold" nodeType="clickEffect">
-                                  <p:stCondLst>
-                                    <p:cond delay="0"/>
-                                  </p:stCondLst>
-                                  <p:childTnLst>
-                                    <p:set>
-                                      <p:cBhvr>
-                                        <p:cTn id="6" dur="1" fill="hold">
-                                          <p:stCondLst>
-                                            <p:cond delay="0"/>
-                                          </p:stCondLst>
-                                        </p:cTn>
-                                        <p:tgtEl>
-                                          <p:spTgt spid="34"/>
-                                        </p:tgtEl>
-                                        <p:attrNameLst>
-                                          <p:attrName>style.visibility</p:attrName>
-                                        </p:attrNameLst>
-                                      </p:cBhvr>
-                                      <p:to>
-                                        <p:strVal val="visible"/>
-                                      </p:to>
-                                    </p:set>
-                                    <p:animEffect transition="in" filter="fade">
-                                      <p:cBhvr>
-                                        <p:cTn id="7" dur="1000"/>
-                                        <p:tgtEl>
-                                          <p:spTgt spid="34"/>
-                                        </p:tgtEl>
-                                      </p:cBhvr>
-                                    </p:animEffect>
-                                    <p:anim calcmode="lin" valueType="num">
-                                      <p:cBhvr>
-                                        <p:cTn id="8" dur="1000" fill="hold"/>
-                                        <p:tgtEl>
-                                          <p:spTgt spid="34"/>
-                                        </p:tgtEl>
-                                        <p:attrNameLst>
-                                          <p:attrName>ppt_x</p:attrName>
-                                        </p:attrNameLst>
-                                      </p:cBhvr>
-                                      <p:tavLst>
-                                        <p:tav tm="0">
-                                          <p:val>
-                                            <p:strVal val="#ppt_x"/>
-                                          </p:val>
-                                        </p:tav>
-                                        <p:tav tm="100000">
-                                          <p:val>
-                                            <p:strVal val="#ppt_x"/>
-                                          </p:val>
-                                        </p:tav>
-                                      </p:tavLst>
-                                    </p:anim>
-                                    <p:anim calcmode="lin" valueType="num">
-                                      <p:cBhvr>
-                                        <p:cTn id="9" dur="1000" fill="hold"/>
-                                        <p:tgtEl>
-                                          <p:spTgt spid="34"/>
-                                        </p:tgtEl>
-                                        <p:attrNameLst>
-                                          <p:attrName>ppt_y</p:attrName>
-                                        </p:attrNameLst>
-                                      </p:cBhvr>
-                                      <p:tavLst>
-                                        <p:tav tm="0">
-                                          <p:val>
-                                            <p:strVal val="#ppt_y+.1"/>
-                                          </p:val>
-                                        </p:tav>
-                                        <p:tav tm="100000">
-                                          <p:val>
-                                            <p:strVal val="#ppt_y"/>
-                                          </p:val>
-                                        </p:tav>
-                                      </p:tavLst>
-                                    </p:anim>
-                                  </p:childTnLst>
-                                </p:cTn>
-                              </p:par>
-                            </p:childTnLst>
-                          </p:cTn>
-                        </p:par>
-                        <p:par>
-                          <p:cTn id="10" fill="hold">
-                            <p:stCondLst>
-                              <p:cond delay="1000"/>
-                            </p:stCondLst>
-                            <p:childTnLst>
-                              <p:par>
-                                <p:cTn id="11" presetID="23" presetClass="emph" presetSubtype="0" fill="hold" grpId="0" nodeType="afterEffect">
-                                  <p:stCondLst>
-                                    <p:cond delay="0"/>
-                                  </p:stCondLst>
-                                  <p:childTnLst>
-                                    <p:animClr clrSpc="hsl" dir="cw">
-                                      <p:cBhvr override="childStyle">
-                                        <p:cTn id="12" dur="500" fill="hold"/>
-                                        <p:tgtEl>
-                                          <p:spTgt spid="27"/>
-                                        </p:tgtEl>
-                                        <p:attrNameLst>
-                                          <p:attrName>style.color</p:attrName>
-                                        </p:attrNameLst>
-                                      </p:cBhvr>
-                                      <p:by>
-                                        <p:hsl h="10842353" s="0" l="0"/>
-                                      </p:by>
-                                    </p:animClr>
-                                    <p:animClr clrSpc="hsl" dir="cw">
-                                      <p:cBhvr>
-                                        <p:cTn id="13" dur="500" fill="hold"/>
-                                        <p:tgtEl>
-                                          <p:spTgt spid="27"/>
-                                        </p:tgtEl>
-                                        <p:attrNameLst>
-                                          <p:attrName>fillcolor</p:attrName>
-                                        </p:attrNameLst>
-                                      </p:cBhvr>
-                                      <p:by>
-                                        <p:hsl h="10842353" s="0" l="0"/>
-                                      </p:by>
-                                    </p:animClr>
-                                    <p:animClr clrSpc="hsl" dir="cw">
-                                      <p:cBhvr>
-                                        <p:cTn id="14" dur="500" fill="hold"/>
-                                        <p:tgtEl>
-                                          <p:spTgt spid="27"/>
-                                        </p:tgtEl>
-                                        <p:attrNameLst>
-                                          <p:attrName>stroke.color</p:attrName>
-                                        </p:attrNameLst>
-                                      </p:cBhvr>
-                                      <p:by>
-                                        <p:hsl h="10842353" s="0" l="0"/>
-                                      </p:by>
-                                    </p:animClr>
-                                    <p:set>
-                                      <p:cBhvr>
-                                        <p:cTn id="15" dur="500" fill="hold"/>
-                                        <p:tgtEl>
-                                          <p:spTgt spid="27"/>
-                                        </p:tgtEl>
-                                        <p:attrNameLst>
-                                          <p:attrName>fill.type</p:attrName>
-                                        </p:attrNameLst>
-                                      </p:cBhvr>
-                                      <p:to>
-                                        <p:strVal val="solid"/>
-                                      </p:to>
-                                    </p:set>
-                                  </p:childTnLst>
-                                </p:cTn>
-                              </p:par>
-                            </p:childTnLst>
-                          </p:cTn>
-                        </p:par>
-                      </p:childTnLst>
-                    </p:cTn>
-                  </p:par>
-                </p:childTnLst>
-              </p:cTn>
-              <p:prevCondLst>
-                <p:cond evt="onPrev" delay="0">
-                  <p:tgtEl>
-                    <p:sldTgt/>
-                  </p:tgtEl>
-                </p:cond>
-              </p:prevCondLst>
-              <p:nextCondLst>
-                <p:cond evt="onNext" delay="0">
-                  <p:tgtEl>
-                    <p:sldTgt/>
-                  </p:tgtEl>
-                </p:cond>
-              </p:nextCondLst>
-            </p:seq>
-          </p:childTnLst>
-        </p:cTn>
-      </p:par>
-    </p:tnLst>
-    <p:bldLst>
-      <p:bldP spid="27" grpId="0" animBg="1"/>
-    </p:bldLst>
-  </p:timing>
-</p:sld>
-</file>
-
-<file path=ppt/slides/slide40.xml><?xml version="1.0" encoding="utf-8"?>
 <p:sld xmlns:a="http://schemas.openxmlformats.org/drawingml/2006/main" xmlns:r="http://schemas.openxmlformats.org/officeDocument/2006/relationships" xmlns:p="http://schemas.openxmlformats.org/presentationml/2006/main">
   <p:cSld>
     <p:spTree>
@@ -31281,7 +28424,7 @@
 </p:sld>
 </file>
 
-<file path=ppt/slides/slide41.xml><?xml version="1.0" encoding="utf-8"?>
+<file path=ppt/slides/slide39.xml><?xml version="1.0" encoding="utf-8"?>
 <p:sld xmlns:a="http://schemas.openxmlformats.org/drawingml/2006/main" xmlns:r="http://schemas.openxmlformats.org/officeDocument/2006/relationships" xmlns:p="http://schemas.openxmlformats.org/presentationml/2006/main">
   <p:cSld>
     <p:spTree>
@@ -31449,7 +28592,1629 @@
 </p:sld>
 </file>
 
-<file path=ppt/slides/slide42.xml><?xml version="1.0" encoding="utf-8"?>
+<file path=ppt/slides/slide4.xml><?xml version="1.0" encoding="utf-8"?>
+<p:sld xmlns:a="http://schemas.openxmlformats.org/drawingml/2006/main" xmlns:r="http://schemas.openxmlformats.org/officeDocument/2006/relationships" xmlns:p="http://schemas.openxmlformats.org/presentationml/2006/main">
+  <p:cSld>
+    <p:spTree>
+      <p:nvGrpSpPr>
+        <p:cNvPr id="1" name=""/>
+        <p:cNvGrpSpPr/>
+        <p:nvPr/>
+      </p:nvGrpSpPr>
+      <p:grpSpPr>
+        <a:xfrm>
+          <a:off x="0" y="0"/>
+          <a:ext cx="0" cy="0"/>
+          <a:chOff x="0" y="0"/>
+          <a:chExt cx="0" cy="0"/>
+        </a:xfrm>
+      </p:grpSpPr>
+      <p:sp>
+        <p:nvSpPr>
+          <p:cNvPr id="2" name="Date Placeholder 1"/>
+          <p:cNvSpPr>
+            <a:spLocks noGrp="1"/>
+          </p:cNvSpPr>
+          <p:nvPr>
+            <p:ph type="dt" sz="half" idx="10"/>
+          </p:nvPr>
+        </p:nvSpPr>
+        <p:spPr/>
+        <p:txBody>
+          <a:bodyPr/>
+          <a:lstStyle/>
+          <a:p>
+            <a:pPr>
+              <a:defRPr/>
+            </a:pPr>
+            <a:r>
+              <a:rPr lang="en-US"/>
+              <a:t>McKay Moore Sohlberg, PhD, CCC-SLP</a:t>
+            </a:r>
+            <a:endParaRPr lang="en-US" dirty="0"/>
+          </a:p>
+        </p:txBody>
+      </p:sp>
+      <p:sp>
+        <p:nvSpPr>
+          <p:cNvPr id="3" name="Title 2"/>
+          <p:cNvSpPr>
+            <a:spLocks noGrp="1"/>
+          </p:cNvSpPr>
+          <p:nvPr>
+            <p:ph type="title"/>
+          </p:nvPr>
+        </p:nvSpPr>
+        <p:spPr/>
+        <p:txBody>
+          <a:bodyPr/>
+          <a:lstStyle/>
+          <a:p>
+            <a:r>
+              <a:rPr lang="en-US" dirty="0">
+                <a:solidFill>
+                  <a:schemeClr val="tx1"/>
+                </a:solidFill>
+              </a:rPr>
+              <a:t>Factors Affecting Outcome</a:t>
+            </a:r>
+          </a:p>
+        </p:txBody>
+      </p:sp>
+      <p:sp>
+        <p:nvSpPr>
+          <p:cNvPr id="5" name="Rectangle 4"/>
+          <p:cNvSpPr/>
+          <p:nvPr/>
+        </p:nvSpPr>
+        <p:spPr>
+          <a:xfrm>
+            <a:off x="0" y="6187843"/>
+            <a:ext cx="9144000" cy="670157"/>
+          </a:xfrm>
+          <a:prstGeom prst="rect">
+            <a:avLst/>
+          </a:prstGeom>
+          <a:solidFill>
+            <a:schemeClr val="accent4">
+              <a:lumMod val="20000"/>
+              <a:lumOff val="80000"/>
+            </a:schemeClr>
+          </a:solidFill>
+          <a:ln>
+            <a:noFill/>
+          </a:ln>
+        </p:spPr>
+        <p:style>
+          <a:lnRef idx="2">
+            <a:schemeClr val="accent1">
+              <a:shade val="50000"/>
+            </a:schemeClr>
+          </a:lnRef>
+          <a:fillRef idx="1">
+            <a:schemeClr val="accent1"/>
+          </a:fillRef>
+          <a:effectRef idx="0">
+            <a:schemeClr val="accent1"/>
+          </a:effectRef>
+          <a:fontRef idx="minor">
+            <a:schemeClr val="lt1"/>
+          </a:fontRef>
+        </p:style>
+        <p:txBody>
+          <a:bodyPr rtlCol="0" anchor="ctr"/>
+          <a:lstStyle/>
+          <a:p>
+            <a:pPr algn="ctr"/>
+            <a:endParaRPr lang="en-US"/>
+          </a:p>
+        </p:txBody>
+      </p:sp>
+      <p:sp>
+        <p:nvSpPr>
+          <p:cNvPr id="6" name="Rectangle 5"/>
+          <p:cNvSpPr/>
+          <p:nvPr/>
+        </p:nvSpPr>
+        <p:spPr>
+          <a:xfrm>
+            <a:off x="1229710" y="3421061"/>
+            <a:ext cx="6716112" cy="2499133"/>
+          </a:xfrm>
+          <a:prstGeom prst="rect">
+            <a:avLst/>
+          </a:prstGeom>
+          <a:solidFill>
+            <a:schemeClr val="accent4">
+              <a:lumMod val="60000"/>
+              <a:lumOff val="40000"/>
+            </a:schemeClr>
+          </a:solidFill>
+          <a:ln/>
+        </p:spPr>
+        <p:style>
+          <a:lnRef idx="2">
+            <a:schemeClr val="accent4">
+              <a:shade val="50000"/>
+            </a:schemeClr>
+          </a:lnRef>
+          <a:fillRef idx="1">
+            <a:schemeClr val="accent4"/>
+          </a:fillRef>
+          <a:effectRef idx="0">
+            <a:schemeClr val="accent4"/>
+          </a:effectRef>
+          <a:fontRef idx="minor">
+            <a:schemeClr val="lt1"/>
+          </a:fontRef>
+        </p:style>
+        <p:txBody>
+          <a:bodyPr rtlCol="0" anchor="ctr"/>
+          <a:lstStyle/>
+          <a:p>
+            <a:pPr algn="ctr"/>
+            <a:endParaRPr lang="en-US"/>
+          </a:p>
+        </p:txBody>
+      </p:sp>
+      <p:sp>
+        <p:nvSpPr>
+          <p:cNvPr id="7" name="Rounded Rectangle 6"/>
+          <p:cNvSpPr/>
+          <p:nvPr/>
+        </p:nvSpPr>
+        <p:spPr>
+          <a:xfrm>
+            <a:off x="1560776" y="3666058"/>
+            <a:ext cx="2885090" cy="817050"/>
+          </a:xfrm>
+          <a:prstGeom prst="roundRect">
+            <a:avLst/>
+          </a:prstGeom>
+          <a:solidFill>
+            <a:schemeClr val="accent4">
+              <a:lumMod val="75000"/>
+            </a:schemeClr>
+          </a:solidFill>
+        </p:spPr>
+        <p:style>
+          <a:lnRef idx="2">
+            <a:schemeClr val="accent4">
+              <a:shade val="50000"/>
+            </a:schemeClr>
+          </a:lnRef>
+          <a:fillRef idx="1">
+            <a:schemeClr val="accent4"/>
+          </a:fillRef>
+          <a:effectRef idx="0">
+            <a:schemeClr val="accent4"/>
+          </a:effectRef>
+          <a:fontRef idx="minor">
+            <a:schemeClr val="lt1"/>
+          </a:fontRef>
+        </p:style>
+        <p:txBody>
+          <a:bodyPr rtlCol="0" anchor="ctr"/>
+          <a:lstStyle/>
+          <a:p>
+            <a:pPr algn="ctr"/>
+            <a:endParaRPr lang="en-US"/>
+          </a:p>
+        </p:txBody>
+      </p:sp>
+      <p:sp>
+        <p:nvSpPr>
+          <p:cNvPr id="8" name="Rounded Rectangle 7"/>
+          <p:cNvSpPr/>
+          <p:nvPr/>
+        </p:nvSpPr>
+        <p:spPr>
+          <a:xfrm>
+            <a:off x="4776952" y="3666058"/>
+            <a:ext cx="2885090" cy="817050"/>
+          </a:xfrm>
+          <a:prstGeom prst="roundRect">
+            <a:avLst/>
+          </a:prstGeom>
+          <a:solidFill>
+            <a:schemeClr val="accent4">
+              <a:lumMod val="75000"/>
+            </a:schemeClr>
+          </a:solidFill>
+        </p:spPr>
+        <p:style>
+          <a:lnRef idx="2">
+            <a:schemeClr val="accent4">
+              <a:shade val="50000"/>
+            </a:schemeClr>
+          </a:lnRef>
+          <a:fillRef idx="1">
+            <a:schemeClr val="accent4"/>
+          </a:fillRef>
+          <a:effectRef idx="0">
+            <a:schemeClr val="accent4"/>
+          </a:effectRef>
+          <a:fontRef idx="minor">
+            <a:schemeClr val="lt1"/>
+          </a:fontRef>
+        </p:style>
+        <p:txBody>
+          <a:bodyPr rtlCol="0" anchor="ctr"/>
+          <a:lstStyle/>
+          <a:p>
+            <a:pPr algn="ctr"/>
+            <a:endParaRPr lang="en-US" dirty="0"/>
+          </a:p>
+        </p:txBody>
+      </p:sp>
+      <p:sp>
+        <p:nvSpPr>
+          <p:cNvPr id="9" name="TextBox 8"/>
+          <p:cNvSpPr txBox="1"/>
+          <p:nvPr/>
+        </p:nvSpPr>
+        <p:spPr>
+          <a:xfrm>
+            <a:off x="1820913" y="3864395"/>
+            <a:ext cx="2309645" cy="400110"/>
+          </a:xfrm>
+          <a:prstGeom prst="rect">
+            <a:avLst/>
+          </a:prstGeom>
+          <a:noFill/>
+        </p:spPr>
+        <p:txBody>
+          <a:bodyPr wrap="square" rtlCol="0">
+            <a:spAutoFit/>
+          </a:bodyPr>
+          <a:lstStyle/>
+          <a:p>
+            <a:pPr algn="ctr"/>
+            <a:r>
+              <a:rPr lang="en-US" sz="2000" b="1" dirty="0">
+                <a:solidFill>
+                  <a:schemeClr val="bg1"/>
+                </a:solidFill>
+                <a:latin typeface="+mj-lt"/>
+              </a:rPr>
+              <a:t>Cognition</a:t>
+            </a:r>
+          </a:p>
+        </p:txBody>
+      </p:sp>
+      <p:sp>
+        <p:nvSpPr>
+          <p:cNvPr id="10" name="TextBox 9"/>
+          <p:cNvSpPr txBox="1"/>
+          <p:nvPr/>
+        </p:nvSpPr>
+        <p:spPr>
+          <a:xfrm>
+            <a:off x="4936579" y="3716821"/>
+            <a:ext cx="2597368" cy="400110"/>
+          </a:xfrm>
+          <a:prstGeom prst="rect">
+            <a:avLst/>
+          </a:prstGeom>
+          <a:noFill/>
+        </p:spPr>
+        <p:txBody>
+          <a:bodyPr wrap="square" rtlCol="0">
+            <a:spAutoFit/>
+          </a:bodyPr>
+          <a:lstStyle/>
+          <a:p>
+            <a:pPr algn="ctr"/>
+            <a:r>
+              <a:rPr lang="en-US" sz="2000" b="1" dirty="0">
+                <a:solidFill>
+                  <a:schemeClr val="bg1"/>
+                </a:solidFill>
+                <a:latin typeface="+mj-lt"/>
+              </a:rPr>
+              <a:t>Communication</a:t>
+            </a:r>
+          </a:p>
+        </p:txBody>
+      </p:sp>
+      <p:sp>
+        <p:nvSpPr>
+          <p:cNvPr id="11" name="Rounded Rectangle 10"/>
+          <p:cNvSpPr/>
+          <p:nvPr/>
+        </p:nvSpPr>
+        <p:spPr>
+          <a:xfrm>
+            <a:off x="1560776" y="4755244"/>
+            <a:ext cx="2885090" cy="929757"/>
+          </a:xfrm>
+          <a:prstGeom prst="roundRect">
+            <a:avLst/>
+          </a:prstGeom>
+          <a:solidFill>
+            <a:schemeClr val="accent4">
+              <a:lumMod val="75000"/>
+            </a:schemeClr>
+          </a:solidFill>
+        </p:spPr>
+        <p:style>
+          <a:lnRef idx="2">
+            <a:schemeClr val="accent4">
+              <a:shade val="50000"/>
+            </a:schemeClr>
+          </a:lnRef>
+          <a:fillRef idx="1">
+            <a:schemeClr val="accent4"/>
+          </a:fillRef>
+          <a:effectRef idx="0">
+            <a:schemeClr val="accent4"/>
+          </a:effectRef>
+          <a:fontRef idx="minor">
+            <a:schemeClr val="lt1"/>
+          </a:fontRef>
+        </p:style>
+        <p:txBody>
+          <a:bodyPr rtlCol="0" anchor="ctr"/>
+          <a:lstStyle/>
+          <a:p>
+            <a:pPr algn="ctr"/>
+            <a:endParaRPr lang="en-US"/>
+          </a:p>
+        </p:txBody>
+      </p:sp>
+      <p:sp>
+        <p:nvSpPr>
+          <p:cNvPr id="12" name="Rounded Rectangle 11"/>
+          <p:cNvSpPr/>
+          <p:nvPr/>
+        </p:nvSpPr>
+        <p:spPr>
+          <a:xfrm>
+            <a:off x="4776952" y="4755244"/>
+            <a:ext cx="2885090" cy="929758"/>
+          </a:xfrm>
+          <a:prstGeom prst="roundRect">
+            <a:avLst/>
+          </a:prstGeom>
+          <a:solidFill>
+            <a:schemeClr val="accent4">
+              <a:lumMod val="75000"/>
+            </a:schemeClr>
+          </a:solidFill>
+        </p:spPr>
+        <p:style>
+          <a:lnRef idx="2">
+            <a:schemeClr val="accent4">
+              <a:shade val="50000"/>
+            </a:schemeClr>
+          </a:lnRef>
+          <a:fillRef idx="1">
+            <a:schemeClr val="accent4"/>
+          </a:fillRef>
+          <a:effectRef idx="0">
+            <a:schemeClr val="accent4"/>
+          </a:effectRef>
+          <a:fontRef idx="minor">
+            <a:schemeClr val="lt1"/>
+          </a:fontRef>
+        </p:style>
+        <p:txBody>
+          <a:bodyPr rtlCol="0" anchor="ctr"/>
+          <a:lstStyle/>
+          <a:p>
+            <a:pPr algn="ctr"/>
+            <a:endParaRPr lang="en-US" dirty="0"/>
+          </a:p>
+        </p:txBody>
+      </p:sp>
+      <p:sp>
+        <p:nvSpPr>
+          <p:cNvPr id="13" name="TextBox 12"/>
+          <p:cNvSpPr txBox="1"/>
+          <p:nvPr/>
+        </p:nvSpPr>
+        <p:spPr>
+          <a:xfrm>
+            <a:off x="1580488" y="4876949"/>
+            <a:ext cx="2885090" cy="707886"/>
+          </a:xfrm>
+          <a:prstGeom prst="rect">
+            <a:avLst/>
+          </a:prstGeom>
+          <a:noFill/>
+        </p:spPr>
+        <p:txBody>
+          <a:bodyPr wrap="square" rtlCol="0">
+            <a:spAutoFit/>
+          </a:bodyPr>
+          <a:lstStyle/>
+          <a:p>
+            <a:pPr algn="ctr"/>
+            <a:r>
+              <a:rPr lang="en-US" sz="2000" b="1" dirty="0" err="1">
+                <a:solidFill>
+                  <a:schemeClr val="bg1"/>
+                </a:solidFill>
+                <a:latin typeface="+mj-lt"/>
+              </a:rPr>
+              <a:t>Psychoemotional</a:t>
+            </a:r>
+            <a:r>
+              <a:rPr lang="en-US" sz="2000" b="1" dirty="0">
+                <a:solidFill>
+                  <a:schemeClr val="bg1"/>
+                </a:solidFill>
+                <a:latin typeface="+mj-lt"/>
+              </a:rPr>
+              <a:t> Functioning</a:t>
+            </a:r>
+          </a:p>
+        </p:txBody>
+      </p:sp>
+      <p:sp>
+        <p:nvSpPr>
+          <p:cNvPr id="14" name="TextBox 13"/>
+          <p:cNvSpPr txBox="1"/>
+          <p:nvPr/>
+        </p:nvSpPr>
+        <p:spPr>
+          <a:xfrm>
+            <a:off x="4808484" y="4892716"/>
+            <a:ext cx="2885089" cy="707886"/>
+          </a:xfrm>
+          <a:prstGeom prst="rect">
+            <a:avLst/>
+          </a:prstGeom>
+          <a:noFill/>
+        </p:spPr>
+        <p:txBody>
+          <a:bodyPr wrap="square" rtlCol="0">
+            <a:spAutoFit/>
+          </a:bodyPr>
+          <a:lstStyle/>
+          <a:p>
+            <a:pPr algn="ctr"/>
+            <a:r>
+              <a:rPr lang="en-US" sz="2000" b="1" dirty="0">
+                <a:solidFill>
+                  <a:schemeClr val="bg1"/>
+                </a:solidFill>
+                <a:latin typeface="+mj-lt"/>
+              </a:rPr>
+              <a:t>Physical &amp; Sensory Abilities</a:t>
+            </a:r>
+          </a:p>
+        </p:txBody>
+      </p:sp>
+      <p:sp>
+        <p:nvSpPr>
+          <p:cNvPr id="15" name="Right Arrow 14"/>
+          <p:cNvSpPr/>
+          <p:nvPr/>
+        </p:nvSpPr>
+        <p:spPr>
+          <a:xfrm>
+            <a:off x="1060731" y="4366032"/>
+            <a:ext cx="617139" cy="483064"/>
+          </a:xfrm>
+          <a:prstGeom prst="rightArrow">
+            <a:avLst/>
+          </a:prstGeom>
+          <a:ln/>
+        </p:spPr>
+        <p:style>
+          <a:lnRef idx="2">
+            <a:schemeClr val="accent5">
+              <a:shade val="50000"/>
+            </a:schemeClr>
+          </a:lnRef>
+          <a:fillRef idx="1">
+            <a:schemeClr val="accent5"/>
+          </a:fillRef>
+          <a:effectRef idx="0">
+            <a:schemeClr val="accent5"/>
+          </a:effectRef>
+          <a:fontRef idx="minor">
+            <a:schemeClr val="lt1"/>
+          </a:fontRef>
+        </p:style>
+        <p:txBody>
+          <a:bodyPr rtlCol="0" anchor="ctr"/>
+          <a:lstStyle/>
+          <a:p>
+            <a:pPr algn="ctr"/>
+            <a:endParaRPr lang="en-US"/>
+          </a:p>
+        </p:txBody>
+      </p:sp>
+      <p:sp>
+        <p:nvSpPr>
+          <p:cNvPr id="16" name="Quad Arrow Callout 15"/>
+          <p:cNvSpPr/>
+          <p:nvPr/>
+        </p:nvSpPr>
+        <p:spPr>
+          <a:xfrm rot="18879193">
+            <a:off x="4160074" y="4154303"/>
+            <a:ext cx="903525" cy="903525"/>
+          </a:xfrm>
+          <a:prstGeom prst="quadArrowCallout">
+            <a:avLst/>
+          </a:prstGeom>
+          <a:ln/>
+        </p:spPr>
+        <p:style>
+          <a:lnRef idx="2">
+            <a:schemeClr val="accent5">
+              <a:shade val="50000"/>
+            </a:schemeClr>
+          </a:lnRef>
+          <a:fillRef idx="1">
+            <a:schemeClr val="accent5"/>
+          </a:fillRef>
+          <a:effectRef idx="0">
+            <a:schemeClr val="accent5"/>
+          </a:effectRef>
+          <a:fontRef idx="minor">
+            <a:schemeClr val="lt1"/>
+          </a:fontRef>
+        </p:style>
+        <p:txBody>
+          <a:bodyPr rtlCol="0" anchor="ctr"/>
+          <a:lstStyle/>
+          <a:p>
+            <a:pPr algn="ctr"/>
+            <a:endParaRPr lang="en-US"/>
+          </a:p>
+        </p:txBody>
+      </p:sp>
+      <p:sp>
+        <p:nvSpPr>
+          <p:cNvPr id="17" name="Rectangle 16"/>
+          <p:cNvSpPr/>
+          <p:nvPr/>
+        </p:nvSpPr>
+        <p:spPr>
+          <a:xfrm>
+            <a:off x="126121" y="3421062"/>
+            <a:ext cx="993228" cy="2499133"/>
+          </a:xfrm>
+          <a:prstGeom prst="rect">
+            <a:avLst/>
+          </a:prstGeom>
+        </p:spPr>
+        <p:style>
+          <a:lnRef idx="2">
+            <a:schemeClr val="accent2">
+              <a:shade val="50000"/>
+            </a:schemeClr>
+          </a:lnRef>
+          <a:fillRef idx="1">
+            <a:schemeClr val="accent2"/>
+          </a:fillRef>
+          <a:effectRef idx="0">
+            <a:schemeClr val="accent2"/>
+          </a:effectRef>
+          <a:fontRef idx="minor">
+            <a:schemeClr val="lt1"/>
+          </a:fontRef>
+        </p:style>
+        <p:txBody>
+          <a:bodyPr rtlCol="0" anchor="ctr"/>
+          <a:lstStyle/>
+          <a:p>
+            <a:pPr algn="ctr"/>
+            <a:endParaRPr lang="en-US"/>
+          </a:p>
+        </p:txBody>
+      </p:sp>
+      <p:sp>
+        <p:nvSpPr>
+          <p:cNvPr id="18" name="Right Arrow 17"/>
+          <p:cNvSpPr/>
+          <p:nvPr/>
+        </p:nvSpPr>
+        <p:spPr>
+          <a:xfrm rot="16200000">
+            <a:off x="4302841" y="5599635"/>
+            <a:ext cx="617139" cy="483064"/>
+          </a:xfrm>
+          <a:prstGeom prst="rightArrow">
+            <a:avLst/>
+          </a:prstGeom>
+          <a:ln/>
+        </p:spPr>
+        <p:style>
+          <a:lnRef idx="2">
+            <a:schemeClr val="accent5">
+              <a:shade val="50000"/>
+            </a:schemeClr>
+          </a:lnRef>
+          <a:fillRef idx="1">
+            <a:schemeClr val="accent5"/>
+          </a:fillRef>
+          <a:effectRef idx="0">
+            <a:schemeClr val="accent5"/>
+          </a:effectRef>
+          <a:fontRef idx="minor">
+            <a:schemeClr val="lt1"/>
+          </a:fontRef>
+        </p:style>
+        <p:txBody>
+          <a:bodyPr rtlCol="0" anchor="ctr"/>
+          <a:lstStyle/>
+          <a:p>
+            <a:pPr algn="ctr"/>
+            <a:endParaRPr lang="en-US"/>
+          </a:p>
+        </p:txBody>
+      </p:sp>
+      <p:sp>
+        <p:nvSpPr>
+          <p:cNvPr id="19" name="TextBox 18"/>
+          <p:cNvSpPr txBox="1"/>
+          <p:nvPr/>
+        </p:nvSpPr>
+        <p:spPr>
+          <a:xfrm rot="16200000">
+            <a:off x="-735434" y="4081492"/>
+            <a:ext cx="2499132" cy="707886"/>
+          </a:xfrm>
+          <a:prstGeom prst="rect">
+            <a:avLst/>
+          </a:prstGeom>
+          <a:noFill/>
+        </p:spPr>
+        <p:txBody>
+          <a:bodyPr wrap="square" rtlCol="0">
+            <a:spAutoFit/>
+          </a:bodyPr>
+          <a:lstStyle/>
+          <a:p>
+            <a:pPr algn="ctr"/>
+            <a:r>
+              <a:rPr lang="en-US" sz="2000" b="1" dirty="0">
+                <a:solidFill>
+                  <a:schemeClr val="bg1"/>
+                </a:solidFill>
+                <a:latin typeface="+mj-lt"/>
+              </a:rPr>
+              <a:t>Premorbid Individual Factors</a:t>
+            </a:r>
+          </a:p>
+        </p:txBody>
+      </p:sp>
+      <p:sp>
+        <p:nvSpPr>
+          <p:cNvPr id="20" name="Rectangle 19"/>
+          <p:cNvSpPr/>
+          <p:nvPr/>
+        </p:nvSpPr>
+        <p:spPr>
+          <a:xfrm>
+            <a:off x="1560777" y="6038207"/>
+            <a:ext cx="6101266" cy="671913"/>
+          </a:xfrm>
+          <a:prstGeom prst="rect">
+            <a:avLst/>
+          </a:prstGeom>
+        </p:spPr>
+        <p:style>
+          <a:lnRef idx="2">
+            <a:schemeClr val="accent2">
+              <a:shade val="50000"/>
+            </a:schemeClr>
+          </a:lnRef>
+          <a:fillRef idx="1">
+            <a:schemeClr val="accent2"/>
+          </a:fillRef>
+          <a:effectRef idx="0">
+            <a:schemeClr val="accent2"/>
+          </a:effectRef>
+          <a:fontRef idx="minor">
+            <a:schemeClr val="lt1"/>
+          </a:fontRef>
+        </p:style>
+        <p:txBody>
+          <a:bodyPr rtlCol="0" anchor="ctr"/>
+          <a:lstStyle/>
+          <a:p>
+            <a:pPr algn="ctr"/>
+            <a:endParaRPr lang="en-US"/>
+          </a:p>
+        </p:txBody>
+      </p:sp>
+      <p:sp>
+        <p:nvSpPr>
+          <p:cNvPr id="21" name="TextBox 20"/>
+          <p:cNvSpPr txBox="1"/>
+          <p:nvPr/>
+        </p:nvSpPr>
+        <p:spPr>
+          <a:xfrm>
+            <a:off x="2591454" y="6183392"/>
+            <a:ext cx="4039912" cy="400110"/>
+          </a:xfrm>
+          <a:prstGeom prst="rect">
+            <a:avLst/>
+          </a:prstGeom>
+          <a:noFill/>
+        </p:spPr>
+        <p:txBody>
+          <a:bodyPr wrap="square" rtlCol="0">
+            <a:spAutoFit/>
+          </a:bodyPr>
+          <a:lstStyle/>
+          <a:p>
+            <a:pPr algn="ctr"/>
+            <a:r>
+              <a:rPr lang="en-US" sz="2000" b="1" dirty="0">
+                <a:solidFill>
+                  <a:schemeClr val="bg1"/>
+                </a:solidFill>
+                <a:latin typeface="+mj-lt"/>
+              </a:rPr>
+              <a:t>Injury-Related Factors</a:t>
+            </a:r>
+          </a:p>
+        </p:txBody>
+      </p:sp>
+      <p:sp>
+        <p:nvSpPr>
+          <p:cNvPr id="22" name="Rectangle 21"/>
+          <p:cNvSpPr/>
+          <p:nvPr/>
+        </p:nvSpPr>
+        <p:spPr>
+          <a:xfrm>
+            <a:off x="8040418" y="3421059"/>
+            <a:ext cx="993228" cy="2499135"/>
+          </a:xfrm>
+          <a:prstGeom prst="rect">
+            <a:avLst/>
+          </a:prstGeom>
+        </p:spPr>
+        <p:style>
+          <a:lnRef idx="2">
+            <a:schemeClr val="accent2">
+              <a:shade val="50000"/>
+            </a:schemeClr>
+          </a:lnRef>
+          <a:fillRef idx="1">
+            <a:schemeClr val="accent2"/>
+          </a:fillRef>
+          <a:effectRef idx="0">
+            <a:schemeClr val="accent2"/>
+          </a:effectRef>
+          <a:fontRef idx="minor">
+            <a:schemeClr val="lt1"/>
+          </a:fontRef>
+        </p:style>
+        <p:txBody>
+          <a:bodyPr rtlCol="0" anchor="ctr"/>
+          <a:lstStyle/>
+          <a:p>
+            <a:pPr algn="ctr"/>
+            <a:endParaRPr lang="en-US"/>
+          </a:p>
+        </p:txBody>
+      </p:sp>
+      <p:sp>
+        <p:nvSpPr>
+          <p:cNvPr id="23" name="TextBox 22"/>
+          <p:cNvSpPr txBox="1"/>
+          <p:nvPr/>
+        </p:nvSpPr>
+        <p:spPr>
+          <a:xfrm rot="16200000">
+            <a:off x="7405217" y="4432404"/>
+            <a:ext cx="2484353" cy="461665"/>
+          </a:xfrm>
+          <a:prstGeom prst="rect">
+            <a:avLst/>
+          </a:prstGeom>
+          <a:noFill/>
+        </p:spPr>
+        <p:txBody>
+          <a:bodyPr wrap="square" rtlCol="0">
+            <a:spAutoFit/>
+          </a:bodyPr>
+          <a:lstStyle/>
+          <a:p>
+            <a:pPr algn="ctr"/>
+            <a:r>
+              <a:rPr lang="en-US" sz="2400" b="1" dirty="0">
+                <a:solidFill>
+                  <a:schemeClr val="bg1"/>
+                </a:solidFill>
+                <a:latin typeface="+mj-lt"/>
+              </a:rPr>
+              <a:t>OUTCOME</a:t>
+            </a:r>
+          </a:p>
+        </p:txBody>
+      </p:sp>
+      <p:sp>
+        <p:nvSpPr>
+          <p:cNvPr id="24" name="Right Arrow 23"/>
+          <p:cNvSpPr/>
+          <p:nvPr/>
+        </p:nvSpPr>
+        <p:spPr>
+          <a:xfrm>
+            <a:off x="7770147" y="4389620"/>
+            <a:ext cx="617139" cy="483064"/>
+          </a:xfrm>
+          <a:prstGeom prst="rightArrow">
+            <a:avLst/>
+          </a:prstGeom>
+          <a:ln/>
+        </p:spPr>
+        <p:style>
+          <a:lnRef idx="2">
+            <a:schemeClr val="accent5">
+              <a:shade val="50000"/>
+            </a:schemeClr>
+          </a:lnRef>
+          <a:fillRef idx="1">
+            <a:schemeClr val="accent5"/>
+          </a:fillRef>
+          <a:effectRef idx="0">
+            <a:schemeClr val="accent5"/>
+          </a:effectRef>
+          <a:fontRef idx="minor">
+            <a:schemeClr val="lt1"/>
+          </a:fontRef>
+        </p:style>
+        <p:txBody>
+          <a:bodyPr rtlCol="0" anchor="ctr"/>
+          <a:lstStyle/>
+          <a:p>
+            <a:pPr algn="ctr"/>
+            <a:endParaRPr lang="en-US"/>
+          </a:p>
+        </p:txBody>
+      </p:sp>
+      <p:sp>
+        <p:nvSpPr>
+          <p:cNvPr id="25" name="Right Arrow 24"/>
+          <p:cNvSpPr/>
+          <p:nvPr/>
+        </p:nvSpPr>
+        <p:spPr>
+          <a:xfrm>
+            <a:off x="7770147" y="3799446"/>
+            <a:ext cx="617139" cy="483064"/>
+          </a:xfrm>
+          <a:prstGeom prst="rightArrow">
+            <a:avLst/>
+          </a:prstGeom>
+          <a:ln/>
+        </p:spPr>
+        <p:style>
+          <a:lnRef idx="2">
+            <a:schemeClr val="accent5">
+              <a:shade val="50000"/>
+            </a:schemeClr>
+          </a:lnRef>
+          <a:fillRef idx="1">
+            <a:schemeClr val="accent5"/>
+          </a:fillRef>
+          <a:effectRef idx="0">
+            <a:schemeClr val="accent5"/>
+          </a:effectRef>
+          <a:fontRef idx="minor">
+            <a:schemeClr val="lt1"/>
+          </a:fontRef>
+        </p:style>
+        <p:txBody>
+          <a:bodyPr rtlCol="0" anchor="ctr"/>
+          <a:lstStyle/>
+          <a:p>
+            <a:pPr algn="ctr"/>
+            <a:endParaRPr lang="en-US"/>
+          </a:p>
+        </p:txBody>
+      </p:sp>
+      <p:sp>
+        <p:nvSpPr>
+          <p:cNvPr id="26" name="Right Arrow 25"/>
+          <p:cNvSpPr/>
+          <p:nvPr/>
+        </p:nvSpPr>
+        <p:spPr>
+          <a:xfrm>
+            <a:off x="7770147" y="4944437"/>
+            <a:ext cx="617139" cy="483064"/>
+          </a:xfrm>
+          <a:prstGeom prst="rightArrow">
+            <a:avLst/>
+          </a:prstGeom>
+          <a:ln/>
+        </p:spPr>
+        <p:style>
+          <a:lnRef idx="2">
+            <a:schemeClr val="accent5">
+              <a:shade val="50000"/>
+            </a:schemeClr>
+          </a:lnRef>
+          <a:fillRef idx="1">
+            <a:schemeClr val="accent5"/>
+          </a:fillRef>
+          <a:effectRef idx="0">
+            <a:schemeClr val="accent5"/>
+          </a:effectRef>
+          <a:fontRef idx="minor">
+            <a:schemeClr val="lt1"/>
+          </a:fontRef>
+        </p:style>
+        <p:txBody>
+          <a:bodyPr rtlCol="0" anchor="ctr"/>
+          <a:lstStyle/>
+          <a:p>
+            <a:pPr algn="ctr"/>
+            <a:endParaRPr lang="en-US"/>
+          </a:p>
+        </p:txBody>
+      </p:sp>
+      <p:sp>
+        <p:nvSpPr>
+          <p:cNvPr id="27" name="Rectangle 26"/>
+          <p:cNvSpPr/>
+          <p:nvPr/>
+        </p:nvSpPr>
+        <p:spPr>
+          <a:xfrm>
+            <a:off x="2254500" y="2342988"/>
+            <a:ext cx="6716112" cy="671913"/>
+          </a:xfrm>
+          <a:prstGeom prst="rect">
+            <a:avLst/>
+          </a:prstGeom>
+        </p:spPr>
+        <p:style>
+          <a:lnRef idx="2">
+            <a:schemeClr val="accent5">
+              <a:shade val="50000"/>
+            </a:schemeClr>
+          </a:lnRef>
+          <a:fillRef idx="1">
+            <a:schemeClr val="accent5"/>
+          </a:fillRef>
+          <a:effectRef idx="0">
+            <a:schemeClr val="accent5"/>
+          </a:effectRef>
+          <a:fontRef idx="minor">
+            <a:schemeClr val="lt1"/>
+          </a:fontRef>
+        </p:style>
+        <p:txBody>
+          <a:bodyPr rtlCol="0" anchor="ctr"/>
+          <a:lstStyle/>
+          <a:p>
+            <a:pPr algn="ctr"/>
+            <a:endParaRPr lang="en-US"/>
+          </a:p>
+        </p:txBody>
+      </p:sp>
+      <p:sp>
+        <p:nvSpPr>
+          <p:cNvPr id="28" name="TextBox 27"/>
+          <p:cNvSpPr txBox="1"/>
+          <p:nvPr/>
+        </p:nvSpPr>
+        <p:spPr>
+          <a:xfrm>
+            <a:off x="2254500" y="2488173"/>
+            <a:ext cx="6716112" cy="369332"/>
+          </a:xfrm>
+          <a:prstGeom prst="rect">
+            <a:avLst/>
+          </a:prstGeom>
+          <a:noFill/>
+        </p:spPr>
+        <p:txBody>
+          <a:bodyPr wrap="square" rtlCol="0">
+            <a:spAutoFit/>
+          </a:bodyPr>
+          <a:lstStyle/>
+          <a:p>
+            <a:pPr algn="ctr"/>
+            <a:r>
+              <a:rPr lang="en-US" sz="1800" b="1" dirty="0">
+                <a:solidFill>
+                  <a:schemeClr val="bg1"/>
+                </a:solidFill>
+                <a:latin typeface="+mj-lt"/>
+              </a:rPr>
+              <a:t>Therapeutic Services for Injury-Related Impairments</a:t>
+            </a:r>
+          </a:p>
+        </p:txBody>
+      </p:sp>
+      <p:sp>
+        <p:nvSpPr>
+          <p:cNvPr id="29" name="Rectangle 28"/>
+          <p:cNvSpPr/>
+          <p:nvPr/>
+        </p:nvSpPr>
+        <p:spPr>
+          <a:xfrm>
+            <a:off x="2254500" y="1171075"/>
+            <a:ext cx="6716112" cy="853071"/>
+          </a:xfrm>
+          <a:prstGeom prst="rect">
+            <a:avLst/>
+          </a:prstGeom>
+        </p:spPr>
+        <p:style>
+          <a:lnRef idx="2">
+            <a:schemeClr val="accent5">
+              <a:shade val="50000"/>
+            </a:schemeClr>
+          </a:lnRef>
+          <a:fillRef idx="1">
+            <a:schemeClr val="accent5"/>
+          </a:fillRef>
+          <a:effectRef idx="0">
+            <a:schemeClr val="accent5"/>
+          </a:effectRef>
+          <a:fontRef idx="minor">
+            <a:schemeClr val="lt1"/>
+          </a:fontRef>
+        </p:style>
+        <p:txBody>
+          <a:bodyPr rtlCol="0" anchor="ctr"/>
+          <a:lstStyle/>
+          <a:p>
+            <a:pPr algn="ctr"/>
+            <a:endParaRPr lang="en-US" dirty="0"/>
+          </a:p>
+        </p:txBody>
+      </p:sp>
+      <p:sp>
+        <p:nvSpPr>
+          <p:cNvPr id="30" name="TextBox 29"/>
+          <p:cNvSpPr txBox="1"/>
+          <p:nvPr/>
+        </p:nvSpPr>
+        <p:spPr>
+          <a:xfrm>
+            <a:off x="2735349" y="1253196"/>
+            <a:ext cx="5754415" cy="707886"/>
+          </a:xfrm>
+          <a:prstGeom prst="rect">
+            <a:avLst/>
+          </a:prstGeom>
+          <a:noFill/>
+        </p:spPr>
+        <p:txBody>
+          <a:bodyPr wrap="square" rtlCol="0">
+            <a:spAutoFit/>
+          </a:bodyPr>
+          <a:lstStyle/>
+          <a:p>
+            <a:pPr algn="ctr"/>
+            <a:r>
+              <a:rPr lang="en-US" sz="2000" b="1" dirty="0" err="1">
+                <a:solidFill>
+                  <a:schemeClr val="bg1"/>
+                </a:solidFill>
+                <a:latin typeface="+mj-lt"/>
+              </a:rPr>
+              <a:t>Postinjury</a:t>
+            </a:r>
+            <a:r>
+              <a:rPr lang="en-US" sz="2000" b="1" dirty="0">
+                <a:solidFill>
+                  <a:schemeClr val="bg1"/>
+                </a:solidFill>
+                <a:latin typeface="+mj-lt"/>
+              </a:rPr>
+              <a:t> Contextual Factors:</a:t>
+            </a:r>
+          </a:p>
+          <a:p>
+            <a:pPr algn="ctr"/>
+            <a:r>
+              <a:rPr lang="en-US" sz="2000" i="1" dirty="0">
+                <a:solidFill>
+                  <a:schemeClr val="bg1"/>
+                </a:solidFill>
+                <a:latin typeface="+mj-lt"/>
+              </a:rPr>
+              <a:t>Life Roles; Types of Supports for Roles</a:t>
+            </a:r>
+          </a:p>
+        </p:txBody>
+      </p:sp>
+      <p:sp>
+        <p:nvSpPr>
+          <p:cNvPr id="31" name="Up-Down Arrow 30"/>
+          <p:cNvSpPr/>
+          <p:nvPr/>
+        </p:nvSpPr>
+        <p:spPr>
+          <a:xfrm>
+            <a:off x="3549225" y="3074277"/>
+            <a:ext cx="366555" cy="555429"/>
+          </a:xfrm>
+          <a:prstGeom prst="upDownArrow">
+            <a:avLst/>
+          </a:prstGeom>
+          <a:ln/>
+        </p:spPr>
+        <p:style>
+          <a:lnRef idx="2">
+            <a:schemeClr val="accent5">
+              <a:shade val="50000"/>
+            </a:schemeClr>
+          </a:lnRef>
+          <a:fillRef idx="1">
+            <a:schemeClr val="accent5"/>
+          </a:fillRef>
+          <a:effectRef idx="0">
+            <a:schemeClr val="accent5"/>
+          </a:effectRef>
+          <a:fontRef idx="minor">
+            <a:schemeClr val="lt1"/>
+          </a:fontRef>
+        </p:style>
+        <p:txBody>
+          <a:bodyPr rtlCol="0" anchor="ctr"/>
+          <a:lstStyle/>
+          <a:p>
+            <a:pPr algn="ctr"/>
+            <a:endParaRPr lang="en-US"/>
+          </a:p>
+        </p:txBody>
+      </p:sp>
+      <p:sp>
+        <p:nvSpPr>
+          <p:cNvPr id="32" name="Up-Down Arrow 31"/>
+          <p:cNvSpPr/>
+          <p:nvPr/>
+        </p:nvSpPr>
+        <p:spPr>
+          <a:xfrm>
+            <a:off x="6036219" y="3074277"/>
+            <a:ext cx="366555" cy="555429"/>
+          </a:xfrm>
+          <a:prstGeom prst="upDownArrow">
+            <a:avLst/>
+          </a:prstGeom>
+          <a:ln/>
+        </p:spPr>
+        <p:style>
+          <a:lnRef idx="2">
+            <a:schemeClr val="accent5">
+              <a:shade val="50000"/>
+            </a:schemeClr>
+          </a:lnRef>
+          <a:fillRef idx="1">
+            <a:schemeClr val="accent5"/>
+          </a:fillRef>
+          <a:effectRef idx="0">
+            <a:schemeClr val="accent5"/>
+          </a:effectRef>
+          <a:fontRef idx="minor">
+            <a:schemeClr val="lt1"/>
+          </a:fontRef>
+        </p:style>
+        <p:txBody>
+          <a:bodyPr rtlCol="0" anchor="ctr"/>
+          <a:lstStyle/>
+          <a:p>
+            <a:pPr algn="ctr"/>
+            <a:endParaRPr lang="en-US"/>
+          </a:p>
+        </p:txBody>
+      </p:sp>
+      <p:sp>
+        <p:nvSpPr>
+          <p:cNvPr id="33" name="Up-Down Arrow 32"/>
+          <p:cNvSpPr/>
+          <p:nvPr/>
+        </p:nvSpPr>
+        <p:spPr>
+          <a:xfrm>
+            <a:off x="5429279" y="1901212"/>
+            <a:ext cx="366555" cy="555429"/>
+          </a:xfrm>
+          <a:prstGeom prst="upDownArrow">
+            <a:avLst/>
+          </a:prstGeom>
+          <a:ln/>
+        </p:spPr>
+        <p:style>
+          <a:lnRef idx="2">
+            <a:schemeClr val="accent2">
+              <a:shade val="50000"/>
+            </a:schemeClr>
+          </a:lnRef>
+          <a:fillRef idx="1">
+            <a:schemeClr val="accent2"/>
+          </a:fillRef>
+          <a:effectRef idx="0">
+            <a:schemeClr val="accent2"/>
+          </a:effectRef>
+          <a:fontRef idx="minor">
+            <a:schemeClr val="lt1"/>
+          </a:fontRef>
+        </p:style>
+        <p:txBody>
+          <a:bodyPr rtlCol="0" anchor="ctr"/>
+          <a:lstStyle/>
+          <a:p>
+            <a:pPr algn="ctr"/>
+            <a:endParaRPr lang="en-US"/>
+          </a:p>
+        </p:txBody>
+      </p:sp>
+      <p:grpSp>
+        <p:nvGrpSpPr>
+          <p:cNvPr id="34" name="Group 33"/>
+          <p:cNvGrpSpPr/>
+          <p:nvPr/>
+        </p:nvGrpSpPr>
+        <p:grpSpPr>
+          <a:xfrm>
+            <a:off x="126121" y="2087210"/>
+            <a:ext cx="2285998" cy="1192020"/>
+            <a:chOff x="126121" y="2087210"/>
+            <a:chExt cx="2285998" cy="1192020"/>
+          </a:xfrm>
+        </p:grpSpPr>
+        <p:sp>
+          <p:nvSpPr>
+            <p:cNvPr id="35" name="Rectangle 34"/>
+            <p:cNvSpPr/>
+            <p:nvPr/>
+          </p:nvSpPr>
+          <p:spPr>
+            <a:xfrm>
+              <a:off x="134780" y="2087210"/>
+              <a:ext cx="1867437" cy="1192020"/>
+            </a:xfrm>
+            <a:prstGeom prst="rect">
+              <a:avLst/>
+            </a:prstGeom>
+            <a:solidFill>
+              <a:srgbClr val="FF5050"/>
+            </a:solidFill>
+            <a:ln w="57150">
+              <a:solidFill>
+                <a:srgbClr val="C00000"/>
+              </a:solidFill>
+            </a:ln>
+          </p:spPr>
+          <p:style>
+            <a:lnRef idx="2">
+              <a:schemeClr val="accent1">
+                <a:shade val="50000"/>
+              </a:schemeClr>
+            </a:lnRef>
+            <a:fillRef idx="1">
+              <a:schemeClr val="accent1"/>
+            </a:fillRef>
+            <a:effectRef idx="0">
+              <a:schemeClr val="accent1"/>
+            </a:effectRef>
+            <a:fontRef idx="minor">
+              <a:schemeClr val="lt1"/>
+            </a:fontRef>
+          </p:style>
+          <p:txBody>
+            <a:bodyPr rtlCol="0" anchor="ctr"/>
+            <a:lstStyle/>
+            <a:p>
+              <a:pPr algn="ctr"/>
+              <a:endParaRPr lang="en-US"/>
+            </a:p>
+          </p:txBody>
+        </p:sp>
+        <p:sp>
+          <p:nvSpPr>
+            <p:cNvPr id="36" name="TextBox 35"/>
+            <p:cNvSpPr txBox="1"/>
+            <p:nvPr/>
+          </p:nvSpPr>
+          <p:spPr>
+            <a:xfrm>
+              <a:off x="126121" y="2254242"/>
+              <a:ext cx="1749194" cy="707886"/>
+            </a:xfrm>
+            <a:prstGeom prst="rect">
+              <a:avLst/>
+            </a:prstGeom>
+            <a:noFill/>
+          </p:spPr>
+          <p:txBody>
+            <a:bodyPr wrap="square" rtlCol="0">
+              <a:spAutoFit/>
+            </a:bodyPr>
+            <a:lstStyle/>
+            <a:p>
+              <a:pPr algn="ctr"/>
+              <a:r>
+                <a:rPr lang="en-US" sz="2000" b="1" dirty="0">
+                  <a:solidFill>
+                    <a:schemeClr val="bg1"/>
+                  </a:solidFill>
+                  <a:latin typeface="+mj-lt"/>
+                </a:rPr>
+                <a:t>HOW DO WE OPTIMIZE?</a:t>
+              </a:r>
+            </a:p>
+          </p:txBody>
+        </p:sp>
+        <p:sp>
+          <p:nvSpPr>
+            <p:cNvPr id="37" name="Isosceles Triangle 36"/>
+            <p:cNvSpPr/>
+            <p:nvPr/>
+          </p:nvSpPr>
+          <p:spPr>
+            <a:xfrm rot="5400000">
+              <a:off x="1856572" y="2478269"/>
+              <a:ext cx="701192" cy="409903"/>
+            </a:xfrm>
+            <a:prstGeom prst="triangle">
+              <a:avLst/>
+            </a:prstGeom>
+            <a:solidFill>
+              <a:srgbClr val="C00000"/>
+            </a:solidFill>
+            <a:ln>
+              <a:noFill/>
+            </a:ln>
+          </p:spPr>
+          <p:style>
+            <a:lnRef idx="2">
+              <a:schemeClr val="accent1">
+                <a:shade val="50000"/>
+              </a:schemeClr>
+            </a:lnRef>
+            <a:fillRef idx="1">
+              <a:schemeClr val="accent1"/>
+            </a:fillRef>
+            <a:effectRef idx="0">
+              <a:schemeClr val="accent1"/>
+            </a:effectRef>
+            <a:fontRef idx="minor">
+              <a:schemeClr val="lt1"/>
+            </a:fontRef>
+          </p:style>
+          <p:txBody>
+            <a:bodyPr rtlCol="0" anchor="ctr"/>
+            <a:lstStyle/>
+            <a:p>
+              <a:pPr algn="ctr"/>
+              <a:endParaRPr lang="en-US"/>
+            </a:p>
+          </p:txBody>
+        </p:sp>
+      </p:grpSp>
+    </p:spTree>
+    <p:extLst>
+      <p:ext uri="{BB962C8B-B14F-4D97-AF65-F5344CB8AC3E}">
+        <p14:creationId xmlns:p14="http://schemas.microsoft.com/office/powerpoint/2010/main" val="1409427741"/>
+      </p:ext>
+    </p:extLst>
+  </p:cSld>
+  <p:clrMapOvr>
+    <a:masterClrMapping/>
+  </p:clrMapOvr>
+  <p:timing>
+    <p:tnLst>
+      <p:par>
+        <p:cTn id="1" dur="indefinite" restart="never" nodeType="tmRoot">
+          <p:childTnLst>
+            <p:seq concurrent="1" nextAc="seek">
+              <p:cTn id="2" dur="indefinite" nodeType="mainSeq">
+                <p:childTnLst>
+                  <p:par>
+                    <p:cTn id="3" fill="hold">
+                      <p:stCondLst>
+                        <p:cond delay="indefinite"/>
+                      </p:stCondLst>
+                      <p:childTnLst>
+                        <p:par>
+                          <p:cTn id="4" fill="hold">
+                            <p:stCondLst>
+                              <p:cond delay="0"/>
+                            </p:stCondLst>
+                            <p:childTnLst>
+                              <p:par>
+                                <p:cTn id="5" presetID="42" presetClass="entr" presetSubtype="0" fill="hold" nodeType="clickEffect">
+                                  <p:stCondLst>
+                                    <p:cond delay="0"/>
+                                  </p:stCondLst>
+                                  <p:childTnLst>
+                                    <p:set>
+                                      <p:cBhvr>
+                                        <p:cTn id="6" dur="1" fill="hold">
+                                          <p:stCondLst>
+                                            <p:cond delay="0"/>
+                                          </p:stCondLst>
+                                        </p:cTn>
+                                        <p:tgtEl>
+                                          <p:spTgt spid="34"/>
+                                        </p:tgtEl>
+                                        <p:attrNameLst>
+                                          <p:attrName>style.visibility</p:attrName>
+                                        </p:attrNameLst>
+                                      </p:cBhvr>
+                                      <p:to>
+                                        <p:strVal val="visible"/>
+                                      </p:to>
+                                    </p:set>
+                                    <p:animEffect transition="in" filter="fade">
+                                      <p:cBhvr>
+                                        <p:cTn id="7" dur="1000"/>
+                                        <p:tgtEl>
+                                          <p:spTgt spid="34"/>
+                                        </p:tgtEl>
+                                      </p:cBhvr>
+                                    </p:animEffect>
+                                    <p:anim calcmode="lin" valueType="num">
+                                      <p:cBhvr>
+                                        <p:cTn id="8" dur="1000" fill="hold"/>
+                                        <p:tgtEl>
+                                          <p:spTgt spid="34"/>
+                                        </p:tgtEl>
+                                        <p:attrNameLst>
+                                          <p:attrName>ppt_x</p:attrName>
+                                        </p:attrNameLst>
+                                      </p:cBhvr>
+                                      <p:tavLst>
+                                        <p:tav tm="0">
+                                          <p:val>
+                                            <p:strVal val="#ppt_x"/>
+                                          </p:val>
+                                        </p:tav>
+                                        <p:tav tm="100000">
+                                          <p:val>
+                                            <p:strVal val="#ppt_x"/>
+                                          </p:val>
+                                        </p:tav>
+                                      </p:tavLst>
+                                    </p:anim>
+                                    <p:anim calcmode="lin" valueType="num">
+                                      <p:cBhvr>
+                                        <p:cTn id="9" dur="1000" fill="hold"/>
+                                        <p:tgtEl>
+                                          <p:spTgt spid="34"/>
+                                        </p:tgtEl>
+                                        <p:attrNameLst>
+                                          <p:attrName>ppt_y</p:attrName>
+                                        </p:attrNameLst>
+                                      </p:cBhvr>
+                                      <p:tavLst>
+                                        <p:tav tm="0">
+                                          <p:val>
+                                            <p:strVal val="#ppt_y+.1"/>
+                                          </p:val>
+                                        </p:tav>
+                                        <p:tav tm="100000">
+                                          <p:val>
+                                            <p:strVal val="#ppt_y"/>
+                                          </p:val>
+                                        </p:tav>
+                                      </p:tavLst>
+                                    </p:anim>
+                                  </p:childTnLst>
+                                </p:cTn>
+                              </p:par>
+                            </p:childTnLst>
+                          </p:cTn>
+                        </p:par>
+                        <p:par>
+                          <p:cTn id="10" fill="hold">
+                            <p:stCondLst>
+                              <p:cond delay="1000"/>
+                            </p:stCondLst>
+                            <p:childTnLst>
+                              <p:par>
+                                <p:cTn id="11" presetID="23" presetClass="emph" presetSubtype="0" fill="hold" grpId="0" nodeType="afterEffect">
+                                  <p:stCondLst>
+                                    <p:cond delay="0"/>
+                                  </p:stCondLst>
+                                  <p:childTnLst>
+                                    <p:animClr clrSpc="hsl" dir="cw">
+                                      <p:cBhvr override="childStyle">
+                                        <p:cTn id="12" dur="500" fill="hold"/>
+                                        <p:tgtEl>
+                                          <p:spTgt spid="27"/>
+                                        </p:tgtEl>
+                                        <p:attrNameLst>
+                                          <p:attrName>style.color</p:attrName>
+                                        </p:attrNameLst>
+                                      </p:cBhvr>
+                                      <p:by>
+                                        <p:hsl h="10842353" s="0" l="0"/>
+                                      </p:by>
+                                    </p:animClr>
+                                    <p:animClr clrSpc="hsl" dir="cw">
+                                      <p:cBhvr>
+                                        <p:cTn id="13" dur="500" fill="hold"/>
+                                        <p:tgtEl>
+                                          <p:spTgt spid="27"/>
+                                        </p:tgtEl>
+                                        <p:attrNameLst>
+                                          <p:attrName>fillcolor</p:attrName>
+                                        </p:attrNameLst>
+                                      </p:cBhvr>
+                                      <p:by>
+                                        <p:hsl h="10842353" s="0" l="0"/>
+                                      </p:by>
+                                    </p:animClr>
+                                    <p:animClr clrSpc="hsl" dir="cw">
+                                      <p:cBhvr>
+                                        <p:cTn id="14" dur="500" fill="hold"/>
+                                        <p:tgtEl>
+                                          <p:spTgt spid="27"/>
+                                        </p:tgtEl>
+                                        <p:attrNameLst>
+                                          <p:attrName>stroke.color</p:attrName>
+                                        </p:attrNameLst>
+                                      </p:cBhvr>
+                                      <p:by>
+                                        <p:hsl h="10842353" s="0" l="0"/>
+                                      </p:by>
+                                    </p:animClr>
+                                    <p:set>
+                                      <p:cBhvr>
+                                        <p:cTn id="15" dur="500" fill="hold"/>
+                                        <p:tgtEl>
+                                          <p:spTgt spid="27"/>
+                                        </p:tgtEl>
+                                        <p:attrNameLst>
+                                          <p:attrName>fill.type</p:attrName>
+                                        </p:attrNameLst>
+                                      </p:cBhvr>
+                                      <p:to>
+                                        <p:strVal val="solid"/>
+                                      </p:to>
+                                    </p:set>
+                                  </p:childTnLst>
+                                </p:cTn>
+                              </p:par>
+                            </p:childTnLst>
+                          </p:cTn>
+                        </p:par>
+                      </p:childTnLst>
+                    </p:cTn>
+                  </p:par>
+                </p:childTnLst>
+              </p:cTn>
+              <p:prevCondLst>
+                <p:cond evt="onPrev" delay="0">
+                  <p:tgtEl>
+                    <p:sldTgt/>
+                  </p:tgtEl>
+                </p:cond>
+              </p:prevCondLst>
+              <p:nextCondLst>
+                <p:cond evt="onNext" delay="0">
+                  <p:tgtEl>
+                    <p:sldTgt/>
+                  </p:tgtEl>
+                </p:cond>
+              </p:nextCondLst>
+            </p:seq>
+          </p:childTnLst>
+        </p:cTn>
+      </p:par>
+    </p:tnLst>
+    <p:bldLst>
+      <p:bldP spid="27" grpId="0" animBg="1"/>
+    </p:bldLst>
+  </p:timing>
+</p:sld>
+</file>
+
+<file path=ppt/slides/slide40.xml><?xml version="1.0" encoding="utf-8"?>
 <p:sld xmlns:a="http://schemas.openxmlformats.org/drawingml/2006/main" xmlns:r="http://schemas.openxmlformats.org/officeDocument/2006/relationships" xmlns:p="http://schemas.openxmlformats.org/presentationml/2006/main">
   <p:cSld>
     <p:spTree>
@@ -31667,7 +30432,7 @@
 </p:sld>
 </file>
 
-<file path=ppt/slides/slide43.xml><?xml version="1.0" encoding="utf-8"?>
+<file path=ppt/slides/slide41.xml><?xml version="1.0" encoding="utf-8"?>
 <p:sld xmlns:a="http://schemas.openxmlformats.org/drawingml/2006/main" xmlns:r="http://schemas.openxmlformats.org/officeDocument/2006/relationships" xmlns:p="http://schemas.openxmlformats.org/presentationml/2006/main">
   <p:cSld>
     <p:spTree>
@@ -32102,7 +30867,7 @@
 </p:sld>
 </file>
 
-<file path=ppt/slides/slide44.xml><?xml version="1.0" encoding="utf-8"?>
+<file path=ppt/slides/slide42.xml><?xml version="1.0" encoding="utf-8"?>
 <p:sld xmlns:a="http://schemas.openxmlformats.org/drawingml/2006/main" xmlns:r="http://schemas.openxmlformats.org/officeDocument/2006/relationships" xmlns:p="http://schemas.openxmlformats.org/presentationml/2006/main">
   <p:cSld>
     <p:spTree>
@@ -32718,7 +31483,7 @@
 </p:sld>
 </file>
 
-<file path=ppt/slides/slide45.xml><?xml version="1.0" encoding="utf-8"?>
+<file path=ppt/slides/slide43.xml><?xml version="1.0" encoding="utf-8"?>
 <p:sld xmlns:a="http://schemas.openxmlformats.org/drawingml/2006/main" xmlns:r="http://schemas.openxmlformats.org/officeDocument/2006/relationships" xmlns:p="http://schemas.openxmlformats.org/presentationml/2006/main">
   <p:cSld>
     <p:spTree>
@@ -33565,6 +32330,366 @@
 </p:sld>
 </file>
 
+<file path=ppt/slides/slide44.xml><?xml version="1.0" encoding="utf-8"?>
+<p:sld xmlns:a="http://schemas.openxmlformats.org/drawingml/2006/main" xmlns:r="http://schemas.openxmlformats.org/officeDocument/2006/relationships" xmlns:p="http://schemas.openxmlformats.org/presentationml/2006/main">
+  <p:cSld>
+    <p:spTree>
+      <p:nvGrpSpPr>
+        <p:cNvPr id="1" name=""/>
+        <p:cNvGrpSpPr/>
+        <p:nvPr/>
+      </p:nvGrpSpPr>
+      <p:grpSpPr>
+        <a:xfrm>
+          <a:off x="0" y="0"/>
+          <a:ext cx="0" cy="0"/>
+          <a:chOff x="0" y="0"/>
+          <a:chExt cx="0" cy="0"/>
+        </a:xfrm>
+      </p:grpSpPr>
+      <p:sp>
+        <p:nvSpPr>
+          <p:cNvPr id="35842" name="Rectangle 2"/>
+          <p:cNvSpPr>
+            <a:spLocks noGrp="1" noChangeArrowheads="1"/>
+          </p:cNvSpPr>
+          <p:nvPr>
+            <p:ph type="ctrTitle"/>
+          </p:nvPr>
+        </p:nvSpPr>
+        <p:spPr>
+          <a:xfrm>
+            <a:off x="946404" y="835152"/>
+            <a:ext cx="7063740" cy="3127248"/>
+          </a:xfrm>
+        </p:spPr>
+        <p:txBody>
+          <a:bodyPr>
+            <a:normAutofit fontScale="90000"/>
+          </a:bodyPr>
+          <a:lstStyle/>
+          <a:p>
+            <a:pPr eaLnBrk="1" hangingPunct="1">
+              <a:defRPr/>
+            </a:pPr>
+            <a:r>
+              <a:rPr lang="en-US" dirty="0">
+                <a:latin typeface="Arial" charset="0"/>
+                <a:ea typeface="ＭＳ Ｐゴシック" charset="0"/>
+                <a:cs typeface="ＭＳ Ｐゴシック" charset="0"/>
+              </a:rPr>
+              <a:t>Turn page over and list the six approaches and six guiding principles</a:t>
+            </a:r>
+          </a:p>
+        </p:txBody>
+      </p:sp>
+      <p:sp>
+        <p:nvSpPr>
+          <p:cNvPr id="35843" name="Rectangle 3"/>
+          <p:cNvSpPr>
+            <a:spLocks noGrp="1" noChangeArrowheads="1"/>
+          </p:cNvSpPr>
+          <p:nvPr>
+            <p:ph type="subTitle" idx="1"/>
+          </p:nvPr>
+        </p:nvSpPr>
+        <p:spPr>
+          <a:xfrm>
+            <a:off x="1371600" y="3886200"/>
+            <a:ext cx="6400800" cy="2133600"/>
+          </a:xfrm>
+        </p:spPr>
+        <p:txBody>
+          <a:bodyPr/>
+          <a:lstStyle/>
+          <a:p>
+            <a:pPr algn="l" eaLnBrk="1" hangingPunct="1">
+              <a:buFont typeface="Wingdings" charset="0"/>
+              <a:buNone/>
+              <a:defRPr/>
+            </a:pPr>
+            <a:endParaRPr lang="en-US" sz="2400" dirty="0">
+              <a:latin typeface="Arial" charset="0"/>
+              <a:ea typeface="ＭＳ Ｐゴシック" charset="0"/>
+              <a:cs typeface="ＭＳ Ｐゴシック" charset="0"/>
+            </a:endParaRPr>
+          </a:p>
+        </p:txBody>
+      </p:sp>
+    </p:spTree>
+  </p:cSld>
+  <p:clrMapOvr>
+    <a:masterClrMapping/>
+  </p:clrMapOvr>
+</p:sld>
+</file>
+
+<file path=ppt/slides/slide45.xml><?xml version="1.0" encoding="utf-8"?>
+<p:sld xmlns:a="http://schemas.openxmlformats.org/drawingml/2006/main" xmlns:r="http://schemas.openxmlformats.org/officeDocument/2006/relationships" xmlns:p="http://schemas.openxmlformats.org/presentationml/2006/main">
+  <p:cSld>
+    <p:spTree>
+      <p:nvGrpSpPr>
+        <p:cNvPr id="1" name=""/>
+        <p:cNvGrpSpPr/>
+        <p:nvPr/>
+      </p:nvGrpSpPr>
+      <p:grpSpPr>
+        <a:xfrm>
+          <a:off x="0" y="0"/>
+          <a:ext cx="0" cy="0"/>
+          <a:chOff x="0" y="0"/>
+          <a:chExt cx="0" cy="0"/>
+        </a:xfrm>
+      </p:grpSpPr>
+      <p:sp>
+        <p:nvSpPr>
+          <p:cNvPr id="10242" name="Rectangle 2"/>
+          <p:cNvSpPr>
+            <a:spLocks noGrp="1" noChangeArrowheads="1"/>
+          </p:cNvSpPr>
+          <p:nvPr>
+            <p:ph type="title"/>
+          </p:nvPr>
+        </p:nvSpPr>
+        <p:spPr>
+          <a:xfrm>
+            <a:off x="609600" y="0"/>
+            <a:ext cx="7269480" cy="1325562"/>
+          </a:xfrm>
+        </p:spPr>
+        <p:txBody>
+          <a:bodyPr>
+            <a:normAutofit/>
+          </a:bodyPr>
+          <a:lstStyle/>
+          <a:p>
+            <a:pPr eaLnBrk="1" hangingPunct="1">
+              <a:defRPr/>
+            </a:pPr>
+            <a:r>
+              <a:rPr lang="en-US" sz="3200" dirty="0">
+                <a:latin typeface="Arial" charset="0"/>
+                <a:ea typeface="ＭＳ Ｐゴシック" charset="0"/>
+                <a:cs typeface="ＭＳ Ｐゴシック" charset="0"/>
+              </a:rPr>
+              <a:t>Target Intervention Approaches Taught in this Class</a:t>
+            </a:r>
+          </a:p>
+        </p:txBody>
+      </p:sp>
+      <p:sp>
+        <p:nvSpPr>
+          <p:cNvPr id="10243" name="Rectangle 3"/>
+          <p:cNvSpPr>
+            <a:spLocks noGrp="1" noChangeArrowheads="1"/>
+          </p:cNvSpPr>
+          <p:nvPr>
+            <p:ph idx="1"/>
+          </p:nvPr>
+        </p:nvSpPr>
+        <p:spPr>
+          <a:xfrm>
+            <a:off x="131127" y="1598613"/>
+            <a:ext cx="8226425" cy="5259387"/>
+          </a:xfrm>
+        </p:spPr>
+        <p:txBody>
+          <a:bodyPr/>
+          <a:lstStyle/>
+          <a:p>
+            <a:pPr eaLnBrk="1" hangingPunct="1">
+              <a:spcBef>
+                <a:spcPct val="25000"/>
+              </a:spcBef>
+              <a:defRPr/>
+            </a:pPr>
+            <a:r>
+              <a:rPr lang="en-US" sz="2400" b="1" dirty="0">
+                <a:latin typeface="Arial" charset="0"/>
+                <a:ea typeface="ＭＳ Ｐゴシック" charset="0"/>
+                <a:cs typeface="ＭＳ Ｐゴシック" charset="0"/>
+              </a:rPr>
+              <a:t>Direct training of cognitive processes </a:t>
+            </a:r>
+            <a:r>
+              <a:rPr lang="en-US" sz="2400" b="1" dirty="0">
+                <a:solidFill>
+                  <a:schemeClr val="accent5"/>
+                </a:solidFill>
+                <a:latin typeface="Arial" charset="0"/>
+                <a:ea typeface="ＭＳ Ｐゴシック" charset="0"/>
+                <a:cs typeface="ＭＳ Ｐゴシック" charset="0"/>
+              </a:rPr>
+              <a:t>(Direct Attention Training; Awareness Training)</a:t>
+            </a:r>
+          </a:p>
+          <a:p>
+            <a:pPr eaLnBrk="1" hangingPunct="1">
+              <a:spcBef>
+                <a:spcPct val="25000"/>
+              </a:spcBef>
+              <a:defRPr/>
+            </a:pPr>
+            <a:r>
+              <a:rPr lang="en-US" sz="2400" b="1" dirty="0">
+                <a:latin typeface="Arial" charset="0"/>
+                <a:ea typeface="ＭＳ Ｐゴシック" charset="0"/>
+                <a:cs typeface="ＭＳ Ｐゴシック" charset="0"/>
+              </a:rPr>
+              <a:t>Specific functional skills training </a:t>
+            </a:r>
+            <a:r>
+              <a:rPr lang="en-US" sz="2400" b="1" dirty="0">
+                <a:solidFill>
+                  <a:schemeClr val="accent5"/>
+                </a:solidFill>
+                <a:latin typeface="Arial" charset="0"/>
+                <a:ea typeface="ＭＳ Ｐゴシック" charset="0"/>
+                <a:cs typeface="ＭＳ Ｐゴシック" charset="0"/>
+              </a:rPr>
+              <a:t>(Spaced Retrieval Training; Social Communication Training)</a:t>
+            </a:r>
+          </a:p>
+          <a:p>
+            <a:pPr>
+              <a:spcBef>
+                <a:spcPct val="25000"/>
+              </a:spcBef>
+              <a:defRPr/>
+            </a:pPr>
+            <a:r>
+              <a:rPr lang="en-US" sz="2400" b="1" dirty="0">
+                <a:latin typeface="Arial" charset="0"/>
+                <a:ea typeface="ＭＳ Ｐゴシック" charset="0"/>
+                <a:cs typeface="ＭＳ Ｐゴシック" charset="0"/>
+              </a:rPr>
+              <a:t>Cognitive strategy training </a:t>
+            </a:r>
+            <a:r>
+              <a:rPr lang="en-US" sz="2400" b="1" dirty="0">
+                <a:solidFill>
+                  <a:schemeClr val="accent5"/>
+                </a:solidFill>
+                <a:latin typeface="Arial" charset="0"/>
+                <a:ea typeface="ＭＳ Ｐゴシック" charset="0"/>
+                <a:cs typeface="ＭＳ Ｐゴシック" charset="0"/>
+              </a:rPr>
+              <a:t>(Visual Scanning; Metacognitive strategy </a:t>
+            </a:r>
+            <a:r>
+              <a:rPr lang="en-US" sz="2400" b="1" dirty="0" err="1">
+                <a:solidFill>
+                  <a:schemeClr val="accent5"/>
+                </a:solidFill>
+                <a:latin typeface="Arial" charset="0"/>
+                <a:ea typeface="ＭＳ Ｐゴシック" charset="0"/>
+                <a:cs typeface="ＭＳ Ｐゴシック" charset="0"/>
+              </a:rPr>
+              <a:t>traninig</a:t>
+            </a:r>
+            <a:r>
+              <a:rPr lang="en-US" sz="2400" b="1" dirty="0">
+                <a:solidFill>
+                  <a:schemeClr val="accent5"/>
+                </a:solidFill>
+                <a:latin typeface="Arial" charset="0"/>
+                <a:ea typeface="ＭＳ Ｐゴシック" charset="0"/>
+                <a:cs typeface="ＭＳ Ｐゴシック" charset="0"/>
+              </a:rPr>
+              <a:t>)</a:t>
+            </a:r>
+          </a:p>
+          <a:p>
+            <a:pPr eaLnBrk="1" hangingPunct="1">
+              <a:spcBef>
+                <a:spcPct val="25000"/>
+              </a:spcBef>
+              <a:defRPr/>
+            </a:pPr>
+            <a:r>
+              <a:rPr lang="en-US" sz="2400" b="1" dirty="0">
+                <a:latin typeface="Arial" charset="0"/>
+                <a:ea typeface="ＭＳ Ｐゴシック" charset="0"/>
+                <a:cs typeface="ＭＳ Ｐゴシック" charset="0"/>
+              </a:rPr>
+              <a:t>Selection &amp; training use of assistive technology (</a:t>
+            </a:r>
+            <a:r>
+              <a:rPr lang="en-US" sz="2400" b="1" dirty="0">
+                <a:solidFill>
+                  <a:schemeClr val="accent5"/>
+                </a:solidFill>
+                <a:latin typeface="Arial" charset="0"/>
+                <a:ea typeface="ＭＳ Ｐゴシック" charset="0"/>
+                <a:cs typeface="ＭＳ Ｐゴシック" charset="0"/>
+              </a:rPr>
+              <a:t>Systematic instruction to train use of assistive technology for cognition</a:t>
+            </a:r>
+            <a:r>
+              <a:rPr lang="en-US" sz="2400" b="1" dirty="0">
+                <a:solidFill>
+                  <a:schemeClr val="accent1"/>
+                </a:solidFill>
+                <a:latin typeface="Arial" charset="0"/>
+                <a:ea typeface="ＭＳ Ｐゴシック" charset="0"/>
+                <a:cs typeface="ＭＳ Ｐゴシック" charset="0"/>
+              </a:rPr>
+              <a:t>)</a:t>
+            </a:r>
+          </a:p>
+          <a:p>
+            <a:pPr eaLnBrk="1" hangingPunct="1">
+              <a:spcBef>
+                <a:spcPct val="25000"/>
+              </a:spcBef>
+              <a:defRPr/>
+            </a:pPr>
+            <a:r>
+              <a:rPr lang="en-US" sz="2400" b="1" dirty="0">
+                <a:solidFill>
+                  <a:schemeClr val="accent1"/>
+                </a:solidFill>
+                <a:latin typeface="Arial" charset="0"/>
+                <a:ea typeface="ＭＳ Ｐゴシック" charset="0"/>
+                <a:cs typeface="ＭＳ Ｐゴシック" charset="0"/>
+              </a:rPr>
+              <a:t> </a:t>
+            </a:r>
+            <a:r>
+              <a:rPr lang="en-US" sz="2400" b="1" dirty="0">
+                <a:latin typeface="Arial" charset="0"/>
+                <a:ea typeface="ＭＳ Ｐゴシック" charset="0"/>
+                <a:cs typeface="ＭＳ Ｐゴシック" charset="0"/>
+              </a:rPr>
+              <a:t>Environmental management/task accommodation</a:t>
+            </a:r>
+          </a:p>
+          <a:p>
+            <a:pPr eaLnBrk="1" hangingPunct="1">
+              <a:spcBef>
+                <a:spcPct val="25000"/>
+              </a:spcBef>
+              <a:defRPr/>
+            </a:pPr>
+            <a:r>
+              <a:rPr lang="en-US" sz="2400" b="1" dirty="0">
+                <a:latin typeface="Arial" charset="0"/>
+                <a:ea typeface="ＭＳ Ｐゴシック" charset="0"/>
+                <a:cs typeface="ＭＳ Ｐゴシック" charset="0"/>
+              </a:rPr>
+              <a:t>Personalized education and understanding</a:t>
+            </a:r>
+          </a:p>
+        </p:txBody>
+      </p:sp>
+    </p:spTree>
+  </p:cSld>
+  <p:clrMapOvr>
+    <a:masterClrMapping/>
+  </p:clrMapOvr>
+</p:sld>
+</file>
+
 <file path=ppt/slides/slide46.xml><?xml version="1.0" encoding="utf-8"?>
 <p:sld xmlns:a="http://schemas.openxmlformats.org/drawingml/2006/main" xmlns:r="http://schemas.openxmlformats.org/officeDocument/2006/relationships" xmlns:p="http://schemas.openxmlformats.org/presentationml/2006/main">
   <p:cSld>
@@ -33584,74 +32709,80 @@
       </p:grpSpPr>
       <p:sp>
         <p:nvSpPr>
-          <p:cNvPr id="35842" name="Rectangle 2"/>
+          <p:cNvPr id="2" name="Title 1"/>
           <p:cNvSpPr>
-            <a:spLocks noGrp="1" noChangeArrowheads="1"/>
+            <a:spLocks noGrp="1"/>
           </p:cNvSpPr>
           <p:nvPr>
-            <p:ph type="ctrTitle"/>
+            <p:ph type="title"/>
           </p:nvPr>
         </p:nvSpPr>
-        <p:spPr>
-          <a:xfrm>
-            <a:off x="946404" y="835152"/>
-            <a:ext cx="7063740" cy="3127248"/>
-          </a:xfrm>
-        </p:spPr>
-        <p:txBody>
-          <a:bodyPr>
-            <a:normAutofit fontScale="90000"/>
-          </a:bodyPr>
-          <a:lstStyle/>
-          <a:p>
-            <a:pPr eaLnBrk="1" hangingPunct="1">
-              <a:defRPr/>
-            </a:pPr>
-            <a:r>
-              <a:rPr lang="en-US" dirty="0">
-                <a:latin typeface="Arial" charset="0"/>
-                <a:ea typeface="ＭＳ Ｐゴシック" charset="0"/>
-                <a:cs typeface="ＭＳ Ｐゴシック" charset="0"/>
-              </a:rPr>
-              <a:t>Turn page over and list the six approaches and six guiding principles</a:t>
-            </a:r>
-          </a:p>
-        </p:txBody>
-      </p:sp>
-      <p:sp>
-        <p:nvSpPr>
-          <p:cNvPr id="35843" name="Rectangle 3"/>
-          <p:cNvSpPr>
-            <a:spLocks noGrp="1" noChangeArrowheads="1"/>
-          </p:cNvSpPr>
-          <p:nvPr>
-            <p:ph type="subTitle" idx="1"/>
-          </p:nvPr>
-        </p:nvSpPr>
-        <p:spPr>
-          <a:xfrm>
-            <a:off x="1371600" y="3886200"/>
-            <a:ext cx="6400800" cy="2133600"/>
-          </a:xfrm>
-        </p:spPr>
+        <p:spPr/>
         <p:txBody>
           <a:bodyPr/>
           <a:lstStyle/>
           <a:p>
-            <a:pPr algn="l" eaLnBrk="1" hangingPunct="1">
-              <a:buFont typeface="Wingdings" charset="0"/>
-              <a:buNone/>
-              <a:defRPr/>
-            </a:pPr>
-            <a:endParaRPr lang="en-US" sz="2400" dirty="0">
-              <a:latin typeface="Arial" charset="0"/>
-              <a:ea typeface="ＭＳ Ｐゴシック" charset="0"/>
-              <a:cs typeface="ＭＳ Ｐゴシック" charset="0"/>
-            </a:endParaRPr>
+            <a:r>
+              <a:rPr lang="en-US" dirty="0"/>
+              <a:t>Tools Important to All Intervention</a:t>
+            </a:r>
           </a:p>
         </p:txBody>
       </p:sp>
+      <p:sp>
+        <p:nvSpPr>
+          <p:cNvPr id="3" name="Content Placeholder 2"/>
+          <p:cNvSpPr>
+            <a:spLocks noGrp="1"/>
+          </p:cNvSpPr>
+          <p:nvPr>
+            <p:ph idx="1"/>
+          </p:nvPr>
+        </p:nvSpPr>
+        <p:spPr/>
+        <p:txBody>
+          <a:bodyPr>
+            <a:normAutofit/>
+          </a:bodyPr>
+          <a:lstStyle/>
+          <a:p>
+            <a:r>
+              <a:rPr lang="en-US" sz="2400" dirty="0">
+                <a:latin typeface="Arial" charset="0"/>
+                <a:ea typeface="Arial" charset="0"/>
+                <a:cs typeface="Arial" charset="0"/>
+              </a:rPr>
+              <a:t>Motivational Interviewing</a:t>
+            </a:r>
+          </a:p>
+          <a:p>
+            <a:r>
+              <a:rPr lang="en-US" sz="2400" dirty="0">
+                <a:latin typeface="Arial" charset="0"/>
+                <a:ea typeface="Arial" charset="0"/>
+                <a:cs typeface="Arial" charset="0"/>
+              </a:rPr>
+              <a:t>Dynamic coaching</a:t>
+            </a:r>
+          </a:p>
+          <a:p>
+            <a:r>
+              <a:rPr lang="en-US" sz="2400" dirty="0">
+                <a:latin typeface="Arial" charset="0"/>
+                <a:ea typeface="Arial" charset="0"/>
+                <a:cs typeface="Arial" charset="0"/>
+              </a:rPr>
+              <a:t>Patient-Centered Goal Attainment Scaling</a:t>
+            </a:r>
+          </a:p>
+        </p:txBody>
+      </p:sp>
     </p:spTree>
+    <p:extLst>
+      <p:ext uri="{BB962C8B-B14F-4D97-AF65-F5344CB8AC3E}">
+        <p14:creationId xmlns:p14="http://schemas.microsoft.com/office/powerpoint/2010/main" val="774297523"/>
+      </p:ext>
+    </p:extLst>
   </p:cSld>
   <p:clrMapOvr>
     <a:masterClrMapping/>
@@ -33678,7 +32809,7 @@
       </p:grpSpPr>
       <p:sp>
         <p:nvSpPr>
-          <p:cNvPr id="10242" name="Rectangle 2"/>
+          <p:cNvPr id="20482" name="Rectangle 2"/>
           <p:cNvSpPr>
             <a:spLocks noGrp="1" noChangeArrowheads="1"/>
           </p:cNvSpPr>
@@ -33686,35 +32817,28 @@
             <p:ph type="title"/>
           </p:nvPr>
         </p:nvSpPr>
-        <p:spPr>
-          <a:xfrm>
-            <a:off x="609600" y="0"/>
-            <a:ext cx="7269480" cy="1325562"/>
-          </a:xfrm>
-        </p:spPr>
+        <p:spPr/>
         <p:txBody>
-          <a:bodyPr>
-            <a:normAutofit/>
-          </a:bodyPr>
+          <a:bodyPr/>
           <a:lstStyle/>
           <a:p>
             <a:pPr eaLnBrk="1" hangingPunct="1">
               <a:defRPr/>
             </a:pPr>
             <a:r>
-              <a:rPr lang="en-US" sz="3200" dirty="0">
+              <a:rPr lang="en-US">
                 <a:latin typeface="Arial" charset="0"/>
                 <a:ea typeface="ＭＳ Ｐゴシック" charset="0"/>
                 <a:cs typeface="ＭＳ Ｐゴシック" charset="0"/>
               </a:rPr>
-              <a:t>Target Intervention Approaches Taught in this Class</a:t>
+              <a:t>Variables Contributing to Recovery</a:t>
             </a:r>
           </a:p>
         </p:txBody>
       </p:sp>
       <p:sp>
         <p:nvSpPr>
-          <p:cNvPr id="10243" name="Rectangle 3"/>
+          <p:cNvPr id="20483" name="Rectangle 3"/>
           <p:cNvSpPr>
             <a:spLocks noGrp="1" noChangeArrowheads="1"/>
           </p:cNvSpPr>
@@ -33722,197 +32846,73 @@
             <p:ph idx="1"/>
           </p:nvPr>
         </p:nvSpPr>
-        <p:spPr>
-          <a:xfrm>
-            <a:off x="131127" y="1598613"/>
-            <a:ext cx="8226425" cy="5259387"/>
-          </a:xfrm>
-        </p:spPr>
+        <p:spPr/>
         <p:txBody>
           <a:bodyPr/>
           <a:lstStyle/>
           <a:p>
             <a:pPr eaLnBrk="1" hangingPunct="1">
-              <a:spcBef>
-                <a:spcPct val="25000"/>
-              </a:spcBef>
               <a:defRPr/>
             </a:pPr>
             <a:r>
-              <a:rPr lang="en-US" sz="2400" b="1" dirty="0">
+              <a:rPr lang="en-US">
                 <a:latin typeface="Arial" charset="0"/>
                 <a:ea typeface="ＭＳ Ｐゴシック" charset="0"/>
                 <a:cs typeface="ＭＳ Ｐゴシック" charset="0"/>
               </a:rPr>
-              <a:t>Direct training of cognitive processes </a:t>
-            </a:r>
-            <a:r>
-              <a:rPr lang="en-US" sz="2400" b="1" dirty="0">
-                <a:solidFill>
-                  <a:schemeClr val="accent5"/>
-                </a:solidFill>
+              <a:t>Demographic variables</a:t>
+            </a:r>
+          </a:p>
+          <a:p>
+            <a:pPr eaLnBrk="1" hangingPunct="1">
+              <a:defRPr/>
+            </a:pPr>
+            <a:r>
+              <a:rPr lang="en-US">
                 <a:latin typeface="Arial" charset="0"/>
                 <a:ea typeface="ＭＳ Ｐゴシック" charset="0"/>
                 <a:cs typeface="ＭＳ Ｐゴシック" charset="0"/>
               </a:rPr>
-              <a:t>(Direct Attention Training; Awareness Training)</a:t>
+              <a:t>Injury variables</a:t>
             </a:r>
           </a:p>
           <a:p>
             <a:pPr eaLnBrk="1" hangingPunct="1">
-              <a:spcBef>
-                <a:spcPct val="25000"/>
-              </a:spcBef>
               <a:defRPr/>
             </a:pPr>
             <a:r>
-              <a:rPr lang="en-US" sz="2400" b="1" dirty="0">
+              <a:rPr lang="en-US">
                 <a:latin typeface="Arial" charset="0"/>
                 <a:ea typeface="ＭＳ Ｐゴシック" charset="0"/>
                 <a:cs typeface="ＭＳ Ｐゴシック" charset="0"/>
               </a:rPr>
-              <a:t>Specific functional skills training </a:t>
-            </a:r>
-            <a:r>
-              <a:rPr lang="en-US" sz="2400" b="1" dirty="0">
-                <a:solidFill>
-                  <a:schemeClr val="accent5"/>
-                </a:solidFill>
+              <a:t>Psychological variables</a:t>
+            </a:r>
+          </a:p>
+          <a:p>
+            <a:pPr eaLnBrk="1" hangingPunct="1">
+              <a:defRPr/>
+            </a:pPr>
+            <a:r>
+              <a:rPr lang="en-US">
                 <a:latin typeface="Arial" charset="0"/>
                 <a:ea typeface="ＭＳ Ｐゴシック" charset="0"/>
                 <a:cs typeface="ＭＳ Ｐゴシック" charset="0"/>
               </a:rPr>
-              <a:t>(Spaced Retrieval Training; Social Communication Training)</a:t>
-            </a:r>
-          </a:p>
-          <a:p>
-            <a:pPr>
-              <a:spcBef>
-                <a:spcPct val="25000"/>
-              </a:spcBef>
+              <a:t>Mechanisms underlying neuroplasticity</a:t>
+            </a:r>
+          </a:p>
+          <a:p>
+            <a:pPr eaLnBrk="1" hangingPunct="1">
               <a:defRPr/>
             </a:pPr>
             <a:r>
-              <a:rPr lang="en-US" sz="2400" b="1" dirty="0">
+              <a:rPr lang="en-US">
                 <a:latin typeface="Arial" charset="0"/>
                 <a:ea typeface="ＭＳ Ｐゴシック" charset="0"/>
                 <a:cs typeface="ＭＳ Ｐゴシック" charset="0"/>
               </a:rPr>
-              <a:t>Cognitive strategy training </a:t>
-            </a:r>
-            <a:r>
-              <a:rPr lang="en-US" sz="2400" b="1" dirty="0">
-                <a:solidFill>
-                  <a:schemeClr val="accent5"/>
-                </a:solidFill>
-                <a:latin typeface="Arial" charset="0"/>
-                <a:ea typeface="ＭＳ Ｐゴシック" charset="0"/>
-                <a:cs typeface="ＭＳ Ｐゴシック" charset="0"/>
-              </a:rPr>
-              <a:t>(Visual Scanning; Metacognitive strategy </a:t>
-            </a:r>
-            <a:r>
-              <a:rPr lang="en-US" sz="2400" b="1" dirty="0" err="1">
-                <a:solidFill>
-                  <a:schemeClr val="accent5"/>
-                </a:solidFill>
-                <a:latin typeface="Arial" charset="0"/>
-                <a:ea typeface="ＭＳ Ｐゴシック" charset="0"/>
-                <a:cs typeface="ＭＳ Ｐゴシック" charset="0"/>
-              </a:rPr>
-              <a:t>traninig</a:t>
-            </a:r>
-            <a:r>
-              <a:rPr lang="en-US" sz="2400" b="1" dirty="0">
-                <a:solidFill>
-                  <a:schemeClr val="accent5"/>
-                </a:solidFill>
-                <a:latin typeface="Arial" charset="0"/>
-                <a:ea typeface="ＭＳ Ｐゴシック" charset="0"/>
-                <a:cs typeface="ＭＳ Ｐゴシック" charset="0"/>
-              </a:rPr>
-              <a:t>)</a:t>
-            </a:r>
-          </a:p>
-          <a:p>
-            <a:pPr eaLnBrk="1" hangingPunct="1">
-              <a:spcBef>
-                <a:spcPct val="25000"/>
-              </a:spcBef>
-              <a:defRPr/>
-            </a:pPr>
-            <a:r>
-              <a:rPr lang="en-US" sz="2400" b="1" dirty="0">
-                <a:latin typeface="Arial" charset="0"/>
-                <a:ea typeface="ＭＳ Ｐゴシック" charset="0"/>
-                <a:cs typeface="ＭＳ Ｐゴシック" charset="0"/>
-              </a:rPr>
-              <a:t>Selection &amp; training use of assistive technology (</a:t>
-            </a:r>
-            <a:r>
-              <a:rPr lang="en-US" sz="2400" b="1" dirty="0">
-                <a:solidFill>
-                  <a:schemeClr val="accent5"/>
-                </a:solidFill>
-                <a:latin typeface="Arial" charset="0"/>
-                <a:ea typeface="ＭＳ Ｐゴシック" charset="0"/>
-                <a:cs typeface="ＭＳ Ｐゴシック" charset="0"/>
-              </a:rPr>
-              <a:t>Systematic instruction to train use of assistive technology for cognition</a:t>
-            </a:r>
-            <a:r>
-              <a:rPr lang="en-US" sz="2400" b="1" dirty="0">
-                <a:solidFill>
-                  <a:schemeClr val="accent1"/>
-                </a:solidFill>
-                <a:latin typeface="Arial" charset="0"/>
-                <a:ea typeface="ＭＳ Ｐゴシック" charset="0"/>
-                <a:cs typeface="ＭＳ Ｐゴシック" charset="0"/>
-              </a:rPr>
-              <a:t>)</a:t>
-            </a:r>
-          </a:p>
-          <a:p>
-            <a:pPr eaLnBrk="1" hangingPunct="1">
-              <a:spcBef>
-                <a:spcPct val="25000"/>
-              </a:spcBef>
-              <a:defRPr/>
-            </a:pPr>
-            <a:r>
-              <a:rPr lang="en-US" sz="2400" b="1" dirty="0">
-                <a:solidFill>
-                  <a:schemeClr val="accent1"/>
-                </a:solidFill>
-                <a:latin typeface="Arial" charset="0"/>
-                <a:ea typeface="ＭＳ Ｐゴシック" charset="0"/>
-                <a:cs typeface="ＭＳ Ｐゴシック" charset="0"/>
-              </a:rPr>
-              <a:t> </a:t>
-            </a:r>
-            <a:r>
-              <a:rPr lang="en-US" sz="2400" b="1" dirty="0">
-                <a:latin typeface="Arial" charset="0"/>
-                <a:ea typeface="ＭＳ Ｐゴシック" charset="0"/>
-                <a:cs typeface="ＭＳ Ｐゴシック" charset="0"/>
-              </a:rPr>
-              <a:t>Environmental management/task accommodation</a:t>
-            </a:r>
-          </a:p>
-          <a:p>
-            <a:pPr eaLnBrk="1" hangingPunct="1">
-              <a:spcBef>
-                <a:spcPct val="25000"/>
-              </a:spcBef>
-              <a:defRPr/>
-            </a:pPr>
-            <a:r>
-              <a:rPr lang="en-US" sz="2400" b="1" dirty="0">
-                <a:latin typeface="Arial" charset="0"/>
-                <a:ea typeface="ＭＳ Ｐゴシック" charset="0"/>
-                <a:cs typeface="ＭＳ Ｐゴシック" charset="0"/>
-              </a:rPr>
-              <a:t>Personalized education and understanding</a:t>
+              <a:t>Factors related to training and programs</a:t>
             </a:r>
           </a:p>
         </p:txBody>
@@ -33944,9 +32944,9 @@
       </p:grpSpPr>
       <p:sp>
         <p:nvSpPr>
-          <p:cNvPr id="2" name="Title 1"/>
+          <p:cNvPr id="21506" name="Rectangle 2"/>
           <p:cNvSpPr>
-            <a:spLocks noGrp="1"/>
+            <a:spLocks noGrp="1" noChangeArrowheads="1"/>
           </p:cNvSpPr>
           <p:nvPr>
             <p:ph type="title"/>
@@ -33957,18 +32957,25 @@
           <a:bodyPr/>
           <a:lstStyle/>
           <a:p>
-            <a:r>
-              <a:rPr lang="en-US" dirty="0"/>
-              <a:t>Tools Important to All Intervention</a:t>
+            <a:pPr eaLnBrk="1" hangingPunct="1">
+              <a:defRPr/>
+            </a:pPr>
+            <a:r>
+              <a:rPr lang="en-US">
+                <a:latin typeface="Arial" charset="0"/>
+                <a:ea typeface="ＭＳ Ｐゴシック" charset="0"/>
+                <a:cs typeface="ＭＳ Ｐゴシック" charset="0"/>
+              </a:rPr>
+              <a:t>AGE</a:t>
             </a:r>
           </a:p>
         </p:txBody>
       </p:sp>
       <p:sp>
         <p:nvSpPr>
-          <p:cNvPr id="3" name="Content Placeholder 2"/>
+          <p:cNvPr id="21507" name="Rectangle 3"/>
           <p:cNvSpPr>
-            <a:spLocks noGrp="1"/>
+            <a:spLocks noGrp="1" noChangeArrowheads="1"/>
           </p:cNvSpPr>
           <p:nvPr>
             <p:ph idx="1"/>
@@ -33976,48 +32983,50 @@
         </p:nvSpPr>
         <p:spPr/>
         <p:txBody>
-          <a:bodyPr>
-            <a:normAutofit/>
-          </a:bodyPr>
+          <a:bodyPr/>
           <a:lstStyle/>
           <a:p>
-            <a:r>
-              <a:rPr lang="en-US" sz="2400" dirty="0">
+            <a:pPr eaLnBrk="1" hangingPunct="1">
+              <a:defRPr/>
+            </a:pPr>
+            <a:r>
+              <a:rPr lang="en-US" dirty="0">
                 <a:latin typeface="Arial" charset="0"/>
-                <a:ea typeface="Arial" charset="0"/>
-                <a:cs typeface="Arial" charset="0"/>
+                <a:ea typeface="ＭＳ Ｐゴシック" charset="0"/>
+                <a:cs typeface="ＭＳ Ｐゴシック" charset="0"/>
               </a:rPr>
-              <a:t>Motivational Interviewing</a:t>
-            </a:r>
-          </a:p>
-          <a:p>
-            <a:r>
-              <a:rPr lang="en-US" sz="2400" dirty="0">
+              <a:t>Younger brains have more potential for plasticity; HOWEVER, newer evidence that early injury affects the acquisition of many motor, cognitive and social skills</a:t>
+            </a:r>
+          </a:p>
+          <a:p>
+            <a:pPr eaLnBrk="1" hangingPunct="1">
+              <a:defRPr/>
+            </a:pPr>
+            <a:r>
+              <a:rPr lang="en-US" dirty="0">
                 <a:latin typeface="Arial" charset="0"/>
-                <a:ea typeface="Arial" charset="0"/>
-                <a:cs typeface="Arial" charset="0"/>
+                <a:ea typeface="ＭＳ Ｐゴシック" charset="0"/>
+                <a:cs typeface="ＭＳ Ｐゴシック" charset="0"/>
               </a:rPr>
-              <a:t>Dynamic coaching</a:t>
-            </a:r>
-          </a:p>
-          <a:p>
-            <a:r>
-              <a:rPr lang="en-US" sz="2400" dirty="0">
+              <a:t>Some difficulties not evident until child reaches age at which they would be expected to develop </a:t>
+            </a:r>
+          </a:p>
+          <a:p>
+            <a:pPr eaLnBrk="1" hangingPunct="1">
+              <a:defRPr/>
+            </a:pPr>
+            <a:r>
+              <a:rPr lang="en-US" dirty="0">
                 <a:latin typeface="Arial" charset="0"/>
-                <a:ea typeface="Arial" charset="0"/>
-                <a:cs typeface="Arial" charset="0"/>
+                <a:ea typeface="ＭＳ Ｐゴシック" charset="0"/>
+                <a:cs typeface="ＭＳ Ｐゴシック" charset="0"/>
               </a:rPr>
-              <a:t>Patient-Centered Goal Attainment Scaling</a:t>
+              <a:t>Elderly may have protracted recovery especially if there are age related cognitive decline</a:t>
             </a:r>
           </a:p>
         </p:txBody>
       </p:sp>
     </p:spTree>
-    <p:extLst>
-      <p:ext uri="{BB962C8B-B14F-4D97-AF65-F5344CB8AC3E}">
-        <p14:creationId xmlns:p14="http://schemas.microsoft.com/office/powerpoint/2010/main" val="774297523"/>
-      </p:ext>
-    </p:extLst>
   </p:cSld>
   <p:clrMapOvr>
     <a:masterClrMapping/>
@@ -34044,9 +33053,9 @@
       </p:grpSpPr>
       <p:sp>
         <p:nvSpPr>
-          <p:cNvPr id="20482" name="Rectangle 2"/>
+          <p:cNvPr id="2" name="Title 1"/>
           <p:cNvSpPr>
-            <a:spLocks noGrp="1" noChangeArrowheads="1"/>
+            <a:spLocks noGrp="1"/>
           </p:cNvSpPr>
           <p:nvPr>
             <p:ph type="title"/>
@@ -34057,25 +33066,21 @@
           <a:bodyPr/>
           <a:lstStyle/>
           <a:p>
-            <a:pPr eaLnBrk="1" hangingPunct="1">
+            <a:pPr>
               <a:defRPr/>
             </a:pPr>
             <a:r>
-              <a:rPr lang="en-US">
-                <a:latin typeface="Arial" charset="0"/>
-                <a:ea typeface="ＭＳ Ｐゴシック" charset="0"/>
-                <a:cs typeface="ＭＳ Ｐゴシック" charset="0"/>
-              </a:rPr>
-              <a:t>Variables Contributing to Recovery</a:t>
+              <a:rPr lang="en-US" dirty="0"/>
+              <a:t>Cultural Influences</a:t>
             </a:r>
           </a:p>
         </p:txBody>
       </p:sp>
       <p:sp>
         <p:nvSpPr>
-          <p:cNvPr id="20483" name="Rectangle 3"/>
+          <p:cNvPr id="3" name="Content Placeholder 2"/>
           <p:cNvSpPr>
-            <a:spLocks noGrp="1" noChangeArrowheads="1"/>
+            <a:spLocks noGrp="1"/>
           </p:cNvSpPr>
           <p:nvPr>
             <p:ph idx="1"/>
@@ -34086,69 +33091,68 @@
           <a:bodyPr/>
           <a:lstStyle/>
           <a:p>
-            <a:pPr eaLnBrk="1" hangingPunct="1">
+            <a:pPr marL="0" indent="0">
+              <a:buFont typeface="Wingdings" charset="0"/>
+              <a:buNone/>
               <a:defRPr/>
             </a:pPr>
             <a:r>
-              <a:rPr lang="en-US">
-                <a:latin typeface="Arial" charset="0"/>
-                <a:ea typeface="ＭＳ Ｐゴシック" charset="0"/>
-                <a:cs typeface="ＭＳ Ｐゴシック" charset="0"/>
-              </a:rPr>
-              <a:t>Demographic variables</a:t>
-            </a:r>
-          </a:p>
-          <a:p>
-            <a:pPr eaLnBrk="1" hangingPunct="1">
+              <a:rPr lang="en-US" dirty="0"/>
+              <a:t>Beliefs about </a:t>
+            </a:r>
+          </a:p>
+          <a:p>
+            <a:pPr>
               <a:defRPr/>
             </a:pPr>
             <a:r>
-              <a:rPr lang="en-US">
-                <a:latin typeface="Arial" charset="0"/>
-                <a:ea typeface="ＭＳ Ｐゴシック" charset="0"/>
-                <a:cs typeface="ＭＳ Ｐゴシック" charset="0"/>
-              </a:rPr>
-              <a:t>Injury variables</a:t>
-            </a:r>
-          </a:p>
-          <a:p>
-            <a:pPr eaLnBrk="1" hangingPunct="1">
+              <a:rPr lang="en-US" dirty="0"/>
+              <a:t>Disease</a:t>
+            </a:r>
+          </a:p>
+          <a:p>
+            <a:pPr>
               <a:defRPr/>
             </a:pPr>
             <a:r>
-              <a:rPr lang="en-US">
-                <a:latin typeface="Arial" charset="0"/>
-                <a:ea typeface="ＭＳ Ｐゴシック" charset="0"/>
-                <a:cs typeface="ＭＳ Ｐゴシック" charset="0"/>
-              </a:rPr>
-              <a:t>Psychological variables</a:t>
-            </a:r>
-          </a:p>
-          <a:p>
-            <a:pPr eaLnBrk="1" hangingPunct="1">
+              <a:rPr lang="en-US" dirty="0"/>
+              <a:t>Disability</a:t>
+            </a:r>
+          </a:p>
+          <a:p>
+            <a:pPr>
               <a:defRPr/>
             </a:pPr>
             <a:r>
-              <a:rPr lang="en-US">
-                <a:latin typeface="Arial" charset="0"/>
-                <a:ea typeface="ＭＳ Ｐゴシック" charset="0"/>
-                <a:cs typeface="ＭＳ Ｐゴシック" charset="0"/>
-              </a:rPr>
-              <a:t>Mechanisms underlying neuroplasticity</a:t>
-            </a:r>
-          </a:p>
-          <a:p>
-            <a:pPr eaLnBrk="1" hangingPunct="1">
+              <a:rPr lang="en-US" dirty="0"/>
+              <a:t>Support</a:t>
+            </a:r>
+          </a:p>
+          <a:p>
+            <a:pPr>
               <a:defRPr/>
             </a:pPr>
             <a:r>
-              <a:rPr lang="en-US">
-                <a:latin typeface="Arial" charset="0"/>
-                <a:ea typeface="ＭＳ Ｐゴシック" charset="0"/>
-                <a:cs typeface="ＭＳ Ｐゴシック" charset="0"/>
-              </a:rPr>
-              <a:t>Factors related to training and programs</a:t>
-            </a:r>
+              <a:rPr lang="en-US" dirty="0"/>
+              <a:t>Medical Intervention</a:t>
+            </a:r>
+          </a:p>
+          <a:p>
+            <a:pPr marL="0" indent="0">
+              <a:buFont typeface="Wingdings" charset="0"/>
+              <a:buNone/>
+              <a:defRPr/>
+            </a:pPr>
+            <a:r>
+              <a:rPr lang="en-US" dirty="0"/>
+              <a:t>Will influence recovery process</a:t>
+            </a:r>
+          </a:p>
+          <a:p>
+            <a:pPr>
+              <a:defRPr/>
+            </a:pPr>
+            <a:endParaRPr lang="en-US" dirty="0"/>
           </a:p>
         </p:txBody>
       </p:sp>
@@ -34361,7 +33365,7 @@
       </p:grpSpPr>
       <p:sp>
         <p:nvSpPr>
-          <p:cNvPr id="21506" name="Rectangle 2"/>
+          <p:cNvPr id="22530" name="Rectangle 2"/>
           <p:cNvSpPr>
             <a:spLocks noGrp="1" noChangeArrowheads="1"/>
           </p:cNvSpPr>
@@ -34383,14 +33387,14 @@
                 <a:ea typeface="ＭＳ Ｐゴシック" charset="0"/>
                 <a:cs typeface="ＭＳ Ｐゴシック" charset="0"/>
               </a:rPr>
-              <a:t>AGE</a:t>
+              <a:t>Injury related variables</a:t>
             </a:r>
           </a:p>
         </p:txBody>
       </p:sp>
       <p:sp>
         <p:nvSpPr>
-          <p:cNvPr id="21507" name="Rectangle 3"/>
+          <p:cNvPr id="22531" name="Rectangle 3"/>
           <p:cNvSpPr>
             <a:spLocks noGrp="1" noChangeArrowheads="1"/>
           </p:cNvSpPr>
@@ -34407,12 +33411,12 @@
               <a:defRPr/>
             </a:pPr>
             <a:r>
-              <a:rPr lang="en-US" dirty="0">
+              <a:rPr lang="en-US">
                 <a:latin typeface="Arial" charset="0"/>
                 <a:ea typeface="ＭＳ Ｐゴシック" charset="0"/>
                 <a:cs typeface="ＭＳ Ｐゴシック" charset="0"/>
               </a:rPr>
-              <a:t>Younger brains have more potential for plasticity; HOWEVER, newer evidence that early injury affects the acquisition of many motor, cognitive and social skills</a:t>
+              <a:t>Time since injury: typically recovery is fastest during first 6 months for moderate to severe injuries</a:t>
             </a:r>
           </a:p>
           <a:p>
@@ -34420,12 +33424,12 @@
               <a:defRPr/>
             </a:pPr>
             <a:r>
-              <a:rPr lang="en-US" dirty="0">
+              <a:rPr lang="en-US">
                 <a:latin typeface="Arial" charset="0"/>
                 <a:ea typeface="ＭＳ Ｐゴシック" charset="0"/>
                 <a:cs typeface="ＭＳ Ｐゴシック" charset="0"/>
               </a:rPr>
-              <a:t>Some difficulties not evident until child reaches age at which they would be expected to develop </a:t>
+              <a:t>Injury extent and severity</a:t>
             </a:r>
           </a:p>
           <a:p>
@@ -34433,12 +33437,12 @@
               <a:defRPr/>
             </a:pPr>
             <a:r>
-              <a:rPr lang="en-US" dirty="0">
+              <a:rPr lang="en-US">
                 <a:latin typeface="Arial" charset="0"/>
                 <a:ea typeface="ＭＳ Ｐゴシック" charset="0"/>
                 <a:cs typeface="ＭＳ Ｐゴシック" charset="0"/>
               </a:rPr>
-              <a:t>Elderly may have protracted recovery especially if there are age related cognitive decline</a:t>
+              <a:t>Previous injuries</a:t>
             </a:r>
           </a:p>
         </p:txBody>
@@ -34470,9 +33474,9 @@
       </p:grpSpPr>
       <p:sp>
         <p:nvSpPr>
-          <p:cNvPr id="2" name="Title 1"/>
+          <p:cNvPr id="23554" name="Rectangle 2"/>
           <p:cNvSpPr>
-            <a:spLocks noGrp="1"/>
+            <a:spLocks noGrp="1" noChangeArrowheads="1"/>
           </p:cNvSpPr>
           <p:nvPr>
             <p:ph type="title"/>
@@ -34483,21 +33487,25 @@
           <a:bodyPr/>
           <a:lstStyle/>
           <a:p>
-            <a:pPr>
+            <a:pPr eaLnBrk="1" hangingPunct="1">
               <a:defRPr/>
             </a:pPr>
             <a:r>
-              <a:rPr lang="en-US" dirty="0"/>
-              <a:t>Cultural Influences</a:t>
+              <a:rPr lang="en-US">
+                <a:latin typeface="Arial" charset="0"/>
+                <a:ea typeface="ＭＳ Ｐゴシック" charset="0"/>
+                <a:cs typeface="ＭＳ Ｐゴシック" charset="0"/>
+              </a:rPr>
+              <a:t>Psychological Variables</a:t>
             </a:r>
           </a:p>
         </p:txBody>
       </p:sp>
       <p:sp>
         <p:nvSpPr>
-          <p:cNvPr id="3" name="Content Placeholder 2"/>
+          <p:cNvPr id="23555" name="Rectangle 3"/>
           <p:cNvSpPr>
-            <a:spLocks noGrp="1"/>
+            <a:spLocks noGrp="1" noChangeArrowheads="1"/>
           </p:cNvSpPr>
           <p:nvPr>
             <p:ph idx="1"/>
@@ -34505,71 +33513,61 @@
         </p:nvSpPr>
         <p:spPr/>
         <p:txBody>
-          <a:bodyPr/>
+          <a:bodyPr>
+            <a:normAutofit/>
+          </a:bodyPr>
           <a:lstStyle/>
           <a:p>
-            <a:pPr marL="0" indent="0">
-              <a:buFont typeface="Wingdings" charset="0"/>
-              <a:buNone/>
+            <a:pPr eaLnBrk="1" hangingPunct="1">
               <a:defRPr/>
             </a:pPr>
             <a:r>
-              <a:rPr lang="en-US" dirty="0"/>
-              <a:t>Beliefs about </a:t>
-            </a:r>
-          </a:p>
-          <a:p>
-            <a:pPr>
+              <a:rPr lang="en-US" sz="2800" dirty="0">
+                <a:latin typeface="Arial" charset="0"/>
+                <a:ea typeface="ＭＳ Ｐゴシック" charset="0"/>
+                <a:cs typeface="ＭＳ Ｐゴシック" charset="0"/>
+              </a:rPr>
+              <a:t>Awareness (can be organic as in the case of anosognosia)</a:t>
+            </a:r>
+          </a:p>
+          <a:p>
+            <a:pPr eaLnBrk="1" hangingPunct="1">
               <a:defRPr/>
             </a:pPr>
             <a:r>
-              <a:rPr lang="en-US" dirty="0"/>
-              <a:t>Disease</a:t>
-            </a:r>
-          </a:p>
-          <a:p>
-            <a:pPr>
+              <a:rPr lang="en-US" sz="2800" dirty="0">
+                <a:latin typeface="Arial" charset="0"/>
+                <a:ea typeface="ＭＳ Ｐゴシック" charset="0"/>
+                <a:cs typeface="ＭＳ Ｐゴシック" charset="0"/>
+              </a:rPr>
+              <a:t>Denial</a:t>
+            </a:r>
+          </a:p>
+          <a:p>
+            <a:pPr eaLnBrk="1" hangingPunct="1">
               <a:defRPr/>
             </a:pPr>
             <a:r>
-              <a:rPr lang="en-US" dirty="0"/>
-              <a:t>Disability</a:t>
-            </a:r>
-          </a:p>
-          <a:p>
-            <a:pPr>
+              <a:rPr lang="en-US" sz="2800" dirty="0">
+                <a:latin typeface="Arial" charset="0"/>
+                <a:ea typeface="ＭＳ Ｐゴシック" charset="0"/>
+                <a:cs typeface="ＭＳ Ｐゴシック" charset="0"/>
+              </a:rPr>
+              <a:t>Motivation</a:t>
+            </a:r>
+          </a:p>
+          <a:p>
+            <a:pPr eaLnBrk="1" hangingPunct="1">
               <a:defRPr/>
             </a:pPr>
             <a:r>
-              <a:rPr lang="en-US" dirty="0"/>
-              <a:t>Support</a:t>
-            </a:r>
-          </a:p>
-          <a:p>
-            <a:pPr>
-              <a:defRPr/>
-            </a:pPr>
-            <a:r>
-              <a:rPr lang="en-US" dirty="0"/>
-              <a:t>Medical Intervention</a:t>
-            </a:r>
-          </a:p>
-          <a:p>
-            <a:pPr marL="0" indent="0">
-              <a:buFont typeface="Wingdings" charset="0"/>
-              <a:buNone/>
-              <a:defRPr/>
-            </a:pPr>
-            <a:r>
-              <a:rPr lang="en-US" dirty="0"/>
-              <a:t>Will influence recovery process</a:t>
-            </a:r>
-          </a:p>
-          <a:p>
-            <a:pPr>
-              <a:defRPr/>
-            </a:pPr>
-            <a:endParaRPr lang="en-US" dirty="0"/>
+              <a:rPr lang="en-US" sz="2800" dirty="0">
+                <a:latin typeface="Arial" charset="0"/>
+                <a:ea typeface="ＭＳ Ｐゴシック" charset="0"/>
+                <a:cs typeface="ＭＳ Ｐゴシック" charset="0"/>
+              </a:rPr>
+              <a:t>Level of depression</a:t>
+            </a:r>
           </a:p>
         </p:txBody>
       </p:sp>
@@ -34582,239 +33580,6 @@
 </file>
 
 <file path=ppt/slides/slide52.xml><?xml version="1.0" encoding="utf-8"?>
-<p:sld xmlns:a="http://schemas.openxmlformats.org/drawingml/2006/main" xmlns:r="http://schemas.openxmlformats.org/officeDocument/2006/relationships" xmlns:p="http://schemas.openxmlformats.org/presentationml/2006/main">
-  <p:cSld>
-    <p:spTree>
-      <p:nvGrpSpPr>
-        <p:cNvPr id="1" name=""/>
-        <p:cNvGrpSpPr/>
-        <p:nvPr/>
-      </p:nvGrpSpPr>
-      <p:grpSpPr>
-        <a:xfrm>
-          <a:off x="0" y="0"/>
-          <a:ext cx="0" cy="0"/>
-          <a:chOff x="0" y="0"/>
-          <a:chExt cx="0" cy="0"/>
-        </a:xfrm>
-      </p:grpSpPr>
-      <p:sp>
-        <p:nvSpPr>
-          <p:cNvPr id="22530" name="Rectangle 2"/>
-          <p:cNvSpPr>
-            <a:spLocks noGrp="1" noChangeArrowheads="1"/>
-          </p:cNvSpPr>
-          <p:nvPr>
-            <p:ph type="title"/>
-          </p:nvPr>
-        </p:nvSpPr>
-        <p:spPr/>
-        <p:txBody>
-          <a:bodyPr/>
-          <a:lstStyle/>
-          <a:p>
-            <a:pPr eaLnBrk="1" hangingPunct="1">
-              <a:defRPr/>
-            </a:pPr>
-            <a:r>
-              <a:rPr lang="en-US">
-                <a:latin typeface="Arial" charset="0"/>
-                <a:ea typeface="ＭＳ Ｐゴシック" charset="0"/>
-                <a:cs typeface="ＭＳ Ｐゴシック" charset="0"/>
-              </a:rPr>
-              <a:t>Injury related variables</a:t>
-            </a:r>
-          </a:p>
-        </p:txBody>
-      </p:sp>
-      <p:sp>
-        <p:nvSpPr>
-          <p:cNvPr id="22531" name="Rectangle 3"/>
-          <p:cNvSpPr>
-            <a:spLocks noGrp="1" noChangeArrowheads="1"/>
-          </p:cNvSpPr>
-          <p:nvPr>
-            <p:ph idx="1"/>
-          </p:nvPr>
-        </p:nvSpPr>
-        <p:spPr/>
-        <p:txBody>
-          <a:bodyPr/>
-          <a:lstStyle/>
-          <a:p>
-            <a:pPr eaLnBrk="1" hangingPunct="1">
-              <a:defRPr/>
-            </a:pPr>
-            <a:r>
-              <a:rPr lang="en-US">
-                <a:latin typeface="Arial" charset="0"/>
-                <a:ea typeface="ＭＳ Ｐゴシック" charset="0"/>
-                <a:cs typeface="ＭＳ Ｐゴシック" charset="0"/>
-              </a:rPr>
-              <a:t>Time since injury: typically recovery is fastest during first 6 months for moderate to severe injuries</a:t>
-            </a:r>
-          </a:p>
-          <a:p>
-            <a:pPr eaLnBrk="1" hangingPunct="1">
-              <a:defRPr/>
-            </a:pPr>
-            <a:r>
-              <a:rPr lang="en-US">
-                <a:latin typeface="Arial" charset="0"/>
-                <a:ea typeface="ＭＳ Ｐゴシック" charset="0"/>
-                <a:cs typeface="ＭＳ Ｐゴシック" charset="0"/>
-              </a:rPr>
-              <a:t>Injury extent and severity</a:t>
-            </a:r>
-          </a:p>
-          <a:p>
-            <a:pPr eaLnBrk="1" hangingPunct="1">
-              <a:defRPr/>
-            </a:pPr>
-            <a:r>
-              <a:rPr lang="en-US">
-                <a:latin typeface="Arial" charset="0"/>
-                <a:ea typeface="ＭＳ Ｐゴシック" charset="0"/>
-                <a:cs typeface="ＭＳ Ｐゴシック" charset="0"/>
-              </a:rPr>
-              <a:t>Previous injuries</a:t>
-            </a:r>
-          </a:p>
-        </p:txBody>
-      </p:sp>
-    </p:spTree>
-  </p:cSld>
-  <p:clrMapOvr>
-    <a:masterClrMapping/>
-  </p:clrMapOvr>
-</p:sld>
-</file>
-
-<file path=ppt/slides/slide53.xml><?xml version="1.0" encoding="utf-8"?>
-<p:sld xmlns:a="http://schemas.openxmlformats.org/drawingml/2006/main" xmlns:r="http://schemas.openxmlformats.org/officeDocument/2006/relationships" xmlns:p="http://schemas.openxmlformats.org/presentationml/2006/main">
-  <p:cSld>
-    <p:spTree>
-      <p:nvGrpSpPr>
-        <p:cNvPr id="1" name=""/>
-        <p:cNvGrpSpPr/>
-        <p:nvPr/>
-      </p:nvGrpSpPr>
-      <p:grpSpPr>
-        <a:xfrm>
-          <a:off x="0" y="0"/>
-          <a:ext cx="0" cy="0"/>
-          <a:chOff x="0" y="0"/>
-          <a:chExt cx="0" cy="0"/>
-        </a:xfrm>
-      </p:grpSpPr>
-      <p:sp>
-        <p:nvSpPr>
-          <p:cNvPr id="23554" name="Rectangle 2"/>
-          <p:cNvSpPr>
-            <a:spLocks noGrp="1" noChangeArrowheads="1"/>
-          </p:cNvSpPr>
-          <p:nvPr>
-            <p:ph type="title"/>
-          </p:nvPr>
-        </p:nvSpPr>
-        <p:spPr/>
-        <p:txBody>
-          <a:bodyPr/>
-          <a:lstStyle/>
-          <a:p>
-            <a:pPr eaLnBrk="1" hangingPunct="1">
-              <a:defRPr/>
-            </a:pPr>
-            <a:r>
-              <a:rPr lang="en-US">
-                <a:latin typeface="Arial" charset="0"/>
-                <a:ea typeface="ＭＳ Ｐゴシック" charset="0"/>
-                <a:cs typeface="ＭＳ Ｐゴシック" charset="0"/>
-              </a:rPr>
-              <a:t>Psychological Variables</a:t>
-            </a:r>
-          </a:p>
-        </p:txBody>
-      </p:sp>
-      <p:sp>
-        <p:nvSpPr>
-          <p:cNvPr id="23555" name="Rectangle 3"/>
-          <p:cNvSpPr>
-            <a:spLocks noGrp="1" noChangeArrowheads="1"/>
-          </p:cNvSpPr>
-          <p:nvPr>
-            <p:ph idx="1"/>
-          </p:nvPr>
-        </p:nvSpPr>
-        <p:spPr/>
-        <p:txBody>
-          <a:bodyPr>
-            <a:normAutofit/>
-          </a:bodyPr>
-          <a:lstStyle/>
-          <a:p>
-            <a:pPr eaLnBrk="1" hangingPunct="1">
-              <a:defRPr/>
-            </a:pPr>
-            <a:r>
-              <a:rPr lang="en-US" sz="2800" dirty="0">
-                <a:latin typeface="Arial" charset="0"/>
-                <a:ea typeface="ＭＳ Ｐゴシック" charset="0"/>
-                <a:cs typeface="ＭＳ Ｐゴシック" charset="0"/>
-              </a:rPr>
-              <a:t>Awareness (can be organic as in the case of anosognosia)</a:t>
-            </a:r>
-          </a:p>
-          <a:p>
-            <a:pPr eaLnBrk="1" hangingPunct="1">
-              <a:defRPr/>
-            </a:pPr>
-            <a:r>
-              <a:rPr lang="en-US" sz="2800" dirty="0">
-                <a:latin typeface="Arial" charset="0"/>
-                <a:ea typeface="ＭＳ Ｐゴシック" charset="0"/>
-                <a:cs typeface="ＭＳ Ｐゴシック" charset="0"/>
-              </a:rPr>
-              <a:t>Denial</a:t>
-            </a:r>
-          </a:p>
-          <a:p>
-            <a:pPr eaLnBrk="1" hangingPunct="1">
-              <a:defRPr/>
-            </a:pPr>
-            <a:r>
-              <a:rPr lang="en-US" sz="2800" dirty="0">
-                <a:latin typeface="Arial" charset="0"/>
-                <a:ea typeface="ＭＳ Ｐゴシック" charset="0"/>
-                <a:cs typeface="ＭＳ Ｐゴシック" charset="0"/>
-              </a:rPr>
-              <a:t>Motivation</a:t>
-            </a:r>
-          </a:p>
-          <a:p>
-            <a:pPr eaLnBrk="1" hangingPunct="1">
-              <a:defRPr/>
-            </a:pPr>
-            <a:r>
-              <a:rPr lang="en-US" sz="2800" dirty="0">
-                <a:latin typeface="Arial" charset="0"/>
-                <a:ea typeface="ＭＳ Ｐゴシック" charset="0"/>
-                <a:cs typeface="ＭＳ Ｐゴシック" charset="0"/>
-              </a:rPr>
-              <a:t>Level of depression</a:t>
-            </a:r>
-          </a:p>
-        </p:txBody>
-      </p:sp>
-    </p:spTree>
-  </p:cSld>
-  <p:clrMapOvr>
-    <a:masterClrMapping/>
-  </p:clrMapOvr>
-</p:sld>
-</file>
-
-<file path=ppt/slides/slide54.xml><?xml version="1.0" encoding="utf-8"?>
 <p:sld xmlns:a="http://schemas.openxmlformats.org/drawingml/2006/main" xmlns:r="http://schemas.openxmlformats.org/officeDocument/2006/relationships" xmlns:p="http://schemas.openxmlformats.org/presentationml/2006/main">
   <p:cSld>
     <p:spTree>
@@ -35039,6 +33804,343 @@
 </p:sld>
 </file>
 
+<file path=ppt/slides/slide53.xml><?xml version="1.0" encoding="utf-8"?>
+<p:sld xmlns:a="http://schemas.openxmlformats.org/drawingml/2006/main" xmlns:r="http://schemas.openxmlformats.org/officeDocument/2006/relationships" xmlns:p="http://schemas.openxmlformats.org/presentationml/2006/main">
+  <p:cSld>
+    <p:spTree>
+      <p:nvGrpSpPr>
+        <p:cNvPr id="1" name=""/>
+        <p:cNvGrpSpPr/>
+        <p:nvPr/>
+      </p:nvGrpSpPr>
+      <p:grpSpPr>
+        <a:xfrm>
+          <a:off x="0" y="0"/>
+          <a:ext cx="0" cy="0"/>
+          <a:chOff x="0" y="0"/>
+          <a:chExt cx="0" cy="0"/>
+        </a:xfrm>
+      </p:grpSpPr>
+      <p:sp>
+        <p:nvSpPr>
+          <p:cNvPr id="25602" name="Rectangle 2"/>
+          <p:cNvSpPr>
+            <a:spLocks noGrp="1" noChangeArrowheads="1"/>
+          </p:cNvSpPr>
+          <p:nvPr>
+            <p:ph type="title"/>
+          </p:nvPr>
+        </p:nvSpPr>
+        <p:spPr>
+          <a:xfrm>
+            <a:off x="457200" y="228600"/>
+            <a:ext cx="8226425" cy="1143000"/>
+          </a:xfrm>
+        </p:spPr>
+        <p:txBody>
+          <a:bodyPr>
+            <a:normAutofit/>
+          </a:bodyPr>
+          <a:lstStyle/>
+          <a:p>
+            <a:pPr eaLnBrk="1" hangingPunct="1">
+              <a:defRPr/>
+            </a:pPr>
+            <a:r>
+              <a:rPr lang="en-US" sz="3600" dirty="0">
+                <a:latin typeface="Arial" charset="0"/>
+                <a:ea typeface="ＭＳ Ｐゴシック" charset="0"/>
+                <a:cs typeface="ＭＳ Ｐゴシック" charset="0"/>
+              </a:rPr>
+              <a:t>Biological Mechanisms Underlying Recovery</a:t>
+            </a:r>
+          </a:p>
+        </p:txBody>
+      </p:sp>
+      <p:sp>
+        <p:nvSpPr>
+          <p:cNvPr id="25603" name="Rectangle 3"/>
+          <p:cNvSpPr>
+            <a:spLocks noGrp="1" noChangeArrowheads="1"/>
+          </p:cNvSpPr>
+          <p:nvPr>
+            <p:ph idx="1"/>
+          </p:nvPr>
+        </p:nvSpPr>
+        <p:spPr/>
+        <p:txBody>
+          <a:bodyPr/>
+          <a:lstStyle/>
+          <a:p>
+            <a:pPr eaLnBrk="1" hangingPunct="1">
+              <a:defRPr/>
+            </a:pPr>
+            <a:r>
+              <a:rPr lang="en-US" sz="2400" dirty="0" err="1">
+                <a:latin typeface="Arial" charset="0"/>
+                <a:ea typeface="ＭＳ Ｐゴシック" charset="0"/>
+                <a:cs typeface="ＭＳ Ｐゴシック" charset="0"/>
+              </a:rPr>
+              <a:t>Diaschisis</a:t>
+            </a:r>
+            <a:endParaRPr lang="en-US" sz="2400" dirty="0">
+              <a:latin typeface="Arial" charset="0"/>
+              <a:ea typeface="ＭＳ Ｐゴシック" charset="0"/>
+              <a:cs typeface="ＭＳ Ｐゴシック" charset="0"/>
+            </a:endParaRPr>
+          </a:p>
+          <a:p>
+            <a:pPr eaLnBrk="1" hangingPunct="1">
+              <a:defRPr/>
+            </a:pPr>
+            <a:r>
+              <a:rPr lang="en-US" sz="2400" dirty="0">
+                <a:latin typeface="Arial" charset="0"/>
+                <a:ea typeface="ＭＳ Ｐゴシック" charset="0"/>
+                <a:cs typeface="ＭＳ Ｐゴシック" charset="0"/>
+              </a:rPr>
+              <a:t>Functional reorganization</a:t>
+            </a:r>
+          </a:p>
+          <a:p>
+            <a:pPr eaLnBrk="1" hangingPunct="1">
+              <a:defRPr/>
+            </a:pPr>
+            <a:r>
+              <a:rPr lang="en-US" sz="2400" dirty="0">
+                <a:latin typeface="Arial" charset="0"/>
+                <a:ea typeface="ＭＳ Ｐゴシック" charset="0"/>
+                <a:cs typeface="ＭＳ Ｐゴシック" charset="0"/>
+              </a:rPr>
+              <a:t>Modification of synaptic connectivity</a:t>
+            </a:r>
+          </a:p>
+          <a:p>
+            <a:pPr eaLnBrk="1" hangingPunct="1">
+              <a:defRPr/>
+            </a:pPr>
+            <a:r>
+              <a:rPr lang="en-US" sz="2400" dirty="0">
+                <a:latin typeface="Arial" charset="0"/>
+                <a:ea typeface="ＭＳ Ｐゴシック" charset="0"/>
+                <a:cs typeface="ＭＳ Ｐゴシック" charset="0"/>
+              </a:rPr>
+              <a:t>Influences on neural circuitry</a:t>
+            </a:r>
+          </a:p>
+          <a:p>
+            <a:pPr lvl="1">
+              <a:defRPr/>
+            </a:pPr>
+            <a:r>
+              <a:rPr lang="en-US" sz="2200" dirty="0">
+                <a:latin typeface="Arial" charset="0"/>
+                <a:ea typeface="ＭＳ Ｐゴシック" charset="0"/>
+                <a:cs typeface="ＭＳ Ｐゴシック" charset="0"/>
+              </a:rPr>
+              <a:t>Behavioral compensation</a:t>
+            </a:r>
+          </a:p>
+          <a:p>
+            <a:pPr lvl="1">
+              <a:defRPr/>
+            </a:pPr>
+            <a:r>
+              <a:rPr lang="en-US" sz="2200" dirty="0">
+                <a:latin typeface="Arial" charset="0"/>
+                <a:ea typeface="ＭＳ Ｐゴシック" charset="0"/>
+                <a:cs typeface="ＭＳ Ｐゴシック" charset="0"/>
+              </a:rPr>
+              <a:t>Experience dependent plasticity</a:t>
+            </a:r>
+          </a:p>
+          <a:p>
+            <a:pPr marL="0" indent="0" eaLnBrk="1" hangingPunct="1">
+              <a:buNone/>
+              <a:defRPr/>
+            </a:pPr>
+            <a:endParaRPr lang="en-US" dirty="0">
+              <a:latin typeface="Arial" charset="0"/>
+              <a:ea typeface="ＭＳ Ｐゴシック" charset="0"/>
+              <a:cs typeface="ＭＳ Ｐゴシック" charset="0"/>
+            </a:endParaRPr>
+          </a:p>
+        </p:txBody>
+      </p:sp>
+    </p:spTree>
+  </p:cSld>
+  <p:clrMapOvr>
+    <a:masterClrMapping/>
+  </p:clrMapOvr>
+</p:sld>
+</file>
+
+<file path=ppt/slides/slide54.xml><?xml version="1.0" encoding="utf-8"?>
+<p:sld xmlns:a="http://schemas.openxmlformats.org/drawingml/2006/main" xmlns:r="http://schemas.openxmlformats.org/officeDocument/2006/relationships" xmlns:p="http://schemas.openxmlformats.org/presentationml/2006/main">
+  <p:cSld>
+    <p:spTree>
+      <p:nvGrpSpPr>
+        <p:cNvPr id="1" name=""/>
+        <p:cNvGrpSpPr/>
+        <p:nvPr/>
+      </p:nvGrpSpPr>
+      <p:grpSpPr>
+        <a:xfrm>
+          <a:off x="0" y="0"/>
+          <a:ext cx="0" cy="0"/>
+          <a:chOff x="0" y="0"/>
+          <a:chExt cx="0" cy="0"/>
+        </a:xfrm>
+      </p:grpSpPr>
+      <p:sp>
+        <p:nvSpPr>
+          <p:cNvPr id="27650" name="Rectangle 2"/>
+          <p:cNvSpPr>
+            <a:spLocks noGrp="1" noChangeArrowheads="1"/>
+          </p:cNvSpPr>
+          <p:nvPr>
+            <p:ph type="title"/>
+          </p:nvPr>
+        </p:nvSpPr>
+        <p:spPr/>
+        <p:txBody>
+          <a:bodyPr>
+            <a:normAutofit/>
+          </a:bodyPr>
+          <a:lstStyle/>
+          <a:p>
+            <a:pPr eaLnBrk="1" hangingPunct="1">
+              <a:defRPr/>
+            </a:pPr>
+            <a:r>
+              <a:rPr lang="en-US">
+                <a:latin typeface="Arial" charset="0"/>
+                <a:ea typeface="ＭＳ Ｐゴシック" charset="0"/>
+                <a:cs typeface="ＭＳ Ｐゴシック" charset="0"/>
+              </a:rPr>
+              <a:t>Principles of plasticity that guide rehabilitation practice</a:t>
+            </a:r>
+          </a:p>
+        </p:txBody>
+      </p:sp>
+      <p:sp>
+        <p:nvSpPr>
+          <p:cNvPr id="27651" name="Rectangle 3"/>
+          <p:cNvSpPr>
+            <a:spLocks noGrp="1" noChangeArrowheads="1"/>
+          </p:cNvSpPr>
+          <p:nvPr>
+            <p:ph idx="1"/>
+          </p:nvPr>
+        </p:nvSpPr>
+        <p:spPr/>
+        <p:txBody>
+          <a:bodyPr>
+            <a:normAutofit fontScale="85000" lnSpcReduction="20000"/>
+          </a:bodyPr>
+          <a:lstStyle/>
+          <a:p>
+            <a:pPr eaLnBrk="1" hangingPunct="1">
+              <a:lnSpc>
+                <a:spcPct val="90000"/>
+              </a:lnSpc>
+              <a:defRPr/>
+            </a:pPr>
+            <a:r>
+              <a:rPr lang="en-US" sz="2800" dirty="0">
+                <a:latin typeface="Arial" charset="0"/>
+                <a:ea typeface="ＭＳ Ｐゴシック" charset="0"/>
+                <a:cs typeface="ＭＳ Ｐゴシック" charset="0"/>
+              </a:rPr>
+              <a:t>Brain is a dynamic organ capable of extensive neurological reorganization</a:t>
+            </a:r>
+          </a:p>
+          <a:p>
+            <a:pPr eaLnBrk="1" hangingPunct="1">
+              <a:lnSpc>
+                <a:spcPct val="90000"/>
+              </a:lnSpc>
+              <a:defRPr/>
+            </a:pPr>
+            <a:r>
+              <a:rPr lang="en-US" sz="2800" dirty="0">
+                <a:latin typeface="Arial" charset="0"/>
+                <a:ea typeface="ＭＳ Ｐゴシック" charset="0"/>
+                <a:cs typeface="ＭＳ Ｐゴシック" charset="0"/>
+              </a:rPr>
+              <a:t>Motor, sensory and cognitive abilities usually improve over time but the sequelae of brain injury persist </a:t>
+            </a:r>
+          </a:p>
+          <a:p>
+            <a:pPr eaLnBrk="1" hangingPunct="1">
+              <a:lnSpc>
+                <a:spcPct val="90000"/>
+              </a:lnSpc>
+              <a:defRPr/>
+            </a:pPr>
+            <a:r>
+              <a:rPr lang="en-US" sz="2800" dirty="0">
+                <a:latin typeface="Arial" charset="0"/>
+                <a:ea typeface="ＭＳ Ｐゴシック" charset="0"/>
+                <a:cs typeface="ＭＳ Ｐゴシック" charset="0"/>
+              </a:rPr>
+              <a:t>Structural changes in the brain, particularly in dendritic fields and synapses underlie behavioral changes; there are many influence on synaptic connectivity</a:t>
+            </a:r>
+          </a:p>
+          <a:p>
+            <a:pPr eaLnBrk="1" hangingPunct="1">
+              <a:lnSpc>
+                <a:spcPct val="90000"/>
+              </a:lnSpc>
+              <a:defRPr/>
+            </a:pPr>
+            <a:r>
+              <a:rPr lang="en-US" sz="2800" dirty="0">
+                <a:latin typeface="Arial" charset="0"/>
+                <a:ea typeface="ＭＳ Ｐゴシック" charset="0"/>
+                <a:cs typeface="ＭＳ Ｐゴシック" charset="0"/>
+              </a:rPr>
+              <a:t>Enhanced recovery is associated with environmental stimulation and the structuring of experience-functional recovery is use dependent</a:t>
+            </a:r>
+          </a:p>
+          <a:p>
+            <a:pPr eaLnBrk="1" hangingPunct="1">
+              <a:lnSpc>
+                <a:spcPct val="90000"/>
+              </a:lnSpc>
+              <a:buFont typeface="Wingdings" charset="0"/>
+              <a:buNone/>
+              <a:defRPr/>
+            </a:pPr>
+            <a:endParaRPr lang="en-US" sz="2800" dirty="0">
+              <a:latin typeface="Arial" charset="0"/>
+              <a:ea typeface="ＭＳ Ｐゴシック" charset="0"/>
+              <a:cs typeface="ＭＳ Ｐゴシック" charset="0"/>
+            </a:endParaRPr>
+          </a:p>
+          <a:p>
+            <a:pPr eaLnBrk="1" hangingPunct="1">
+              <a:lnSpc>
+                <a:spcPct val="90000"/>
+              </a:lnSpc>
+              <a:defRPr/>
+            </a:pPr>
+            <a:endParaRPr lang="en-US" sz="2800" dirty="0">
+              <a:latin typeface="Arial" charset="0"/>
+              <a:ea typeface="ＭＳ Ｐゴシック" charset="0"/>
+              <a:cs typeface="ＭＳ Ｐゴシック" charset="0"/>
+            </a:endParaRPr>
+          </a:p>
+        </p:txBody>
+      </p:sp>
+    </p:spTree>
+  </p:cSld>
+  <p:clrMapOvr>
+    <a:masterClrMapping/>
+  </p:clrMapOvr>
+</p:sld>
+</file>
+
 <file path=ppt/slides/slide55.xml><?xml version="1.0" encoding="utf-8"?>
 <p:sld xmlns:a="http://schemas.openxmlformats.org/drawingml/2006/main" xmlns:r="http://schemas.openxmlformats.org/officeDocument/2006/relationships" xmlns:p="http://schemas.openxmlformats.org/presentationml/2006/main">
   <p:cSld>
@@ -35058,7 +34160,7 @@
       </p:grpSpPr>
       <p:sp>
         <p:nvSpPr>
-          <p:cNvPr id="25602" name="Rectangle 2"/>
+          <p:cNvPr id="28674" name="Rectangle 2"/>
           <p:cNvSpPr>
             <a:spLocks noGrp="1" noChangeArrowheads="1"/>
           </p:cNvSpPr>
@@ -35066,35 +34168,28 @@
             <p:ph type="title"/>
           </p:nvPr>
         </p:nvSpPr>
-        <p:spPr>
-          <a:xfrm>
-            <a:off x="457200" y="228600"/>
-            <a:ext cx="8226425" cy="1143000"/>
-          </a:xfrm>
-        </p:spPr>
+        <p:spPr/>
         <p:txBody>
-          <a:bodyPr>
-            <a:normAutofit/>
-          </a:bodyPr>
+          <a:bodyPr/>
           <a:lstStyle/>
           <a:p>
             <a:pPr eaLnBrk="1" hangingPunct="1">
               <a:defRPr/>
             </a:pPr>
             <a:r>
-              <a:rPr lang="en-US" sz="3600" dirty="0">
+              <a:rPr lang="en-US">
                 <a:latin typeface="Arial" charset="0"/>
                 <a:ea typeface="ＭＳ Ｐゴシック" charset="0"/>
                 <a:cs typeface="ＭＳ Ｐゴシック" charset="0"/>
               </a:rPr>
-              <a:t>Biological Mechanisms Underlying Recovery</a:t>
+              <a:t>Neuroplasticity principles (cont.)</a:t>
             </a:r>
           </a:p>
         </p:txBody>
       </p:sp>
       <p:sp>
         <p:nvSpPr>
-          <p:cNvPr id="25603" name="Rectangle 3"/>
+          <p:cNvPr id="28675" name="Rectangle 3"/>
           <p:cNvSpPr>
             <a:spLocks noGrp="1" noChangeArrowheads="1"/>
           </p:cNvSpPr>
@@ -35111,30 +34206,54 @@
               <a:defRPr/>
             </a:pPr>
             <a:r>
-              <a:rPr lang="en-US" sz="2400" dirty="0" err="1">
+              <a:rPr lang="en-US" dirty="0">
                 <a:latin typeface="Arial" charset="0"/>
                 <a:ea typeface="ＭＳ Ｐゴシック" charset="0"/>
                 <a:cs typeface="ＭＳ Ｐゴシック" charset="0"/>
               </a:rPr>
-              <a:t>Diaschisis</a:t>
-            </a:r>
-            <a:endParaRPr lang="en-US" sz="2400" dirty="0">
-              <a:latin typeface="Arial" charset="0"/>
-              <a:ea typeface="ＭＳ Ｐゴシック" charset="0"/>
-              <a:cs typeface="ＭＳ Ｐゴシック" charset="0"/>
-            </a:endParaRPr>
+              <a:t>There is a role for both restitutive and compensatory approaches in rehabilitation. Both require pairing sensory input with top down feedback. </a:t>
+            </a:r>
           </a:p>
           <a:p>
             <a:pPr eaLnBrk="1" hangingPunct="1">
               <a:defRPr/>
             </a:pPr>
             <a:r>
-              <a:rPr lang="en-US" sz="2400" dirty="0">
+              <a:rPr lang="en-US" dirty="0">
                 <a:latin typeface="Arial" charset="0"/>
                 <a:ea typeface="ＭＳ Ｐゴシック" charset="0"/>
                 <a:cs typeface="ＭＳ Ｐゴシック" charset="0"/>
               </a:rPr>
-              <a:t>Functional reorganization</a:t>
+              <a:t>Functional reorganization typically involves recruitment of areas adjacent to the lesion and in the homologous areas of contralateral hemisphere</a:t>
+            </a:r>
+          </a:p>
+          <a:p>
+            <a:pPr lvl="1">
+              <a:defRPr/>
+            </a:pPr>
+            <a:r>
+              <a:rPr lang="en-US" dirty="0">
+                <a:latin typeface="Arial" charset="0"/>
+                <a:ea typeface="ＭＳ Ｐゴシック" charset="0"/>
+                <a:cs typeface="ＭＳ Ｐゴシック" charset="0"/>
+              </a:rPr>
+              <a:t>Demonstration of plasticity depends upon the </a:t>
+            </a:r>
+            <a:r>
+              <a:rPr lang="en-US" dirty="0" err="1">
+                <a:latin typeface="Arial" charset="0"/>
+                <a:ea typeface="ＭＳ Ｐゴシック" charset="0"/>
+                <a:cs typeface="ＭＳ Ｐゴシック" charset="0"/>
+              </a:rPr>
+              <a:t>availabiilty</a:t>
+            </a:r>
+            <a:r>
+              <a:rPr lang="en-US" dirty="0">
+                <a:latin typeface="Arial" charset="0"/>
+                <a:ea typeface="ＭＳ Ｐゴシック" charset="0"/>
+                <a:cs typeface="ＭＳ Ｐゴシック" charset="0"/>
+              </a:rPr>
+              <a:t> of sufficient residual neural resources</a:t>
             </a:r>
           </a:p>
           <a:p>
@@ -35142,55 +34261,17 @@
               <a:defRPr/>
             </a:pPr>
             <a:r>
-              <a:rPr lang="en-US" sz="2400" dirty="0">
+              <a:rPr lang="en-US" dirty="0">
                 <a:latin typeface="Arial" charset="0"/>
                 <a:ea typeface="ＭＳ Ｐゴシック" charset="0"/>
                 <a:cs typeface="ＭＳ Ｐゴシック" charset="0"/>
               </a:rPr>
-              <a:t>Modification of synaptic connectivity</a:t>
+              <a:t>Patient motivation and attention are critical modulators of plasticity</a:t>
             </a:r>
           </a:p>
           <a:p>
             <a:pPr eaLnBrk="1" hangingPunct="1">
-              <a:defRPr/>
-            </a:pPr>
-            <a:r>
-              <a:rPr lang="en-US" sz="2400" dirty="0">
-                <a:latin typeface="Arial" charset="0"/>
-                <a:ea typeface="ＭＳ Ｐゴシック" charset="0"/>
-                <a:cs typeface="ＭＳ Ｐゴシック" charset="0"/>
-              </a:rPr>
-              <a:t>Influences on neural circuitry</a:t>
-            </a:r>
-          </a:p>
-          <a:p>
-            <a:pPr lvl="1">
-              <a:defRPr/>
-            </a:pPr>
-            <a:r>
-              <a:rPr lang="en-US" sz="2200" dirty="0">
-                <a:latin typeface="Arial" charset="0"/>
-                <a:ea typeface="ＭＳ Ｐゴシック" charset="0"/>
-                <a:cs typeface="ＭＳ Ｐゴシック" charset="0"/>
-              </a:rPr>
-              <a:t>Behavioral compensation</a:t>
-            </a:r>
-          </a:p>
-          <a:p>
-            <a:pPr lvl="1">
-              <a:defRPr/>
-            </a:pPr>
-            <a:r>
-              <a:rPr lang="en-US" sz="2200" dirty="0">
-                <a:latin typeface="Arial" charset="0"/>
-                <a:ea typeface="ＭＳ Ｐゴシック" charset="0"/>
-                <a:cs typeface="ＭＳ Ｐゴシック" charset="0"/>
-              </a:rPr>
-              <a:t>Experience dependent plasticity</a:t>
-            </a:r>
-          </a:p>
-          <a:p>
-            <a:pPr marL="0" indent="0" eaLnBrk="1" hangingPunct="1">
+              <a:buFont typeface="Wingdings" charset="0"/>
               <a:buNone/>
               <a:defRPr/>
             </a:pPr>
@@ -35229,322 +34310,6 @@
       </p:grpSpPr>
       <p:sp>
         <p:nvSpPr>
-          <p:cNvPr id="27650" name="Rectangle 2"/>
-          <p:cNvSpPr>
-            <a:spLocks noGrp="1" noChangeArrowheads="1"/>
-          </p:cNvSpPr>
-          <p:nvPr>
-            <p:ph type="title"/>
-          </p:nvPr>
-        </p:nvSpPr>
-        <p:spPr/>
-        <p:txBody>
-          <a:bodyPr>
-            <a:normAutofit/>
-          </a:bodyPr>
-          <a:lstStyle/>
-          <a:p>
-            <a:pPr eaLnBrk="1" hangingPunct="1">
-              <a:defRPr/>
-            </a:pPr>
-            <a:r>
-              <a:rPr lang="en-US">
-                <a:latin typeface="Arial" charset="0"/>
-                <a:ea typeface="ＭＳ Ｐゴシック" charset="0"/>
-                <a:cs typeface="ＭＳ Ｐゴシック" charset="0"/>
-              </a:rPr>
-              <a:t>Principles of plasticity that guide rehabilitation practice</a:t>
-            </a:r>
-          </a:p>
-        </p:txBody>
-      </p:sp>
-      <p:sp>
-        <p:nvSpPr>
-          <p:cNvPr id="27651" name="Rectangle 3"/>
-          <p:cNvSpPr>
-            <a:spLocks noGrp="1" noChangeArrowheads="1"/>
-          </p:cNvSpPr>
-          <p:nvPr>
-            <p:ph idx="1"/>
-          </p:nvPr>
-        </p:nvSpPr>
-        <p:spPr/>
-        <p:txBody>
-          <a:bodyPr>
-            <a:normAutofit fontScale="85000" lnSpcReduction="20000"/>
-          </a:bodyPr>
-          <a:lstStyle/>
-          <a:p>
-            <a:pPr eaLnBrk="1" hangingPunct="1">
-              <a:lnSpc>
-                <a:spcPct val="90000"/>
-              </a:lnSpc>
-              <a:defRPr/>
-            </a:pPr>
-            <a:r>
-              <a:rPr lang="en-US" sz="2800" dirty="0">
-                <a:latin typeface="Arial" charset="0"/>
-                <a:ea typeface="ＭＳ Ｐゴシック" charset="0"/>
-                <a:cs typeface="ＭＳ Ｐゴシック" charset="0"/>
-              </a:rPr>
-              <a:t>Brain is a dynamic organ capable of extensive neurological reorganization</a:t>
-            </a:r>
-          </a:p>
-          <a:p>
-            <a:pPr eaLnBrk="1" hangingPunct="1">
-              <a:lnSpc>
-                <a:spcPct val="90000"/>
-              </a:lnSpc>
-              <a:defRPr/>
-            </a:pPr>
-            <a:r>
-              <a:rPr lang="en-US" sz="2800" dirty="0">
-                <a:latin typeface="Arial" charset="0"/>
-                <a:ea typeface="ＭＳ Ｐゴシック" charset="0"/>
-                <a:cs typeface="ＭＳ Ｐゴシック" charset="0"/>
-              </a:rPr>
-              <a:t>Motor, sensory and cognitive abilities usually improve over time but the sequelae of brain injury persist </a:t>
-            </a:r>
-          </a:p>
-          <a:p>
-            <a:pPr eaLnBrk="1" hangingPunct="1">
-              <a:lnSpc>
-                <a:spcPct val="90000"/>
-              </a:lnSpc>
-              <a:defRPr/>
-            </a:pPr>
-            <a:r>
-              <a:rPr lang="en-US" sz="2800" dirty="0">
-                <a:latin typeface="Arial" charset="0"/>
-                <a:ea typeface="ＭＳ Ｐゴシック" charset="0"/>
-                <a:cs typeface="ＭＳ Ｐゴシック" charset="0"/>
-              </a:rPr>
-              <a:t>Structural changes in the brain, particularly in dendritic fields and synapses underlie behavioral changes; there are many influence on synaptic connectivity</a:t>
-            </a:r>
-          </a:p>
-          <a:p>
-            <a:pPr eaLnBrk="1" hangingPunct="1">
-              <a:lnSpc>
-                <a:spcPct val="90000"/>
-              </a:lnSpc>
-              <a:defRPr/>
-            </a:pPr>
-            <a:r>
-              <a:rPr lang="en-US" sz="2800" dirty="0">
-                <a:latin typeface="Arial" charset="0"/>
-                <a:ea typeface="ＭＳ Ｐゴシック" charset="0"/>
-                <a:cs typeface="ＭＳ Ｐゴシック" charset="0"/>
-              </a:rPr>
-              <a:t>Enhanced recovery is associated with environmental stimulation and the structuring of experience-functional recovery is use dependent</a:t>
-            </a:r>
-          </a:p>
-          <a:p>
-            <a:pPr eaLnBrk="1" hangingPunct="1">
-              <a:lnSpc>
-                <a:spcPct val="90000"/>
-              </a:lnSpc>
-              <a:buFont typeface="Wingdings" charset="0"/>
-              <a:buNone/>
-              <a:defRPr/>
-            </a:pPr>
-            <a:endParaRPr lang="en-US" sz="2800" dirty="0">
-              <a:latin typeface="Arial" charset="0"/>
-              <a:ea typeface="ＭＳ Ｐゴシック" charset="0"/>
-              <a:cs typeface="ＭＳ Ｐゴシック" charset="0"/>
-            </a:endParaRPr>
-          </a:p>
-          <a:p>
-            <a:pPr eaLnBrk="1" hangingPunct="1">
-              <a:lnSpc>
-                <a:spcPct val="90000"/>
-              </a:lnSpc>
-              <a:defRPr/>
-            </a:pPr>
-            <a:endParaRPr lang="en-US" sz="2800" dirty="0">
-              <a:latin typeface="Arial" charset="0"/>
-              <a:ea typeface="ＭＳ Ｐゴシック" charset="0"/>
-              <a:cs typeface="ＭＳ Ｐゴシック" charset="0"/>
-            </a:endParaRPr>
-          </a:p>
-        </p:txBody>
-      </p:sp>
-    </p:spTree>
-  </p:cSld>
-  <p:clrMapOvr>
-    <a:masterClrMapping/>
-  </p:clrMapOvr>
-</p:sld>
-</file>
-
-<file path=ppt/slides/slide57.xml><?xml version="1.0" encoding="utf-8"?>
-<p:sld xmlns:a="http://schemas.openxmlformats.org/drawingml/2006/main" xmlns:r="http://schemas.openxmlformats.org/officeDocument/2006/relationships" xmlns:p="http://schemas.openxmlformats.org/presentationml/2006/main">
-  <p:cSld>
-    <p:spTree>
-      <p:nvGrpSpPr>
-        <p:cNvPr id="1" name=""/>
-        <p:cNvGrpSpPr/>
-        <p:nvPr/>
-      </p:nvGrpSpPr>
-      <p:grpSpPr>
-        <a:xfrm>
-          <a:off x="0" y="0"/>
-          <a:ext cx="0" cy="0"/>
-          <a:chOff x="0" y="0"/>
-          <a:chExt cx="0" cy="0"/>
-        </a:xfrm>
-      </p:grpSpPr>
-      <p:sp>
-        <p:nvSpPr>
-          <p:cNvPr id="28674" name="Rectangle 2"/>
-          <p:cNvSpPr>
-            <a:spLocks noGrp="1" noChangeArrowheads="1"/>
-          </p:cNvSpPr>
-          <p:nvPr>
-            <p:ph type="title"/>
-          </p:nvPr>
-        </p:nvSpPr>
-        <p:spPr/>
-        <p:txBody>
-          <a:bodyPr/>
-          <a:lstStyle/>
-          <a:p>
-            <a:pPr eaLnBrk="1" hangingPunct="1">
-              <a:defRPr/>
-            </a:pPr>
-            <a:r>
-              <a:rPr lang="en-US">
-                <a:latin typeface="Arial" charset="0"/>
-                <a:ea typeface="ＭＳ Ｐゴシック" charset="0"/>
-                <a:cs typeface="ＭＳ Ｐゴシック" charset="0"/>
-              </a:rPr>
-              <a:t>Neuroplasticity principles (cont.)</a:t>
-            </a:r>
-          </a:p>
-        </p:txBody>
-      </p:sp>
-      <p:sp>
-        <p:nvSpPr>
-          <p:cNvPr id="28675" name="Rectangle 3"/>
-          <p:cNvSpPr>
-            <a:spLocks noGrp="1" noChangeArrowheads="1"/>
-          </p:cNvSpPr>
-          <p:nvPr>
-            <p:ph idx="1"/>
-          </p:nvPr>
-        </p:nvSpPr>
-        <p:spPr/>
-        <p:txBody>
-          <a:bodyPr/>
-          <a:lstStyle/>
-          <a:p>
-            <a:pPr eaLnBrk="1" hangingPunct="1">
-              <a:defRPr/>
-            </a:pPr>
-            <a:r>
-              <a:rPr lang="en-US" dirty="0">
-                <a:latin typeface="Arial" charset="0"/>
-                <a:ea typeface="ＭＳ Ｐゴシック" charset="0"/>
-                <a:cs typeface="ＭＳ Ｐゴシック" charset="0"/>
-              </a:rPr>
-              <a:t>There is a role for both restitutive and compensatory approaches in rehabilitation. Both require pairing sensory input with top down feedback. </a:t>
-            </a:r>
-          </a:p>
-          <a:p>
-            <a:pPr eaLnBrk="1" hangingPunct="1">
-              <a:defRPr/>
-            </a:pPr>
-            <a:r>
-              <a:rPr lang="en-US" dirty="0">
-                <a:latin typeface="Arial" charset="0"/>
-                <a:ea typeface="ＭＳ Ｐゴシック" charset="0"/>
-                <a:cs typeface="ＭＳ Ｐゴシック" charset="0"/>
-              </a:rPr>
-              <a:t>Functional reorganization typically involves recruitment of areas adjacent to the lesion and in the homologous areas of contralateral hemisphere</a:t>
-            </a:r>
-          </a:p>
-          <a:p>
-            <a:pPr lvl="1">
-              <a:defRPr/>
-            </a:pPr>
-            <a:r>
-              <a:rPr lang="en-US" dirty="0">
-                <a:latin typeface="Arial" charset="0"/>
-                <a:ea typeface="ＭＳ Ｐゴシック" charset="0"/>
-                <a:cs typeface="ＭＳ Ｐゴシック" charset="0"/>
-              </a:rPr>
-              <a:t>Demonstration of plasticity depends upon the </a:t>
-            </a:r>
-            <a:r>
-              <a:rPr lang="en-US" dirty="0" err="1">
-                <a:latin typeface="Arial" charset="0"/>
-                <a:ea typeface="ＭＳ Ｐゴシック" charset="0"/>
-                <a:cs typeface="ＭＳ Ｐゴシック" charset="0"/>
-              </a:rPr>
-              <a:t>availabiilty</a:t>
-            </a:r>
-            <a:r>
-              <a:rPr lang="en-US" dirty="0">
-                <a:latin typeface="Arial" charset="0"/>
-                <a:ea typeface="ＭＳ Ｐゴシック" charset="0"/>
-                <a:cs typeface="ＭＳ Ｐゴシック" charset="0"/>
-              </a:rPr>
-              <a:t> of sufficient residual neural resources</a:t>
-            </a:r>
-          </a:p>
-          <a:p>
-            <a:pPr eaLnBrk="1" hangingPunct="1">
-              <a:defRPr/>
-            </a:pPr>
-            <a:r>
-              <a:rPr lang="en-US" dirty="0">
-                <a:latin typeface="Arial" charset="0"/>
-                <a:ea typeface="ＭＳ Ｐゴシック" charset="0"/>
-                <a:cs typeface="ＭＳ Ｐゴシック" charset="0"/>
-              </a:rPr>
-              <a:t>Patient motivation and attention are critical modulators of plasticity</a:t>
-            </a:r>
-          </a:p>
-          <a:p>
-            <a:pPr eaLnBrk="1" hangingPunct="1">
-              <a:buFont typeface="Wingdings" charset="0"/>
-              <a:buNone/>
-              <a:defRPr/>
-            </a:pPr>
-            <a:endParaRPr lang="en-US" dirty="0">
-              <a:latin typeface="Arial" charset="0"/>
-              <a:ea typeface="ＭＳ Ｐゴシック" charset="0"/>
-              <a:cs typeface="ＭＳ Ｐゴシック" charset="0"/>
-            </a:endParaRPr>
-          </a:p>
-        </p:txBody>
-      </p:sp>
-    </p:spTree>
-  </p:cSld>
-  <p:clrMapOvr>
-    <a:masterClrMapping/>
-  </p:clrMapOvr>
-</p:sld>
-</file>
-
-<file path=ppt/slides/slide58.xml><?xml version="1.0" encoding="utf-8"?>
-<p:sld xmlns:a="http://schemas.openxmlformats.org/drawingml/2006/main" xmlns:r="http://schemas.openxmlformats.org/officeDocument/2006/relationships" xmlns:p="http://schemas.openxmlformats.org/presentationml/2006/main">
-  <p:cSld>
-    <p:spTree>
-      <p:nvGrpSpPr>
-        <p:cNvPr id="1" name=""/>
-        <p:cNvGrpSpPr/>
-        <p:nvPr/>
-      </p:nvGrpSpPr>
-      <p:grpSpPr>
-        <a:xfrm>
-          <a:off x="0" y="0"/>
-          <a:ext cx="0" cy="0"/>
-          <a:chOff x="0" y="0"/>
-          <a:chExt cx="0" cy="0"/>
-        </a:xfrm>
-      </p:grpSpPr>
-      <p:sp>
-        <p:nvSpPr>
           <p:cNvPr id="2" name="Title 1">
             <a:extLst>
               <a:ext uri="{FF2B5EF4-FFF2-40B4-BE49-F238E27FC236}">
@@ -35642,7 +34407,7 @@
 </p:sld>
 </file>
 
-<file path=ppt/slides/slide59.xml><?xml version="1.0" encoding="utf-8"?>
+<file path=ppt/slides/slide57.xml><?xml version="1.0" encoding="utf-8"?>
 <p:sld xmlns:a="http://schemas.openxmlformats.org/drawingml/2006/main" xmlns:r="http://schemas.openxmlformats.org/officeDocument/2006/relationships" xmlns:p="http://schemas.openxmlformats.org/presentationml/2006/main">
   <p:cSld>
     <p:spTree>
@@ -37264,6 +36029,224 @@
 </p:sld>
 </file>
 
+<file path=ppt/slides/slide58.xml><?xml version="1.0" encoding="utf-8"?>
+<p:sld xmlns:a="http://schemas.openxmlformats.org/drawingml/2006/main" xmlns:r="http://schemas.openxmlformats.org/officeDocument/2006/relationships" xmlns:p="http://schemas.openxmlformats.org/presentationml/2006/main">
+  <p:cSld>
+    <p:spTree>
+      <p:nvGrpSpPr>
+        <p:cNvPr id="1" name=""/>
+        <p:cNvGrpSpPr/>
+        <p:nvPr/>
+      </p:nvGrpSpPr>
+      <p:grpSpPr>
+        <a:xfrm>
+          <a:off x="0" y="0"/>
+          <a:ext cx="0" cy="0"/>
+          <a:chOff x="0" y="0"/>
+          <a:chExt cx="0" cy="0"/>
+        </a:xfrm>
+      </p:grpSpPr>
+      <p:sp>
+        <p:nvSpPr>
+          <p:cNvPr id="69634" name="Rectangle 2"/>
+          <p:cNvSpPr>
+            <a:spLocks noGrp="1" noChangeArrowheads="1"/>
+          </p:cNvSpPr>
+          <p:nvPr>
+            <p:ph type="title"/>
+          </p:nvPr>
+        </p:nvSpPr>
+        <p:spPr/>
+        <p:txBody>
+          <a:bodyPr>
+            <a:normAutofit/>
+          </a:bodyPr>
+          <a:lstStyle/>
+          <a:p>
+            <a:pPr eaLnBrk="1" hangingPunct="1">
+              <a:defRPr/>
+            </a:pPr>
+            <a:r>
+              <a:rPr lang="en-US" sz="4000" dirty="0">
+                <a:latin typeface="Arial" charset="0"/>
+                <a:ea typeface="ＭＳ Ｐゴシック" charset="0"/>
+                <a:cs typeface="ＭＳ Ｐゴシック" charset="0"/>
+              </a:rPr>
+              <a:t>Week 1 Lecture and Reading Knowledge Check</a:t>
+            </a:r>
+          </a:p>
+        </p:txBody>
+      </p:sp>
+      <p:sp>
+        <p:nvSpPr>
+          <p:cNvPr id="69635" name="Rectangle 3"/>
+          <p:cNvSpPr>
+            <a:spLocks noGrp="1" noChangeArrowheads="1"/>
+          </p:cNvSpPr>
+          <p:nvPr>
+            <p:ph idx="1"/>
+          </p:nvPr>
+        </p:nvSpPr>
+        <p:spPr/>
+        <p:txBody>
+          <a:bodyPr>
+            <a:normAutofit fontScale="85000" lnSpcReduction="20000"/>
+          </a:bodyPr>
+          <a:lstStyle/>
+          <a:p>
+            <a:pPr eaLnBrk="1" hangingPunct="1">
+              <a:lnSpc>
+                <a:spcPct val="90000"/>
+              </a:lnSpc>
+              <a:defRPr/>
+            </a:pPr>
+            <a:r>
+              <a:rPr lang="en-US" sz="2400" dirty="0">
+                <a:latin typeface="Arial" charset="0"/>
+                <a:ea typeface="ＭＳ Ｐゴシック" charset="0"/>
+                <a:cs typeface="ＭＳ Ｐゴシック" charset="0"/>
+              </a:rPr>
+              <a:t>Give a basic description of attention, memory &amp; executive functions</a:t>
+            </a:r>
+          </a:p>
+          <a:p>
+            <a:pPr eaLnBrk="1" hangingPunct="1">
+              <a:lnSpc>
+                <a:spcPct val="90000"/>
+              </a:lnSpc>
+              <a:defRPr/>
+            </a:pPr>
+            <a:r>
+              <a:rPr lang="en-US" sz="2400" dirty="0">
+                <a:latin typeface="Arial" charset="0"/>
+                <a:ea typeface="ＭＳ Ｐゴシック" charset="0"/>
+                <a:cs typeface="ＭＳ Ｐゴシック" charset="0"/>
+              </a:rPr>
+              <a:t>Give a basic description and example of the six approaches to intervention</a:t>
+            </a:r>
+          </a:p>
+          <a:p>
+            <a:pPr eaLnBrk="1" hangingPunct="1">
+              <a:lnSpc>
+                <a:spcPct val="90000"/>
+              </a:lnSpc>
+              <a:defRPr/>
+            </a:pPr>
+            <a:r>
+              <a:rPr lang="en-US" sz="2400" dirty="0">
+                <a:latin typeface="Arial" charset="0"/>
+                <a:ea typeface="ＭＳ Ｐゴシック" charset="0"/>
+                <a:cs typeface="ＭＳ Ｐゴシック" charset="0"/>
+              </a:rPr>
+              <a:t>Explain the RTT model</a:t>
+            </a:r>
+          </a:p>
+          <a:p>
+            <a:pPr eaLnBrk="1" hangingPunct="1">
+              <a:lnSpc>
+                <a:spcPct val="90000"/>
+              </a:lnSpc>
+              <a:defRPr/>
+            </a:pPr>
+            <a:r>
+              <a:rPr lang="en-US" sz="2400" dirty="0">
+                <a:latin typeface="Arial" charset="0"/>
+                <a:ea typeface="ＭＳ Ｐゴシック" charset="0"/>
+                <a:cs typeface="ＭＳ Ｐゴシック" charset="0"/>
+              </a:rPr>
+              <a:t>Describe etiologies of cognitive impairment</a:t>
+            </a:r>
+          </a:p>
+          <a:p>
+            <a:pPr eaLnBrk="1" hangingPunct="1">
+              <a:lnSpc>
+                <a:spcPct val="90000"/>
+              </a:lnSpc>
+              <a:defRPr/>
+            </a:pPr>
+            <a:r>
+              <a:rPr lang="en-US" sz="2400" dirty="0">
+                <a:latin typeface="Arial" charset="0"/>
+                <a:ea typeface="ＭＳ Ｐゴシック" charset="0"/>
+                <a:cs typeface="ＭＳ Ｐゴシック" charset="0"/>
+              </a:rPr>
+              <a:t>Differentiate focal and DAI</a:t>
+            </a:r>
+          </a:p>
+          <a:p>
+            <a:pPr eaLnBrk="1" hangingPunct="1">
+              <a:lnSpc>
+                <a:spcPct val="90000"/>
+              </a:lnSpc>
+              <a:defRPr/>
+            </a:pPr>
+            <a:r>
+              <a:rPr lang="en-US" sz="2400" dirty="0">
+                <a:latin typeface="Arial" charset="0"/>
+                <a:ea typeface="ＭＳ Ｐゴシック" charset="0"/>
+                <a:cs typeface="ＭＳ Ｐゴシック" charset="0"/>
+              </a:rPr>
+              <a:t>List and describe 3 variables related to recovery</a:t>
+            </a:r>
+          </a:p>
+          <a:p>
+            <a:pPr eaLnBrk="1" hangingPunct="1">
+              <a:lnSpc>
+                <a:spcPct val="90000"/>
+              </a:lnSpc>
+              <a:defRPr/>
+            </a:pPr>
+            <a:r>
+              <a:rPr lang="en-US" sz="2400" dirty="0">
+                <a:latin typeface="Arial" charset="0"/>
+                <a:ea typeface="ＭＳ Ｐゴシック" charset="0"/>
+                <a:cs typeface="ＭＳ Ｐゴシック" charset="0"/>
+              </a:rPr>
+              <a:t>List and describe 3 mechanisms of neuroplasticity</a:t>
+            </a:r>
+          </a:p>
+          <a:p>
+            <a:pPr eaLnBrk="1" hangingPunct="1">
+              <a:lnSpc>
+                <a:spcPct val="90000"/>
+              </a:lnSpc>
+              <a:defRPr/>
+            </a:pPr>
+            <a:r>
+              <a:rPr lang="en-US" sz="2400" dirty="0">
+                <a:latin typeface="Arial" charset="0"/>
+                <a:ea typeface="ＭＳ Ｐゴシック" charset="0"/>
+                <a:cs typeface="ＭＳ Ｐゴシック" charset="0"/>
+              </a:rPr>
+              <a:t>List primary mechanisms for preventing brain injury</a:t>
+            </a:r>
+          </a:p>
+          <a:p>
+            <a:pPr eaLnBrk="1" hangingPunct="1">
+              <a:lnSpc>
+                <a:spcPct val="90000"/>
+              </a:lnSpc>
+              <a:defRPr/>
+            </a:pPr>
+            <a:r>
+              <a:rPr lang="en-US" sz="2400" dirty="0">
+                <a:latin typeface="Arial" charset="0"/>
+                <a:ea typeface="ＭＳ Ｐゴシック" charset="0"/>
+                <a:cs typeface="ＭＳ Ｐゴシック" charset="0"/>
+              </a:rPr>
+              <a:t>Describe PIE model and considerations for developing a training plan</a:t>
+            </a:r>
+          </a:p>
+        </p:txBody>
+      </p:sp>
+    </p:spTree>
+  </p:cSld>
+  <p:clrMapOvr>
+    <a:masterClrMapping/>
+  </p:clrMapOvr>
+</p:sld>
+</file>
+
 <file path=ppt/slides/slide6.xml><?xml version="1.0" encoding="utf-8"?>
 <p:sld xmlns:a="http://schemas.openxmlformats.org/drawingml/2006/main" xmlns:r="http://schemas.openxmlformats.org/officeDocument/2006/relationships" xmlns:p="http://schemas.openxmlformats.org/presentationml/2006/main">
   <p:cSld>
@@ -37371,224 +36354,6 @@
                 <a:cs typeface="ＭＳ Ｐゴシック" charset="0"/>
               </a:rPr>
               <a:t>Unlike surgery or drugs, cog rehab is not done or given TO the client but is an interactive process using collaborative goal setting.</a:t>
-            </a:r>
-          </a:p>
-        </p:txBody>
-      </p:sp>
-    </p:spTree>
-  </p:cSld>
-  <p:clrMapOvr>
-    <a:masterClrMapping/>
-  </p:clrMapOvr>
-</p:sld>
-</file>
-
-<file path=ppt/slides/slide60.xml><?xml version="1.0" encoding="utf-8"?>
-<p:sld xmlns:a="http://schemas.openxmlformats.org/drawingml/2006/main" xmlns:r="http://schemas.openxmlformats.org/officeDocument/2006/relationships" xmlns:p="http://schemas.openxmlformats.org/presentationml/2006/main">
-  <p:cSld>
-    <p:spTree>
-      <p:nvGrpSpPr>
-        <p:cNvPr id="1" name=""/>
-        <p:cNvGrpSpPr/>
-        <p:nvPr/>
-      </p:nvGrpSpPr>
-      <p:grpSpPr>
-        <a:xfrm>
-          <a:off x="0" y="0"/>
-          <a:ext cx="0" cy="0"/>
-          <a:chOff x="0" y="0"/>
-          <a:chExt cx="0" cy="0"/>
-        </a:xfrm>
-      </p:grpSpPr>
-      <p:sp>
-        <p:nvSpPr>
-          <p:cNvPr id="69634" name="Rectangle 2"/>
-          <p:cNvSpPr>
-            <a:spLocks noGrp="1" noChangeArrowheads="1"/>
-          </p:cNvSpPr>
-          <p:nvPr>
-            <p:ph type="title"/>
-          </p:nvPr>
-        </p:nvSpPr>
-        <p:spPr/>
-        <p:txBody>
-          <a:bodyPr>
-            <a:normAutofit/>
-          </a:bodyPr>
-          <a:lstStyle/>
-          <a:p>
-            <a:pPr eaLnBrk="1" hangingPunct="1">
-              <a:defRPr/>
-            </a:pPr>
-            <a:r>
-              <a:rPr lang="en-US" sz="4000" dirty="0">
-                <a:latin typeface="Arial" charset="0"/>
-                <a:ea typeface="ＭＳ Ｐゴシック" charset="0"/>
-                <a:cs typeface="ＭＳ Ｐゴシック" charset="0"/>
-              </a:rPr>
-              <a:t>Week 1 Lecture and Reading Knowledge Check</a:t>
-            </a:r>
-          </a:p>
-        </p:txBody>
-      </p:sp>
-      <p:sp>
-        <p:nvSpPr>
-          <p:cNvPr id="69635" name="Rectangle 3"/>
-          <p:cNvSpPr>
-            <a:spLocks noGrp="1" noChangeArrowheads="1"/>
-          </p:cNvSpPr>
-          <p:nvPr>
-            <p:ph idx="1"/>
-          </p:nvPr>
-        </p:nvSpPr>
-        <p:spPr/>
-        <p:txBody>
-          <a:bodyPr>
-            <a:normAutofit fontScale="85000" lnSpcReduction="20000"/>
-          </a:bodyPr>
-          <a:lstStyle/>
-          <a:p>
-            <a:pPr eaLnBrk="1" hangingPunct="1">
-              <a:lnSpc>
-                <a:spcPct val="90000"/>
-              </a:lnSpc>
-              <a:defRPr/>
-            </a:pPr>
-            <a:r>
-              <a:rPr lang="en-US" sz="2400" dirty="0">
-                <a:latin typeface="Arial" charset="0"/>
-                <a:ea typeface="ＭＳ Ｐゴシック" charset="0"/>
-                <a:cs typeface="ＭＳ Ｐゴシック" charset="0"/>
-              </a:rPr>
-              <a:t>Give a basic description of attention, memory &amp; executive functions</a:t>
-            </a:r>
-          </a:p>
-          <a:p>
-            <a:pPr eaLnBrk="1" hangingPunct="1">
-              <a:lnSpc>
-                <a:spcPct val="90000"/>
-              </a:lnSpc>
-              <a:defRPr/>
-            </a:pPr>
-            <a:r>
-              <a:rPr lang="en-US" sz="2400" dirty="0">
-                <a:latin typeface="Arial" charset="0"/>
-                <a:ea typeface="ＭＳ Ｐゴシック" charset="0"/>
-                <a:cs typeface="ＭＳ Ｐゴシック" charset="0"/>
-              </a:rPr>
-              <a:t>Give a basic description and example of the six approaches to intervention</a:t>
-            </a:r>
-          </a:p>
-          <a:p>
-            <a:pPr eaLnBrk="1" hangingPunct="1">
-              <a:lnSpc>
-                <a:spcPct val="90000"/>
-              </a:lnSpc>
-              <a:defRPr/>
-            </a:pPr>
-            <a:r>
-              <a:rPr lang="en-US" sz="2400" dirty="0">
-                <a:latin typeface="Arial" charset="0"/>
-                <a:ea typeface="ＭＳ Ｐゴシック" charset="0"/>
-                <a:cs typeface="ＭＳ Ｐゴシック" charset="0"/>
-              </a:rPr>
-              <a:t>Explain the RTT model</a:t>
-            </a:r>
-          </a:p>
-          <a:p>
-            <a:pPr eaLnBrk="1" hangingPunct="1">
-              <a:lnSpc>
-                <a:spcPct val="90000"/>
-              </a:lnSpc>
-              <a:defRPr/>
-            </a:pPr>
-            <a:r>
-              <a:rPr lang="en-US" sz="2400" dirty="0">
-                <a:latin typeface="Arial" charset="0"/>
-                <a:ea typeface="ＭＳ Ｐゴシック" charset="0"/>
-                <a:cs typeface="ＭＳ Ｐゴシック" charset="0"/>
-              </a:rPr>
-              <a:t>Describe etiologies of cognitive impairment</a:t>
-            </a:r>
-          </a:p>
-          <a:p>
-            <a:pPr eaLnBrk="1" hangingPunct="1">
-              <a:lnSpc>
-                <a:spcPct val="90000"/>
-              </a:lnSpc>
-              <a:defRPr/>
-            </a:pPr>
-            <a:r>
-              <a:rPr lang="en-US" sz="2400" dirty="0">
-                <a:latin typeface="Arial" charset="0"/>
-                <a:ea typeface="ＭＳ Ｐゴシック" charset="0"/>
-                <a:cs typeface="ＭＳ Ｐゴシック" charset="0"/>
-              </a:rPr>
-              <a:t>Differentiate focal and DAI</a:t>
-            </a:r>
-          </a:p>
-          <a:p>
-            <a:pPr eaLnBrk="1" hangingPunct="1">
-              <a:lnSpc>
-                <a:spcPct val="90000"/>
-              </a:lnSpc>
-              <a:defRPr/>
-            </a:pPr>
-            <a:r>
-              <a:rPr lang="en-US" sz="2400" dirty="0">
-                <a:latin typeface="Arial" charset="0"/>
-                <a:ea typeface="ＭＳ Ｐゴシック" charset="0"/>
-                <a:cs typeface="ＭＳ Ｐゴシック" charset="0"/>
-              </a:rPr>
-              <a:t>List and describe 3 variables related to recovery</a:t>
-            </a:r>
-          </a:p>
-          <a:p>
-            <a:pPr eaLnBrk="1" hangingPunct="1">
-              <a:lnSpc>
-                <a:spcPct val="90000"/>
-              </a:lnSpc>
-              <a:defRPr/>
-            </a:pPr>
-            <a:r>
-              <a:rPr lang="en-US" sz="2400" dirty="0">
-                <a:latin typeface="Arial" charset="0"/>
-                <a:ea typeface="ＭＳ Ｐゴシック" charset="0"/>
-                <a:cs typeface="ＭＳ Ｐゴシック" charset="0"/>
-              </a:rPr>
-              <a:t>List and describe 3 mechanisms of neuroplasticity</a:t>
-            </a:r>
-          </a:p>
-          <a:p>
-            <a:pPr eaLnBrk="1" hangingPunct="1">
-              <a:lnSpc>
-                <a:spcPct val="90000"/>
-              </a:lnSpc>
-              <a:defRPr/>
-            </a:pPr>
-            <a:r>
-              <a:rPr lang="en-US" sz="2400" dirty="0">
-                <a:latin typeface="Arial" charset="0"/>
-                <a:ea typeface="ＭＳ Ｐゴシック" charset="0"/>
-                <a:cs typeface="ＭＳ Ｐゴシック" charset="0"/>
-              </a:rPr>
-              <a:t>List primary mechanisms for preventing brain injury</a:t>
-            </a:r>
-          </a:p>
-          <a:p>
-            <a:pPr eaLnBrk="1" hangingPunct="1">
-              <a:lnSpc>
-                <a:spcPct val="90000"/>
-              </a:lnSpc>
-              <a:defRPr/>
-            </a:pPr>
-            <a:r>
-              <a:rPr lang="en-US" sz="2400" dirty="0">
-                <a:latin typeface="Arial" charset="0"/>
-                <a:ea typeface="ＭＳ Ｐゴシック" charset="0"/>
-                <a:cs typeface="ＭＳ Ｐゴシック" charset="0"/>
-              </a:rPr>
-              <a:t>Describe PIE model and considerations for developing a training plan</a:t>
             </a:r>
           </a:p>
         </p:txBody>

--- a/slides/Week1_21.pptx
+++ b/slides/Week1_21.pptx
@@ -674,10 +674,10 @@
           </a:ln>
           <a:extLst>
             <a:ext uri="{FAA26D3D-D897-4be2-8F04-BA451C77F1D7}">
-              <ma14:placeholderFlag xmlns="" xmlns:ma14="http://schemas.microsoft.com/office/mac/drawingml/2011/main" val="1"/>
+              <ma14:placeholderFlag xmlns:ma14="http://schemas.microsoft.com/office/mac/drawingml/2011/main" xmlns="" val="1"/>
             </a:ext>
             <a:ext uri="{909E8E84-426E-40dd-AFC4-6F175D3DCCD1}">
-              <a14:hiddenFill xmlns:a14="http://schemas.microsoft.com/office/drawing/2010/main" xmlns="">
+              <a14:hiddenFill xmlns="" xmlns:a14="http://schemas.microsoft.com/office/drawing/2010/main">
                 <a:solidFill>
                   <a:srgbClr val="FFFFFF"/>
                 </a:solidFill>
@@ -1210,14 +1210,14 @@
           <a:ln/>
           <a:extLst>
             <a:ext uri="{909E8E84-426E-40dd-AFC4-6F175D3DCCD1}">
-              <a14:hiddenFill xmlns:a14="http://schemas.microsoft.com/office/drawing/2010/main" xmlns="">
+              <a14:hiddenFill xmlns="" xmlns:a14="http://schemas.microsoft.com/office/drawing/2010/main">
                 <a:solidFill>
                   <a:srgbClr val="FFFFFF"/>
                 </a:solidFill>
               </a14:hiddenFill>
             </a:ext>
             <a:ext uri="{91240B29-F687-4f45-9708-019B960494DF}">
-              <a14:hiddenLine xmlns:a14="http://schemas.microsoft.com/office/drawing/2010/main" xmlns="" w="9525">
+              <a14:hiddenLine xmlns="" xmlns:a14="http://schemas.microsoft.com/office/drawing/2010/main" w="9525">
                 <a:solidFill>
                   <a:srgbClr val="000000"/>
                 </a:solidFill>
@@ -1377,17 +1377,17 @@
           <a:ln/>
           <a:extLst>
             <a:ext uri="{FAA26D3D-D897-4be2-8F04-BA451C77F1D7}">
-              <ma14:placeholderFlag xmlns="" xmlns:ma14="http://schemas.microsoft.com/office/mac/drawingml/2011/main" val="1"/>
+              <ma14:placeholderFlag xmlns:ma14="http://schemas.microsoft.com/office/mac/drawingml/2011/main" xmlns="" val="1"/>
             </a:ext>
             <a:ext uri="{909E8E84-426E-40dd-AFC4-6F175D3DCCD1}">
-              <a14:hiddenFill xmlns:a14="http://schemas.microsoft.com/office/drawing/2010/main" xmlns="">
+              <a14:hiddenFill xmlns="" xmlns:a14="http://schemas.microsoft.com/office/drawing/2010/main">
                 <a:solidFill>
                   <a:srgbClr val="FFFFFF"/>
                 </a:solidFill>
               </a14:hiddenFill>
             </a:ext>
             <a:ext uri="{91240B29-F687-4f45-9708-019B960494DF}">
-              <a14:hiddenLine xmlns:a14="http://schemas.microsoft.com/office/drawing/2010/main" xmlns="" w="9525">
+              <a14:hiddenLine xmlns="" xmlns:a14="http://schemas.microsoft.com/office/drawing/2010/main" w="9525">
                 <a:solidFill>
                   <a:srgbClr val="000000"/>
                 </a:solidFill>
@@ -1450,14 +1450,14 @@
           <a:ln/>
           <a:extLst>
             <a:ext uri="{909E8E84-426E-40dd-AFC4-6F175D3DCCD1}">
-              <a14:hiddenFill xmlns:a14="http://schemas.microsoft.com/office/drawing/2010/main" xmlns="">
+              <a14:hiddenFill xmlns="" xmlns:a14="http://schemas.microsoft.com/office/drawing/2010/main">
                 <a:solidFill>
                   <a:srgbClr val="FFFFFF"/>
                 </a:solidFill>
               </a14:hiddenFill>
             </a:ext>
             <a:ext uri="{91240B29-F687-4f45-9708-019B960494DF}">
-              <a14:hiddenLine xmlns:a14="http://schemas.microsoft.com/office/drawing/2010/main" xmlns="" w="9525">
+              <a14:hiddenLine xmlns="" xmlns:a14="http://schemas.microsoft.com/office/drawing/2010/main" w="9525">
                 <a:solidFill>
                   <a:srgbClr val="000000"/>
                 </a:solidFill>
@@ -1617,14 +1617,14 @@
           <a:ln/>
           <a:extLst>
             <a:ext uri="{909E8E84-426E-40dd-AFC4-6F175D3DCCD1}">
-              <a14:hiddenFill xmlns:a14="http://schemas.microsoft.com/office/drawing/2010/main" xmlns="">
+              <a14:hiddenFill xmlns="" xmlns:a14="http://schemas.microsoft.com/office/drawing/2010/main">
                 <a:solidFill>
                   <a:srgbClr val="FFFFFF"/>
                 </a:solidFill>
               </a14:hiddenFill>
             </a:ext>
             <a:ext uri="{91240B29-F687-4f45-9708-019B960494DF}">
-              <a14:hiddenLine xmlns:a14="http://schemas.microsoft.com/office/drawing/2010/main" xmlns="" w="9525">
+              <a14:hiddenLine xmlns="" xmlns:a14="http://schemas.microsoft.com/office/drawing/2010/main" w="9525">
                 <a:solidFill>
                   <a:srgbClr val="000000"/>
                 </a:solidFill>
@@ -1771,14 +1771,14 @@
           <a:ln/>
           <a:extLst>
             <a:ext uri="{909E8E84-426E-40dd-AFC4-6F175D3DCCD1}">
-              <a14:hiddenFill xmlns:a14="http://schemas.microsoft.com/office/drawing/2010/main" xmlns="">
+              <a14:hiddenFill xmlns="" xmlns:a14="http://schemas.microsoft.com/office/drawing/2010/main">
                 <a:solidFill>
                   <a:srgbClr val="FFFFFF"/>
                 </a:solidFill>
               </a14:hiddenFill>
             </a:ext>
             <a:ext uri="{91240B29-F687-4f45-9708-019B960494DF}">
-              <a14:hiddenLine xmlns:a14="http://schemas.microsoft.com/office/drawing/2010/main" xmlns="" w="9525">
+              <a14:hiddenLine xmlns="" xmlns:a14="http://schemas.microsoft.com/office/drawing/2010/main" w="9525">
                 <a:solidFill>
                   <a:srgbClr val="000000"/>
                 </a:solidFill>
@@ -1938,17 +1938,17 @@
           <a:ln/>
           <a:extLst>
             <a:ext uri="{FAA26D3D-D897-4be2-8F04-BA451C77F1D7}">
-              <ma14:placeholderFlag xmlns="" xmlns:ma14="http://schemas.microsoft.com/office/mac/drawingml/2011/main" val="1"/>
+              <ma14:placeholderFlag xmlns:ma14="http://schemas.microsoft.com/office/mac/drawingml/2011/main" xmlns="" val="1"/>
             </a:ext>
             <a:ext uri="{909E8E84-426E-40dd-AFC4-6F175D3DCCD1}">
-              <a14:hiddenFill xmlns:a14="http://schemas.microsoft.com/office/drawing/2010/main" xmlns="">
+              <a14:hiddenFill xmlns="" xmlns:a14="http://schemas.microsoft.com/office/drawing/2010/main">
                 <a:solidFill>
                   <a:srgbClr val="FFFFFF"/>
                 </a:solidFill>
               </a14:hiddenFill>
             </a:ext>
             <a:ext uri="{91240B29-F687-4f45-9708-019B960494DF}">
-              <a14:hiddenLine xmlns:a14="http://schemas.microsoft.com/office/drawing/2010/main" xmlns="" w="9525">
+              <a14:hiddenLine xmlns="" xmlns:a14="http://schemas.microsoft.com/office/drawing/2010/main" w="9525">
                 <a:solidFill>
                   <a:srgbClr val="000000"/>
                 </a:solidFill>
@@ -2011,14 +2011,14 @@
           <a:ln/>
           <a:extLst>
             <a:ext uri="{909E8E84-426E-40dd-AFC4-6F175D3DCCD1}">
-              <a14:hiddenFill xmlns:a14="http://schemas.microsoft.com/office/drawing/2010/main" xmlns="">
+              <a14:hiddenFill xmlns="" xmlns:a14="http://schemas.microsoft.com/office/drawing/2010/main">
                 <a:solidFill>
                   <a:srgbClr val="FFFFFF"/>
                 </a:solidFill>
               </a14:hiddenFill>
             </a:ext>
             <a:ext uri="{91240B29-F687-4f45-9708-019B960494DF}">
-              <a14:hiddenLine xmlns:a14="http://schemas.microsoft.com/office/drawing/2010/main" xmlns="" w="9525">
+              <a14:hiddenLine xmlns="" xmlns:a14="http://schemas.microsoft.com/office/drawing/2010/main" w="9525">
                 <a:solidFill>
                   <a:srgbClr val="000000"/>
                 </a:solidFill>
@@ -2178,17 +2178,17 @@
           <a:ln/>
           <a:extLst>
             <a:ext uri="{FAA26D3D-D897-4be2-8F04-BA451C77F1D7}">
-              <ma14:placeholderFlag xmlns="" xmlns:ma14="http://schemas.microsoft.com/office/mac/drawingml/2011/main" val="1"/>
+              <ma14:placeholderFlag xmlns:ma14="http://schemas.microsoft.com/office/mac/drawingml/2011/main" xmlns="" val="1"/>
             </a:ext>
             <a:ext uri="{909E8E84-426E-40dd-AFC4-6F175D3DCCD1}">
-              <a14:hiddenFill xmlns:a14="http://schemas.microsoft.com/office/drawing/2010/main" xmlns="">
+              <a14:hiddenFill xmlns="" xmlns:a14="http://schemas.microsoft.com/office/drawing/2010/main">
                 <a:solidFill>
                   <a:srgbClr val="FFFFFF"/>
                 </a:solidFill>
               </a14:hiddenFill>
             </a:ext>
             <a:ext uri="{91240B29-F687-4f45-9708-019B960494DF}">
-              <a14:hiddenLine xmlns:a14="http://schemas.microsoft.com/office/drawing/2010/main" xmlns="" w="9525">
+              <a14:hiddenLine xmlns="" xmlns:a14="http://schemas.microsoft.com/office/drawing/2010/main" w="9525">
                 <a:solidFill>
                   <a:srgbClr val="000000"/>
                 </a:solidFill>
@@ -2251,14 +2251,14 @@
           <a:ln/>
           <a:extLst>
             <a:ext uri="{909E8E84-426E-40dd-AFC4-6F175D3DCCD1}">
-              <a14:hiddenFill xmlns:a14="http://schemas.microsoft.com/office/drawing/2010/main" xmlns="">
+              <a14:hiddenFill xmlns="" xmlns:a14="http://schemas.microsoft.com/office/drawing/2010/main">
                 <a:solidFill>
                   <a:srgbClr val="FFFFFF"/>
                 </a:solidFill>
               </a14:hiddenFill>
             </a:ext>
             <a:ext uri="{91240B29-F687-4f45-9708-019B960494DF}">
-              <a14:hiddenLine xmlns:a14="http://schemas.microsoft.com/office/drawing/2010/main" xmlns="" w="9525">
+              <a14:hiddenLine xmlns="" xmlns:a14="http://schemas.microsoft.com/office/drawing/2010/main" w="9525">
                 <a:solidFill>
                   <a:srgbClr val="000000"/>
                 </a:solidFill>
@@ -2418,17 +2418,17 @@
           <a:ln/>
           <a:extLst>
             <a:ext uri="{FAA26D3D-D897-4be2-8F04-BA451C77F1D7}">
-              <ma14:placeholderFlag xmlns="" xmlns:ma14="http://schemas.microsoft.com/office/mac/drawingml/2011/main" val="1"/>
+              <ma14:placeholderFlag xmlns:ma14="http://schemas.microsoft.com/office/mac/drawingml/2011/main" xmlns="" val="1"/>
             </a:ext>
             <a:ext uri="{909E8E84-426E-40dd-AFC4-6F175D3DCCD1}">
-              <a14:hiddenFill xmlns:a14="http://schemas.microsoft.com/office/drawing/2010/main" xmlns="">
+              <a14:hiddenFill xmlns="" xmlns:a14="http://schemas.microsoft.com/office/drawing/2010/main">
                 <a:solidFill>
                   <a:srgbClr val="FFFFFF"/>
                 </a:solidFill>
               </a14:hiddenFill>
             </a:ext>
             <a:ext uri="{91240B29-F687-4f45-9708-019B960494DF}">
-              <a14:hiddenLine xmlns:a14="http://schemas.microsoft.com/office/drawing/2010/main" xmlns="" w="9525">
+              <a14:hiddenLine xmlns="" xmlns:a14="http://schemas.microsoft.com/office/drawing/2010/main" w="9525">
                 <a:solidFill>
                   <a:srgbClr val="000000"/>
                 </a:solidFill>
@@ -2491,14 +2491,14 @@
           <a:ln/>
           <a:extLst>
             <a:ext uri="{909E8E84-426E-40dd-AFC4-6F175D3DCCD1}">
-              <a14:hiddenFill xmlns:a14="http://schemas.microsoft.com/office/drawing/2010/main" xmlns="">
+              <a14:hiddenFill xmlns="" xmlns:a14="http://schemas.microsoft.com/office/drawing/2010/main">
                 <a:solidFill>
                   <a:srgbClr val="FFFFFF"/>
                 </a:solidFill>
               </a14:hiddenFill>
             </a:ext>
             <a:ext uri="{91240B29-F687-4f45-9708-019B960494DF}">
-              <a14:hiddenLine xmlns:a14="http://schemas.microsoft.com/office/drawing/2010/main" xmlns="" w="9525">
+              <a14:hiddenLine xmlns="" xmlns:a14="http://schemas.microsoft.com/office/drawing/2010/main" w="9525">
                 <a:solidFill>
                   <a:srgbClr val="000000"/>
                 </a:solidFill>
@@ -2658,17 +2658,17 @@
           <a:ln/>
           <a:extLst>
             <a:ext uri="{FAA26D3D-D897-4be2-8F04-BA451C77F1D7}">
-              <ma14:placeholderFlag xmlns="" xmlns:ma14="http://schemas.microsoft.com/office/mac/drawingml/2011/main" val="1"/>
+              <ma14:placeholderFlag xmlns:ma14="http://schemas.microsoft.com/office/mac/drawingml/2011/main" xmlns="" val="1"/>
             </a:ext>
             <a:ext uri="{909E8E84-426E-40dd-AFC4-6F175D3DCCD1}">
-              <a14:hiddenFill xmlns:a14="http://schemas.microsoft.com/office/drawing/2010/main" xmlns="">
+              <a14:hiddenFill xmlns="" xmlns:a14="http://schemas.microsoft.com/office/drawing/2010/main">
                 <a:solidFill>
                   <a:srgbClr val="FFFFFF"/>
                 </a:solidFill>
               </a14:hiddenFill>
             </a:ext>
             <a:ext uri="{91240B29-F687-4f45-9708-019B960494DF}">
-              <a14:hiddenLine xmlns:a14="http://schemas.microsoft.com/office/drawing/2010/main" xmlns="" w="9525">
+              <a14:hiddenLine xmlns="" xmlns:a14="http://schemas.microsoft.com/office/drawing/2010/main" w="9525">
                 <a:solidFill>
                   <a:srgbClr val="000000"/>
                 </a:solidFill>
@@ -2731,14 +2731,14 @@
           <a:ln/>
           <a:extLst>
             <a:ext uri="{909E8E84-426E-40dd-AFC4-6F175D3DCCD1}">
-              <a14:hiddenFill xmlns:a14="http://schemas.microsoft.com/office/drawing/2010/main" xmlns="">
+              <a14:hiddenFill xmlns="" xmlns:a14="http://schemas.microsoft.com/office/drawing/2010/main">
                 <a:solidFill>
                   <a:srgbClr val="FFFFFF"/>
                 </a:solidFill>
               </a14:hiddenFill>
             </a:ext>
             <a:ext uri="{91240B29-F687-4f45-9708-019B960494DF}">
-              <a14:hiddenLine xmlns:a14="http://schemas.microsoft.com/office/drawing/2010/main" xmlns="" w="9525">
+              <a14:hiddenLine xmlns="" xmlns:a14="http://schemas.microsoft.com/office/drawing/2010/main" w="9525">
                 <a:solidFill>
                   <a:srgbClr val="000000"/>
                 </a:solidFill>
@@ -2898,17 +2898,17 @@
           <a:ln/>
           <a:extLst>
             <a:ext uri="{FAA26D3D-D897-4be2-8F04-BA451C77F1D7}">
-              <ma14:placeholderFlag xmlns="" xmlns:ma14="http://schemas.microsoft.com/office/mac/drawingml/2011/main" val="1"/>
+              <ma14:placeholderFlag xmlns:ma14="http://schemas.microsoft.com/office/mac/drawingml/2011/main" xmlns="" val="1"/>
             </a:ext>
             <a:ext uri="{909E8E84-426E-40dd-AFC4-6F175D3DCCD1}">
-              <a14:hiddenFill xmlns:a14="http://schemas.microsoft.com/office/drawing/2010/main" xmlns="">
+              <a14:hiddenFill xmlns="" xmlns:a14="http://schemas.microsoft.com/office/drawing/2010/main">
                 <a:solidFill>
                   <a:srgbClr val="FFFFFF"/>
                 </a:solidFill>
               </a14:hiddenFill>
             </a:ext>
             <a:ext uri="{91240B29-F687-4f45-9708-019B960494DF}">
-              <a14:hiddenLine xmlns:a14="http://schemas.microsoft.com/office/drawing/2010/main" xmlns="" w="9525">
+              <a14:hiddenLine xmlns="" xmlns:a14="http://schemas.microsoft.com/office/drawing/2010/main" w="9525">
                 <a:solidFill>
                   <a:srgbClr val="000000"/>
                 </a:solidFill>
@@ -3313,14 +3313,14 @@
           <a:ln/>
           <a:extLst>
             <a:ext uri="{909E8E84-426E-40dd-AFC4-6F175D3DCCD1}">
-              <a14:hiddenFill xmlns:a14="http://schemas.microsoft.com/office/drawing/2010/main" xmlns="">
+              <a14:hiddenFill xmlns="" xmlns:a14="http://schemas.microsoft.com/office/drawing/2010/main">
                 <a:solidFill>
                   <a:srgbClr val="FFFFFF"/>
                 </a:solidFill>
               </a14:hiddenFill>
             </a:ext>
             <a:ext uri="{91240B29-F687-4f45-9708-019B960494DF}">
-              <a14:hiddenLine xmlns:a14="http://schemas.microsoft.com/office/drawing/2010/main" xmlns="" w="9525">
+              <a14:hiddenLine xmlns="" xmlns:a14="http://schemas.microsoft.com/office/drawing/2010/main" w="9525">
                 <a:solidFill>
                   <a:srgbClr val="000000"/>
                 </a:solidFill>
@@ -3480,14 +3480,14 @@
           <a:ln/>
           <a:extLst>
             <a:ext uri="{909E8E84-426E-40dd-AFC4-6F175D3DCCD1}">
-              <a14:hiddenFill xmlns:a14="http://schemas.microsoft.com/office/drawing/2010/main" xmlns="">
+              <a14:hiddenFill xmlns="" xmlns:a14="http://schemas.microsoft.com/office/drawing/2010/main">
                 <a:solidFill>
                   <a:srgbClr val="FFFFFF"/>
                 </a:solidFill>
               </a14:hiddenFill>
             </a:ext>
             <a:ext uri="{91240B29-F687-4f45-9708-019B960494DF}">
-              <a14:hiddenLine xmlns:a14="http://schemas.microsoft.com/office/drawing/2010/main" xmlns="" w="9525">
+              <a14:hiddenLine xmlns="" xmlns:a14="http://schemas.microsoft.com/office/drawing/2010/main" w="9525">
                 <a:solidFill>
                   <a:srgbClr val="000000"/>
                 </a:solidFill>
@@ -3725,14 +3725,14 @@
           <a:ln/>
           <a:extLst>
             <a:ext uri="{909E8E84-426E-40dd-AFC4-6F175D3DCCD1}">
-              <a14:hiddenFill xmlns:a14="http://schemas.microsoft.com/office/drawing/2010/main" xmlns="">
+              <a14:hiddenFill xmlns="" xmlns:a14="http://schemas.microsoft.com/office/drawing/2010/main">
                 <a:solidFill>
                   <a:srgbClr val="FFFFFF"/>
                 </a:solidFill>
               </a14:hiddenFill>
             </a:ext>
             <a:ext uri="{91240B29-F687-4f45-9708-019B960494DF}">
-              <a14:hiddenLine xmlns:a14="http://schemas.microsoft.com/office/drawing/2010/main" xmlns="" w="9525">
+              <a14:hiddenLine xmlns="" xmlns:a14="http://schemas.microsoft.com/office/drawing/2010/main" w="9525">
                 <a:solidFill>
                   <a:srgbClr val="000000"/>
                 </a:solidFill>
@@ -3892,14 +3892,14 @@
           <a:ln/>
           <a:extLst>
             <a:ext uri="{909E8E84-426E-40dd-AFC4-6F175D3DCCD1}">
-              <a14:hiddenFill xmlns:a14="http://schemas.microsoft.com/office/drawing/2010/main" xmlns="">
+              <a14:hiddenFill xmlns="" xmlns:a14="http://schemas.microsoft.com/office/drawing/2010/main">
                 <a:solidFill>
                   <a:srgbClr val="FFFFFF"/>
                 </a:solidFill>
               </a14:hiddenFill>
             </a:ext>
             <a:ext uri="{91240B29-F687-4f45-9708-019B960494DF}">
-              <a14:hiddenLine xmlns:a14="http://schemas.microsoft.com/office/drawing/2010/main" xmlns="" w="9525">
+              <a14:hiddenLine xmlns="" xmlns:a14="http://schemas.microsoft.com/office/drawing/2010/main" w="9525">
                 <a:solidFill>
                   <a:srgbClr val="000000"/>
                 </a:solidFill>
@@ -3962,14 +3962,14 @@
           <a:ln/>
           <a:extLst>
             <a:ext uri="{909E8E84-426E-40dd-AFC4-6F175D3DCCD1}">
-              <a14:hiddenFill xmlns:a14="http://schemas.microsoft.com/office/drawing/2010/main" xmlns="">
+              <a14:hiddenFill xmlns="" xmlns:a14="http://schemas.microsoft.com/office/drawing/2010/main">
                 <a:solidFill>
                   <a:srgbClr val="FFFFFF"/>
                 </a:solidFill>
               </a14:hiddenFill>
             </a:ext>
             <a:ext uri="{91240B29-F687-4f45-9708-019B960494DF}">
-              <a14:hiddenLine xmlns:a14="http://schemas.microsoft.com/office/drawing/2010/main" xmlns="" w="9525">
+              <a14:hiddenLine xmlns="" xmlns:a14="http://schemas.microsoft.com/office/drawing/2010/main" w="9525">
                 <a:solidFill>
                   <a:srgbClr val="000000"/>
                 </a:solidFill>
@@ -4129,17 +4129,17 @@
           <a:ln/>
           <a:extLst>
             <a:ext uri="{FAA26D3D-D897-4be2-8F04-BA451C77F1D7}">
-              <ma14:placeholderFlag xmlns="" xmlns:ma14="http://schemas.microsoft.com/office/mac/drawingml/2011/main" val="1"/>
+              <ma14:placeholderFlag xmlns:ma14="http://schemas.microsoft.com/office/mac/drawingml/2011/main" xmlns="" val="1"/>
             </a:ext>
             <a:ext uri="{909E8E84-426E-40dd-AFC4-6F175D3DCCD1}">
-              <a14:hiddenFill xmlns:a14="http://schemas.microsoft.com/office/drawing/2010/main" xmlns="">
+              <a14:hiddenFill xmlns="" xmlns:a14="http://schemas.microsoft.com/office/drawing/2010/main">
                 <a:solidFill>
                   <a:srgbClr val="FFFFFF"/>
                 </a:solidFill>
               </a14:hiddenFill>
             </a:ext>
             <a:ext uri="{91240B29-F687-4f45-9708-019B960494DF}">
-              <a14:hiddenLine xmlns:a14="http://schemas.microsoft.com/office/drawing/2010/main" xmlns="" w="9525">
+              <a14:hiddenLine xmlns="" xmlns:a14="http://schemas.microsoft.com/office/drawing/2010/main" w="9525">
                 <a:solidFill>
                   <a:srgbClr val="000000"/>
                 </a:solidFill>
@@ -4286,14 +4286,14 @@
           <a:ln/>
           <a:extLst>
             <a:ext uri="{909E8E84-426E-40dd-AFC4-6F175D3DCCD1}">
-              <a14:hiddenFill xmlns:a14="http://schemas.microsoft.com/office/drawing/2010/main" xmlns="">
+              <a14:hiddenFill xmlns="" xmlns:a14="http://schemas.microsoft.com/office/drawing/2010/main">
                 <a:solidFill>
                   <a:srgbClr val="FFFFFF"/>
                 </a:solidFill>
               </a14:hiddenFill>
             </a:ext>
             <a:ext uri="{91240B29-F687-4f45-9708-019B960494DF}">
-              <a14:hiddenLine xmlns:a14="http://schemas.microsoft.com/office/drawing/2010/main" xmlns="" w="9525">
+              <a14:hiddenLine xmlns="" xmlns:a14="http://schemas.microsoft.com/office/drawing/2010/main" w="9525">
                 <a:solidFill>
                   <a:srgbClr val="000000"/>
                 </a:solidFill>
@@ -4453,14 +4453,14 @@
           <a:ln/>
           <a:extLst>
             <a:ext uri="{909E8E84-426E-40dd-AFC4-6F175D3DCCD1}">
-              <a14:hiddenFill xmlns:a14="http://schemas.microsoft.com/office/drawing/2010/main" xmlns="">
+              <a14:hiddenFill xmlns="" xmlns:a14="http://schemas.microsoft.com/office/drawing/2010/main">
                 <a:solidFill>
                   <a:srgbClr val="FFFFFF"/>
                 </a:solidFill>
               </a14:hiddenFill>
             </a:ext>
             <a:ext uri="{91240B29-F687-4f45-9708-019B960494DF}">
-              <a14:hiddenLine xmlns:a14="http://schemas.microsoft.com/office/drawing/2010/main" xmlns="" w="9525">
+              <a14:hiddenLine xmlns="" xmlns:a14="http://schemas.microsoft.com/office/drawing/2010/main" w="9525">
                 <a:solidFill>
                   <a:srgbClr val="000000"/>
                 </a:solidFill>
@@ -4879,14 +4879,14 @@
           <a:ln/>
           <a:extLst>
             <a:ext uri="{909E8E84-426E-40dd-AFC4-6F175D3DCCD1}">
-              <a14:hiddenFill xmlns:a14="http://schemas.microsoft.com/office/drawing/2010/main" xmlns="">
+              <a14:hiddenFill xmlns="" xmlns:a14="http://schemas.microsoft.com/office/drawing/2010/main">
                 <a:solidFill>
                   <a:srgbClr val="FFFFFF"/>
                 </a:solidFill>
               </a14:hiddenFill>
             </a:ext>
             <a:ext uri="{91240B29-F687-4f45-9708-019B960494DF}">
-              <a14:hiddenLine xmlns:a14="http://schemas.microsoft.com/office/drawing/2010/main" xmlns="" w="9525">
+              <a14:hiddenLine xmlns="" xmlns:a14="http://schemas.microsoft.com/office/drawing/2010/main" w="9525">
                 <a:solidFill>
                   <a:srgbClr val="000000"/>
                 </a:solidFill>
@@ -5046,14 +5046,14 @@
           <a:ln/>
           <a:extLst>
             <a:ext uri="{909E8E84-426E-40dd-AFC4-6F175D3DCCD1}">
-              <a14:hiddenFill xmlns:a14="http://schemas.microsoft.com/office/drawing/2010/main" xmlns="">
+              <a14:hiddenFill xmlns="" xmlns:a14="http://schemas.microsoft.com/office/drawing/2010/main">
                 <a:solidFill>
                   <a:srgbClr val="FFFFFF"/>
                 </a:solidFill>
               </a14:hiddenFill>
             </a:ext>
             <a:ext uri="{91240B29-F687-4f45-9708-019B960494DF}">
-              <a14:hiddenLine xmlns:a14="http://schemas.microsoft.com/office/drawing/2010/main" xmlns="" w="9525">
+              <a14:hiddenLine xmlns="" xmlns:a14="http://schemas.microsoft.com/office/drawing/2010/main" w="9525">
                 <a:solidFill>
                   <a:srgbClr val="000000"/>
                 </a:solidFill>
@@ -5116,14 +5116,14 @@
           <a:ln/>
           <a:extLst>
             <a:ext uri="{909E8E84-426E-40dd-AFC4-6F175D3DCCD1}">
-              <a14:hiddenFill xmlns:a14="http://schemas.microsoft.com/office/drawing/2010/main" xmlns="">
+              <a14:hiddenFill xmlns="" xmlns:a14="http://schemas.microsoft.com/office/drawing/2010/main">
                 <a:solidFill>
                   <a:srgbClr val="FFFFFF"/>
                 </a:solidFill>
               </a14:hiddenFill>
             </a:ext>
             <a:ext uri="{91240B29-F687-4f45-9708-019B960494DF}">
-              <a14:hiddenLine xmlns:a14="http://schemas.microsoft.com/office/drawing/2010/main" xmlns="" w="9525">
+              <a14:hiddenLine xmlns="" xmlns:a14="http://schemas.microsoft.com/office/drawing/2010/main" w="9525">
                 <a:solidFill>
                   <a:srgbClr val="000000"/>
                 </a:solidFill>
@@ -5283,17 +5283,17 @@
           <a:ln/>
           <a:extLst>
             <a:ext uri="{FAA26D3D-D897-4be2-8F04-BA451C77F1D7}">
-              <ma14:placeholderFlag xmlns="" xmlns:ma14="http://schemas.microsoft.com/office/mac/drawingml/2011/main" val="1"/>
+              <ma14:placeholderFlag xmlns:ma14="http://schemas.microsoft.com/office/mac/drawingml/2011/main" xmlns="" val="1"/>
             </a:ext>
             <a:ext uri="{909E8E84-426E-40dd-AFC4-6F175D3DCCD1}">
-              <a14:hiddenFill xmlns:a14="http://schemas.microsoft.com/office/drawing/2010/main" xmlns="">
+              <a14:hiddenFill xmlns="" xmlns:a14="http://schemas.microsoft.com/office/drawing/2010/main">
                 <a:solidFill>
                   <a:srgbClr val="FFFFFF"/>
                 </a:solidFill>
               </a14:hiddenFill>
             </a:ext>
             <a:ext uri="{91240B29-F687-4f45-9708-019B960494DF}">
-              <a14:hiddenLine xmlns:a14="http://schemas.microsoft.com/office/drawing/2010/main" xmlns="" w="9525">
+              <a14:hiddenLine xmlns="" xmlns:a14="http://schemas.microsoft.com/office/drawing/2010/main" w="9525">
                 <a:solidFill>
                   <a:srgbClr val="000000"/>
                 </a:solidFill>
@@ -5356,14 +5356,14 @@
           <a:ln/>
           <a:extLst>
             <a:ext uri="{909E8E84-426E-40dd-AFC4-6F175D3DCCD1}">
-              <a14:hiddenFill xmlns:a14="http://schemas.microsoft.com/office/drawing/2010/main" xmlns="">
+              <a14:hiddenFill xmlns="" xmlns:a14="http://schemas.microsoft.com/office/drawing/2010/main">
                 <a:solidFill>
                   <a:srgbClr val="FFFFFF"/>
                 </a:solidFill>
               </a14:hiddenFill>
             </a:ext>
             <a:ext uri="{91240B29-F687-4f45-9708-019B960494DF}">
-              <a14:hiddenLine xmlns:a14="http://schemas.microsoft.com/office/drawing/2010/main" xmlns="" w="9525">
+              <a14:hiddenLine xmlns="" xmlns:a14="http://schemas.microsoft.com/office/drawing/2010/main" w="9525">
                 <a:solidFill>
                   <a:srgbClr val="000000"/>
                 </a:solidFill>
@@ -5523,17 +5523,17 @@
           <a:ln/>
           <a:extLst>
             <a:ext uri="{FAA26D3D-D897-4be2-8F04-BA451C77F1D7}">
-              <ma14:placeholderFlag xmlns="" xmlns:ma14="http://schemas.microsoft.com/office/mac/drawingml/2011/main" val="1"/>
+              <ma14:placeholderFlag xmlns:ma14="http://schemas.microsoft.com/office/mac/drawingml/2011/main" xmlns="" val="1"/>
             </a:ext>
             <a:ext uri="{909E8E84-426E-40dd-AFC4-6F175D3DCCD1}">
-              <a14:hiddenFill xmlns:a14="http://schemas.microsoft.com/office/drawing/2010/main" xmlns="">
+              <a14:hiddenFill xmlns="" xmlns:a14="http://schemas.microsoft.com/office/drawing/2010/main">
                 <a:solidFill>
                   <a:srgbClr val="FFFFFF"/>
                 </a:solidFill>
               </a14:hiddenFill>
             </a:ext>
             <a:ext uri="{91240B29-F687-4f45-9708-019B960494DF}">
-              <a14:hiddenLine xmlns:a14="http://schemas.microsoft.com/office/drawing/2010/main" xmlns="" w="9525">
+              <a14:hiddenLine xmlns="" xmlns:a14="http://schemas.microsoft.com/office/drawing/2010/main" w="9525">
                 <a:solidFill>
                   <a:srgbClr val="000000"/>
                 </a:solidFill>
@@ -5596,14 +5596,14 @@
           <a:ln/>
           <a:extLst>
             <a:ext uri="{909E8E84-426E-40dd-AFC4-6F175D3DCCD1}">
-              <a14:hiddenFill xmlns:a14="http://schemas.microsoft.com/office/drawing/2010/main" xmlns="">
+              <a14:hiddenFill xmlns="" xmlns:a14="http://schemas.microsoft.com/office/drawing/2010/main">
                 <a:solidFill>
                   <a:srgbClr val="FFFFFF"/>
                 </a:solidFill>
               </a14:hiddenFill>
             </a:ext>
             <a:ext uri="{91240B29-F687-4f45-9708-019B960494DF}">
-              <a14:hiddenLine xmlns:a14="http://schemas.microsoft.com/office/drawing/2010/main" xmlns="" w="9525">
+              <a14:hiddenLine xmlns="" xmlns:a14="http://schemas.microsoft.com/office/drawing/2010/main" w="9525">
                 <a:solidFill>
                   <a:srgbClr val="000000"/>
                 </a:solidFill>
@@ -5763,17 +5763,17 @@
           <a:ln/>
           <a:extLst>
             <a:ext uri="{FAA26D3D-D897-4be2-8F04-BA451C77F1D7}">
-              <ma14:placeholderFlag xmlns="" xmlns:ma14="http://schemas.microsoft.com/office/mac/drawingml/2011/main" val="1"/>
+              <ma14:placeholderFlag xmlns:ma14="http://schemas.microsoft.com/office/mac/drawingml/2011/main" xmlns="" val="1"/>
             </a:ext>
             <a:ext uri="{909E8E84-426E-40dd-AFC4-6F175D3DCCD1}">
-              <a14:hiddenFill xmlns:a14="http://schemas.microsoft.com/office/drawing/2010/main" xmlns="">
+              <a14:hiddenFill xmlns="" xmlns:a14="http://schemas.microsoft.com/office/drawing/2010/main">
                 <a:solidFill>
                   <a:srgbClr val="FFFFFF"/>
                 </a:solidFill>
               </a14:hiddenFill>
             </a:ext>
             <a:ext uri="{91240B29-F687-4f45-9708-019B960494DF}">
-              <a14:hiddenLine xmlns:a14="http://schemas.microsoft.com/office/drawing/2010/main" xmlns="" w="9525">
+              <a14:hiddenLine xmlns="" xmlns:a14="http://schemas.microsoft.com/office/drawing/2010/main" w="9525">
                 <a:solidFill>
                   <a:srgbClr val="000000"/>
                 </a:solidFill>
@@ -5926,14 +5926,14 @@
           <a:ln/>
           <a:extLst>
             <a:ext uri="{909E8E84-426E-40dd-AFC4-6F175D3DCCD1}">
-              <a14:hiddenFill xmlns:a14="http://schemas.microsoft.com/office/drawing/2010/main" xmlns="">
+              <a14:hiddenFill xmlns="" xmlns:a14="http://schemas.microsoft.com/office/drawing/2010/main">
                 <a:solidFill>
                   <a:srgbClr val="FFFFFF"/>
                 </a:solidFill>
               </a14:hiddenFill>
             </a:ext>
             <a:ext uri="{91240B29-F687-4f45-9708-019B960494DF}">
-              <a14:hiddenLine xmlns:a14="http://schemas.microsoft.com/office/drawing/2010/main" xmlns="" w="9525">
+              <a14:hiddenLine xmlns="" xmlns:a14="http://schemas.microsoft.com/office/drawing/2010/main" w="9525">
                 <a:solidFill>
                   <a:srgbClr val="000000"/>
                 </a:solidFill>
@@ -6093,17 +6093,17 @@
           <a:ln/>
           <a:extLst>
             <a:ext uri="{FAA26D3D-D897-4be2-8F04-BA451C77F1D7}">
-              <ma14:placeholderFlag xmlns="" xmlns:ma14="http://schemas.microsoft.com/office/mac/drawingml/2011/main" val="1"/>
+              <ma14:placeholderFlag xmlns:ma14="http://schemas.microsoft.com/office/mac/drawingml/2011/main" xmlns="" val="1"/>
             </a:ext>
             <a:ext uri="{909E8E84-426E-40dd-AFC4-6F175D3DCCD1}">
-              <a14:hiddenFill xmlns:a14="http://schemas.microsoft.com/office/drawing/2010/main" xmlns="">
+              <a14:hiddenFill xmlns="" xmlns:a14="http://schemas.microsoft.com/office/drawing/2010/main">
                 <a:solidFill>
                   <a:srgbClr val="FFFFFF"/>
                 </a:solidFill>
               </a14:hiddenFill>
             </a:ext>
             <a:ext uri="{91240B29-F687-4f45-9708-019B960494DF}">
-              <a14:hiddenLine xmlns:a14="http://schemas.microsoft.com/office/drawing/2010/main" xmlns="" w="9525">
+              <a14:hiddenLine xmlns="" xmlns:a14="http://schemas.microsoft.com/office/drawing/2010/main" w="9525">
                 <a:solidFill>
                   <a:srgbClr val="000000"/>
                 </a:solidFill>
@@ -6166,14 +6166,14 @@
           <a:ln/>
           <a:extLst>
             <a:ext uri="{909E8E84-426E-40dd-AFC4-6F175D3DCCD1}">
-              <a14:hiddenFill xmlns:a14="http://schemas.microsoft.com/office/drawing/2010/main" xmlns="">
+              <a14:hiddenFill xmlns="" xmlns:a14="http://schemas.microsoft.com/office/drawing/2010/main">
                 <a:solidFill>
                   <a:srgbClr val="FFFFFF"/>
                 </a:solidFill>
               </a14:hiddenFill>
             </a:ext>
             <a:ext uri="{91240B29-F687-4f45-9708-019B960494DF}">
-              <a14:hiddenLine xmlns:a14="http://schemas.microsoft.com/office/drawing/2010/main" xmlns="" w="9525">
+              <a14:hiddenLine xmlns="" xmlns:a14="http://schemas.microsoft.com/office/drawing/2010/main" w="9525">
                 <a:solidFill>
                   <a:srgbClr val="000000"/>
                 </a:solidFill>
@@ -6333,14 +6333,14 @@
           <a:ln/>
           <a:extLst>
             <a:ext uri="{909E8E84-426E-40dd-AFC4-6F175D3DCCD1}">
-              <a14:hiddenFill xmlns:a14="http://schemas.microsoft.com/office/drawing/2010/main" xmlns="">
+              <a14:hiddenFill xmlns="" xmlns:a14="http://schemas.microsoft.com/office/drawing/2010/main">
                 <a:solidFill>
                   <a:srgbClr val="FFFFFF"/>
                 </a:solidFill>
               </a14:hiddenFill>
             </a:ext>
             <a:ext uri="{91240B29-F687-4f45-9708-019B960494DF}">
-              <a14:hiddenLine xmlns:a14="http://schemas.microsoft.com/office/drawing/2010/main" xmlns="" w="9525">
+              <a14:hiddenLine xmlns="" xmlns:a14="http://schemas.microsoft.com/office/drawing/2010/main" w="9525">
                 <a:solidFill>
                   <a:srgbClr val="000000"/>
                 </a:solidFill>
@@ -6403,14 +6403,14 @@
           <a:ln/>
           <a:extLst>
             <a:ext uri="{909E8E84-426E-40dd-AFC4-6F175D3DCCD1}">
-              <a14:hiddenFill xmlns:a14="http://schemas.microsoft.com/office/drawing/2010/main" xmlns="">
+              <a14:hiddenFill xmlns="" xmlns:a14="http://schemas.microsoft.com/office/drawing/2010/main">
                 <a:solidFill>
                   <a:srgbClr val="FFFFFF"/>
                 </a:solidFill>
               </a14:hiddenFill>
             </a:ext>
             <a:ext uri="{91240B29-F687-4f45-9708-019B960494DF}">
-              <a14:hiddenLine xmlns:a14="http://schemas.microsoft.com/office/drawing/2010/main" xmlns="" w="9525">
+              <a14:hiddenLine xmlns="" xmlns:a14="http://schemas.microsoft.com/office/drawing/2010/main" w="9525">
                 <a:solidFill>
                   <a:srgbClr val="000000"/>
                 </a:solidFill>
@@ -6570,17 +6570,17 @@
           <a:ln/>
           <a:extLst>
             <a:ext uri="{FAA26D3D-D897-4be2-8F04-BA451C77F1D7}">
-              <ma14:placeholderFlag xmlns="" xmlns:ma14="http://schemas.microsoft.com/office/mac/drawingml/2011/main" val="1"/>
+              <ma14:placeholderFlag xmlns:ma14="http://schemas.microsoft.com/office/mac/drawingml/2011/main" xmlns="" val="1"/>
             </a:ext>
             <a:ext uri="{909E8E84-426E-40dd-AFC4-6F175D3DCCD1}">
-              <a14:hiddenFill xmlns:a14="http://schemas.microsoft.com/office/drawing/2010/main" xmlns="">
+              <a14:hiddenFill xmlns="" xmlns:a14="http://schemas.microsoft.com/office/drawing/2010/main">
                 <a:solidFill>
                   <a:srgbClr val="FFFFFF"/>
                 </a:solidFill>
               </a14:hiddenFill>
             </a:ext>
             <a:ext uri="{91240B29-F687-4f45-9708-019B960494DF}">
-              <a14:hiddenLine xmlns:a14="http://schemas.microsoft.com/office/drawing/2010/main" xmlns="" w="9525">
+              <a14:hiddenLine xmlns="" xmlns:a14="http://schemas.microsoft.com/office/drawing/2010/main" w="9525">
                 <a:solidFill>
                   <a:srgbClr val="000000"/>
                 </a:solidFill>
@@ -6643,14 +6643,14 @@
           <a:ln/>
           <a:extLst>
             <a:ext uri="{909E8E84-426E-40dd-AFC4-6F175D3DCCD1}">
-              <a14:hiddenFill xmlns:a14="http://schemas.microsoft.com/office/drawing/2010/main" xmlns="">
+              <a14:hiddenFill xmlns="" xmlns:a14="http://schemas.microsoft.com/office/drawing/2010/main">
                 <a:solidFill>
                   <a:srgbClr val="FFFFFF"/>
                 </a:solidFill>
               </a14:hiddenFill>
             </a:ext>
             <a:ext uri="{91240B29-F687-4f45-9708-019B960494DF}">
-              <a14:hiddenLine xmlns:a14="http://schemas.microsoft.com/office/drawing/2010/main" xmlns="" w="9525">
+              <a14:hiddenLine xmlns="" xmlns:a14="http://schemas.microsoft.com/office/drawing/2010/main" w="9525">
                 <a:solidFill>
                   <a:srgbClr val="000000"/>
                 </a:solidFill>
@@ -6810,17 +6810,17 @@
           <a:ln/>
           <a:extLst>
             <a:ext uri="{FAA26D3D-D897-4be2-8F04-BA451C77F1D7}">
-              <ma14:placeholderFlag xmlns="" xmlns:ma14="http://schemas.microsoft.com/office/mac/drawingml/2011/main" val="1"/>
+              <ma14:placeholderFlag xmlns:ma14="http://schemas.microsoft.com/office/mac/drawingml/2011/main" xmlns="" val="1"/>
             </a:ext>
             <a:ext uri="{909E8E84-426E-40dd-AFC4-6F175D3DCCD1}">
-              <a14:hiddenFill xmlns:a14="http://schemas.microsoft.com/office/drawing/2010/main" xmlns="">
+              <a14:hiddenFill xmlns="" xmlns:a14="http://schemas.microsoft.com/office/drawing/2010/main">
                 <a:solidFill>
                   <a:srgbClr val="FFFFFF"/>
                 </a:solidFill>
               </a14:hiddenFill>
             </a:ext>
             <a:ext uri="{91240B29-F687-4f45-9708-019B960494DF}">
-              <a14:hiddenLine xmlns:a14="http://schemas.microsoft.com/office/drawing/2010/main" xmlns="" w="9525">
+              <a14:hiddenLine xmlns="" xmlns:a14="http://schemas.microsoft.com/office/drawing/2010/main" w="9525">
                 <a:solidFill>
                   <a:srgbClr val="000000"/>
                 </a:solidFill>
@@ -6973,14 +6973,14 @@
           <a:ln/>
           <a:extLst>
             <a:ext uri="{909E8E84-426E-40dd-AFC4-6F175D3DCCD1}">
-              <a14:hiddenFill xmlns:a14="http://schemas.microsoft.com/office/drawing/2010/main" xmlns="">
+              <a14:hiddenFill xmlns="" xmlns:a14="http://schemas.microsoft.com/office/drawing/2010/main">
                 <a:solidFill>
                   <a:srgbClr val="FFFFFF"/>
                 </a:solidFill>
               </a14:hiddenFill>
             </a:ext>
             <a:ext uri="{91240B29-F687-4f45-9708-019B960494DF}">
-              <a14:hiddenLine xmlns:a14="http://schemas.microsoft.com/office/drawing/2010/main" xmlns="" w="9525">
+              <a14:hiddenLine xmlns="" xmlns:a14="http://schemas.microsoft.com/office/drawing/2010/main" w="9525">
                 <a:solidFill>
                   <a:srgbClr val="000000"/>
                 </a:solidFill>
@@ -7140,14 +7140,14 @@
           <a:ln/>
           <a:extLst>
             <a:ext uri="{909E8E84-426E-40dd-AFC4-6F175D3DCCD1}">
-              <a14:hiddenFill xmlns:a14="http://schemas.microsoft.com/office/drawing/2010/main" xmlns="">
+              <a14:hiddenFill xmlns="" xmlns:a14="http://schemas.microsoft.com/office/drawing/2010/main">
                 <a:solidFill>
                   <a:srgbClr val="FFFFFF"/>
                 </a:solidFill>
               </a14:hiddenFill>
             </a:ext>
             <a:ext uri="{91240B29-F687-4f45-9708-019B960494DF}">
-              <a14:hiddenLine xmlns:a14="http://schemas.microsoft.com/office/drawing/2010/main" xmlns="" w="9525">
+              <a14:hiddenLine xmlns="" xmlns:a14="http://schemas.microsoft.com/office/drawing/2010/main" w="9525">
                 <a:solidFill>
                   <a:srgbClr val="000000"/>
                 </a:solidFill>
@@ -7669,14 +7669,14 @@
           <a:ln/>
           <a:extLst>
             <a:ext uri="{909E8E84-426E-40dd-AFC4-6F175D3DCCD1}">
-              <a14:hiddenFill xmlns:a14="http://schemas.microsoft.com/office/drawing/2010/main" xmlns="">
+              <a14:hiddenFill xmlns="" xmlns:a14="http://schemas.microsoft.com/office/drawing/2010/main">
                 <a:solidFill>
                   <a:srgbClr val="FFFFFF"/>
                 </a:solidFill>
               </a14:hiddenFill>
             </a:ext>
             <a:ext uri="{91240B29-F687-4f45-9708-019B960494DF}">
-              <a14:hiddenLine xmlns:a14="http://schemas.microsoft.com/office/drawing/2010/main" xmlns="" w="9525">
+              <a14:hiddenLine xmlns="" xmlns:a14="http://schemas.microsoft.com/office/drawing/2010/main" w="9525">
                 <a:solidFill>
                   <a:srgbClr val="000000"/>
                 </a:solidFill>
@@ -7836,14 +7836,14 @@
           <a:ln/>
           <a:extLst>
             <a:ext uri="{909E8E84-426E-40dd-AFC4-6F175D3DCCD1}">
-              <a14:hiddenFill xmlns:a14="http://schemas.microsoft.com/office/drawing/2010/main" xmlns="">
+              <a14:hiddenFill xmlns="" xmlns:a14="http://schemas.microsoft.com/office/drawing/2010/main">
                 <a:solidFill>
                   <a:srgbClr val="FFFFFF"/>
                 </a:solidFill>
               </a14:hiddenFill>
             </a:ext>
             <a:ext uri="{91240B29-F687-4f45-9708-019B960494DF}">
-              <a14:hiddenLine xmlns:a14="http://schemas.microsoft.com/office/drawing/2010/main" xmlns="" w="9525">
+              <a14:hiddenLine xmlns="" xmlns:a14="http://schemas.microsoft.com/office/drawing/2010/main" w="9525">
                 <a:solidFill>
                   <a:srgbClr val="000000"/>
                 </a:solidFill>
@@ -9695,7 +9695,7 @@
               </a14:hiddenLine>
             </a:ext>
             <a:ext uri="{FAA26D3D-D897-4be2-8F04-BA451C77F1D7}">
-              <ma14:placeholderFlag xmlns="" xmlns:ma14="http://schemas.microsoft.com/office/mac/drawingml/2011/main" val="1"/>
+              <ma14:placeholderFlag xmlns:ma14="http://schemas.microsoft.com/office/mac/drawingml/2011/main" xmlns="" val="1"/>
             </a:ext>
           </a:extLst>
         </p:spPr>
@@ -9756,7 +9756,7 @@
               </a14:hiddenLine>
             </a:ext>
             <a:ext uri="{FAA26D3D-D897-4be2-8F04-BA451C77F1D7}">
-              <ma14:placeholderFlag xmlns="" xmlns:ma14="http://schemas.microsoft.com/office/mac/drawingml/2011/main" val="1"/>
+              <ma14:placeholderFlag xmlns:ma14="http://schemas.microsoft.com/office/mac/drawingml/2011/main" xmlns="" val="1"/>
             </a:ext>
           </a:extLst>
         </p:spPr>
@@ -26457,14 +26457,14 @@
           </a:ln>
           <a:extLst>
             <a:ext uri="{909E8E84-426E-40dd-AFC4-6F175D3DCCD1}">
-              <a14:hiddenFill xmlns:a14="http://schemas.microsoft.com/office/drawing/2010/main" xmlns="">
+              <a14:hiddenFill xmlns="" xmlns:a14="http://schemas.microsoft.com/office/drawing/2010/main">
                 <a:solidFill>
                   <a:srgbClr val="FFFFFF"/>
                 </a:solidFill>
               </a14:hiddenFill>
             </a:ext>
             <a:ext uri="{91240B29-F687-4f45-9708-019B960494DF}">
-              <a14:hiddenLine xmlns:a14="http://schemas.microsoft.com/office/drawing/2010/main" xmlns="" w="9525">
+              <a14:hiddenLine xmlns="" xmlns:a14="http://schemas.microsoft.com/office/drawing/2010/main" w="9525">
                 <a:solidFill>
                   <a:srgbClr val="000000"/>
                 </a:solidFill>
@@ -26801,7 +26801,7 @@
         <p:spPr/>
         <p:txBody>
           <a:bodyPr>
-            <a:normAutofit fontScale="92500" lnSpcReduction="10000"/>
+            <a:normAutofit lnSpcReduction="10000"/>
           </a:bodyPr>
           <a:lstStyle/>
           <a:p>
@@ -26865,23 +26865,17 @@
                 <a:ea typeface="ＭＳ Ｐゴシック" charset="0"/>
                 <a:cs typeface="ＭＳ Ｐゴシック" charset="0"/>
               </a:rPr>
-              <a:t>Scales to track progress: most widely used is the Rancho Los Amigos Levels of Cognitive Functioning</a:t>
-            </a:r>
-          </a:p>
-          <a:p>
-            <a:pPr lvl="1">
-              <a:defRPr/>
-            </a:pPr>
-            <a:r>
-              <a:rPr lang="en-US" sz="2600">
+              <a:t>Scales to track progress: most widely used is the Rancho Los Amigos Levels of </a:t>
+            </a:r>
+            <a:r>
+              <a:rPr lang="en-US" sz="2800">
                 <a:latin typeface="Arial" charset="0"/>
                 <a:ea typeface="ＭＳ Ｐゴシック" charset="0"/>
                 <a:cs typeface="ＭＳ Ｐゴシック" charset="0"/>
-                <a:hlinkClick r:id="rId3"/>
               </a:rPr>
-              <a:t>Weird video describing RLA levels</a:t>
-            </a:r>
-            <a:endParaRPr lang="en-US" sz="2600">
+              <a:t>Cognitive Functioning</a:t>
+            </a:r>
+            <a:endParaRPr lang="en-US" sz="2800" dirty="0">
               <a:latin typeface="Arial" charset="0"/>
               <a:ea typeface="ＭＳ Ｐゴシック" charset="0"/>
               <a:cs typeface="ＭＳ Ｐゴシック" charset="0"/>
